--- a/Lectures/Lecture4.pptx
+++ b/Lectures/Lecture4.pptx
@@ -295,7 +295,7 @@
           <a:p>
             <a:fld id="{CBA08D16-15DC-4E25-BDC3-F25146157B16}" type="datetimeFigureOut">
               <a:rPr lang="ru-RU" smtClean="0"/>
-              <a:t>27.09.2018</a:t>
+              <a:t>28.09.2018</a:t>
             </a:fld>
             <a:endParaRPr lang="ru-RU"/>
           </a:p>
@@ -694,7 +694,7 @@
           <a:p>
             <a:fld id="{FCEC8293-DB51-454A-BE81-EC8FCB31EBA2}" type="datetime1">
               <a:rPr lang="ru-RU" smtClean="0"/>
-              <a:t>27.09.2018</a:t>
+              <a:t>28.09.2018</a:t>
             </a:fld>
             <a:endParaRPr lang="ru-RU"/>
           </a:p>
@@ -868,7 +868,7 @@
           <a:p>
             <a:fld id="{241C87B1-1C35-4DBD-BC18-2BC72E776603}" type="datetime1">
               <a:rPr lang="ru-RU" smtClean="0"/>
-              <a:t>27.09.2018</a:t>
+              <a:t>28.09.2018</a:t>
             </a:fld>
             <a:endParaRPr lang="ru-RU"/>
           </a:p>
@@ -1052,7 +1052,7 @@
           <a:p>
             <a:fld id="{3134C275-26C0-42CD-9111-9ADE65922AF9}" type="datetime1">
               <a:rPr lang="ru-RU" smtClean="0"/>
-              <a:t>27.09.2018</a:t>
+              <a:t>28.09.2018</a:t>
             </a:fld>
             <a:endParaRPr lang="ru-RU"/>
           </a:p>
@@ -1226,7 +1226,7 @@
           <a:p>
             <a:fld id="{C1A9A50B-C350-45F5-8AAB-ADB9E670AF2E}" type="datetime1">
               <a:rPr lang="ru-RU" smtClean="0"/>
-              <a:t>27.09.2018</a:t>
+              <a:t>28.09.2018</a:t>
             </a:fld>
             <a:endParaRPr lang="ru-RU"/>
           </a:p>
@@ -1476,7 +1476,7 @@
           <a:p>
             <a:fld id="{089688C9-348F-42F9-B6C0-5990DDE0C5B2}" type="datetime1">
               <a:rPr lang="ru-RU" smtClean="0"/>
-              <a:t>27.09.2018</a:t>
+              <a:t>28.09.2018</a:t>
             </a:fld>
             <a:endParaRPr lang="ru-RU"/>
           </a:p>
@@ -1712,7 +1712,7 @@
           <a:p>
             <a:fld id="{684AFD8F-6DD9-4AD3-A505-FDC3F5C5F3F6}" type="datetime1">
               <a:rPr lang="ru-RU" smtClean="0"/>
-              <a:t>27.09.2018</a:t>
+              <a:t>28.09.2018</a:t>
             </a:fld>
             <a:endParaRPr lang="ru-RU"/>
           </a:p>
@@ -2083,7 +2083,7 @@
           <a:p>
             <a:fld id="{63551EFE-4D02-45EB-A747-8B6F047B5AA0}" type="datetime1">
               <a:rPr lang="ru-RU" smtClean="0"/>
-              <a:t>27.09.2018</a:t>
+              <a:t>28.09.2018</a:t>
             </a:fld>
             <a:endParaRPr lang="ru-RU"/>
           </a:p>
@@ -2205,7 +2205,7 @@
           <a:p>
             <a:fld id="{813A9F34-E5CD-4B8F-AA9E-889C84372B20}" type="datetime1">
               <a:rPr lang="ru-RU" smtClean="0"/>
-              <a:t>27.09.2018</a:t>
+              <a:t>28.09.2018</a:t>
             </a:fld>
             <a:endParaRPr lang="ru-RU"/>
           </a:p>
@@ -2304,7 +2304,7 @@
           <a:p>
             <a:fld id="{51224D22-9B29-44A6-8E82-95FC492DEDC1}" type="datetime1">
               <a:rPr lang="ru-RU" smtClean="0"/>
-              <a:t>27.09.2018</a:t>
+              <a:t>28.09.2018</a:t>
             </a:fld>
             <a:endParaRPr lang="ru-RU"/>
           </a:p>
@@ -2585,7 +2585,7 @@
           <a:p>
             <a:fld id="{91D1034F-4441-48A1-BDC0-25EA1022324A}" type="datetime1">
               <a:rPr lang="ru-RU" smtClean="0"/>
-              <a:t>27.09.2018</a:t>
+              <a:t>28.09.2018</a:t>
             </a:fld>
             <a:endParaRPr lang="ru-RU"/>
           </a:p>
@@ -2842,7 +2842,7 @@
           <a:p>
             <a:fld id="{B0FFDE79-B627-473B-AE17-4C65BD2495F7}" type="datetime1">
               <a:rPr lang="ru-RU" smtClean="0"/>
-              <a:t>27.09.2018</a:t>
+              <a:t>28.09.2018</a:t>
             </a:fld>
             <a:endParaRPr lang="ru-RU"/>
           </a:p>
@@ -3059,7 +3059,7 @@
           <a:p>
             <a:fld id="{11CA537A-1B8C-47BA-9BA6-7CE3FAFDA8BE}" type="datetime1">
               <a:rPr lang="ru-RU" smtClean="0"/>
-              <a:t>27.09.2018</a:t>
+              <a:t>28.09.2018</a:t>
             </a:fld>
             <a:endParaRPr lang="ru-RU"/>
           </a:p>
@@ -7037,8 +7037,8 @@
           </a:p>
         </p:txBody>
       </p:sp>
-      <mc:AlternateContent xmlns:mc="http://schemas.openxmlformats.org/markup-compatibility/2006" xmlns:a14="http://schemas.microsoft.com/office/drawing/2010/main">
-        <mc:Choice Requires="a14">
+      <mc:AlternateContent xmlns:mc="http://schemas.openxmlformats.org/markup-compatibility/2006">
+        <mc:Choice xmlns:a14="http://schemas.microsoft.com/office/drawing/2010/main" Requires="a14">
           <p:sp>
             <p:nvSpPr>
               <p:cNvPr id="3" name="Объект 2"/>
@@ -7181,7 +7181,13 @@
                           <a:rPr lang="en-US" b="0" i="1" smtClean="0">
                             <a:latin typeface="Cambria Math" panose="02040503050406030204" pitchFamily="18" charset="0"/>
                           </a:rPr>
-                          <m:t>𝑃𝑅𝐹</m:t>
+                          <m:t>𝑃𝑅</m:t>
+                        </m:r>
+                        <m:r>
+                          <a:rPr lang="en-US" b="0" i="1" smtClean="0">
+                            <a:latin typeface="Cambria Math" panose="02040503050406030204" pitchFamily="18" charset="0"/>
+                          </a:rPr>
+                          <m:t>𝑃</m:t>
                         </m:r>
                       </m:e>
                       <m:sub>
@@ -7274,7 +7280,7 @@
             </p:txBody>
           </p:sp>
         </mc:Choice>
-        <mc:Fallback xmlns="">
+        <mc:Fallback>
           <p:sp>
             <p:nvSpPr>
               <p:cNvPr id="3" name="Объект 2"/>
@@ -16235,8 +16241,8 @@
           </a:p>
         </p:txBody>
       </p:sp>
-      <mc:AlternateContent xmlns:mc="http://schemas.openxmlformats.org/markup-compatibility/2006" xmlns:a14="http://schemas.microsoft.com/office/drawing/2010/main">
-        <mc:Choice Requires="a14">
+      <mc:AlternateContent xmlns:mc="http://schemas.openxmlformats.org/markup-compatibility/2006">
+        <mc:Choice xmlns:a14="http://schemas.microsoft.com/office/drawing/2010/main" Requires="a14">
           <p:sp>
             <p:nvSpPr>
               <p:cNvPr id="3" name="Объект 2"/>
@@ -16260,12 +16266,12 @@
                   <a:t>Блочный шифр называется стойким </a:t>
                 </a:r>
                 <a:r>
-                  <a:rPr lang="ru-RU" dirty="0" err="1" smtClean="0"/>
-                  <a:t>непредстказуемым</a:t>
-                </a:r>
-                <a:r>
                   <a:rPr lang="ru-RU" dirty="0" smtClean="0"/>
-                  <a:t> блочным шифром, если для всех эффективных противников </a:t>
+                  <a:t>непредсказуемым </a:t>
+                </a:r>
+                <a:r>
+                  <a:rPr lang="ru-RU" dirty="0" smtClean="0"/>
+                  <a:t>блочным шифром, если для всех эффективных противников </a:t>
                 </a:r>
                 <a14:m>
                   <m:oMath xmlns:m="http://schemas.openxmlformats.org/officeDocument/2006/math">
@@ -16484,7 +16490,7 @@
             </p:txBody>
           </p:sp>
         </mc:Choice>
-        <mc:Fallback xmlns="">
+        <mc:Fallback>
           <p:sp>
             <p:nvSpPr>
               <p:cNvPr id="3" name="Объект 2"/>
@@ -18282,8 +18288,8 @@
           </a:p>
         </p:txBody>
       </p:sp>
-      <mc:AlternateContent xmlns:mc="http://schemas.openxmlformats.org/markup-compatibility/2006">
-        <mc:Choice xmlns:a14="http://schemas.microsoft.com/office/drawing/2010/main" Requires="a14">
+      <mc:AlternateContent xmlns:mc="http://schemas.openxmlformats.org/markup-compatibility/2006" xmlns:a14="http://schemas.microsoft.com/office/drawing/2010/main">
+        <mc:Choice Requires="a14">
           <p:sp>
             <p:nvSpPr>
               <p:cNvPr id="3" name="Объект 2"/>
@@ -18584,7 +18590,7 @@
             </p:txBody>
           </p:sp>
         </mc:Choice>
-        <mc:Fallback>
+        <mc:Fallback xmlns="">
           <p:sp>
             <p:nvSpPr>
               <p:cNvPr id="3" name="Объект 2"/>
@@ -21939,8 +21945,8 @@
           </a:p>
         </p:txBody>
       </p:sp>
-      <mc:AlternateContent xmlns:mc="http://schemas.openxmlformats.org/markup-compatibility/2006" xmlns:a14="http://schemas.microsoft.com/office/drawing/2010/main">
-        <mc:Choice Requires="a14">
+      <mc:AlternateContent xmlns:mc="http://schemas.openxmlformats.org/markup-compatibility/2006">
+        <mc:Choice xmlns:a14="http://schemas.microsoft.com/office/drawing/2010/main" Requires="a14">
           <p:sp>
             <p:nvSpPr>
               <p:cNvPr id="3" name="Объект 2"/>
@@ -22097,7 +22103,13 @@
                       <a:rPr lang="en-US" b="0" i="1" dirty="0" smtClean="0">
                         <a:latin typeface="Cambria Math" panose="02040503050406030204" pitchFamily="18" charset="0"/>
                       </a:rPr>
-                      <m:t>𝑃𝑒𝑟</m:t>
+                      <m:t>𝑃𝑟</m:t>
+                    </m:r>
+                    <m:r>
+                      <a:rPr lang="en-US" b="0" i="1" dirty="0" smtClean="0">
+                        <a:latin typeface="Cambria Math" panose="02040503050406030204" pitchFamily="18" charset="0"/>
+                      </a:rPr>
+                      <m:t>𝑒</m:t>
                     </m:r>
                     <m:sSub>
                       <m:sSubPr>
@@ -22311,25 +22323,12 @@
                       </a:rPr>
                       <m:t>𝑃𝑟</m:t>
                     </m:r>
-                    <m:d>
-                      <m:dPr>
-                        <m:begChr m:val="["/>
-                        <m:endChr m:val="]"/>
-                        <m:ctrlPr>
-                          <a:rPr lang="en-US" b="0" i="1" smtClean="0">
-                            <a:latin typeface="Cambria Math" panose="02040503050406030204" pitchFamily="18" charset="0"/>
-                          </a:rPr>
-                        </m:ctrlPr>
-                      </m:dPr>
-                      <m:e>
-                        <m:r>
-                          <a:rPr lang="ru-RU" b="0" i="1" smtClean="0">
-                            <a:latin typeface="Cambria Math" panose="02040503050406030204" pitchFamily="18" charset="0"/>
-                          </a:rPr>
-                          <m:t>угадать рузультат случайной функции</m:t>
-                        </m:r>
-                      </m:e>
-                    </m:d>
+                    <m:r>
+                      <a:rPr lang="ru-RU" i="1">
+                        <a:latin typeface="Cambria Math" panose="02040503050406030204" pitchFamily="18" charset="0"/>
+                      </a:rPr>
+                      <m:t>угадать результат случайной функции</m:t>
+                    </m:r>
                     <m:r>
                       <a:rPr lang="en-US" b="0" i="1" smtClean="0">
                         <a:latin typeface="Cambria Math" panose="02040503050406030204" pitchFamily="18" charset="0"/>
@@ -22409,7 +22408,7 @@
             </p:txBody>
           </p:sp>
         </mc:Choice>
-        <mc:Fallback xmlns="">
+        <mc:Fallback>
           <p:sp>
             <p:nvSpPr>
               <p:cNvPr id="3" name="Объект 2"/>
@@ -24957,8 +24956,8 @@
           </a:p>
         </p:txBody>
       </p:sp>
-      <mc:AlternateContent xmlns:mc="http://schemas.openxmlformats.org/markup-compatibility/2006">
-        <mc:Choice xmlns:a14="http://schemas.microsoft.com/office/drawing/2010/main" Requires="a14">
+      <mc:AlternateContent xmlns:mc="http://schemas.openxmlformats.org/markup-compatibility/2006" xmlns:a14="http://schemas.microsoft.com/office/drawing/2010/main">
+        <mc:Choice Requires="a14">
           <p:sp>
             <p:nvSpPr>
               <p:cNvPr id="3" name="Объект 2"/>
@@ -25420,7 +25419,7 @@
             </p:txBody>
           </p:sp>
         </mc:Choice>
-        <mc:Fallback>
+        <mc:Fallback xmlns="">
           <p:sp>
             <p:nvSpPr>
               <p:cNvPr id="3" name="Объект 2"/>
@@ -30426,8 +30425,8 @@
           </a:p>
         </p:txBody>
       </p:sp>
-      <mc:AlternateContent xmlns:mc="http://schemas.openxmlformats.org/markup-compatibility/2006">
-        <mc:Choice xmlns:a14="http://schemas.microsoft.com/office/drawing/2010/main" Requires="a14">
+      <mc:AlternateContent xmlns:mc="http://schemas.openxmlformats.org/markup-compatibility/2006" xmlns:a14="http://schemas.microsoft.com/office/drawing/2010/main">
+        <mc:Choice Requires="a14">
           <p:sp>
             <p:nvSpPr>
               <p:cNvPr id="3" name="Объект 2"/>
@@ -30638,7 +30637,7 @@
             </p:txBody>
           </p:sp>
         </mc:Choice>
-        <mc:Fallback>
+        <mc:Fallback xmlns="">
           <p:sp>
             <p:nvSpPr>
               <p:cNvPr id="3" name="Объект 2"/>
@@ -33000,8 +32999,8 @@
           </a:p>
         </p:txBody>
       </p:sp>
-      <mc:AlternateContent xmlns:mc="http://schemas.openxmlformats.org/markup-compatibility/2006">
-        <mc:Choice xmlns:a14="http://schemas.microsoft.com/office/drawing/2010/main" Requires="a14">
+      <mc:AlternateContent xmlns:mc="http://schemas.openxmlformats.org/markup-compatibility/2006" xmlns:a14="http://schemas.microsoft.com/office/drawing/2010/main">
+        <mc:Choice Requires="a14">
           <p:sp>
             <p:nvSpPr>
               <p:cNvPr id="3" name="Объект 2"/>
@@ -33803,7 +33802,7 @@
             </p:txBody>
           </p:sp>
         </mc:Choice>
-        <mc:Fallback>
+        <mc:Fallback xmlns="">
           <p:sp>
             <p:nvSpPr>
               <p:cNvPr id="3" name="Объект 2"/>
@@ -34795,8 +34794,8 @@
           </a:p>
         </p:txBody>
       </p:sp>
-      <mc:AlternateContent xmlns:mc="http://schemas.openxmlformats.org/markup-compatibility/2006">
-        <mc:Choice xmlns:a14="http://schemas.microsoft.com/office/drawing/2010/main" Requires="a14">
+      <mc:AlternateContent xmlns:mc="http://schemas.openxmlformats.org/markup-compatibility/2006" xmlns:a14="http://schemas.microsoft.com/office/drawing/2010/main">
+        <mc:Choice Requires="a14">
           <p:sp>
             <p:nvSpPr>
               <p:cNvPr id="21" name="Rectangle 20"/>
@@ -34836,6 +34835,7 @@
               <a:bodyPr wrap="none" anchor="ctr"/>
               <a:lstStyle/>
               <a:p>
+                <a:pPr/>
                 <a14:m>
                   <m:oMathPara xmlns:m="http://schemas.openxmlformats.org/officeDocument/2006/math">
                     <m:oMathParaPr>
@@ -34875,7 +34875,7 @@
             </p:txBody>
           </p:sp>
         </mc:Choice>
-        <mc:Fallback>
+        <mc:Fallback xmlns="">
           <p:sp>
             <p:nvSpPr>
               <p:cNvPr id="21" name="Rectangle 20"/>
@@ -35088,8 +35088,8 @@
           </a:p>
         </p:txBody>
       </p:sp>
-      <mc:AlternateContent xmlns:mc="http://schemas.openxmlformats.org/markup-compatibility/2006">
-        <mc:Choice xmlns:a14="http://schemas.microsoft.com/office/drawing/2010/main" Requires="a14">
+      <mc:AlternateContent xmlns:mc="http://schemas.openxmlformats.org/markup-compatibility/2006" xmlns:a14="http://schemas.microsoft.com/office/drawing/2010/main">
+        <mc:Choice Requires="a14">
           <p:sp>
             <p:nvSpPr>
               <p:cNvPr id="28" name="Rectangle 27"/>
@@ -35171,7 +35171,7 @@
             </p:txBody>
           </p:sp>
         </mc:Choice>
-        <mc:Fallback>
+        <mc:Fallback xmlns="">
           <p:sp>
             <p:nvSpPr>
               <p:cNvPr id="28" name="Rectangle 27"/>
@@ -35360,8 +35360,8 @@
           </a:p>
         </p:txBody>
       </p:sp>
-      <mc:AlternateContent xmlns:mc="http://schemas.openxmlformats.org/markup-compatibility/2006">
-        <mc:Choice xmlns:a14="http://schemas.microsoft.com/office/drawing/2010/main" Requires="a14">
+      <mc:AlternateContent xmlns:mc="http://schemas.openxmlformats.org/markup-compatibility/2006" xmlns:a14="http://schemas.microsoft.com/office/drawing/2010/main">
+        <mc:Choice Requires="a14">
           <p:sp>
             <p:nvSpPr>
               <p:cNvPr id="42" name="Rectangle 27"/>
@@ -35443,7 +35443,7 @@
             </p:txBody>
           </p:sp>
         </mc:Choice>
-        <mc:Fallback>
+        <mc:Fallback xmlns="">
           <p:sp>
             <p:nvSpPr>
               <p:cNvPr id="42" name="Rectangle 27"/>
@@ -36274,8 +36274,8 @@
           </a:p>
         </p:txBody>
       </p:sp>
-      <mc:AlternateContent xmlns:mc="http://schemas.openxmlformats.org/markup-compatibility/2006">
-        <mc:Choice xmlns:a14="http://schemas.microsoft.com/office/drawing/2010/main" Requires="a14">
+      <mc:AlternateContent xmlns:mc="http://schemas.openxmlformats.org/markup-compatibility/2006" xmlns:a14="http://schemas.microsoft.com/office/drawing/2010/main">
+        <mc:Choice Requires="a14">
           <p:sp>
             <p:nvSpPr>
               <p:cNvPr id="3" name="Объект 2"/>
@@ -36583,7 +36583,7 @@
                     <m:sSub>
                       <m:sSubPr>
                         <m:ctrlPr>
-                          <a:rPr lang="en-US" b="0" i="0" dirty="0" smtClean="0">
+                          <a:rPr lang="en-US" b="0" i="1" dirty="0" smtClean="0">
                             <a:latin typeface="Cambria Math" panose="02040503050406030204" pitchFamily="18" charset="0"/>
                             <a:ea typeface="Cambria Math" panose="02040503050406030204" pitchFamily="18" charset="0"/>
                           </a:rPr>
@@ -36621,7 +36621,7 @@
                     <m:sSub>
                       <m:sSubPr>
                         <m:ctrlPr>
-                          <a:rPr lang="en-US" b="0" i="0" dirty="0" smtClean="0">
+                          <a:rPr lang="en-US" b="0" i="1" dirty="0" smtClean="0">
                             <a:latin typeface="Cambria Math" panose="02040503050406030204" pitchFamily="18" charset="0"/>
                             <a:ea typeface="Cambria Math" panose="02040503050406030204" pitchFamily="18" charset="0"/>
                           </a:rPr>
@@ -36659,7 +36659,7 @@
                     <m:sSub>
                       <m:sSubPr>
                         <m:ctrlPr>
-                          <a:rPr lang="en-US" b="0" i="0" dirty="0" smtClean="0">
+                          <a:rPr lang="en-US" b="0" i="1" dirty="0" smtClean="0">
                             <a:latin typeface="Cambria Math" panose="02040503050406030204" pitchFamily="18" charset="0"/>
                             <a:ea typeface="Cambria Math" panose="02040503050406030204" pitchFamily="18" charset="0"/>
                           </a:rPr>
@@ -36697,7 +36697,7 @@
                     <m:d>
                       <m:dPr>
                         <m:ctrlPr>
-                          <a:rPr lang="en-US" b="0" i="0" dirty="0" smtClean="0">
+                          <a:rPr lang="en-US" b="0" i="1" dirty="0" smtClean="0">
                             <a:latin typeface="Cambria Math" panose="02040503050406030204" pitchFamily="18" charset="0"/>
                             <a:ea typeface="Cambria Math" panose="02040503050406030204" pitchFamily="18" charset="0"/>
                           </a:rPr>
@@ -36743,7 +36743,7 @@
                     <m:sSub>
                       <m:sSubPr>
                         <m:ctrlPr>
-                          <a:rPr lang="en-US" b="0" i="0" dirty="0" smtClean="0">
+                          <a:rPr lang="en-US" b="0" i="1" dirty="0" smtClean="0">
                             <a:latin typeface="Cambria Math" panose="02040503050406030204" pitchFamily="18" charset="0"/>
                             <a:ea typeface="Cambria Math" panose="02040503050406030204" pitchFamily="18" charset="0"/>
                           </a:rPr>
@@ -36781,7 +36781,7 @@
                     <m:d>
                       <m:dPr>
                         <m:ctrlPr>
-                          <a:rPr lang="en-US" b="0" i="0" dirty="0" smtClean="0">
+                          <a:rPr lang="en-US" b="0" i="1" dirty="0" smtClean="0">
                             <a:latin typeface="Cambria Math" panose="02040503050406030204" pitchFamily="18" charset="0"/>
                             <a:ea typeface="Cambria Math" panose="02040503050406030204" pitchFamily="18" charset="0"/>
                           </a:rPr>
@@ -37176,7 +37176,7 @@
             </p:txBody>
           </p:sp>
         </mc:Choice>
-        <mc:Fallback>
+        <mc:Fallback xmlns="">
           <p:sp>
             <p:nvSpPr>
               <p:cNvPr id="3" name="Объект 2"/>
@@ -37293,8 +37293,8 @@
           </a:p>
         </p:txBody>
       </p:sp>
-      <mc:AlternateContent xmlns:mc="http://schemas.openxmlformats.org/markup-compatibility/2006">
-        <mc:Choice xmlns:a14="http://schemas.microsoft.com/office/drawing/2010/main" Requires="a14">
+      <mc:AlternateContent xmlns:mc="http://schemas.openxmlformats.org/markup-compatibility/2006" xmlns:a14="http://schemas.microsoft.com/office/drawing/2010/main">
+        <mc:Choice Requires="a14">
           <p:sp>
             <p:nvSpPr>
               <p:cNvPr id="3" name="Объект 2"/>
@@ -37571,7 +37571,7 @@
             </p:txBody>
           </p:sp>
         </mc:Choice>
-        <mc:Fallback>
+        <mc:Fallback xmlns="">
           <p:sp>
             <p:nvSpPr>
               <p:cNvPr id="3" name="Объект 2"/>
@@ -37725,8 +37725,8 @@
           </a:p>
         </p:txBody>
       </p:sp>
-      <mc:AlternateContent xmlns:mc="http://schemas.openxmlformats.org/markup-compatibility/2006">
-        <mc:Choice xmlns:a14="http://schemas.microsoft.com/office/drawing/2010/main" Requires="a14">
+      <mc:AlternateContent xmlns:mc="http://schemas.openxmlformats.org/markup-compatibility/2006" xmlns:a14="http://schemas.microsoft.com/office/drawing/2010/main">
+        <mc:Choice Requires="a14">
           <p:sp>
             <p:nvSpPr>
               <p:cNvPr id="3" name="Объект 2"/>
@@ -38234,7 +38234,7 @@
             </p:txBody>
           </p:sp>
         </mc:Choice>
-        <mc:Fallback>
+        <mc:Fallback xmlns="">
           <p:sp>
             <p:nvSpPr>
               <p:cNvPr id="3" name="Объект 2"/>
@@ -38374,8 +38374,8 @@
           </a:p>
         </p:txBody>
       </p:sp>
-      <mc:AlternateContent xmlns:mc="http://schemas.openxmlformats.org/markup-compatibility/2006">
-        <mc:Choice xmlns:a14="http://schemas.microsoft.com/office/drawing/2010/main" Requires="a14">
+      <mc:AlternateContent xmlns:mc="http://schemas.openxmlformats.org/markup-compatibility/2006" xmlns:a14="http://schemas.microsoft.com/office/drawing/2010/main">
+        <mc:Choice Requires="a14">
           <p:sp>
             <p:nvSpPr>
               <p:cNvPr id="3" name="Объект 2"/>
@@ -38475,7 +38475,7 @@
             </p:txBody>
           </p:sp>
         </mc:Choice>
-        <mc:Fallback>
+        <mc:Fallback xmlns="">
           <p:sp>
             <p:nvSpPr>
               <p:cNvPr id="3" name="Объект 2"/>
@@ -39698,8 +39698,8 @@
           </a:p>
         </p:txBody>
       </p:sp>
-      <mc:AlternateContent xmlns:mc="http://schemas.openxmlformats.org/markup-compatibility/2006">
-        <mc:Choice xmlns:a14="http://schemas.microsoft.com/office/drawing/2010/main" Requires="a14">
+      <mc:AlternateContent xmlns:mc="http://schemas.openxmlformats.org/markup-compatibility/2006" xmlns:a14="http://schemas.microsoft.com/office/drawing/2010/main">
+        <mc:Choice Requires="a14">
           <p:sp>
             <p:nvSpPr>
               <p:cNvPr id="3" name="Объект 2"/>
@@ -39844,7 +39844,7 @@
             </p:txBody>
           </p:sp>
         </mc:Choice>
-        <mc:Fallback>
+        <mc:Fallback xmlns="">
           <p:sp>
             <p:nvSpPr>
               <p:cNvPr id="3" name="Объект 2"/>

--- a/Lectures/Lecture4.pptx
+++ b/Lectures/Lecture4.pptx
@@ -295,7 +295,7 @@
           <a:p>
             <a:fld id="{CBA08D16-15DC-4E25-BDC3-F25146157B16}" type="datetimeFigureOut">
               <a:rPr lang="ru-RU" smtClean="0"/>
-              <a:t>28.09.2018</a:t>
+              <a:t>17.10.2018</a:t>
             </a:fld>
             <a:endParaRPr lang="ru-RU"/>
           </a:p>
@@ -694,7 +694,7 @@
           <a:p>
             <a:fld id="{FCEC8293-DB51-454A-BE81-EC8FCB31EBA2}" type="datetime1">
               <a:rPr lang="ru-RU" smtClean="0"/>
-              <a:t>28.09.2018</a:t>
+              <a:t>17.10.2018</a:t>
             </a:fld>
             <a:endParaRPr lang="ru-RU"/>
           </a:p>
@@ -868,7 +868,7 @@
           <a:p>
             <a:fld id="{241C87B1-1C35-4DBD-BC18-2BC72E776603}" type="datetime1">
               <a:rPr lang="ru-RU" smtClean="0"/>
-              <a:t>28.09.2018</a:t>
+              <a:t>17.10.2018</a:t>
             </a:fld>
             <a:endParaRPr lang="ru-RU"/>
           </a:p>
@@ -1052,7 +1052,7 @@
           <a:p>
             <a:fld id="{3134C275-26C0-42CD-9111-9ADE65922AF9}" type="datetime1">
               <a:rPr lang="ru-RU" smtClean="0"/>
-              <a:t>28.09.2018</a:t>
+              <a:t>17.10.2018</a:t>
             </a:fld>
             <a:endParaRPr lang="ru-RU"/>
           </a:p>
@@ -1226,7 +1226,7 @@
           <a:p>
             <a:fld id="{C1A9A50B-C350-45F5-8AAB-ADB9E670AF2E}" type="datetime1">
               <a:rPr lang="ru-RU" smtClean="0"/>
-              <a:t>28.09.2018</a:t>
+              <a:t>17.10.2018</a:t>
             </a:fld>
             <a:endParaRPr lang="ru-RU"/>
           </a:p>
@@ -1476,7 +1476,7 @@
           <a:p>
             <a:fld id="{089688C9-348F-42F9-B6C0-5990DDE0C5B2}" type="datetime1">
               <a:rPr lang="ru-RU" smtClean="0"/>
-              <a:t>28.09.2018</a:t>
+              <a:t>17.10.2018</a:t>
             </a:fld>
             <a:endParaRPr lang="ru-RU"/>
           </a:p>
@@ -1712,7 +1712,7 @@
           <a:p>
             <a:fld id="{684AFD8F-6DD9-4AD3-A505-FDC3F5C5F3F6}" type="datetime1">
               <a:rPr lang="ru-RU" smtClean="0"/>
-              <a:t>28.09.2018</a:t>
+              <a:t>17.10.2018</a:t>
             </a:fld>
             <a:endParaRPr lang="ru-RU"/>
           </a:p>
@@ -2083,7 +2083,7 @@
           <a:p>
             <a:fld id="{63551EFE-4D02-45EB-A747-8B6F047B5AA0}" type="datetime1">
               <a:rPr lang="ru-RU" smtClean="0"/>
-              <a:t>28.09.2018</a:t>
+              <a:t>17.10.2018</a:t>
             </a:fld>
             <a:endParaRPr lang="ru-RU"/>
           </a:p>
@@ -2205,7 +2205,7 @@
           <a:p>
             <a:fld id="{813A9F34-E5CD-4B8F-AA9E-889C84372B20}" type="datetime1">
               <a:rPr lang="ru-RU" smtClean="0"/>
-              <a:t>28.09.2018</a:t>
+              <a:t>17.10.2018</a:t>
             </a:fld>
             <a:endParaRPr lang="ru-RU"/>
           </a:p>
@@ -2304,7 +2304,7 @@
           <a:p>
             <a:fld id="{51224D22-9B29-44A6-8E82-95FC492DEDC1}" type="datetime1">
               <a:rPr lang="ru-RU" smtClean="0"/>
-              <a:t>28.09.2018</a:t>
+              <a:t>17.10.2018</a:t>
             </a:fld>
             <a:endParaRPr lang="ru-RU"/>
           </a:p>
@@ -2585,7 +2585,7 @@
           <a:p>
             <a:fld id="{91D1034F-4441-48A1-BDC0-25EA1022324A}" type="datetime1">
               <a:rPr lang="ru-RU" smtClean="0"/>
-              <a:t>28.09.2018</a:t>
+              <a:t>17.10.2018</a:t>
             </a:fld>
             <a:endParaRPr lang="ru-RU"/>
           </a:p>
@@ -2842,7 +2842,7 @@
           <a:p>
             <a:fld id="{B0FFDE79-B627-473B-AE17-4C65BD2495F7}" type="datetime1">
               <a:rPr lang="ru-RU" smtClean="0"/>
-              <a:t>28.09.2018</a:t>
+              <a:t>17.10.2018</a:t>
             </a:fld>
             <a:endParaRPr lang="ru-RU"/>
           </a:p>
@@ -3059,7 +3059,7 @@
           <a:p>
             <a:fld id="{11CA537A-1B8C-47BA-9BA6-7CE3FAFDA8BE}" type="datetime1">
               <a:rPr lang="ru-RU" smtClean="0"/>
-              <a:t>28.09.2018</a:t>
+              <a:t>17.10.2018</a:t>
             </a:fld>
             <a:endParaRPr lang="ru-RU"/>
           </a:p>
@@ -7037,8 +7037,8 @@
           </a:p>
         </p:txBody>
       </p:sp>
-      <mc:AlternateContent xmlns:mc="http://schemas.openxmlformats.org/markup-compatibility/2006">
-        <mc:Choice xmlns:a14="http://schemas.microsoft.com/office/drawing/2010/main" Requires="a14">
+      <mc:AlternateContent xmlns:mc="http://schemas.openxmlformats.org/markup-compatibility/2006" xmlns:a14="http://schemas.microsoft.com/office/drawing/2010/main">
+        <mc:Choice Requires="a14">
           <p:sp>
             <p:nvSpPr>
               <p:cNvPr id="3" name="Объект 2"/>
@@ -7181,13 +7181,7 @@
                           <a:rPr lang="en-US" b="0" i="1" smtClean="0">
                             <a:latin typeface="Cambria Math" panose="02040503050406030204" pitchFamily="18" charset="0"/>
                           </a:rPr>
-                          <m:t>𝑃𝑅</m:t>
-                        </m:r>
-                        <m:r>
-                          <a:rPr lang="en-US" b="0" i="1" smtClean="0">
-                            <a:latin typeface="Cambria Math" panose="02040503050406030204" pitchFamily="18" charset="0"/>
-                          </a:rPr>
-                          <m:t>𝑃</m:t>
+                          <m:t>𝑃𝑅𝑃</m:t>
                         </m:r>
                       </m:e>
                       <m:sub>
@@ -7280,7 +7274,7 @@
             </p:txBody>
           </p:sp>
         </mc:Choice>
-        <mc:Fallback>
+        <mc:Fallback xmlns="">
           <p:sp>
             <p:nvSpPr>
               <p:cNvPr id="3" name="Объект 2"/>
@@ -16241,8 +16235,8 @@
           </a:p>
         </p:txBody>
       </p:sp>
-      <mc:AlternateContent xmlns:mc="http://schemas.openxmlformats.org/markup-compatibility/2006">
-        <mc:Choice xmlns:a14="http://schemas.microsoft.com/office/drawing/2010/main" Requires="a14">
+      <mc:AlternateContent xmlns:mc="http://schemas.openxmlformats.org/markup-compatibility/2006" xmlns:a14="http://schemas.microsoft.com/office/drawing/2010/main">
+        <mc:Choice Requires="a14">
           <p:sp>
             <p:nvSpPr>
               <p:cNvPr id="3" name="Объект 2"/>
@@ -16263,15 +16257,7 @@
                 </a:pPr>
                 <a:r>
                   <a:rPr lang="ru-RU" dirty="0" smtClean="0"/>
-                  <a:t>Блочный шифр называется стойким </a:t>
-                </a:r>
-                <a:r>
-                  <a:rPr lang="ru-RU" dirty="0" smtClean="0"/>
-                  <a:t>непредсказуемым </a:t>
-                </a:r>
-                <a:r>
-                  <a:rPr lang="ru-RU" dirty="0" smtClean="0"/>
-                  <a:t>блочным шифром, если для всех эффективных противников </a:t>
+                  <a:t>Блочный шифр называется стойким непредсказуемым блочным шифром, если для всех эффективных противников </a:t>
                 </a:r>
                 <a14:m>
                   <m:oMath xmlns:m="http://schemas.openxmlformats.org/officeDocument/2006/math">
@@ -16490,7 +16476,7 @@
             </p:txBody>
           </p:sp>
         </mc:Choice>
-        <mc:Fallback>
+        <mc:Fallback xmlns="">
           <p:sp>
             <p:nvSpPr>
               <p:cNvPr id="3" name="Объект 2"/>
@@ -21945,8 +21931,8 @@
           </a:p>
         </p:txBody>
       </p:sp>
-      <mc:AlternateContent xmlns:mc="http://schemas.openxmlformats.org/markup-compatibility/2006">
-        <mc:Choice xmlns:a14="http://schemas.microsoft.com/office/drawing/2010/main" Requires="a14">
+      <mc:AlternateContent xmlns:mc="http://schemas.openxmlformats.org/markup-compatibility/2006" xmlns:a14="http://schemas.microsoft.com/office/drawing/2010/main">
+        <mc:Choice Requires="a14">
           <p:sp>
             <p:nvSpPr>
               <p:cNvPr id="3" name="Объект 2"/>
@@ -22103,13 +22089,7 @@
                       <a:rPr lang="en-US" b="0" i="1" dirty="0" smtClean="0">
                         <a:latin typeface="Cambria Math" panose="02040503050406030204" pitchFamily="18" charset="0"/>
                       </a:rPr>
-                      <m:t>𝑃𝑟</m:t>
-                    </m:r>
-                    <m:r>
-                      <a:rPr lang="en-US" b="0" i="1" dirty="0" smtClean="0">
-                        <a:latin typeface="Cambria Math" panose="02040503050406030204" pitchFamily="18" charset="0"/>
-                      </a:rPr>
-                      <m:t>𝑒</m:t>
+                      <m:t>𝑃𝑟𝑒</m:t>
                     </m:r>
                     <m:sSub>
                       <m:sSubPr>
@@ -22408,7 +22388,7 @@
             </p:txBody>
           </p:sp>
         </mc:Choice>
-        <mc:Fallback>
+        <mc:Fallback xmlns="">
           <p:sp>
             <p:nvSpPr>
               <p:cNvPr id="3" name="Объект 2"/>
@@ -42182,8 +42162,8 @@
           </a:p>
         </p:txBody>
       </p:sp>
-      <mc:AlternateContent xmlns:mc="http://schemas.openxmlformats.org/markup-compatibility/2006" xmlns:a14="http://schemas.microsoft.com/office/drawing/2010/main">
-        <mc:Choice Requires="a14">
+      <mc:AlternateContent xmlns:mc="http://schemas.openxmlformats.org/markup-compatibility/2006">
+        <mc:Choice xmlns:a14="http://schemas.microsoft.com/office/drawing/2010/main" Requires="a14">
           <p:sp>
             <p:nvSpPr>
               <p:cNvPr id="54" name="Text Box 13"/>
@@ -42357,16 +42337,19 @@
                       </m:e>
                     </m:groupChr>
                     <m:r>
-                      <a:rPr lang="en-US" b="0" i="1" smtClean="0">
-                        <a:latin typeface="Cambria Math" panose="02040503050406030204" pitchFamily="18" charset="0"/>
-                      </a:rPr>
-                      <m:t>𝑆</m:t>
-                    </m:r>
-                    <m:r>
-                      <a:rPr lang="en-US" b="0" i="1" smtClean="0">
-                        <a:latin typeface="Cambria Math" panose="02040503050406030204" pitchFamily="18" charset="0"/>
-                      </a:rPr>
-                      <m:t>(</m:t>
+                      <m:rPr>
+                        <m:sty m:val="p"/>
+                      </m:rPr>
+                      <a:rPr lang="en-US" b="0" i="0" smtClean="0">
+                        <a:latin typeface="Cambria Math" panose="02040503050406030204" pitchFamily="18" charset="0"/>
+                      </a:rPr>
+                      <m:t>Funs</m:t>
+                    </m:r>
+                    <m:r>
+                      <a:rPr lang="en-US" b="0" i="1" smtClean="0">
+                        <a:latin typeface="Cambria Math" panose="02040503050406030204" pitchFamily="18" charset="0"/>
+                      </a:rPr>
+                      <m:t>[</m:t>
                     </m:r>
                     <m:r>
                       <a:rPr lang="en-US" b="0" i="1" smtClean="0">
@@ -42378,7 +42361,19 @@
                       <a:rPr lang="en-US" b="0" i="1" smtClean="0">
                         <a:latin typeface="Cambria Math" panose="02040503050406030204" pitchFamily="18" charset="0"/>
                       </a:rPr>
-                      <m:t>)</m:t>
+                      <m:t>,</m:t>
+                    </m:r>
+                    <m:r>
+                      <a:rPr lang="en-US" b="0" i="1" smtClean="0">
+                        <a:latin typeface="Cambria Math" panose="02040503050406030204" pitchFamily="18" charset="0"/>
+                      </a:rPr>
+                      <m:t>𝑌</m:t>
+                    </m:r>
+                    <m:r>
+                      <a:rPr lang="en-US" b="0" i="1" smtClean="0">
+                        <a:latin typeface="Cambria Math" panose="02040503050406030204" pitchFamily="18" charset="0"/>
+                      </a:rPr>
+                      <m:t>]</m:t>
                     </m:r>
                   </m:oMath>
                 </a14:m>
@@ -42399,7 +42394,7 @@
             </p:txBody>
           </p:sp>
         </mc:Choice>
-        <mc:Fallback xmlns="">
+        <mc:Fallback>
           <p:sp>
             <p:nvSpPr>
               <p:cNvPr id="54" name="Text Box 13"/>
@@ -44597,8 +44592,8 @@
           </a:p>
         </p:txBody>
       </p:sp>
-      <mc:AlternateContent xmlns:mc="http://schemas.openxmlformats.org/markup-compatibility/2006" xmlns:a14="http://schemas.microsoft.com/office/drawing/2010/main">
-        <mc:Choice Requires="a14">
+      <mc:AlternateContent xmlns:mc="http://schemas.openxmlformats.org/markup-compatibility/2006">
+        <mc:Choice xmlns:a14="http://schemas.microsoft.com/office/drawing/2010/main" Requires="a14">
           <p:sp>
             <p:nvSpPr>
               <p:cNvPr id="29" name="Text Box 13"/>
@@ -44729,6 +44724,7 @@
                 <a:endParaRPr lang="en-US" b="0" dirty="0" smtClean="0"/>
               </a:p>
               <a:p>
+                <a:pPr/>
                 <a:r>
                   <a:rPr lang="en-US" dirty="0" smtClean="0"/>
                   <a:t>Else: </a:t>
@@ -44772,28 +44768,43 @@
                       </m:e>
                     </m:groupChr>
                     <m:r>
-                      <a:rPr lang="en-US" b="0" i="1" smtClean="0">
-                        <a:latin typeface="Cambria Math" panose="02040503050406030204" pitchFamily="18" charset="0"/>
-                      </a:rPr>
-                      <m:t>𝑆</m:t>
-                    </m:r>
-                    <m:r>
-                      <a:rPr lang="en-US" b="0" i="1" smtClean="0">
-                        <a:latin typeface="Cambria Math" panose="02040503050406030204" pitchFamily="18" charset="0"/>
-                      </a:rPr>
-                      <m:t>(</m:t>
-                    </m:r>
-                    <m:r>
-                      <a:rPr lang="en-US" b="0" i="1" smtClean="0">
+                      <m:rPr>
+                        <m:sty m:val="p"/>
+                      </m:rPr>
+                      <a:rPr lang="en-US">
+                        <a:latin typeface="Cambria Math" panose="02040503050406030204" pitchFamily="18" charset="0"/>
+                      </a:rPr>
+                      <m:t>Funs</m:t>
+                    </m:r>
+                    <m:r>
+                      <a:rPr lang="en-US" i="1">
+                        <a:latin typeface="Cambria Math" panose="02040503050406030204" pitchFamily="18" charset="0"/>
+                      </a:rPr>
+                      <m:t>[</m:t>
+                    </m:r>
+                    <m:r>
+                      <a:rPr lang="en-US" i="1">
                         <a:latin typeface="Cambria Math" panose="02040503050406030204" pitchFamily="18" charset="0"/>
                       </a:rPr>
                       <m:t>𝑋</m:t>
                     </m:r>
                     <m:r>
-                      <a:rPr lang="en-US" b="0" i="1" smtClean="0">
-                        <a:latin typeface="Cambria Math" panose="02040503050406030204" pitchFamily="18" charset="0"/>
-                      </a:rPr>
-                      <m:t>)</m:t>
+                      <a:rPr lang="en-US" i="1">
+                        <a:latin typeface="Cambria Math" panose="02040503050406030204" pitchFamily="18" charset="0"/>
+                      </a:rPr>
+                      <m:t>,</m:t>
+                    </m:r>
+                    <m:r>
+                      <a:rPr lang="en-US" i="1">
+                        <a:latin typeface="Cambria Math" panose="02040503050406030204" pitchFamily="18" charset="0"/>
+                      </a:rPr>
+                      <m:t>𝑌</m:t>
+                    </m:r>
+                    <m:r>
+                      <a:rPr lang="en-US" i="1">
+                        <a:latin typeface="Cambria Math" panose="02040503050406030204" pitchFamily="18" charset="0"/>
+                      </a:rPr>
+                      <m:t>]</m:t>
                     </m:r>
                   </m:oMath>
                 </a14:m>
@@ -44814,7 +44825,7 @@
             </p:txBody>
           </p:sp>
         </mc:Choice>
-        <mc:Fallback xmlns="">
+        <mc:Fallback>
           <p:sp>
             <p:nvSpPr>
               <p:cNvPr id="29" name="Text Box 13"/>
@@ -47134,8 +47145,8 @@
           </a:p>
         </p:txBody>
       </p:sp>
-      <mc:AlternateContent xmlns:mc="http://schemas.openxmlformats.org/markup-compatibility/2006" xmlns:a14="http://schemas.microsoft.com/office/drawing/2010/main">
-        <mc:Choice Requires="a14">
+      <mc:AlternateContent xmlns:mc="http://schemas.openxmlformats.org/markup-compatibility/2006">
+        <mc:Choice xmlns:a14="http://schemas.microsoft.com/office/drawing/2010/main" Requires="a14">
           <p:sp>
             <p:nvSpPr>
               <p:cNvPr id="54" name="Text Box 13"/>
@@ -47266,6 +47277,7 @@
                 <a:endParaRPr lang="en-US" b="0" dirty="0" smtClean="0"/>
               </a:p>
               <a:p>
+                <a:pPr/>
                 <a:r>
                   <a:rPr lang="en-US" dirty="0" smtClean="0"/>
                   <a:t>Else: </a:t>
@@ -47309,28 +47321,43 @@
                       </m:e>
                     </m:groupChr>
                     <m:r>
-                      <a:rPr lang="en-US" b="0" i="1" smtClean="0">
-                        <a:latin typeface="Cambria Math" panose="02040503050406030204" pitchFamily="18" charset="0"/>
-                      </a:rPr>
-                      <m:t>𝑆</m:t>
-                    </m:r>
-                    <m:r>
-                      <a:rPr lang="en-US" b="0" i="1" smtClean="0">
-                        <a:latin typeface="Cambria Math" panose="02040503050406030204" pitchFamily="18" charset="0"/>
-                      </a:rPr>
-                      <m:t>(</m:t>
-                    </m:r>
-                    <m:r>
-                      <a:rPr lang="en-US" b="0" i="1" smtClean="0">
+                      <m:rPr>
+                        <m:sty m:val="p"/>
+                      </m:rPr>
+                      <a:rPr lang="en-US">
+                        <a:latin typeface="Cambria Math" panose="02040503050406030204" pitchFamily="18" charset="0"/>
+                      </a:rPr>
+                      <m:t>Funs</m:t>
+                    </m:r>
+                    <m:r>
+                      <a:rPr lang="en-US" i="1">
+                        <a:latin typeface="Cambria Math" panose="02040503050406030204" pitchFamily="18" charset="0"/>
+                      </a:rPr>
+                      <m:t>[</m:t>
+                    </m:r>
+                    <m:r>
+                      <a:rPr lang="en-US" i="1">
                         <a:latin typeface="Cambria Math" panose="02040503050406030204" pitchFamily="18" charset="0"/>
                       </a:rPr>
                       <m:t>𝑋</m:t>
                     </m:r>
                     <m:r>
-                      <a:rPr lang="en-US" b="0" i="1" smtClean="0">
-                        <a:latin typeface="Cambria Math" panose="02040503050406030204" pitchFamily="18" charset="0"/>
-                      </a:rPr>
-                      <m:t>)</m:t>
+                      <a:rPr lang="en-US" i="1">
+                        <a:latin typeface="Cambria Math" panose="02040503050406030204" pitchFamily="18" charset="0"/>
+                      </a:rPr>
+                      <m:t>,</m:t>
+                    </m:r>
+                    <m:r>
+                      <a:rPr lang="en-US" i="1">
+                        <a:latin typeface="Cambria Math" panose="02040503050406030204" pitchFamily="18" charset="0"/>
+                      </a:rPr>
+                      <m:t>𝑌</m:t>
+                    </m:r>
+                    <m:r>
+                      <a:rPr lang="en-US" i="1">
+                        <a:latin typeface="Cambria Math" panose="02040503050406030204" pitchFamily="18" charset="0"/>
+                      </a:rPr>
+                      <m:t>]</m:t>
                     </m:r>
                   </m:oMath>
                 </a14:m>
@@ -47351,7 +47378,7 @@
             </p:txBody>
           </p:sp>
         </mc:Choice>
-        <mc:Fallback xmlns="">
+        <mc:Fallback>
           <p:sp>
             <p:nvSpPr>
               <p:cNvPr id="54" name="Text Box 13"/>
@@ -48404,8 +48431,8 @@
           </a:p>
         </p:txBody>
       </p:sp>
-      <mc:AlternateContent xmlns:mc="http://schemas.openxmlformats.org/markup-compatibility/2006" xmlns:a14="http://schemas.microsoft.com/office/drawing/2010/main">
-        <mc:Choice Requires="a14">
+      <mc:AlternateContent xmlns:mc="http://schemas.openxmlformats.org/markup-compatibility/2006">
+        <mc:Choice xmlns:a14="http://schemas.microsoft.com/office/drawing/2010/main" Requires="a14">
           <p:sp>
             <p:nvSpPr>
               <p:cNvPr id="3" name="Объект 2"/>
@@ -48566,6 +48593,42 @@
                         <a:latin typeface="Cambria Math" panose="02040503050406030204" pitchFamily="18" charset="0"/>
                       </a:rPr>
                       <m:t>Funs</m:t>
+                    </m:r>
+                    <m:r>
+                      <a:rPr lang="en-US" b="0" i="0" smtClean="0">
+                        <a:latin typeface="Cambria Math" panose="02040503050406030204" pitchFamily="18" charset="0"/>
+                      </a:rPr>
+                      <m:t>[</m:t>
+                    </m:r>
+                    <m:r>
+                      <m:rPr>
+                        <m:sty m:val="p"/>
+                      </m:rPr>
+                      <a:rPr lang="en-US" b="0" i="0" smtClean="0">
+                        <a:latin typeface="Cambria Math" panose="02040503050406030204" pitchFamily="18" charset="0"/>
+                      </a:rPr>
+                      <m:t>X</m:t>
+                    </m:r>
+                    <m:r>
+                      <a:rPr lang="en-US" b="0" i="0" smtClean="0">
+                        <a:latin typeface="Cambria Math" panose="02040503050406030204" pitchFamily="18" charset="0"/>
+                      </a:rPr>
+                      <m:t>,</m:t>
+                    </m:r>
+                    <m:r>
+                      <m:rPr>
+                        <m:sty m:val="p"/>
+                      </m:rPr>
+                      <a:rPr lang="en-US" b="0" i="0" smtClean="0">
+                        <a:latin typeface="Cambria Math" panose="02040503050406030204" pitchFamily="18" charset="0"/>
+                      </a:rPr>
+                      <m:t>Y</m:t>
+                    </m:r>
+                    <m:r>
+                      <a:rPr lang="en-US" b="0" i="1" smtClean="0">
+                        <a:latin typeface="Cambria Math" panose="02040503050406030204" pitchFamily="18" charset="0"/>
+                      </a:rPr>
+                      <m:t>]</m:t>
                     </m:r>
                     <m:r>
                       <a:rPr lang="en-US" b="0" i="1" smtClean="0">
@@ -48900,7 +48963,7 @@
             </p:txBody>
           </p:sp>
         </mc:Choice>
-        <mc:Fallback xmlns="">
+        <mc:Fallback>
           <p:sp>
             <p:nvSpPr>
               <p:cNvPr id="3" name="Объект 2"/>

--- a/Lectures/Lecture4.pptx
+++ b/Lectures/Lecture4.pptx
@@ -4411,8 +4411,8 @@
           </a:p>
         </p:txBody>
       </p:sp>
-      <mc:AlternateContent xmlns:mc="http://schemas.openxmlformats.org/markup-compatibility/2006" xmlns:a14="http://schemas.microsoft.com/office/drawing/2010/main">
-        <mc:Choice Requires="a14">
+      <mc:AlternateContent xmlns:mc="http://schemas.openxmlformats.org/markup-compatibility/2006">
+        <mc:Choice xmlns:a14="http://schemas.microsoft.com/office/drawing/2010/main" Requires="a14">
           <p:sp>
             <p:nvSpPr>
               <p:cNvPr id="3" name="Объект 2"/>
@@ -4430,7 +4430,9 @@
               </a:xfrm>
             </p:spPr>
             <p:txBody>
-              <a:bodyPr/>
+              <a:bodyPr>
+                <a:normAutofit/>
+              </a:bodyPr>
               <a:lstStyle/>
               <a:p>
                 <a:pPr marL="0" indent="0">
@@ -4574,92 +4576,29 @@
                 </a14:m>
                 <a:r>
                   <a:rPr lang="ru-RU" dirty="0" smtClean="0"/>
-                  <a:t> против блочного шифра </a:t>
+                  <a:t> против </a:t>
+                </a:r>
+                <a:r>
+                  <a:rPr lang="ru-RU" dirty="0" smtClean="0"/>
+                  <a:t>псевдослучайной подстановки </a:t>
                 </a:r>
                 <a14:m>
                   <m:oMath xmlns:m="http://schemas.openxmlformats.org/officeDocument/2006/math">
                     <m:r>
-                      <m:rPr>
-                        <m:sty m:val="p"/>
-                      </m:rPr>
-                      <a:rPr lang="ru-RU" b="0" i="0" smtClean="0">
-                        <a:latin typeface="Cambria Math" panose="02040503050406030204" pitchFamily="18" charset="0"/>
-                      </a:rPr>
-                      <m:t>Ε</m:t>
-                    </m:r>
-                    <m:r>
                       <a:rPr lang="en-US" b="0" i="1" smtClean="0">
                         <a:latin typeface="Cambria Math" panose="02040503050406030204" pitchFamily="18" charset="0"/>
                       </a:rPr>
-                      <m:t>=(</m:t>
-                    </m:r>
-                    <m:r>
-                      <a:rPr lang="en-US" b="0" i="1" smtClean="0">
-                        <a:latin typeface="Cambria Math" panose="02040503050406030204" pitchFamily="18" charset="0"/>
-                      </a:rPr>
                       <m:t>𝐸</m:t>
-                    </m:r>
-                    <m:r>
-                      <a:rPr lang="en-US" b="0" i="1" smtClean="0">
-                        <a:latin typeface="Cambria Math" panose="02040503050406030204" pitchFamily="18" charset="0"/>
-                      </a:rPr>
-                      <m:t>,</m:t>
-                    </m:r>
-                    <m:r>
-                      <a:rPr lang="en-US" b="0" i="1" smtClean="0">
-                        <a:latin typeface="Cambria Math" panose="02040503050406030204" pitchFamily="18" charset="0"/>
-                      </a:rPr>
-                      <m:t>𝐷</m:t>
-                    </m:r>
-                    <m:r>
-                      <a:rPr lang="en-US" b="0" i="1" smtClean="0">
-                        <a:latin typeface="Cambria Math" panose="02040503050406030204" pitchFamily="18" charset="0"/>
-                      </a:rPr>
-                      <m:t>)</m:t>
                     </m:r>
                   </m:oMath>
                 </a14:m>
                 <a:r>
                   <a:rPr lang="ru-RU" dirty="0" smtClean="0"/>
-                  <a:t> на </a:t>
-                </a:r>
-                <a14:m>
-                  <m:oMath xmlns:m="http://schemas.openxmlformats.org/officeDocument/2006/math">
-                    <m:r>
-                      <a:rPr lang="en-US" b="0" i="1" smtClean="0">
-                        <a:latin typeface="Cambria Math" panose="02040503050406030204" pitchFamily="18" charset="0"/>
-                      </a:rPr>
-                      <m:t>(</m:t>
-                    </m:r>
-                    <m:r>
-                      <a:rPr lang="en-US" b="0" i="1" smtClean="0">
-                        <a:latin typeface="Cambria Math" panose="02040503050406030204" pitchFamily="18" charset="0"/>
-                      </a:rPr>
-                      <m:t>𝐾</m:t>
-                    </m:r>
-                    <m:r>
-                      <a:rPr lang="en-US" b="0" i="1" smtClean="0">
-                        <a:latin typeface="Cambria Math" panose="02040503050406030204" pitchFamily="18" charset="0"/>
-                      </a:rPr>
-                      <m:t>,</m:t>
-                    </m:r>
-                    <m:r>
-                      <a:rPr lang="en-US" b="0" i="1" smtClean="0">
-                        <a:latin typeface="Cambria Math" panose="02040503050406030204" pitchFamily="18" charset="0"/>
-                      </a:rPr>
-                      <m:t>𝑋</m:t>
-                    </m:r>
-                    <m:r>
-                      <a:rPr lang="en-US" b="0" i="1" smtClean="0">
-                        <a:latin typeface="Cambria Math" panose="02040503050406030204" pitchFamily="18" charset="0"/>
-                      </a:rPr>
-                      <m:t>)</m:t>
-                    </m:r>
-                  </m:oMath>
-                </a14:m>
+                  <a:t> </a:t>
+                </a:r>
                 <a:r>
                   <a:rPr lang="ru-RU" dirty="0" smtClean="0"/>
-                  <a:t> называется величина </a:t>
+                  <a:t>называется величина </a:t>
                 </a:r>
                 <a14:m>
                   <m:oMath xmlns:m="http://schemas.openxmlformats.org/officeDocument/2006/math">
@@ -4712,13 +4651,10 @@
                           <m:t>,</m:t>
                         </m:r>
                         <m:r>
-                          <m:rPr>
-                            <m:sty m:val="p"/>
-                          </m:rPr>
-                          <a:rPr lang="en-US" b="0" i="0" smtClean="0">
-                            <a:latin typeface="Cambria Math" panose="02040503050406030204" pitchFamily="18" charset="0"/>
-                          </a:rPr>
-                          <m:t>Ε</m:t>
+                          <a:rPr lang="en-US" b="0" i="1" smtClean="0">
+                            <a:latin typeface="Cambria Math" panose="02040503050406030204" pitchFamily="18" charset="0"/>
+                          </a:rPr>
+                          <m:t>𝛦</m:t>
                         </m:r>
                       </m:e>
                     </m:d>
@@ -4850,7 +4786,7 @@
             </p:txBody>
           </p:sp>
         </mc:Choice>
-        <mc:Fallback xmlns="">
+        <mc:Fallback>
           <p:sp>
             <p:nvSpPr>
               <p:cNvPr id="3" name="Объект 2"/>
@@ -41308,8 +41244,8 @@
           </a:p>
         </p:txBody>
       </p:sp>
-      <mc:AlternateContent xmlns:mc="http://schemas.openxmlformats.org/markup-compatibility/2006" xmlns:a14="http://schemas.microsoft.com/office/drawing/2010/main">
-        <mc:Choice Requires="a14">
+      <mc:AlternateContent xmlns:mc="http://schemas.openxmlformats.org/markup-compatibility/2006">
+        <mc:Choice xmlns:a14="http://schemas.microsoft.com/office/drawing/2010/main" Requires="a14">
           <p:sp>
             <p:nvSpPr>
               <p:cNvPr id="3" name="Объект 2"/>
@@ -41453,92 +41389,29 @@
                 </a14:m>
                 <a:r>
                   <a:rPr lang="ru-RU" dirty="0" smtClean="0"/>
-                  <a:t> против блочного шифра </a:t>
+                  <a:t> против </a:t>
+                </a:r>
+                <a:r>
+                  <a:rPr lang="ru-RU" dirty="0" smtClean="0"/>
+                  <a:t>псевдослучайной функции </a:t>
                 </a:r>
                 <a14:m>
                   <m:oMath xmlns:m="http://schemas.openxmlformats.org/officeDocument/2006/math">
                     <m:r>
-                      <m:rPr>
-                        <m:sty m:val="p"/>
-                      </m:rPr>
-                      <a:rPr lang="ru-RU" b="0" i="0" smtClean="0">
-                        <a:latin typeface="Cambria Math" panose="02040503050406030204" pitchFamily="18" charset="0"/>
-                      </a:rPr>
-                      <m:t>Ε</m:t>
-                    </m:r>
-                    <m:r>
                       <a:rPr lang="en-US" b="0" i="1" smtClean="0">
                         <a:latin typeface="Cambria Math" panose="02040503050406030204" pitchFamily="18" charset="0"/>
                       </a:rPr>
-                      <m:t>=(</m:t>
-                    </m:r>
-                    <m:r>
-                      <a:rPr lang="en-US" b="0" i="1" smtClean="0">
-                        <a:latin typeface="Cambria Math" panose="02040503050406030204" pitchFamily="18" charset="0"/>
-                      </a:rPr>
-                      <m:t>𝐸</m:t>
-                    </m:r>
-                    <m:r>
-                      <a:rPr lang="en-US" b="0" i="1" smtClean="0">
-                        <a:latin typeface="Cambria Math" panose="02040503050406030204" pitchFamily="18" charset="0"/>
-                      </a:rPr>
-                      <m:t>,</m:t>
-                    </m:r>
-                    <m:r>
-                      <a:rPr lang="en-US" b="0" i="1" smtClean="0">
-                        <a:latin typeface="Cambria Math" panose="02040503050406030204" pitchFamily="18" charset="0"/>
-                      </a:rPr>
-                      <m:t>𝐷</m:t>
-                    </m:r>
-                    <m:r>
-                      <a:rPr lang="en-US" b="0" i="1" smtClean="0">
-                        <a:latin typeface="Cambria Math" panose="02040503050406030204" pitchFamily="18" charset="0"/>
-                      </a:rPr>
-                      <m:t>)</m:t>
+                      <m:t>𝐹</m:t>
                     </m:r>
                   </m:oMath>
                 </a14:m>
                 <a:r>
                   <a:rPr lang="ru-RU" dirty="0" smtClean="0"/>
-                  <a:t> на </a:t>
-                </a:r>
-                <a14:m>
-                  <m:oMath xmlns:m="http://schemas.openxmlformats.org/officeDocument/2006/math">
-                    <m:r>
-                      <a:rPr lang="en-US" b="0" i="1" smtClean="0">
-                        <a:latin typeface="Cambria Math" panose="02040503050406030204" pitchFamily="18" charset="0"/>
-                      </a:rPr>
-                      <m:t>(</m:t>
-                    </m:r>
-                    <m:r>
-                      <a:rPr lang="en-US" b="0" i="1" smtClean="0">
-                        <a:latin typeface="Cambria Math" panose="02040503050406030204" pitchFamily="18" charset="0"/>
-                      </a:rPr>
-                      <m:t>𝐾</m:t>
-                    </m:r>
-                    <m:r>
-                      <a:rPr lang="en-US" b="0" i="1" smtClean="0">
-                        <a:latin typeface="Cambria Math" panose="02040503050406030204" pitchFamily="18" charset="0"/>
-                      </a:rPr>
-                      <m:t>,</m:t>
-                    </m:r>
-                    <m:r>
-                      <a:rPr lang="en-US" b="0" i="1" smtClean="0">
-                        <a:latin typeface="Cambria Math" panose="02040503050406030204" pitchFamily="18" charset="0"/>
-                      </a:rPr>
-                      <m:t>𝑋</m:t>
-                    </m:r>
-                    <m:r>
-                      <a:rPr lang="en-US" b="0" i="1" smtClean="0">
-                        <a:latin typeface="Cambria Math" panose="02040503050406030204" pitchFamily="18" charset="0"/>
-                      </a:rPr>
-                      <m:t>)</m:t>
-                    </m:r>
-                  </m:oMath>
-                </a14:m>
+                  <a:t> </a:t>
+                </a:r>
                 <a:r>
                   <a:rPr lang="ru-RU" dirty="0" smtClean="0"/>
-                  <a:t> называется величина </a:t>
+                  <a:t>называется величина </a:t>
                 </a:r>
                 <a14:m>
                   <m:oMath xmlns:m="http://schemas.openxmlformats.org/officeDocument/2006/math">
@@ -41591,13 +41464,16 @@
                           <m:t>,</m:t>
                         </m:r>
                         <m:r>
-                          <m:rPr>
-                            <m:sty m:val="p"/>
-                          </m:rPr>
-                          <a:rPr lang="en-US" b="0" i="0" smtClean="0">
-                            <a:latin typeface="Cambria Math" panose="02040503050406030204" pitchFamily="18" charset="0"/>
-                          </a:rPr>
-                          <m:t>Ε</m:t>
+                          <a:rPr lang="en-US" b="0" i="1" smtClean="0">
+                            <a:latin typeface="Cambria Math" panose="02040503050406030204" pitchFamily="18" charset="0"/>
+                          </a:rPr>
+                          <m:t>𝐹</m:t>
+                        </m:r>
+                        <m:r>
+                          <a:rPr lang="en-US" b="0" i="1" smtClean="0">
+                            <a:latin typeface="Cambria Math" panose="02040503050406030204" pitchFamily="18" charset="0"/>
+                          </a:rPr>
+                          <m:t> </m:t>
                         </m:r>
                       </m:e>
                     </m:d>
@@ -41729,7 +41605,7 @@
             </p:txBody>
           </p:sp>
         </mc:Choice>
-        <mc:Fallback xmlns="">
+        <mc:Fallback>
           <p:sp>
             <p:nvSpPr>
               <p:cNvPr id="3" name="Объект 2"/>
@@ -42162,8 +42038,8 @@
           </a:p>
         </p:txBody>
       </p:sp>
-      <mc:AlternateContent xmlns:mc="http://schemas.openxmlformats.org/markup-compatibility/2006">
-        <mc:Choice xmlns:a14="http://schemas.microsoft.com/office/drawing/2010/main" Requires="a14">
+      <mc:AlternateContent xmlns:mc="http://schemas.openxmlformats.org/markup-compatibility/2006" xmlns:a14="http://schemas.microsoft.com/office/drawing/2010/main">
+        <mc:Choice Requires="a14">
           <p:sp>
             <p:nvSpPr>
               <p:cNvPr id="54" name="Text Box 13"/>
@@ -42394,7 +42270,7 @@
             </p:txBody>
           </p:sp>
         </mc:Choice>
-        <mc:Fallback>
+        <mc:Fallback xmlns="">
           <p:sp>
             <p:nvSpPr>
               <p:cNvPr id="54" name="Text Box 13"/>
@@ -44592,8 +44468,8 @@
           </a:p>
         </p:txBody>
       </p:sp>
-      <mc:AlternateContent xmlns:mc="http://schemas.openxmlformats.org/markup-compatibility/2006">
-        <mc:Choice xmlns:a14="http://schemas.microsoft.com/office/drawing/2010/main" Requires="a14">
+      <mc:AlternateContent xmlns:mc="http://schemas.openxmlformats.org/markup-compatibility/2006" xmlns:a14="http://schemas.microsoft.com/office/drawing/2010/main">
+        <mc:Choice Requires="a14">
           <p:sp>
             <p:nvSpPr>
               <p:cNvPr id="29" name="Text Box 13"/>
@@ -44724,7 +44600,6 @@
                 <a:endParaRPr lang="en-US" b="0" dirty="0" smtClean="0"/>
               </a:p>
               <a:p>
-                <a:pPr/>
                 <a:r>
                   <a:rPr lang="en-US" dirty="0" smtClean="0"/>
                   <a:t>Else: </a:t>
@@ -44825,7 +44700,7 @@
             </p:txBody>
           </p:sp>
         </mc:Choice>
-        <mc:Fallback>
+        <mc:Fallback xmlns="">
           <p:sp>
             <p:nvSpPr>
               <p:cNvPr id="29" name="Text Box 13"/>
@@ -47145,8 +47020,8 @@
           </a:p>
         </p:txBody>
       </p:sp>
-      <mc:AlternateContent xmlns:mc="http://schemas.openxmlformats.org/markup-compatibility/2006">
-        <mc:Choice xmlns:a14="http://schemas.microsoft.com/office/drawing/2010/main" Requires="a14">
+      <mc:AlternateContent xmlns:mc="http://schemas.openxmlformats.org/markup-compatibility/2006" xmlns:a14="http://schemas.microsoft.com/office/drawing/2010/main">
+        <mc:Choice Requires="a14">
           <p:sp>
             <p:nvSpPr>
               <p:cNvPr id="54" name="Text Box 13"/>
@@ -47277,7 +47152,6 @@
                 <a:endParaRPr lang="en-US" b="0" dirty="0" smtClean="0"/>
               </a:p>
               <a:p>
-                <a:pPr/>
                 <a:r>
                   <a:rPr lang="en-US" dirty="0" smtClean="0"/>
                   <a:t>Else: </a:t>
@@ -47378,7 +47252,7 @@
             </p:txBody>
           </p:sp>
         </mc:Choice>
-        <mc:Fallback>
+        <mc:Fallback xmlns="">
           <p:sp>
             <p:nvSpPr>
               <p:cNvPr id="54" name="Text Box 13"/>
@@ -48431,8 +48305,8 @@
           </a:p>
         </p:txBody>
       </p:sp>
-      <mc:AlternateContent xmlns:mc="http://schemas.openxmlformats.org/markup-compatibility/2006">
-        <mc:Choice xmlns:a14="http://schemas.microsoft.com/office/drawing/2010/main" Requires="a14">
+      <mc:AlternateContent xmlns:mc="http://schemas.openxmlformats.org/markup-compatibility/2006" xmlns:a14="http://schemas.microsoft.com/office/drawing/2010/main">
+        <mc:Choice Requires="a14">
           <p:sp>
             <p:nvSpPr>
               <p:cNvPr id="3" name="Объект 2"/>
@@ -48628,13 +48502,7 @@
                       <a:rPr lang="en-US" b="0" i="1" smtClean="0">
                         <a:latin typeface="Cambria Math" panose="02040503050406030204" pitchFamily="18" charset="0"/>
                       </a:rPr>
-                      <m:t>]</m:t>
-                    </m:r>
-                    <m:r>
-                      <a:rPr lang="en-US" b="0" i="1" smtClean="0">
-                        <a:latin typeface="Cambria Math" panose="02040503050406030204" pitchFamily="18" charset="0"/>
-                      </a:rPr>
-                      <m:t>={</m:t>
+                      <m:t>]={</m:t>
                     </m:r>
                     <m:r>
                       <a:rPr lang="en-US" b="0" i="1" smtClean="0">
@@ -48963,7 +48831,7 @@
             </p:txBody>
           </p:sp>
         </mc:Choice>
-        <mc:Fallback>
+        <mc:Fallback xmlns="">
           <p:sp>
             <p:nvSpPr>
               <p:cNvPr id="3" name="Объект 2"/>

--- a/Lectures/Lecture4.pptx
+++ b/Lectures/Lecture4.pptx
@@ -5,7 +5,7 @@
     <p:sldMasterId id="2147483648" r:id="rId1"/>
   </p:sldMasterIdLst>
   <p:notesMasterIdLst>
-    <p:notesMasterId r:id="rId38"/>
+    <p:notesMasterId r:id="rId43"/>
   </p:notesMasterIdLst>
   <p:sldIdLst>
     <p:sldId id="296" r:id="rId2"/>
@@ -44,6 +44,11 @@
     <p:sldId id="362" r:id="rId35"/>
     <p:sldId id="363" r:id="rId36"/>
     <p:sldId id="365" r:id="rId37"/>
+    <p:sldId id="366" r:id="rId38"/>
+    <p:sldId id="370" r:id="rId39"/>
+    <p:sldId id="367" r:id="rId40"/>
+    <p:sldId id="368" r:id="rId41"/>
+    <p:sldId id="369" r:id="rId42"/>
   </p:sldIdLst>
   <p:sldSz cx="12192000" cy="6858000"/>
   <p:notesSz cx="6858000" cy="9144000"/>
@@ -201,6 +206,15 @@
             <p14:sldId id="365"/>
           </p14:sldIdLst>
         </p14:section>
+        <p14:section name="Прочие режимы шифрования" id="{E90C6DAE-2EE3-45D4-B396-A281E5A769EC}">
+          <p14:sldIdLst>
+            <p14:sldId id="366"/>
+            <p14:sldId id="370"/>
+            <p14:sldId id="367"/>
+            <p14:sldId id="368"/>
+            <p14:sldId id="369"/>
+          </p14:sldIdLst>
+        </p14:section>
       </p14:sectionLst>
     </p:ext>
     <p:ext uri="{EFAFB233-063F-42B5-8137-9DF3F51BA10A}">
@@ -295,7 +309,7 @@
           <a:p>
             <a:fld id="{CBA08D16-15DC-4E25-BDC3-F25146157B16}" type="datetimeFigureOut">
               <a:rPr lang="ru-RU" smtClean="0"/>
-              <a:t>17.10.2018</a:t>
+              <a:t>27.09.2019</a:t>
             </a:fld>
             <a:endParaRPr lang="ru-RU"/>
           </a:p>
@@ -694,7 +708,7 @@
           <a:p>
             <a:fld id="{FCEC8293-DB51-454A-BE81-EC8FCB31EBA2}" type="datetime1">
               <a:rPr lang="ru-RU" smtClean="0"/>
-              <a:t>17.10.2018</a:t>
+              <a:t>27.09.2019</a:t>
             </a:fld>
             <a:endParaRPr lang="ru-RU"/>
           </a:p>
@@ -868,7 +882,7 @@
           <a:p>
             <a:fld id="{241C87B1-1C35-4DBD-BC18-2BC72E776603}" type="datetime1">
               <a:rPr lang="ru-RU" smtClean="0"/>
-              <a:t>17.10.2018</a:t>
+              <a:t>27.09.2019</a:t>
             </a:fld>
             <a:endParaRPr lang="ru-RU"/>
           </a:p>
@@ -1052,7 +1066,7 @@
           <a:p>
             <a:fld id="{3134C275-26C0-42CD-9111-9ADE65922AF9}" type="datetime1">
               <a:rPr lang="ru-RU" smtClean="0"/>
-              <a:t>17.10.2018</a:t>
+              <a:t>27.09.2019</a:t>
             </a:fld>
             <a:endParaRPr lang="ru-RU"/>
           </a:p>
@@ -1226,7 +1240,7 @@
           <a:p>
             <a:fld id="{C1A9A50B-C350-45F5-8AAB-ADB9E670AF2E}" type="datetime1">
               <a:rPr lang="ru-RU" smtClean="0"/>
-              <a:t>17.10.2018</a:t>
+              <a:t>27.09.2019</a:t>
             </a:fld>
             <a:endParaRPr lang="ru-RU"/>
           </a:p>
@@ -1476,7 +1490,7 @@
           <a:p>
             <a:fld id="{089688C9-348F-42F9-B6C0-5990DDE0C5B2}" type="datetime1">
               <a:rPr lang="ru-RU" smtClean="0"/>
-              <a:t>17.10.2018</a:t>
+              <a:t>27.09.2019</a:t>
             </a:fld>
             <a:endParaRPr lang="ru-RU"/>
           </a:p>
@@ -1712,7 +1726,7 @@
           <a:p>
             <a:fld id="{684AFD8F-6DD9-4AD3-A505-FDC3F5C5F3F6}" type="datetime1">
               <a:rPr lang="ru-RU" smtClean="0"/>
-              <a:t>17.10.2018</a:t>
+              <a:t>27.09.2019</a:t>
             </a:fld>
             <a:endParaRPr lang="ru-RU"/>
           </a:p>
@@ -2083,7 +2097,7 @@
           <a:p>
             <a:fld id="{63551EFE-4D02-45EB-A747-8B6F047B5AA0}" type="datetime1">
               <a:rPr lang="ru-RU" smtClean="0"/>
-              <a:t>17.10.2018</a:t>
+              <a:t>27.09.2019</a:t>
             </a:fld>
             <a:endParaRPr lang="ru-RU"/>
           </a:p>
@@ -2205,7 +2219,7 @@
           <a:p>
             <a:fld id="{813A9F34-E5CD-4B8F-AA9E-889C84372B20}" type="datetime1">
               <a:rPr lang="ru-RU" smtClean="0"/>
-              <a:t>17.10.2018</a:t>
+              <a:t>27.09.2019</a:t>
             </a:fld>
             <a:endParaRPr lang="ru-RU"/>
           </a:p>
@@ -2304,7 +2318,7 @@
           <a:p>
             <a:fld id="{51224D22-9B29-44A6-8E82-95FC492DEDC1}" type="datetime1">
               <a:rPr lang="ru-RU" smtClean="0"/>
-              <a:t>17.10.2018</a:t>
+              <a:t>27.09.2019</a:t>
             </a:fld>
             <a:endParaRPr lang="ru-RU"/>
           </a:p>
@@ -2585,7 +2599,7 @@
           <a:p>
             <a:fld id="{91D1034F-4441-48A1-BDC0-25EA1022324A}" type="datetime1">
               <a:rPr lang="ru-RU" smtClean="0"/>
-              <a:t>17.10.2018</a:t>
+              <a:t>27.09.2019</a:t>
             </a:fld>
             <a:endParaRPr lang="ru-RU"/>
           </a:p>
@@ -2842,7 +2856,7 @@
           <a:p>
             <a:fld id="{B0FFDE79-B627-473B-AE17-4C65BD2495F7}" type="datetime1">
               <a:rPr lang="ru-RU" smtClean="0"/>
-              <a:t>17.10.2018</a:t>
+              <a:t>27.09.2019</a:t>
             </a:fld>
             <a:endParaRPr lang="ru-RU"/>
           </a:p>
@@ -3059,7 +3073,7 @@
           <a:p>
             <a:fld id="{11CA537A-1B8C-47BA-9BA6-7CE3FAFDA8BE}" type="datetime1">
               <a:rPr lang="ru-RU" smtClean="0"/>
-              <a:t>17.10.2018</a:t>
+              <a:t>27.09.2019</a:t>
             </a:fld>
             <a:endParaRPr lang="ru-RU"/>
           </a:p>
@@ -3557,7 +3571,11 @@
           <a:p>
             <a:r>
               <a:rPr lang="ru-RU" dirty="0" smtClean="0"/>
-              <a:t>МИФИ 2018</a:t>
+              <a:t>МИФИ </a:t>
+            </a:r>
+            <a:r>
+              <a:rPr lang="ru-RU" dirty="0" smtClean="0"/>
+              <a:t>2019</a:t>
             </a:r>
             <a:endParaRPr lang="ru-RU" dirty="0"/>
           </a:p>
@@ -4411,8 +4429,8 @@
           </a:p>
         </p:txBody>
       </p:sp>
-      <mc:AlternateContent xmlns:mc="http://schemas.openxmlformats.org/markup-compatibility/2006">
-        <mc:Choice xmlns:a14="http://schemas.microsoft.com/office/drawing/2010/main" Requires="a14">
+      <mc:AlternateContent xmlns:mc="http://schemas.openxmlformats.org/markup-compatibility/2006" xmlns:a14="http://schemas.microsoft.com/office/drawing/2010/main">
+        <mc:Choice Requires="a14">
           <p:sp>
             <p:nvSpPr>
               <p:cNvPr id="3" name="Объект 2"/>
@@ -4576,11 +4594,7 @@
                 </a14:m>
                 <a:r>
                   <a:rPr lang="ru-RU" dirty="0" smtClean="0"/>
-                  <a:t> против </a:t>
-                </a:r>
-                <a:r>
-                  <a:rPr lang="ru-RU" dirty="0" smtClean="0"/>
-                  <a:t>псевдослучайной подстановки </a:t>
+                  <a:t> против псевдослучайной подстановки </a:t>
                 </a:r>
                 <a14:m>
                   <m:oMath xmlns:m="http://schemas.openxmlformats.org/officeDocument/2006/math">
@@ -4594,11 +4608,7 @@
                 </a14:m>
                 <a:r>
                   <a:rPr lang="ru-RU" dirty="0" smtClean="0"/>
-                  <a:t> </a:t>
-                </a:r>
-                <a:r>
-                  <a:rPr lang="ru-RU" dirty="0" smtClean="0"/>
-                  <a:t>называется величина </a:t>
+                  <a:t> называется величина </a:t>
                 </a:r>
                 <a14:m>
                   <m:oMath xmlns:m="http://schemas.openxmlformats.org/officeDocument/2006/math">
@@ -4786,7 +4796,7 @@
             </p:txBody>
           </p:sp>
         </mc:Choice>
-        <mc:Fallback>
+        <mc:Fallback xmlns="">
           <p:sp>
             <p:nvSpPr>
               <p:cNvPr id="3" name="Объект 2"/>
@@ -21867,8 +21877,8 @@
           </a:p>
         </p:txBody>
       </p:sp>
-      <mc:AlternateContent xmlns:mc="http://schemas.openxmlformats.org/markup-compatibility/2006" xmlns:a14="http://schemas.microsoft.com/office/drawing/2010/main">
-        <mc:Choice Requires="a14">
+      <mc:AlternateContent xmlns:mc="http://schemas.openxmlformats.org/markup-compatibility/2006">
+        <mc:Choice xmlns:a14="http://schemas.microsoft.com/office/drawing/2010/main" Requires="a14">
           <p:sp>
             <p:nvSpPr>
               <p:cNvPr id="3" name="Объект 2"/>
@@ -22234,16 +22244,31 @@
                       <m:t>=</m:t>
                     </m:r>
                     <m:r>
+                      <m:rPr>
+                        <m:sty m:val="p"/>
+                      </m:rPr>
+                      <a:rPr lang="en-US" b="0" i="0" smtClean="0">
+                        <a:latin typeface="Cambria Math" panose="02040503050406030204" pitchFamily="18" charset="0"/>
+                      </a:rPr>
+                      <m:t>Pr</m:t>
+                    </m:r>
+                    <m:r>
                       <a:rPr lang="en-US" b="0" i="1" smtClean="0">
                         <a:latin typeface="Cambria Math" panose="02040503050406030204" pitchFamily="18" charset="0"/>
                       </a:rPr>
-                      <m:t>𝑃𝑟</m:t>
+                      <m:t>⁡[</m:t>
                     </m:r>
                     <m:r>
                       <a:rPr lang="ru-RU" i="1">
                         <a:latin typeface="Cambria Math" panose="02040503050406030204" pitchFamily="18" charset="0"/>
                       </a:rPr>
                       <m:t>угадать результат случайной функции</m:t>
+                    </m:r>
+                    <m:r>
+                      <a:rPr lang="en-US" b="0" i="1" smtClean="0">
+                        <a:latin typeface="Cambria Math" panose="02040503050406030204" pitchFamily="18" charset="0"/>
+                      </a:rPr>
+                      <m:t>]</m:t>
                     </m:r>
                     <m:r>
                       <a:rPr lang="en-US" b="0" i="1" smtClean="0">
@@ -22324,7 +22349,7 @@
             </p:txBody>
           </p:sp>
         </mc:Choice>
-        <mc:Fallback xmlns="">
+        <mc:Fallback>
           <p:sp>
             <p:nvSpPr>
               <p:cNvPr id="3" name="Объект 2"/>
@@ -22340,7 +22365,7 @@
                 <a:off x="823564" y="1365867"/>
                 <a:ext cx="10515600" cy="4351338"/>
               </a:xfrm>
-              <a:blipFill>
+              <a:blipFill rotWithShape="0">
                 <a:blip r:embed="rId2"/>
                 <a:stretch>
                   <a:fillRect l="-1043" t="-2101"/>
@@ -30708,8 +30733,8 @@
           </a:p>
         </p:txBody>
       </p:sp>
-      <mc:AlternateContent xmlns:mc="http://schemas.openxmlformats.org/markup-compatibility/2006" xmlns:a14="http://schemas.microsoft.com/office/drawing/2010/main">
-        <mc:Choice Requires="a14">
+      <mc:AlternateContent xmlns:mc="http://schemas.openxmlformats.org/markup-compatibility/2006">
+        <mc:Choice xmlns:a14="http://schemas.microsoft.com/office/drawing/2010/main" Requires="a14">
           <p:sp>
             <p:nvSpPr>
               <p:cNvPr id="3" name="Объект 2"/>
@@ -30810,7 +30835,7 @@
                 <a14:m>
                   <m:oMath xmlns:m="http://schemas.openxmlformats.org/officeDocument/2006/math">
                     <m:r>
-                      <a:rPr lang="en-US" i="1" u="sng">
+                      <a:rPr lang="en-US" i="1">
                         <a:latin typeface="Cambria Math" panose="02040503050406030204" pitchFamily="18" charset="0"/>
                         <a:ea typeface="Cambria Math" panose="02040503050406030204" pitchFamily="18" charset="0"/>
                       </a:rPr>
@@ -31117,7 +31142,7 @@
             </p:txBody>
           </p:sp>
         </mc:Choice>
-        <mc:Fallback xmlns="">
+        <mc:Fallback>
           <p:sp>
             <p:nvSpPr>
               <p:cNvPr id="3" name="Объект 2"/>
@@ -31133,7 +31158,7 @@
                 <a:off x="838200" y="1825624"/>
                 <a:ext cx="10515600" cy="4670709"/>
               </a:xfrm>
-              <a:blipFill>
+              <a:blipFill rotWithShape="0">
                 <a:blip r:embed="rId2"/>
                 <a:stretch>
                   <a:fillRect l="-1043" t="-2608" b="-1956"/>
@@ -39989,6 +40014,411 @@
 </p:sld>
 </file>
 
+<file path=ppt/slides/slide37.xml><?xml version="1.0" encoding="utf-8"?>
+<p:sld xmlns:a="http://schemas.openxmlformats.org/drawingml/2006/main" xmlns:r="http://schemas.openxmlformats.org/officeDocument/2006/relationships" xmlns:p="http://schemas.openxmlformats.org/presentationml/2006/main">
+  <p:cSld>
+    <p:spTree>
+      <p:nvGrpSpPr>
+        <p:cNvPr id="1" name=""/>
+        <p:cNvGrpSpPr/>
+        <p:nvPr/>
+      </p:nvGrpSpPr>
+      <p:grpSpPr>
+        <a:xfrm>
+          <a:off x="0" y="0"/>
+          <a:ext cx="0" cy="0"/>
+          <a:chOff x="0" y="0"/>
+          <a:chExt cx="0" cy="0"/>
+        </a:xfrm>
+      </p:grpSpPr>
+      <p:sp>
+        <p:nvSpPr>
+          <p:cNvPr id="2" name="Заголовок 1"/>
+          <p:cNvSpPr>
+            <a:spLocks noGrp="1"/>
+          </p:cNvSpPr>
+          <p:nvPr>
+            <p:ph type="title"/>
+          </p:nvPr>
+        </p:nvSpPr>
+        <p:spPr/>
+        <p:txBody>
+          <a:bodyPr/>
+          <a:lstStyle/>
+          <a:p>
+            <a:r>
+              <a:rPr lang="en-US" dirty="0" smtClean="0"/>
+              <a:t>ECB</a:t>
+            </a:r>
+            <a:endParaRPr lang="ru-RU" dirty="0"/>
+          </a:p>
+        </p:txBody>
+      </p:sp>
+      <p:pic>
+        <p:nvPicPr>
+          <p:cNvPr id="5" name="Объект 4"/>
+          <p:cNvPicPr>
+            <a:picLocks noGrp="1" noChangeAspect="1"/>
+          </p:cNvPicPr>
+          <p:nvPr>
+            <p:ph idx="1"/>
+          </p:nvPr>
+        </p:nvPicPr>
+        <p:blipFill>
+          <a:blip r:embed="rId2">
+            <a:extLst>
+              <a:ext uri="{28A0092B-C50C-407E-A947-70E740481C1C}">
+                <a14:useLocalDpi xmlns:a14="http://schemas.microsoft.com/office/drawing/2010/main" val="0"/>
+              </a:ext>
+            </a:extLst>
+          </a:blip>
+          <a:stretch>
+            <a:fillRect/>
+          </a:stretch>
+        </p:blipFill>
+        <p:spPr>
+          <a:xfrm>
+            <a:off x="4950479" y="0"/>
+            <a:ext cx="6905345" cy="2780522"/>
+          </a:xfrm>
+        </p:spPr>
+      </p:pic>
+      <p:sp>
+        <p:nvSpPr>
+          <p:cNvPr id="4" name="Номер слайда 3"/>
+          <p:cNvSpPr>
+            <a:spLocks noGrp="1"/>
+          </p:cNvSpPr>
+          <p:nvPr>
+            <p:ph type="sldNum" sz="quarter" idx="12"/>
+          </p:nvPr>
+        </p:nvSpPr>
+        <p:spPr/>
+        <p:txBody>
+          <a:bodyPr/>
+          <a:lstStyle/>
+          <a:p>
+            <a:fld id="{8253DDDB-F8F7-4D64-A7FD-3F3D61C1949F}" type="slidenum">
+              <a:rPr lang="ru-RU" smtClean="0"/>
+              <a:t>37</a:t>
+            </a:fld>
+            <a:endParaRPr lang="ru-RU"/>
+          </a:p>
+        </p:txBody>
+      </p:sp>
+      <p:pic>
+        <p:nvPicPr>
+          <p:cNvPr id="6" name="Рисунок 5"/>
+          <p:cNvPicPr>
+            <a:picLocks noChangeAspect="1"/>
+          </p:cNvPicPr>
+          <p:nvPr/>
+        </p:nvPicPr>
+        <p:blipFill>
+          <a:blip r:embed="rId3">
+            <a:extLst>
+              <a:ext uri="{28A0092B-C50C-407E-A947-70E740481C1C}">
+                <a14:useLocalDpi xmlns:a14="http://schemas.microsoft.com/office/drawing/2010/main" val="0"/>
+              </a:ext>
+            </a:extLst>
+          </a:blip>
+          <a:stretch>
+            <a:fillRect/>
+          </a:stretch>
+        </p:blipFill>
+        <p:spPr>
+          <a:xfrm>
+            <a:off x="4950479" y="3145646"/>
+            <a:ext cx="7087159" cy="2853731"/>
+          </a:xfrm>
+          <a:prstGeom prst="rect">
+            <a:avLst/>
+          </a:prstGeom>
+        </p:spPr>
+      </p:pic>
+    </p:spTree>
+    <p:extLst>
+      <p:ext uri="{BB962C8B-B14F-4D97-AF65-F5344CB8AC3E}">
+        <p14:creationId xmlns:p14="http://schemas.microsoft.com/office/powerpoint/2010/main" val="869620948"/>
+      </p:ext>
+    </p:extLst>
+  </p:cSld>
+  <p:clrMapOvr>
+    <a:masterClrMapping/>
+  </p:clrMapOvr>
+</p:sld>
+</file>
+
+<file path=ppt/slides/slide38.xml><?xml version="1.0" encoding="utf-8"?>
+<p:sld xmlns:a="http://schemas.openxmlformats.org/drawingml/2006/main" xmlns:r="http://schemas.openxmlformats.org/officeDocument/2006/relationships" xmlns:p="http://schemas.openxmlformats.org/presentationml/2006/main">
+  <p:cSld>
+    <p:spTree>
+      <p:nvGrpSpPr>
+        <p:cNvPr id="1" name=""/>
+        <p:cNvGrpSpPr/>
+        <p:nvPr/>
+      </p:nvGrpSpPr>
+      <p:grpSpPr>
+        <a:xfrm>
+          <a:off x="0" y="0"/>
+          <a:ext cx="0" cy="0"/>
+          <a:chOff x="0" y="0"/>
+          <a:chExt cx="0" cy="0"/>
+        </a:xfrm>
+      </p:grpSpPr>
+      <p:sp>
+        <p:nvSpPr>
+          <p:cNvPr id="2" name="Заголовок 1"/>
+          <p:cNvSpPr>
+            <a:spLocks noGrp="1"/>
+          </p:cNvSpPr>
+          <p:nvPr>
+            <p:ph type="title"/>
+          </p:nvPr>
+        </p:nvSpPr>
+        <p:spPr/>
+        <p:txBody>
+          <a:bodyPr/>
+          <a:lstStyle/>
+          <a:p>
+            <a:r>
+              <a:rPr lang="en-US" dirty="0" smtClean="0"/>
+              <a:t>CBC</a:t>
+            </a:r>
+            <a:endParaRPr lang="ru-RU" dirty="0"/>
+          </a:p>
+        </p:txBody>
+      </p:sp>
+      <p:pic>
+        <p:nvPicPr>
+          <p:cNvPr id="5" name="Объект 4"/>
+          <p:cNvPicPr>
+            <a:picLocks noGrp="1" noChangeAspect="1"/>
+          </p:cNvPicPr>
+          <p:nvPr>
+            <p:ph idx="1"/>
+          </p:nvPr>
+        </p:nvPicPr>
+        <p:blipFill>
+          <a:blip r:embed="rId2">
+            <a:extLst>
+              <a:ext uri="{28A0092B-C50C-407E-A947-70E740481C1C}">
+                <a14:useLocalDpi xmlns:a14="http://schemas.microsoft.com/office/drawing/2010/main" val="0"/>
+              </a:ext>
+            </a:extLst>
+          </a:blip>
+          <a:stretch>
+            <a:fillRect/>
+          </a:stretch>
+        </p:blipFill>
+        <p:spPr>
+          <a:xfrm>
+            <a:off x="5579715" y="0"/>
+            <a:ext cx="6612286" cy="2662518"/>
+          </a:xfrm>
+        </p:spPr>
+      </p:pic>
+      <p:sp>
+        <p:nvSpPr>
+          <p:cNvPr id="4" name="Номер слайда 3"/>
+          <p:cNvSpPr>
+            <a:spLocks noGrp="1"/>
+          </p:cNvSpPr>
+          <p:nvPr>
+            <p:ph type="sldNum" sz="quarter" idx="12"/>
+          </p:nvPr>
+        </p:nvSpPr>
+        <p:spPr/>
+        <p:txBody>
+          <a:bodyPr/>
+          <a:lstStyle/>
+          <a:p>
+            <a:fld id="{8253DDDB-F8F7-4D64-A7FD-3F3D61C1949F}" type="slidenum">
+              <a:rPr lang="ru-RU" smtClean="0"/>
+              <a:t>38</a:t>
+            </a:fld>
+            <a:endParaRPr lang="ru-RU"/>
+          </a:p>
+        </p:txBody>
+      </p:sp>
+      <p:pic>
+        <p:nvPicPr>
+          <p:cNvPr id="6" name="Рисунок 5"/>
+          <p:cNvPicPr>
+            <a:picLocks noChangeAspect="1"/>
+          </p:cNvPicPr>
+          <p:nvPr/>
+        </p:nvPicPr>
+        <p:blipFill>
+          <a:blip r:embed="rId3">
+            <a:extLst>
+              <a:ext uri="{28A0092B-C50C-407E-A947-70E740481C1C}">
+                <a14:useLocalDpi xmlns:a14="http://schemas.microsoft.com/office/drawing/2010/main" val="0"/>
+              </a:ext>
+            </a:extLst>
+          </a:blip>
+          <a:stretch>
+            <a:fillRect/>
+          </a:stretch>
+        </p:blipFill>
+        <p:spPr>
+          <a:xfrm>
+            <a:off x="5555672" y="2854698"/>
+            <a:ext cx="6535756" cy="2631702"/>
+          </a:xfrm>
+          <a:prstGeom prst="rect">
+            <a:avLst/>
+          </a:prstGeom>
+        </p:spPr>
+      </p:pic>
+    </p:spTree>
+    <p:extLst>
+      <p:ext uri="{BB962C8B-B14F-4D97-AF65-F5344CB8AC3E}">
+        <p14:creationId xmlns:p14="http://schemas.microsoft.com/office/powerpoint/2010/main" val="1571214967"/>
+      </p:ext>
+    </p:extLst>
+  </p:cSld>
+  <p:clrMapOvr>
+    <a:masterClrMapping/>
+  </p:clrMapOvr>
+</p:sld>
+</file>
+
+<file path=ppt/slides/slide39.xml><?xml version="1.0" encoding="utf-8"?>
+<p:sld xmlns:a="http://schemas.openxmlformats.org/drawingml/2006/main" xmlns:r="http://schemas.openxmlformats.org/officeDocument/2006/relationships" xmlns:p="http://schemas.openxmlformats.org/presentationml/2006/main">
+  <p:cSld>
+    <p:spTree>
+      <p:nvGrpSpPr>
+        <p:cNvPr id="1" name=""/>
+        <p:cNvGrpSpPr/>
+        <p:nvPr/>
+      </p:nvGrpSpPr>
+      <p:grpSpPr>
+        <a:xfrm>
+          <a:off x="0" y="0"/>
+          <a:ext cx="0" cy="0"/>
+          <a:chOff x="0" y="0"/>
+          <a:chExt cx="0" cy="0"/>
+        </a:xfrm>
+      </p:grpSpPr>
+      <p:sp>
+        <p:nvSpPr>
+          <p:cNvPr id="2" name="Заголовок 1"/>
+          <p:cNvSpPr>
+            <a:spLocks noGrp="1"/>
+          </p:cNvSpPr>
+          <p:nvPr>
+            <p:ph type="title"/>
+          </p:nvPr>
+        </p:nvSpPr>
+        <p:spPr/>
+        <p:txBody>
+          <a:bodyPr/>
+          <a:lstStyle/>
+          <a:p>
+            <a:r>
+              <a:rPr lang="en-US" dirty="0" smtClean="0"/>
+              <a:t>CFB</a:t>
+            </a:r>
+            <a:endParaRPr lang="ru-RU" dirty="0"/>
+          </a:p>
+        </p:txBody>
+      </p:sp>
+      <p:pic>
+        <p:nvPicPr>
+          <p:cNvPr id="5" name="Объект 4"/>
+          <p:cNvPicPr>
+            <a:picLocks noGrp="1" noChangeAspect="1"/>
+          </p:cNvPicPr>
+          <p:nvPr>
+            <p:ph idx="1"/>
+          </p:nvPr>
+        </p:nvPicPr>
+        <p:blipFill>
+          <a:blip r:embed="rId2">
+            <a:extLst>
+              <a:ext uri="{28A0092B-C50C-407E-A947-70E740481C1C}">
+                <a14:useLocalDpi xmlns:a14="http://schemas.microsoft.com/office/drawing/2010/main" val="0"/>
+              </a:ext>
+            </a:extLst>
+          </a:blip>
+          <a:stretch>
+            <a:fillRect/>
+          </a:stretch>
+        </p:blipFill>
+        <p:spPr>
+          <a:xfrm>
+            <a:off x="4945203" y="0"/>
+            <a:ext cx="7246798" cy="2918012"/>
+          </a:xfrm>
+        </p:spPr>
+      </p:pic>
+      <p:sp>
+        <p:nvSpPr>
+          <p:cNvPr id="4" name="Номер слайда 3"/>
+          <p:cNvSpPr>
+            <a:spLocks noGrp="1"/>
+          </p:cNvSpPr>
+          <p:nvPr>
+            <p:ph type="sldNum" sz="quarter" idx="12"/>
+          </p:nvPr>
+        </p:nvSpPr>
+        <p:spPr/>
+        <p:txBody>
+          <a:bodyPr/>
+          <a:lstStyle/>
+          <a:p>
+            <a:fld id="{8253DDDB-F8F7-4D64-A7FD-3F3D61C1949F}" type="slidenum">
+              <a:rPr lang="ru-RU" smtClean="0"/>
+              <a:t>39</a:t>
+            </a:fld>
+            <a:endParaRPr lang="ru-RU"/>
+          </a:p>
+        </p:txBody>
+      </p:sp>
+      <p:pic>
+        <p:nvPicPr>
+          <p:cNvPr id="6" name="Рисунок 5"/>
+          <p:cNvPicPr>
+            <a:picLocks noChangeAspect="1"/>
+          </p:cNvPicPr>
+          <p:nvPr/>
+        </p:nvPicPr>
+        <p:blipFill>
+          <a:blip r:embed="rId3">
+            <a:extLst>
+              <a:ext uri="{28A0092B-C50C-407E-A947-70E740481C1C}">
+                <a14:useLocalDpi xmlns:a14="http://schemas.microsoft.com/office/drawing/2010/main" val="0"/>
+              </a:ext>
+            </a:extLst>
+          </a:blip>
+          <a:stretch>
+            <a:fillRect/>
+          </a:stretch>
+        </p:blipFill>
+        <p:spPr>
+          <a:xfrm>
+            <a:off x="5141037" y="3083299"/>
+            <a:ext cx="6869708" cy="2766172"/>
+          </a:xfrm>
+          <a:prstGeom prst="rect">
+            <a:avLst/>
+          </a:prstGeom>
+        </p:spPr>
+      </p:pic>
+    </p:spTree>
+    <p:extLst>
+      <p:ext uri="{BB962C8B-B14F-4D97-AF65-F5344CB8AC3E}">
+        <p14:creationId xmlns:p14="http://schemas.microsoft.com/office/powerpoint/2010/main" val="2018684814"/>
+      </p:ext>
+    </p:extLst>
+  </p:cSld>
+  <p:clrMapOvr>
+    <a:masterClrMapping/>
+  </p:clrMapOvr>
+</p:sld>
+</file>
+
 <file path=ppt/slides/slide4.xml><?xml version="1.0" encoding="utf-8"?>
 <p:sld xmlns:a="http://schemas.openxmlformats.org/drawingml/2006/main" xmlns:r="http://schemas.openxmlformats.org/officeDocument/2006/relationships" xmlns:p="http://schemas.openxmlformats.org/presentationml/2006/main">
   <p:cSld>
@@ -40341,6 +40771,276 @@
       </p:par>
     </p:tnLst>
   </p:timing>
+</p:sld>
+</file>
+
+<file path=ppt/slides/slide40.xml><?xml version="1.0" encoding="utf-8"?>
+<p:sld xmlns:a="http://schemas.openxmlformats.org/drawingml/2006/main" xmlns:r="http://schemas.openxmlformats.org/officeDocument/2006/relationships" xmlns:p="http://schemas.openxmlformats.org/presentationml/2006/main">
+  <p:cSld>
+    <p:spTree>
+      <p:nvGrpSpPr>
+        <p:cNvPr id="1" name=""/>
+        <p:cNvGrpSpPr/>
+        <p:nvPr/>
+      </p:nvGrpSpPr>
+      <p:grpSpPr>
+        <a:xfrm>
+          <a:off x="0" y="0"/>
+          <a:ext cx="0" cy="0"/>
+          <a:chOff x="0" y="0"/>
+          <a:chExt cx="0" cy="0"/>
+        </a:xfrm>
+      </p:grpSpPr>
+      <p:sp>
+        <p:nvSpPr>
+          <p:cNvPr id="2" name="Заголовок 1"/>
+          <p:cNvSpPr>
+            <a:spLocks noGrp="1"/>
+          </p:cNvSpPr>
+          <p:nvPr>
+            <p:ph type="title"/>
+          </p:nvPr>
+        </p:nvSpPr>
+        <p:spPr/>
+        <p:txBody>
+          <a:bodyPr/>
+          <a:lstStyle/>
+          <a:p>
+            <a:r>
+              <a:rPr lang="en-US" dirty="0" smtClean="0"/>
+              <a:t>OFB</a:t>
+            </a:r>
+            <a:endParaRPr lang="ru-RU" dirty="0"/>
+          </a:p>
+        </p:txBody>
+      </p:sp>
+      <p:pic>
+        <p:nvPicPr>
+          <p:cNvPr id="5" name="Объект 4"/>
+          <p:cNvPicPr>
+            <a:picLocks noGrp="1" noChangeAspect="1"/>
+          </p:cNvPicPr>
+          <p:nvPr>
+            <p:ph idx="1"/>
+          </p:nvPr>
+        </p:nvPicPr>
+        <p:blipFill>
+          <a:blip r:embed="rId2">
+            <a:extLst>
+              <a:ext uri="{28A0092B-C50C-407E-A947-70E740481C1C}">
+                <a14:useLocalDpi xmlns:a14="http://schemas.microsoft.com/office/drawing/2010/main" val="0"/>
+              </a:ext>
+            </a:extLst>
+          </a:blip>
+          <a:stretch>
+            <a:fillRect/>
+          </a:stretch>
+        </p:blipFill>
+        <p:spPr>
+          <a:xfrm>
+            <a:off x="4811619" y="-2"/>
+            <a:ext cx="7380382" cy="2971801"/>
+          </a:xfrm>
+        </p:spPr>
+      </p:pic>
+      <p:sp>
+        <p:nvSpPr>
+          <p:cNvPr id="4" name="Номер слайда 3"/>
+          <p:cNvSpPr>
+            <a:spLocks noGrp="1"/>
+          </p:cNvSpPr>
+          <p:nvPr>
+            <p:ph type="sldNum" sz="quarter" idx="12"/>
+          </p:nvPr>
+        </p:nvSpPr>
+        <p:spPr/>
+        <p:txBody>
+          <a:bodyPr/>
+          <a:lstStyle/>
+          <a:p>
+            <a:fld id="{8253DDDB-F8F7-4D64-A7FD-3F3D61C1949F}" type="slidenum">
+              <a:rPr lang="ru-RU" smtClean="0"/>
+              <a:t>40</a:t>
+            </a:fld>
+            <a:endParaRPr lang="ru-RU"/>
+          </a:p>
+        </p:txBody>
+      </p:sp>
+      <p:pic>
+        <p:nvPicPr>
+          <p:cNvPr id="6" name="Рисунок 5"/>
+          <p:cNvPicPr>
+            <a:picLocks noChangeAspect="1"/>
+          </p:cNvPicPr>
+          <p:nvPr/>
+        </p:nvPicPr>
+        <p:blipFill>
+          <a:blip r:embed="rId3">
+            <a:extLst>
+              <a:ext uri="{28A0092B-C50C-407E-A947-70E740481C1C}">
+                <a14:useLocalDpi xmlns:a14="http://schemas.microsoft.com/office/drawing/2010/main" val="0"/>
+              </a:ext>
+            </a:extLst>
+          </a:blip>
+          <a:stretch>
+            <a:fillRect/>
+          </a:stretch>
+        </p:blipFill>
+        <p:spPr>
+          <a:xfrm>
+            <a:off x="4693347" y="3336926"/>
+            <a:ext cx="7498653" cy="3019424"/>
+          </a:xfrm>
+          <a:prstGeom prst="rect">
+            <a:avLst/>
+          </a:prstGeom>
+        </p:spPr>
+      </p:pic>
+    </p:spTree>
+    <p:extLst>
+      <p:ext uri="{BB962C8B-B14F-4D97-AF65-F5344CB8AC3E}">
+        <p14:creationId xmlns:p14="http://schemas.microsoft.com/office/powerpoint/2010/main" val="1148873198"/>
+      </p:ext>
+    </p:extLst>
+  </p:cSld>
+  <p:clrMapOvr>
+    <a:masterClrMapping/>
+  </p:clrMapOvr>
+</p:sld>
+</file>
+
+<file path=ppt/slides/slide41.xml><?xml version="1.0" encoding="utf-8"?>
+<p:sld xmlns:a="http://schemas.openxmlformats.org/drawingml/2006/main" xmlns:r="http://schemas.openxmlformats.org/officeDocument/2006/relationships" xmlns:p="http://schemas.openxmlformats.org/presentationml/2006/main">
+  <p:cSld>
+    <p:spTree>
+      <p:nvGrpSpPr>
+        <p:cNvPr id="1" name=""/>
+        <p:cNvGrpSpPr/>
+        <p:nvPr/>
+      </p:nvGrpSpPr>
+      <p:grpSpPr>
+        <a:xfrm>
+          <a:off x="0" y="0"/>
+          <a:ext cx="0" cy="0"/>
+          <a:chOff x="0" y="0"/>
+          <a:chExt cx="0" cy="0"/>
+        </a:xfrm>
+      </p:grpSpPr>
+      <p:sp>
+        <p:nvSpPr>
+          <p:cNvPr id="2" name="Заголовок 1"/>
+          <p:cNvSpPr>
+            <a:spLocks noGrp="1"/>
+          </p:cNvSpPr>
+          <p:nvPr>
+            <p:ph type="title"/>
+          </p:nvPr>
+        </p:nvSpPr>
+        <p:spPr/>
+        <p:txBody>
+          <a:bodyPr/>
+          <a:lstStyle/>
+          <a:p>
+            <a:r>
+              <a:rPr lang="en-US" dirty="0" smtClean="0"/>
+              <a:t>CTR</a:t>
+            </a:r>
+            <a:endParaRPr lang="ru-RU" dirty="0"/>
+          </a:p>
+        </p:txBody>
+      </p:sp>
+      <p:pic>
+        <p:nvPicPr>
+          <p:cNvPr id="5" name="Объект 4"/>
+          <p:cNvPicPr>
+            <a:picLocks noGrp="1" noChangeAspect="1"/>
+          </p:cNvPicPr>
+          <p:nvPr>
+            <p:ph idx="1"/>
+          </p:nvPr>
+        </p:nvPicPr>
+        <p:blipFill>
+          <a:blip r:embed="rId2">
+            <a:extLst>
+              <a:ext uri="{28A0092B-C50C-407E-A947-70E740481C1C}">
+                <a14:useLocalDpi xmlns:a14="http://schemas.microsoft.com/office/drawing/2010/main" val="0"/>
+              </a:ext>
+            </a:extLst>
+          </a:blip>
+          <a:stretch>
+            <a:fillRect/>
+          </a:stretch>
+        </p:blipFill>
+        <p:spPr>
+          <a:xfrm>
+            <a:off x="4799566" y="-1"/>
+            <a:ext cx="7547355" cy="3039035"/>
+          </a:xfrm>
+        </p:spPr>
+      </p:pic>
+      <p:sp>
+        <p:nvSpPr>
+          <p:cNvPr id="4" name="Номер слайда 3"/>
+          <p:cNvSpPr>
+            <a:spLocks noGrp="1"/>
+          </p:cNvSpPr>
+          <p:nvPr>
+            <p:ph type="sldNum" sz="quarter" idx="12"/>
+          </p:nvPr>
+        </p:nvSpPr>
+        <p:spPr/>
+        <p:txBody>
+          <a:bodyPr/>
+          <a:lstStyle/>
+          <a:p>
+            <a:fld id="{8253DDDB-F8F7-4D64-A7FD-3F3D61C1949F}" type="slidenum">
+              <a:rPr lang="ru-RU" smtClean="0"/>
+              <a:t>41</a:t>
+            </a:fld>
+            <a:endParaRPr lang="ru-RU"/>
+          </a:p>
+        </p:txBody>
+      </p:sp>
+      <p:pic>
+        <p:nvPicPr>
+          <p:cNvPr id="6" name="Рисунок 5"/>
+          <p:cNvPicPr>
+            <a:picLocks noChangeAspect="1"/>
+          </p:cNvPicPr>
+          <p:nvPr/>
+        </p:nvPicPr>
+        <p:blipFill>
+          <a:blip r:embed="rId3">
+            <a:extLst>
+              <a:ext uri="{28A0092B-C50C-407E-A947-70E740481C1C}">
+                <a14:useLocalDpi xmlns:a14="http://schemas.microsoft.com/office/drawing/2010/main" val="0"/>
+              </a:ext>
+            </a:extLst>
+          </a:blip>
+          <a:stretch>
+            <a:fillRect/>
+          </a:stretch>
+        </p:blipFill>
+        <p:spPr>
+          <a:xfrm>
+            <a:off x="4799566" y="3231962"/>
+            <a:ext cx="7451131" cy="3000289"/>
+          </a:xfrm>
+          <a:prstGeom prst="rect">
+            <a:avLst/>
+          </a:prstGeom>
+        </p:spPr>
+      </p:pic>
+    </p:spTree>
+    <p:extLst>
+      <p:ext uri="{BB962C8B-B14F-4D97-AF65-F5344CB8AC3E}">
+        <p14:creationId xmlns:p14="http://schemas.microsoft.com/office/powerpoint/2010/main" val="2207108819"/>
+      </p:ext>
+    </p:extLst>
+  </p:cSld>
+  <p:clrMapOvr>
+    <a:masterClrMapping/>
+  </p:clrMapOvr>
 </p:sld>
 </file>
 
@@ -41244,8 +41944,8 @@
           </a:p>
         </p:txBody>
       </p:sp>
-      <mc:AlternateContent xmlns:mc="http://schemas.openxmlformats.org/markup-compatibility/2006">
-        <mc:Choice xmlns:a14="http://schemas.microsoft.com/office/drawing/2010/main" Requires="a14">
+      <mc:AlternateContent xmlns:mc="http://schemas.openxmlformats.org/markup-compatibility/2006" xmlns:a14="http://schemas.microsoft.com/office/drawing/2010/main">
+        <mc:Choice Requires="a14">
           <p:sp>
             <p:nvSpPr>
               <p:cNvPr id="3" name="Объект 2"/>
@@ -41389,11 +42089,7 @@
                 </a14:m>
                 <a:r>
                   <a:rPr lang="ru-RU" dirty="0" smtClean="0"/>
-                  <a:t> против </a:t>
-                </a:r>
-                <a:r>
-                  <a:rPr lang="ru-RU" dirty="0" smtClean="0"/>
-                  <a:t>псевдослучайной функции </a:t>
+                  <a:t> против псевдослучайной функции </a:t>
                 </a:r>
                 <a14:m>
                   <m:oMath xmlns:m="http://schemas.openxmlformats.org/officeDocument/2006/math">
@@ -41407,11 +42103,7 @@
                 </a14:m>
                 <a:r>
                   <a:rPr lang="ru-RU" dirty="0" smtClean="0"/>
-                  <a:t> </a:t>
-                </a:r>
-                <a:r>
-                  <a:rPr lang="ru-RU" dirty="0" smtClean="0"/>
-                  <a:t>называется величина </a:t>
+                  <a:t> называется величина </a:t>
                 </a:r>
                 <a14:m>
                   <m:oMath xmlns:m="http://schemas.openxmlformats.org/officeDocument/2006/math">
@@ -41605,7 +42297,7 @@
             </p:txBody>
           </p:sp>
         </mc:Choice>
-        <mc:Fallback>
+        <mc:Fallback xmlns="">
           <p:sp>
             <p:nvSpPr>
               <p:cNvPr id="3" name="Объект 2"/>

--- a/Lectures/Lecture4.pptx
+++ b/Lectures/Lecture4.pptx
@@ -5,7 +5,7 @@
     <p:sldMasterId id="2147483648" r:id="rId1"/>
   </p:sldMasterIdLst>
   <p:notesMasterIdLst>
-    <p:notesMasterId r:id="rId43"/>
+    <p:notesMasterId r:id="rId44"/>
   </p:notesMasterIdLst>
   <p:sldIdLst>
     <p:sldId id="296" r:id="rId2"/>
@@ -44,11 +44,12 @@
     <p:sldId id="362" r:id="rId35"/>
     <p:sldId id="363" r:id="rId36"/>
     <p:sldId id="365" r:id="rId37"/>
-    <p:sldId id="366" r:id="rId38"/>
-    <p:sldId id="370" r:id="rId39"/>
-    <p:sldId id="367" r:id="rId40"/>
-    <p:sldId id="368" r:id="rId41"/>
-    <p:sldId id="369" r:id="rId42"/>
+    <p:sldId id="371" r:id="rId38"/>
+    <p:sldId id="366" r:id="rId39"/>
+    <p:sldId id="370" r:id="rId40"/>
+    <p:sldId id="367" r:id="rId41"/>
+    <p:sldId id="368" r:id="rId42"/>
+    <p:sldId id="369" r:id="rId43"/>
   </p:sldIdLst>
   <p:sldSz cx="12192000" cy="6858000"/>
   <p:notesSz cx="6858000" cy="9144000"/>
@@ -208,6 +209,7 @@
         </p14:section>
         <p14:section name="Прочие режимы шифрования" id="{E90C6DAE-2EE3-45D4-B396-A281E5A769EC}">
           <p14:sldIdLst>
+            <p14:sldId id="371"/>
             <p14:sldId id="366"/>
             <p14:sldId id="370"/>
             <p14:sldId id="367"/>
@@ -3571,11 +3573,7 @@
           <a:p>
             <a:r>
               <a:rPr lang="ru-RU" dirty="0" smtClean="0"/>
-              <a:t>МИФИ </a:t>
-            </a:r>
-            <a:r>
-              <a:rPr lang="ru-RU" dirty="0" smtClean="0"/>
-              <a:t>2019</a:t>
+              <a:t>МИФИ 2019</a:t>
             </a:r>
             <a:endParaRPr lang="ru-RU" dirty="0"/>
           </a:p>
@@ -21877,8 +21875,8 @@
           </a:p>
         </p:txBody>
       </p:sp>
-      <mc:AlternateContent xmlns:mc="http://schemas.openxmlformats.org/markup-compatibility/2006">
-        <mc:Choice xmlns:a14="http://schemas.microsoft.com/office/drawing/2010/main" Requires="a14">
+      <mc:AlternateContent xmlns:mc="http://schemas.openxmlformats.org/markup-compatibility/2006" xmlns:a14="http://schemas.microsoft.com/office/drawing/2010/main">
+        <mc:Choice Requires="a14">
           <p:sp>
             <p:nvSpPr>
               <p:cNvPr id="3" name="Объект 2"/>
@@ -22268,13 +22266,7 @@
                       <a:rPr lang="en-US" b="0" i="1" smtClean="0">
                         <a:latin typeface="Cambria Math" panose="02040503050406030204" pitchFamily="18" charset="0"/>
                       </a:rPr>
-                      <m:t>]</m:t>
-                    </m:r>
-                    <m:r>
-                      <a:rPr lang="en-US" b="0" i="1" smtClean="0">
-                        <a:latin typeface="Cambria Math" panose="02040503050406030204" pitchFamily="18" charset="0"/>
-                      </a:rPr>
-                      <m:t>=</m:t>
+                      <m:t>]=</m:t>
                     </m:r>
                     <m:r>
                       <a:rPr lang="ru-RU" b="0" i="1" smtClean="0">
@@ -22349,7 +22341,7 @@
             </p:txBody>
           </p:sp>
         </mc:Choice>
-        <mc:Fallback>
+        <mc:Fallback xmlns="">
           <p:sp>
             <p:nvSpPr>
               <p:cNvPr id="3" name="Объект 2"/>
@@ -31137,6 +31129,10 @@
                     </m:r>
                   </m:oMath>
                 </a14:m>
+                <a:r>
+                  <a:rPr lang="ru-RU" dirty="0" smtClean="0"/>
+                  <a:t> Является верхней границей стойкости.</a:t>
+                </a:r>
                 <a:endParaRPr lang="ru-RU" dirty="0"/>
               </a:p>
             </p:txBody>
@@ -31158,7 +31154,7 @@
                 <a:off x="838200" y="1825624"/>
                 <a:ext cx="10515600" cy="4670709"/>
               </a:xfrm>
-              <a:blipFill rotWithShape="0">
+              <a:blipFill>
                 <a:blip r:embed="rId2"/>
                 <a:stretch>
                   <a:fillRect l="-1043" t="-2608" b="-1956"/>
@@ -32940,8 +32936,8 @@
           </a:p>
         </p:txBody>
       </p:sp>
-      <mc:AlternateContent xmlns:mc="http://schemas.openxmlformats.org/markup-compatibility/2006" xmlns:a14="http://schemas.microsoft.com/office/drawing/2010/main">
-        <mc:Choice Requires="a14">
+      <mc:AlternateContent xmlns:mc="http://schemas.openxmlformats.org/markup-compatibility/2006">
+        <mc:Choice xmlns:a14="http://schemas.microsoft.com/office/drawing/2010/main" Requires="a14">
           <p:sp>
             <p:nvSpPr>
               <p:cNvPr id="3" name="Объект 2"/>
@@ -33400,7 +33396,15 @@
                 </a14:m>
                 <a:r>
                   <a:rPr lang="ru-RU" dirty="0" smtClean="0"/>
-                  <a:t> попарно различных блоков. Тогда если </a:t>
+                  <a:t> </a:t>
+                </a:r>
+                <a:r>
+                  <a:rPr lang="ru-RU" b="1" dirty="0" smtClean="0"/>
+                  <a:t>попарно различных блоков</a:t>
+                </a:r>
+                <a:r>
+                  <a:rPr lang="ru-RU" dirty="0" smtClean="0"/>
+                  <a:t>. Тогда если </a:t>
                 </a:r>
                 <a14:m>
                   <m:oMath xmlns:m="http://schemas.openxmlformats.org/officeDocument/2006/math">
@@ -33743,7 +33747,7 @@
             </p:txBody>
           </p:sp>
         </mc:Choice>
-        <mc:Fallback xmlns="">
+        <mc:Fallback>
           <p:sp>
             <p:nvSpPr>
               <p:cNvPr id="3" name="Объект 2"/>
@@ -33861,9 +33865,10 @@
               <a:t> </a:t>
             </a:r>
             <a:r>
-              <a:rPr lang="ru-RU" dirty="0"/>
-              <a:t> ECB</a:t>
+              <a:rPr lang="ru-RU" dirty="0" smtClean="0"/>
+              <a:t>ECB</a:t>
             </a:r>
+            <a:endParaRPr lang="ru-RU" dirty="0"/>
           </a:p>
         </p:txBody>
       </p:sp>
@@ -33899,7 +33904,15 @@
             <a:pPr lvl="1"/>
             <a:r>
               <a:rPr lang="ru-RU" dirty="0" smtClean="0"/>
-              <a:t>Сообщений, состоящих из уникальных, попарно различных блоков (например есть открытый текст – случайных ключ), не повторяющихся во время жизни ключа</a:t>
+              <a:t>Сообщений, состоящих из уникальных, </a:t>
+            </a:r>
+            <a:r>
+              <a:rPr lang="ru-RU" b="1" dirty="0" smtClean="0"/>
+              <a:t>попарно различных блоков </a:t>
+            </a:r>
+            <a:r>
+              <a:rPr lang="ru-RU" dirty="0" smtClean="0"/>
+              <a:t>(например есть открытый текст – случайных ключ), не повторяющихся во время жизни ключа</a:t>
             </a:r>
           </a:p>
           <a:p>
@@ -36215,8 +36228,8 @@
           </a:p>
         </p:txBody>
       </p:sp>
-      <mc:AlternateContent xmlns:mc="http://schemas.openxmlformats.org/markup-compatibility/2006" xmlns:a14="http://schemas.microsoft.com/office/drawing/2010/main">
-        <mc:Choice Requires="a14">
+      <mc:AlternateContent xmlns:mc="http://schemas.openxmlformats.org/markup-compatibility/2006">
+        <mc:Choice xmlns:a14="http://schemas.microsoft.com/office/drawing/2010/main" Requires="a14">
           <p:sp>
             <p:nvSpPr>
               <p:cNvPr id="3" name="Объект 2"/>
@@ -36532,19 +36545,16 @@
                       </m:sSubPr>
                       <m:e>
                         <m:r>
-                          <m:rPr>
-                            <m:sty m:val="p"/>
-                          </m:rPr>
-                          <a:rPr lang="en-US" b="0" i="0" dirty="0" smtClean="0">
+                          <a:rPr lang="en-US" b="0" i="1" dirty="0" smtClean="0">
                             <a:latin typeface="Cambria Math" panose="02040503050406030204" pitchFamily="18" charset="0"/>
                             <a:ea typeface="Cambria Math" panose="02040503050406030204" pitchFamily="18" charset="0"/>
                           </a:rPr>
-                          <m:t>m</m:t>
+                          <m:t>𝑚</m:t>
                         </m:r>
                       </m:e>
                       <m:sub>
                         <m:r>
-                          <a:rPr lang="en-US" b="0" i="0" dirty="0" smtClean="0">
+                          <a:rPr lang="en-US" b="0" i="1" dirty="0" smtClean="0">
                             <a:latin typeface="Cambria Math" panose="02040503050406030204" pitchFamily="18" charset="0"/>
                             <a:ea typeface="Cambria Math" panose="02040503050406030204" pitchFamily="18" charset="0"/>
                           </a:rPr>
@@ -36553,7 +36563,7 @@
                       </m:sub>
                     </m:sSub>
                     <m:r>
-                      <a:rPr lang="ru-RU" b="0" i="0" dirty="0" smtClean="0">
+                      <a:rPr lang="ru-RU" b="0" i="1" dirty="0" smtClean="0">
                         <a:latin typeface="Cambria Math" panose="02040503050406030204" pitchFamily="18" charset="0"/>
                         <a:ea typeface="Cambria Math" panose="02040503050406030204" pitchFamily="18" charset="0"/>
                       </a:rPr>
@@ -36570,19 +36580,16 @@
                       </m:sSubPr>
                       <m:e>
                         <m:r>
-                          <m:rPr>
-                            <m:sty m:val="p"/>
-                          </m:rPr>
-                          <a:rPr lang="en-US" b="0" i="0" dirty="0" smtClean="0">
+                          <a:rPr lang="en-US" b="0" i="1" dirty="0" smtClean="0">
                             <a:latin typeface="Cambria Math" panose="02040503050406030204" pitchFamily="18" charset="0"/>
                             <a:ea typeface="Cambria Math" panose="02040503050406030204" pitchFamily="18" charset="0"/>
                           </a:rPr>
-                          <m:t>m</m:t>
+                          <m:t>𝑚</m:t>
                         </m:r>
                       </m:e>
                       <m:sub>
                         <m:r>
-                          <a:rPr lang="en-US" b="0" i="0" dirty="0" smtClean="0">
+                          <a:rPr lang="en-US" b="0" i="1" dirty="0" smtClean="0">
                             <a:latin typeface="Cambria Math" panose="02040503050406030204" pitchFamily="18" charset="0"/>
                             <a:ea typeface="Cambria Math" panose="02040503050406030204" pitchFamily="18" charset="0"/>
                           </a:rPr>
@@ -36591,7 +36598,7 @@
                       </m:sub>
                     </m:sSub>
                     <m:r>
-                      <a:rPr lang="en-US" b="0" i="0" dirty="0" smtClean="0">
+                      <a:rPr lang="en-US" b="0" i="1" dirty="0" smtClean="0">
                         <a:latin typeface="Cambria Math" panose="02040503050406030204" pitchFamily="18" charset="0"/>
                         <a:ea typeface="Cambria Math" panose="02040503050406030204" pitchFamily="18" charset="0"/>
                       </a:rPr>
@@ -36608,19 +36615,16 @@
                       </m:sSubPr>
                       <m:e>
                         <m:r>
-                          <m:rPr>
-                            <m:sty m:val="p"/>
-                          </m:rPr>
-                          <a:rPr lang="en-US" b="0" i="0" dirty="0" smtClean="0">
+                          <a:rPr lang="en-US" b="0" i="1" dirty="0" smtClean="0">
                             <a:latin typeface="Cambria Math" panose="02040503050406030204" pitchFamily="18" charset="0"/>
                             <a:ea typeface="Cambria Math" panose="02040503050406030204" pitchFamily="18" charset="0"/>
                           </a:rPr>
-                          <m:t>m</m:t>
+                          <m:t>𝑚</m:t>
                         </m:r>
                       </m:e>
                       <m:sub>
                         <m:r>
-                          <a:rPr lang="en-US" b="0" i="0" dirty="0" smtClean="0">
+                          <a:rPr lang="en-US" b="0" i="1" dirty="0" smtClean="0">
                             <a:latin typeface="Cambria Math" panose="02040503050406030204" pitchFamily="18" charset="0"/>
                             <a:ea typeface="Cambria Math" panose="02040503050406030204" pitchFamily="18" charset="0"/>
                           </a:rPr>
@@ -36629,7 +36633,7 @@
                       </m:sub>
                     </m:sSub>
                     <m:r>
-                      <a:rPr lang="en-US" b="0" i="0" dirty="0" smtClean="0">
+                      <a:rPr lang="en-US" b="0" i="1" dirty="0" smtClean="0">
                         <a:latin typeface="Cambria Math" panose="02040503050406030204" pitchFamily="18" charset="0"/>
                         <a:ea typeface="Cambria Math" panose="02040503050406030204" pitchFamily="18" charset="0"/>
                       </a:rPr>
@@ -36646,36 +36650,30 @@
                       </m:dPr>
                       <m:e>
                         <m:r>
-                          <m:rPr>
-                            <m:sty m:val="p"/>
-                          </m:rPr>
-                          <a:rPr lang="en-US" b="0" i="0" dirty="0" smtClean="0">
+                          <a:rPr lang="en-US" b="0" i="1" dirty="0" smtClean="0">
                             <a:latin typeface="Cambria Math" panose="02040503050406030204" pitchFamily="18" charset="0"/>
                             <a:ea typeface="Cambria Math" panose="02040503050406030204" pitchFamily="18" charset="0"/>
                           </a:rPr>
-                          <m:t>x</m:t>
+                          <m:t>𝑥</m:t>
                         </m:r>
                         <m:r>
-                          <a:rPr lang="en-US" b="0" i="0" dirty="0" smtClean="0">
+                          <a:rPr lang="en-US" b="0" i="1" dirty="0" smtClean="0">
                             <a:latin typeface="Cambria Math" panose="02040503050406030204" pitchFamily="18" charset="0"/>
                             <a:ea typeface="Cambria Math" panose="02040503050406030204" pitchFamily="18" charset="0"/>
                           </a:rPr>
                           <m:t>,</m:t>
                         </m:r>
                         <m:r>
-                          <m:rPr>
-                            <m:sty m:val="p"/>
-                          </m:rPr>
-                          <a:rPr lang="en-US" b="0" i="0" dirty="0" smtClean="0">
+                          <a:rPr lang="en-US" b="0" i="1" dirty="0" smtClean="0">
                             <a:latin typeface="Cambria Math" panose="02040503050406030204" pitchFamily="18" charset="0"/>
                             <a:ea typeface="Cambria Math" panose="02040503050406030204" pitchFamily="18" charset="0"/>
                           </a:rPr>
-                          <m:t>x</m:t>
+                          <m:t>𝑥</m:t>
                         </m:r>
                       </m:e>
                     </m:d>
                     <m:r>
-                      <a:rPr lang="en-US" b="0" i="0" dirty="0" smtClean="0">
+                      <a:rPr lang="en-US" b="0" i="1" dirty="0" smtClean="0">
                         <a:latin typeface="Cambria Math" panose="02040503050406030204" pitchFamily="18" charset="0"/>
                         <a:ea typeface="Cambria Math" panose="02040503050406030204" pitchFamily="18" charset="0"/>
                       </a:rPr>
@@ -36692,19 +36690,16 @@
                       </m:sSubPr>
                       <m:e>
                         <m:r>
-                          <m:rPr>
-                            <m:sty m:val="p"/>
-                          </m:rPr>
-                          <a:rPr lang="en-US" b="0" i="0" dirty="0" smtClean="0">
+                          <a:rPr lang="en-US" b="0" i="1" dirty="0" smtClean="0">
                             <a:latin typeface="Cambria Math" panose="02040503050406030204" pitchFamily="18" charset="0"/>
                             <a:ea typeface="Cambria Math" panose="02040503050406030204" pitchFamily="18" charset="0"/>
                           </a:rPr>
-                          <m:t>m</m:t>
+                          <m:t>𝑚</m:t>
                         </m:r>
                       </m:e>
                       <m:sub>
                         <m:r>
-                          <a:rPr lang="en-US" b="0" i="0" dirty="0" smtClean="0">
+                          <a:rPr lang="en-US" b="0" i="1" dirty="0" smtClean="0">
                             <a:latin typeface="Cambria Math" panose="02040503050406030204" pitchFamily="18" charset="0"/>
                             <a:ea typeface="Cambria Math" panose="02040503050406030204" pitchFamily="18" charset="0"/>
                           </a:rPr>
@@ -36713,7 +36708,7 @@
                       </m:sub>
                     </m:sSub>
                     <m:r>
-                      <a:rPr lang="en-US" b="0" i="0" dirty="0" smtClean="0">
+                      <a:rPr lang="en-US" b="0" i="1" dirty="0" smtClean="0">
                         <a:latin typeface="Cambria Math" panose="02040503050406030204" pitchFamily="18" charset="0"/>
                         <a:ea typeface="Cambria Math" panose="02040503050406030204" pitchFamily="18" charset="0"/>
                       </a:rPr>
@@ -36730,67 +36725,55 @@
                       </m:dPr>
                       <m:e>
                         <m:r>
-                          <m:rPr>
-                            <m:sty m:val="p"/>
-                          </m:rPr>
-                          <a:rPr lang="en-US" b="0" i="0" dirty="0" smtClean="0">
+                          <a:rPr lang="en-US" b="0" i="1" dirty="0" smtClean="0">
                             <a:latin typeface="Cambria Math" panose="02040503050406030204" pitchFamily="18" charset="0"/>
                             <a:ea typeface="Cambria Math" panose="02040503050406030204" pitchFamily="18" charset="0"/>
                           </a:rPr>
-                          <m:t>x</m:t>
+                          <m:t>𝑥</m:t>
                         </m:r>
                         <m:r>
-                          <a:rPr lang="en-US" b="0" i="0" dirty="0" smtClean="0">
+                          <a:rPr lang="en-US" b="0" i="1" dirty="0" smtClean="0">
                             <a:latin typeface="Cambria Math" panose="02040503050406030204" pitchFamily="18" charset="0"/>
                             <a:ea typeface="Cambria Math" panose="02040503050406030204" pitchFamily="18" charset="0"/>
                           </a:rPr>
                           <m:t>,</m:t>
                         </m:r>
                         <m:r>
-                          <m:rPr>
-                            <m:sty m:val="p"/>
-                          </m:rPr>
-                          <a:rPr lang="en-US" b="0" i="0" dirty="0" smtClean="0">
+                          <a:rPr lang="en-US" b="0" i="1" dirty="0" smtClean="0">
                             <a:latin typeface="Cambria Math" panose="02040503050406030204" pitchFamily="18" charset="0"/>
                             <a:ea typeface="Cambria Math" panose="02040503050406030204" pitchFamily="18" charset="0"/>
                           </a:rPr>
-                          <m:t>y</m:t>
+                          <m:t>𝑦</m:t>
                         </m:r>
                       </m:e>
                     </m:d>
                     <m:r>
-                      <a:rPr lang="en-US" b="0" i="0" dirty="0" smtClean="0">
+                      <a:rPr lang="en-US" b="0" i="1" dirty="0" smtClean="0">
                         <a:latin typeface="Cambria Math" panose="02040503050406030204" pitchFamily="18" charset="0"/>
                         <a:ea typeface="Cambria Math" panose="02040503050406030204" pitchFamily="18" charset="0"/>
                       </a:rPr>
                       <m:t>, </m:t>
                     </m:r>
                     <m:r>
-                      <m:rPr>
-                        <m:sty m:val="p"/>
-                      </m:rPr>
-                      <a:rPr lang="en-US" b="0" i="0" dirty="0" smtClean="0">
+                      <a:rPr lang="en-US" b="0" i="1" dirty="0" smtClean="0">
                         <a:latin typeface="Cambria Math" panose="02040503050406030204" pitchFamily="18" charset="0"/>
                         <a:ea typeface="Cambria Math" panose="02040503050406030204" pitchFamily="18" charset="0"/>
                       </a:rPr>
-                      <m:t>x</m:t>
-                    </m:r>
-                    <m:r>
-                      <a:rPr lang="en-US" b="0" i="0" dirty="0" smtClean="0">
+                      <m:t>𝑥</m:t>
+                    </m:r>
+                    <m:r>
+                      <a:rPr lang="en-US" b="0" i="1" dirty="0" smtClean="0">
                         <a:latin typeface="Cambria Math" panose="02040503050406030204" pitchFamily="18" charset="0"/>
                         <a:ea typeface="Cambria Math" panose="02040503050406030204" pitchFamily="18" charset="0"/>
                       </a:rPr>
                       <m:t>,</m:t>
                     </m:r>
                     <m:r>
-                      <m:rPr>
-                        <m:sty m:val="p"/>
-                      </m:rPr>
-                      <a:rPr lang="en-US" b="0" i="0" dirty="0" smtClean="0">
+                      <a:rPr lang="en-US" b="0" i="1" dirty="0" smtClean="0">
                         <a:latin typeface="Cambria Math" panose="02040503050406030204" pitchFamily="18" charset="0"/>
                         <a:ea typeface="Cambria Math" panose="02040503050406030204" pitchFamily="18" charset="0"/>
                       </a:rPr>
-                      <m:t>y</m:t>
+                      <m:t>𝑦</m:t>
                     </m:r>
                     <m:r>
                       <a:rPr lang="en-US" b="0" i="1" dirty="0" smtClean="0">
@@ -36934,14 +36917,11 @@
                 <a14:m>
                   <m:oMath xmlns:m="http://schemas.openxmlformats.org/officeDocument/2006/math">
                     <m:r>
-                      <m:rPr>
-                        <m:sty m:val="p"/>
-                      </m:rPr>
                       <a:rPr lang="en-US" i="1">
                         <a:latin typeface="Cambria Math" panose="02040503050406030204" pitchFamily="18" charset="0"/>
                         <a:ea typeface="Cambria Math" panose="02040503050406030204" pitchFamily="18" charset="0"/>
                       </a:rPr>
-                      <m:t>c</m:t>
+                      <m:t>𝑐</m:t>
                     </m:r>
                     <m:r>
                       <a:rPr lang="ru-RU" b="0" i="1" smtClean="0">
@@ -37117,7 +37097,7 @@
             </p:txBody>
           </p:sp>
         </mc:Choice>
-        <mc:Fallback xmlns="">
+        <mc:Fallback>
           <p:sp>
             <p:nvSpPr>
               <p:cNvPr id="3" name="Объект 2"/>
@@ -40047,6 +40027,164 @@
           <a:lstStyle/>
           <a:p>
             <a:r>
+              <a:rPr lang="ru-RU" dirty="0" smtClean="0"/>
+              <a:t>Вопросы для достижения </a:t>
+            </a:r>
+            <a:r>
+              <a:rPr lang="ru-RU" dirty="0" err="1" smtClean="0"/>
+              <a:t>дзена</a:t>
+            </a:r>
+            <a:r>
+              <a:rPr lang="ru-RU" dirty="0" smtClean="0"/>
+              <a:t> в режимах шифрования</a:t>
+            </a:r>
+            <a:endParaRPr lang="ru-RU" dirty="0"/>
+          </a:p>
+        </p:txBody>
+      </p:sp>
+      <p:sp>
+        <p:nvSpPr>
+          <p:cNvPr id="3" name="Объект 2"/>
+          <p:cNvSpPr>
+            <a:spLocks noGrp="1"/>
+          </p:cNvSpPr>
+          <p:nvPr>
+            <p:ph idx="1"/>
+          </p:nvPr>
+        </p:nvSpPr>
+        <p:spPr/>
+        <p:txBody>
+          <a:bodyPr/>
+          <a:lstStyle/>
+          <a:p>
+            <a:pPr marL="0" indent="0">
+              <a:buNone/>
+            </a:pPr>
+            <a:r>
+              <a:rPr lang="ru-RU" dirty="0" smtClean="0"/>
+              <a:t>На сколько битов, в каких блоках и каким образов влияет </a:t>
+            </a:r>
+          </a:p>
+          <a:p>
+            <a:r>
+              <a:rPr lang="ru-RU" dirty="0" smtClean="0"/>
+              <a:t>Изменение одного бита открытого текста на </a:t>
+            </a:r>
+            <a:r>
+              <a:rPr lang="ru-RU" dirty="0" err="1" smtClean="0"/>
+              <a:t>шифртекст</a:t>
+            </a:r>
+            <a:endParaRPr lang="ru-RU" dirty="0" smtClean="0"/>
+          </a:p>
+          <a:p>
+            <a:r>
+              <a:rPr lang="ru-RU" dirty="0" smtClean="0"/>
+              <a:t>Изменение одного бита </a:t>
+            </a:r>
+            <a:r>
+              <a:rPr lang="ru-RU" dirty="0" err="1" smtClean="0"/>
+              <a:t>шифртекста</a:t>
+            </a:r>
+            <a:r>
+              <a:rPr lang="ru-RU" dirty="0" smtClean="0"/>
+              <a:t> на расшифрованный открытый текст</a:t>
+            </a:r>
+          </a:p>
+          <a:p>
+            <a:pPr marL="0" indent="0">
+              <a:buNone/>
+            </a:pPr>
+            <a:endParaRPr lang="ru-RU" dirty="0" smtClean="0"/>
+          </a:p>
+          <a:p>
+            <a:pPr marL="0" indent="0">
+              <a:buNone/>
+            </a:pPr>
+            <a:r>
+              <a:rPr lang="ru-RU" dirty="0" smtClean="0"/>
+              <a:t>Можно ли контролируемо изменить определённый бит расшифрованного открытого текста, изменив биты </a:t>
+            </a:r>
+            <a:r>
+              <a:rPr lang="ru-RU" dirty="0" err="1" smtClean="0"/>
+              <a:t>шифртекста</a:t>
+            </a:r>
+            <a:r>
+              <a:rPr lang="ru-RU" dirty="0" smtClean="0"/>
+              <a:t>, как?</a:t>
+            </a:r>
+            <a:endParaRPr lang="ru-RU" dirty="0"/>
+          </a:p>
+        </p:txBody>
+      </p:sp>
+      <p:sp>
+        <p:nvSpPr>
+          <p:cNvPr id="4" name="Номер слайда 3"/>
+          <p:cNvSpPr>
+            <a:spLocks noGrp="1"/>
+          </p:cNvSpPr>
+          <p:nvPr>
+            <p:ph type="sldNum" sz="quarter" idx="12"/>
+          </p:nvPr>
+        </p:nvSpPr>
+        <p:spPr/>
+        <p:txBody>
+          <a:bodyPr/>
+          <a:lstStyle/>
+          <a:p>
+            <a:fld id="{8253DDDB-F8F7-4D64-A7FD-3F3D61C1949F}" type="slidenum">
+              <a:rPr lang="ru-RU" smtClean="0"/>
+              <a:t>37</a:t>
+            </a:fld>
+            <a:endParaRPr lang="ru-RU"/>
+          </a:p>
+        </p:txBody>
+      </p:sp>
+    </p:spTree>
+    <p:extLst>
+      <p:ext uri="{BB962C8B-B14F-4D97-AF65-F5344CB8AC3E}">
+        <p14:creationId xmlns:p14="http://schemas.microsoft.com/office/powerpoint/2010/main" val="4020483411"/>
+      </p:ext>
+    </p:extLst>
+  </p:cSld>
+  <p:clrMapOvr>
+    <a:masterClrMapping/>
+  </p:clrMapOvr>
+</p:sld>
+</file>
+
+<file path=ppt/slides/slide38.xml><?xml version="1.0" encoding="utf-8"?>
+<p:sld xmlns:a="http://schemas.openxmlformats.org/drawingml/2006/main" xmlns:r="http://schemas.openxmlformats.org/officeDocument/2006/relationships" xmlns:p="http://schemas.openxmlformats.org/presentationml/2006/main">
+  <p:cSld>
+    <p:spTree>
+      <p:nvGrpSpPr>
+        <p:cNvPr id="1" name=""/>
+        <p:cNvGrpSpPr/>
+        <p:nvPr/>
+      </p:nvGrpSpPr>
+      <p:grpSpPr>
+        <a:xfrm>
+          <a:off x="0" y="0"/>
+          <a:ext cx="0" cy="0"/>
+          <a:chOff x="0" y="0"/>
+          <a:chExt cx="0" cy="0"/>
+        </a:xfrm>
+      </p:grpSpPr>
+      <p:sp>
+        <p:nvSpPr>
+          <p:cNvPr id="2" name="Заголовок 1"/>
+          <p:cNvSpPr>
+            <a:spLocks noGrp="1"/>
+          </p:cNvSpPr>
+          <p:nvPr>
+            <p:ph type="title"/>
+          </p:nvPr>
+        </p:nvSpPr>
+        <p:spPr/>
+        <p:txBody>
+          <a:bodyPr/>
+          <a:lstStyle/>
+          <a:p>
+            <a:r>
               <a:rPr lang="en-US" dirty="0" smtClean="0"/>
               <a:t>ECB</a:t>
             </a:r>
@@ -40100,7 +40238,7 @@
           <a:p>
             <a:fld id="{8253DDDB-F8F7-4D64-A7FD-3F3D61C1949F}" type="slidenum">
               <a:rPr lang="ru-RU" smtClean="0"/>
-              <a:t>37</a:t>
+              <a:t>38</a:t>
             </a:fld>
             <a:endParaRPr lang="ru-RU"/>
           </a:p>
@@ -40149,7 +40287,7 @@
 </p:sld>
 </file>
 
-<file path=ppt/slides/slide38.xml><?xml version="1.0" encoding="utf-8"?>
+<file path=ppt/slides/slide39.xml><?xml version="1.0" encoding="utf-8"?>
 <p:sld xmlns:a="http://schemas.openxmlformats.org/drawingml/2006/main" xmlns:r="http://schemas.openxmlformats.org/officeDocument/2006/relationships" xmlns:p="http://schemas.openxmlformats.org/presentationml/2006/main">
   <p:cSld>
     <p:spTree>
@@ -40235,7 +40373,7 @@
           <a:p>
             <a:fld id="{8253DDDB-F8F7-4D64-A7FD-3F3D61C1949F}" type="slidenum">
               <a:rPr lang="ru-RU" smtClean="0"/>
-              <a:t>38</a:t>
+              <a:t>39</a:t>
             </a:fld>
             <a:endParaRPr lang="ru-RU"/>
           </a:p>
@@ -40284,7 +40422,362 @@
 </p:sld>
 </file>
 
-<file path=ppt/slides/slide39.xml><?xml version="1.0" encoding="utf-8"?>
+<file path=ppt/slides/slide4.xml><?xml version="1.0" encoding="utf-8"?>
+<p:sld xmlns:a="http://schemas.openxmlformats.org/drawingml/2006/main" xmlns:r="http://schemas.openxmlformats.org/officeDocument/2006/relationships" xmlns:p="http://schemas.openxmlformats.org/presentationml/2006/main">
+  <p:cSld>
+    <p:spTree>
+      <p:nvGrpSpPr>
+        <p:cNvPr id="1" name=""/>
+        <p:cNvGrpSpPr/>
+        <p:nvPr/>
+      </p:nvGrpSpPr>
+      <p:grpSpPr>
+        <a:xfrm>
+          <a:off x="0" y="0"/>
+          <a:ext cx="0" cy="0"/>
+          <a:chOff x="0" y="0"/>
+          <a:chExt cx="0" cy="0"/>
+        </a:xfrm>
+      </p:grpSpPr>
+      <p:sp>
+        <p:nvSpPr>
+          <p:cNvPr id="2" name="Заголовок 1"/>
+          <p:cNvSpPr>
+            <a:spLocks noGrp="1"/>
+          </p:cNvSpPr>
+          <p:nvPr>
+            <p:ph type="title"/>
+          </p:nvPr>
+        </p:nvSpPr>
+        <p:spPr/>
+        <p:txBody>
+          <a:bodyPr/>
+          <a:lstStyle/>
+          <a:p>
+            <a:r>
+              <a:rPr lang="ru-RU" dirty="0" smtClean="0"/>
+              <a:t>Понятие стойкости блочного шифры</a:t>
+            </a:r>
+            <a:endParaRPr lang="ru-RU" dirty="0"/>
+          </a:p>
+        </p:txBody>
+      </p:sp>
+      <mc:AlternateContent xmlns:mc="http://schemas.openxmlformats.org/markup-compatibility/2006" xmlns:a14="http://schemas.microsoft.com/office/drawing/2010/main">
+        <mc:Choice Requires="a14">
+          <p:sp>
+            <p:nvSpPr>
+              <p:cNvPr id="3" name="Объект 2"/>
+              <p:cNvSpPr>
+                <a:spLocks noGrp="1"/>
+              </p:cNvSpPr>
+              <p:nvPr>
+                <p:ph idx="1"/>
+              </p:nvPr>
+            </p:nvSpPr>
+            <p:spPr/>
+            <p:txBody>
+              <a:bodyPr/>
+              <a:lstStyle/>
+              <a:p>
+                <a:pPr marL="0" indent="0">
+                  <a:buNone/>
+                </a:pPr>
+                <a:r>
+                  <a:rPr lang="ru-RU" dirty="0" smtClean="0"/>
+                  <a:t>Для блочных шифров требуют более строгое требование, чем семантическая стойкость</a:t>
+                </a:r>
+                <a:r>
+                  <a:rPr lang="en-US" dirty="0" smtClean="0"/>
+                  <a:t>:</a:t>
+                </a:r>
+                <a:r>
+                  <a:rPr lang="ru-RU" dirty="0" smtClean="0"/>
+                  <a:t> для случайно выбранного ключа </a:t>
+                </a:r>
+                <a14:m>
+                  <m:oMath xmlns:m="http://schemas.openxmlformats.org/officeDocument/2006/math">
+                    <m:r>
+                      <a:rPr lang="en-US" b="0" i="1" smtClean="0">
+                        <a:latin typeface="Cambria Math" panose="02040503050406030204" pitchFamily="18" charset="0"/>
+                      </a:rPr>
+                      <m:t>𝑘</m:t>
+                    </m:r>
+                    <m:sSub>
+                      <m:sSubPr>
+                        <m:ctrlPr>
+                          <a:rPr lang="ru-RU" b="0" i="1" smtClean="0">
+                            <a:latin typeface="Cambria Math" panose="02040503050406030204" pitchFamily="18" charset="0"/>
+                          </a:rPr>
+                        </m:ctrlPr>
+                      </m:sSubPr>
+                      <m:e>
+                        <m:r>
+                          <a:rPr lang="en-US" b="0" i="1" smtClean="0">
+                            <a:latin typeface="Cambria Math" panose="02040503050406030204" pitchFamily="18" charset="0"/>
+                          </a:rPr>
+                          <m:t>∈</m:t>
+                        </m:r>
+                      </m:e>
+                      <m:sub>
+                        <m:r>
+                          <a:rPr lang="en-US" b="0" i="1" smtClean="0">
+                            <a:latin typeface="Cambria Math" panose="02040503050406030204" pitchFamily="18" charset="0"/>
+                          </a:rPr>
+                          <m:t>𝑅</m:t>
+                        </m:r>
+                      </m:sub>
+                    </m:sSub>
+                    <m:r>
+                      <a:rPr lang="en-US" b="0" i="1" smtClean="0">
+                        <a:latin typeface="Cambria Math" panose="02040503050406030204" pitchFamily="18" charset="0"/>
+                      </a:rPr>
+                      <m:t>𝐾</m:t>
+                    </m:r>
+                  </m:oMath>
+                </a14:m>
+                <a:r>
+                  <a:rPr lang="ru-RU" dirty="0" smtClean="0"/>
+                  <a:t> перестановка </a:t>
+                </a:r>
+                <a14:m>
+                  <m:oMath xmlns:m="http://schemas.openxmlformats.org/officeDocument/2006/math">
+                    <m:sSub>
+                      <m:sSubPr>
+                        <m:ctrlPr>
+                          <a:rPr lang="en-US" b="0" i="1" smtClean="0">
+                            <a:latin typeface="Cambria Math" panose="02040503050406030204" pitchFamily="18" charset="0"/>
+                          </a:rPr>
+                        </m:ctrlPr>
+                      </m:sSubPr>
+                      <m:e>
+                        <m:r>
+                          <a:rPr lang="en-US" b="0" i="1" smtClean="0">
+                            <a:latin typeface="Cambria Math" panose="02040503050406030204" pitchFamily="18" charset="0"/>
+                          </a:rPr>
+                          <m:t>𝐸</m:t>
+                        </m:r>
+                      </m:e>
+                      <m:sub>
+                        <m:r>
+                          <a:rPr lang="en-US" b="0" i="1" smtClean="0">
+                            <a:latin typeface="Cambria Math" panose="02040503050406030204" pitchFamily="18" charset="0"/>
+                          </a:rPr>
+                          <m:t>𝑘</m:t>
+                        </m:r>
+                      </m:sub>
+                    </m:sSub>
+                    <m:d>
+                      <m:dPr>
+                        <m:ctrlPr>
+                          <a:rPr lang="en-US" b="0" i="1" smtClean="0">
+                            <a:latin typeface="Cambria Math" panose="02040503050406030204" pitchFamily="18" charset="0"/>
+                          </a:rPr>
+                        </m:ctrlPr>
+                      </m:dPr>
+                      <m:e>
+                        <m:r>
+                          <a:rPr lang="en-US" b="0" i="1" smtClean="0">
+                            <a:latin typeface="Cambria Math" panose="02040503050406030204" pitchFamily="18" charset="0"/>
+                          </a:rPr>
+                          <m:t>∗</m:t>
+                        </m:r>
+                      </m:e>
+                    </m:d>
+                    <m:r>
+                      <a:rPr lang="en-US" b="0" i="1" smtClean="0">
+                        <a:latin typeface="Cambria Math" panose="02040503050406030204" pitchFamily="18" charset="0"/>
+                      </a:rPr>
+                      <m:t>=</m:t>
+                    </m:r>
+                    <m:sSub>
+                      <m:sSubPr>
+                        <m:ctrlPr>
+                          <a:rPr lang="en-US" b="0" i="1" smtClean="0">
+                            <a:latin typeface="Cambria Math" panose="02040503050406030204" pitchFamily="18" charset="0"/>
+                          </a:rPr>
+                        </m:ctrlPr>
+                      </m:sSubPr>
+                      <m:e>
+                        <m:r>
+                          <a:rPr lang="en-US" b="0" i="1" smtClean="0">
+                            <a:latin typeface="Cambria Math" panose="02040503050406030204" pitchFamily="18" charset="0"/>
+                          </a:rPr>
+                          <m:t>𝑓</m:t>
+                        </m:r>
+                      </m:e>
+                      <m:sub>
+                        <m:r>
+                          <a:rPr lang="en-US" b="0" i="1" smtClean="0">
+                            <a:latin typeface="Cambria Math" panose="02040503050406030204" pitchFamily="18" charset="0"/>
+                          </a:rPr>
+                          <m:t>𝑘</m:t>
+                        </m:r>
+                      </m:sub>
+                    </m:sSub>
+                  </m:oMath>
+                </a14:m>
+                <a:r>
+                  <a:rPr lang="ru-RU" dirty="0" smtClean="0"/>
+                  <a:t> должна быть псевдослучайной, т.е. выглядеть вычислительно неотличимой от случайной подстановки из </a:t>
+                </a:r>
+                <a14:m>
+                  <m:oMath xmlns:m="http://schemas.openxmlformats.org/officeDocument/2006/math">
+                    <m:r>
+                      <a:rPr lang="en-US" b="0" i="1" smtClean="0">
+                        <a:latin typeface="Cambria Math" panose="02040503050406030204" pitchFamily="18" charset="0"/>
+                      </a:rPr>
+                      <m:t>𝑆</m:t>
+                    </m:r>
+                    <m:r>
+                      <a:rPr lang="en-US" b="0" i="1" smtClean="0">
+                        <a:latin typeface="Cambria Math" panose="02040503050406030204" pitchFamily="18" charset="0"/>
+                      </a:rPr>
+                      <m:t>(</m:t>
+                    </m:r>
+                    <m:r>
+                      <a:rPr lang="en-US" b="0" i="1" smtClean="0">
+                        <a:latin typeface="Cambria Math" panose="02040503050406030204" pitchFamily="18" charset="0"/>
+                      </a:rPr>
+                      <m:t>𝑋</m:t>
+                    </m:r>
+                    <m:r>
+                      <a:rPr lang="en-US" b="0" i="1" smtClean="0">
+                        <a:latin typeface="Cambria Math" panose="02040503050406030204" pitchFamily="18" charset="0"/>
+                      </a:rPr>
+                      <m:t>)</m:t>
+                    </m:r>
+                  </m:oMath>
+                </a14:m>
+                <a:r>
+                  <a:rPr lang="ru-RU" dirty="0" smtClean="0"/>
+                  <a:t>.</a:t>
+                </a:r>
+              </a:p>
+              <a:p>
+                <a:pPr marL="0" indent="0">
+                  <a:buNone/>
+                </a:pPr>
+                <a:endParaRPr lang="ru-RU" dirty="0"/>
+              </a:p>
+              <a:p>
+                <a:pPr marL="0" indent="0">
+                  <a:buNone/>
+                </a:pPr>
+                <a:r>
+                  <a:rPr lang="ru-RU" dirty="0" smtClean="0"/>
+                  <a:t>Идея игры – противник эффективный противник имеет доступ к оракулу, который выбирает функцию </a:t>
+                </a:r>
+                <a14:m>
+                  <m:oMath xmlns:m="http://schemas.openxmlformats.org/officeDocument/2006/math">
+                    <m:r>
+                      <a:rPr lang="en-US" b="0" i="1" smtClean="0">
+                        <a:latin typeface="Cambria Math" panose="02040503050406030204" pitchFamily="18" charset="0"/>
+                      </a:rPr>
+                      <m:t>𝑓</m:t>
+                    </m:r>
+                  </m:oMath>
+                </a14:m>
+                <a:r>
+                  <a:rPr lang="ru-RU" dirty="0" smtClean="0"/>
+                  <a:t> либо случайно, либо использует псевдослучайную функцию на случайном ключе. Противник может получить произвольное число образов функции </a:t>
+                </a:r>
+                <a14:m>
+                  <m:oMath xmlns:m="http://schemas.openxmlformats.org/officeDocument/2006/math">
+                    <m:r>
+                      <a:rPr lang="en-US" b="0" i="1" smtClean="0">
+                        <a:latin typeface="Cambria Math" panose="02040503050406030204" pitchFamily="18" charset="0"/>
+                      </a:rPr>
+                      <m:t>𝑓</m:t>
+                    </m:r>
+                  </m:oMath>
+                </a14:m>
+                <a:r>
+                  <a:rPr lang="ru-RU" dirty="0" smtClean="0"/>
+                  <a:t> на указанных им входах. Задача – различить эксперименты описанной игры.</a:t>
+                </a:r>
+                <a:endParaRPr lang="ru-RU" dirty="0"/>
+              </a:p>
+            </p:txBody>
+          </p:sp>
+        </mc:Choice>
+        <mc:Fallback xmlns="">
+          <p:sp>
+            <p:nvSpPr>
+              <p:cNvPr id="3" name="Объект 2"/>
+              <p:cNvSpPr>
+                <a:spLocks noGrp="1" noRot="1" noChangeAspect="1" noMove="1" noResize="1" noEditPoints="1" noAdjustHandles="1" noChangeArrowheads="1" noChangeShapeType="1" noTextEdit="1"/>
+              </p:cNvSpPr>
+              <p:nvPr>
+                <p:ph idx="1"/>
+              </p:nvPr>
+            </p:nvSpPr>
+            <p:spPr>
+              <a:blipFill>
+                <a:blip r:embed="rId2"/>
+                <a:stretch>
+                  <a:fillRect l="-1043" t="-2101" r="-1101"/>
+                </a:stretch>
+              </a:blipFill>
+            </p:spPr>
+            <p:txBody>
+              <a:bodyPr/>
+              <a:lstStyle/>
+              <a:p>
+                <a:r>
+                  <a:rPr lang="ru-RU">
+                    <a:noFill/>
+                  </a:rPr>
+                  <a:t> </a:t>
+                </a:r>
+              </a:p>
+            </p:txBody>
+          </p:sp>
+        </mc:Fallback>
+      </mc:AlternateContent>
+      <p:sp>
+        <p:nvSpPr>
+          <p:cNvPr id="4" name="Номер слайда 3"/>
+          <p:cNvSpPr>
+            <a:spLocks noGrp="1"/>
+          </p:cNvSpPr>
+          <p:nvPr>
+            <p:ph type="sldNum" sz="quarter" idx="12"/>
+          </p:nvPr>
+        </p:nvSpPr>
+        <p:spPr/>
+        <p:txBody>
+          <a:bodyPr/>
+          <a:lstStyle/>
+          <a:p>
+            <a:fld id="{8253DDDB-F8F7-4D64-A7FD-3F3D61C1949F}" type="slidenum">
+              <a:rPr lang="ru-RU" smtClean="0"/>
+              <a:t>4</a:t>
+            </a:fld>
+            <a:endParaRPr lang="ru-RU"/>
+          </a:p>
+        </p:txBody>
+      </p:sp>
+    </p:spTree>
+    <p:extLst>
+      <p:ext uri="{BB962C8B-B14F-4D97-AF65-F5344CB8AC3E}">
+        <p14:creationId xmlns:p14="http://schemas.microsoft.com/office/powerpoint/2010/main" val="524832991"/>
+      </p:ext>
+    </p:extLst>
+  </p:cSld>
+  <p:clrMapOvr>
+    <a:masterClrMapping/>
+  </p:clrMapOvr>
+  <p:timing>
+    <p:tnLst>
+      <p:par>
+        <p:cTn id="1" dur="indefinite" restart="never" nodeType="tmRoot"/>
+      </p:par>
+    </p:tnLst>
+  </p:timing>
+</p:sld>
+</file>
+
+<file path=ppt/slides/slide40.xml><?xml version="1.0" encoding="utf-8"?>
 <p:sld xmlns:a="http://schemas.openxmlformats.org/drawingml/2006/main" xmlns:r="http://schemas.openxmlformats.org/officeDocument/2006/relationships" xmlns:p="http://schemas.openxmlformats.org/presentationml/2006/main">
   <p:cSld>
     <p:spTree>
@@ -40370,7 +40863,7 @@
           <a:p>
             <a:fld id="{8253DDDB-F8F7-4D64-A7FD-3F3D61C1949F}" type="slidenum">
               <a:rPr lang="ru-RU" smtClean="0"/>
-              <a:t>39</a:t>
+              <a:t>40</a:t>
             </a:fld>
             <a:endParaRPr lang="ru-RU"/>
           </a:p>
@@ -40419,362 +40912,7 @@
 </p:sld>
 </file>
 
-<file path=ppt/slides/slide4.xml><?xml version="1.0" encoding="utf-8"?>
-<p:sld xmlns:a="http://schemas.openxmlformats.org/drawingml/2006/main" xmlns:r="http://schemas.openxmlformats.org/officeDocument/2006/relationships" xmlns:p="http://schemas.openxmlformats.org/presentationml/2006/main">
-  <p:cSld>
-    <p:spTree>
-      <p:nvGrpSpPr>
-        <p:cNvPr id="1" name=""/>
-        <p:cNvGrpSpPr/>
-        <p:nvPr/>
-      </p:nvGrpSpPr>
-      <p:grpSpPr>
-        <a:xfrm>
-          <a:off x="0" y="0"/>
-          <a:ext cx="0" cy="0"/>
-          <a:chOff x="0" y="0"/>
-          <a:chExt cx="0" cy="0"/>
-        </a:xfrm>
-      </p:grpSpPr>
-      <p:sp>
-        <p:nvSpPr>
-          <p:cNvPr id="2" name="Заголовок 1"/>
-          <p:cNvSpPr>
-            <a:spLocks noGrp="1"/>
-          </p:cNvSpPr>
-          <p:nvPr>
-            <p:ph type="title"/>
-          </p:nvPr>
-        </p:nvSpPr>
-        <p:spPr/>
-        <p:txBody>
-          <a:bodyPr/>
-          <a:lstStyle/>
-          <a:p>
-            <a:r>
-              <a:rPr lang="ru-RU" dirty="0" smtClean="0"/>
-              <a:t>Понятие стойкости блочного шифры</a:t>
-            </a:r>
-            <a:endParaRPr lang="ru-RU" dirty="0"/>
-          </a:p>
-        </p:txBody>
-      </p:sp>
-      <mc:AlternateContent xmlns:mc="http://schemas.openxmlformats.org/markup-compatibility/2006" xmlns:a14="http://schemas.microsoft.com/office/drawing/2010/main">
-        <mc:Choice Requires="a14">
-          <p:sp>
-            <p:nvSpPr>
-              <p:cNvPr id="3" name="Объект 2"/>
-              <p:cNvSpPr>
-                <a:spLocks noGrp="1"/>
-              </p:cNvSpPr>
-              <p:nvPr>
-                <p:ph idx="1"/>
-              </p:nvPr>
-            </p:nvSpPr>
-            <p:spPr/>
-            <p:txBody>
-              <a:bodyPr/>
-              <a:lstStyle/>
-              <a:p>
-                <a:pPr marL="0" indent="0">
-                  <a:buNone/>
-                </a:pPr>
-                <a:r>
-                  <a:rPr lang="ru-RU" dirty="0" smtClean="0"/>
-                  <a:t>Для блочных шифров требуют более строгое требование, чем семантическая стойкость</a:t>
-                </a:r>
-                <a:r>
-                  <a:rPr lang="en-US" dirty="0" smtClean="0"/>
-                  <a:t>:</a:t>
-                </a:r>
-                <a:r>
-                  <a:rPr lang="ru-RU" dirty="0" smtClean="0"/>
-                  <a:t> для случайно выбранного ключа </a:t>
-                </a:r>
-                <a14:m>
-                  <m:oMath xmlns:m="http://schemas.openxmlformats.org/officeDocument/2006/math">
-                    <m:r>
-                      <a:rPr lang="en-US" b="0" i="1" smtClean="0">
-                        <a:latin typeface="Cambria Math" panose="02040503050406030204" pitchFamily="18" charset="0"/>
-                      </a:rPr>
-                      <m:t>𝑘</m:t>
-                    </m:r>
-                    <m:sSub>
-                      <m:sSubPr>
-                        <m:ctrlPr>
-                          <a:rPr lang="ru-RU" b="0" i="1" smtClean="0">
-                            <a:latin typeface="Cambria Math" panose="02040503050406030204" pitchFamily="18" charset="0"/>
-                          </a:rPr>
-                        </m:ctrlPr>
-                      </m:sSubPr>
-                      <m:e>
-                        <m:r>
-                          <a:rPr lang="en-US" b="0" i="1" smtClean="0">
-                            <a:latin typeface="Cambria Math" panose="02040503050406030204" pitchFamily="18" charset="0"/>
-                          </a:rPr>
-                          <m:t>∈</m:t>
-                        </m:r>
-                      </m:e>
-                      <m:sub>
-                        <m:r>
-                          <a:rPr lang="en-US" b="0" i="1" smtClean="0">
-                            <a:latin typeface="Cambria Math" panose="02040503050406030204" pitchFamily="18" charset="0"/>
-                          </a:rPr>
-                          <m:t>𝑅</m:t>
-                        </m:r>
-                      </m:sub>
-                    </m:sSub>
-                    <m:r>
-                      <a:rPr lang="en-US" b="0" i="1" smtClean="0">
-                        <a:latin typeface="Cambria Math" panose="02040503050406030204" pitchFamily="18" charset="0"/>
-                      </a:rPr>
-                      <m:t>𝐾</m:t>
-                    </m:r>
-                  </m:oMath>
-                </a14:m>
-                <a:r>
-                  <a:rPr lang="ru-RU" dirty="0" smtClean="0"/>
-                  <a:t> перестановка </a:t>
-                </a:r>
-                <a14:m>
-                  <m:oMath xmlns:m="http://schemas.openxmlformats.org/officeDocument/2006/math">
-                    <m:sSub>
-                      <m:sSubPr>
-                        <m:ctrlPr>
-                          <a:rPr lang="en-US" b="0" i="1" smtClean="0">
-                            <a:latin typeface="Cambria Math" panose="02040503050406030204" pitchFamily="18" charset="0"/>
-                          </a:rPr>
-                        </m:ctrlPr>
-                      </m:sSubPr>
-                      <m:e>
-                        <m:r>
-                          <a:rPr lang="en-US" b="0" i="1" smtClean="0">
-                            <a:latin typeface="Cambria Math" panose="02040503050406030204" pitchFamily="18" charset="0"/>
-                          </a:rPr>
-                          <m:t>𝐸</m:t>
-                        </m:r>
-                      </m:e>
-                      <m:sub>
-                        <m:r>
-                          <a:rPr lang="en-US" b="0" i="1" smtClean="0">
-                            <a:latin typeface="Cambria Math" panose="02040503050406030204" pitchFamily="18" charset="0"/>
-                          </a:rPr>
-                          <m:t>𝑘</m:t>
-                        </m:r>
-                      </m:sub>
-                    </m:sSub>
-                    <m:d>
-                      <m:dPr>
-                        <m:ctrlPr>
-                          <a:rPr lang="en-US" b="0" i="1" smtClean="0">
-                            <a:latin typeface="Cambria Math" panose="02040503050406030204" pitchFamily="18" charset="0"/>
-                          </a:rPr>
-                        </m:ctrlPr>
-                      </m:dPr>
-                      <m:e>
-                        <m:r>
-                          <a:rPr lang="en-US" b="0" i="1" smtClean="0">
-                            <a:latin typeface="Cambria Math" panose="02040503050406030204" pitchFamily="18" charset="0"/>
-                          </a:rPr>
-                          <m:t>∗</m:t>
-                        </m:r>
-                      </m:e>
-                    </m:d>
-                    <m:r>
-                      <a:rPr lang="en-US" b="0" i="1" smtClean="0">
-                        <a:latin typeface="Cambria Math" panose="02040503050406030204" pitchFamily="18" charset="0"/>
-                      </a:rPr>
-                      <m:t>=</m:t>
-                    </m:r>
-                    <m:sSub>
-                      <m:sSubPr>
-                        <m:ctrlPr>
-                          <a:rPr lang="en-US" b="0" i="1" smtClean="0">
-                            <a:latin typeface="Cambria Math" panose="02040503050406030204" pitchFamily="18" charset="0"/>
-                          </a:rPr>
-                        </m:ctrlPr>
-                      </m:sSubPr>
-                      <m:e>
-                        <m:r>
-                          <a:rPr lang="en-US" b="0" i="1" smtClean="0">
-                            <a:latin typeface="Cambria Math" panose="02040503050406030204" pitchFamily="18" charset="0"/>
-                          </a:rPr>
-                          <m:t>𝑓</m:t>
-                        </m:r>
-                      </m:e>
-                      <m:sub>
-                        <m:r>
-                          <a:rPr lang="en-US" b="0" i="1" smtClean="0">
-                            <a:latin typeface="Cambria Math" panose="02040503050406030204" pitchFamily="18" charset="0"/>
-                          </a:rPr>
-                          <m:t>𝑘</m:t>
-                        </m:r>
-                      </m:sub>
-                    </m:sSub>
-                  </m:oMath>
-                </a14:m>
-                <a:r>
-                  <a:rPr lang="ru-RU" dirty="0" smtClean="0"/>
-                  <a:t> должна быть псевдослучайной, т.е. выглядеть вычислительно неотличимой от случайной подстановки из </a:t>
-                </a:r>
-                <a14:m>
-                  <m:oMath xmlns:m="http://schemas.openxmlformats.org/officeDocument/2006/math">
-                    <m:r>
-                      <a:rPr lang="en-US" b="0" i="1" smtClean="0">
-                        <a:latin typeface="Cambria Math" panose="02040503050406030204" pitchFamily="18" charset="0"/>
-                      </a:rPr>
-                      <m:t>𝑆</m:t>
-                    </m:r>
-                    <m:r>
-                      <a:rPr lang="en-US" b="0" i="1" smtClean="0">
-                        <a:latin typeface="Cambria Math" panose="02040503050406030204" pitchFamily="18" charset="0"/>
-                      </a:rPr>
-                      <m:t>(</m:t>
-                    </m:r>
-                    <m:r>
-                      <a:rPr lang="en-US" b="0" i="1" smtClean="0">
-                        <a:latin typeface="Cambria Math" panose="02040503050406030204" pitchFamily="18" charset="0"/>
-                      </a:rPr>
-                      <m:t>𝑋</m:t>
-                    </m:r>
-                    <m:r>
-                      <a:rPr lang="en-US" b="0" i="1" smtClean="0">
-                        <a:latin typeface="Cambria Math" panose="02040503050406030204" pitchFamily="18" charset="0"/>
-                      </a:rPr>
-                      <m:t>)</m:t>
-                    </m:r>
-                  </m:oMath>
-                </a14:m>
-                <a:r>
-                  <a:rPr lang="ru-RU" dirty="0" smtClean="0"/>
-                  <a:t>.</a:t>
-                </a:r>
-              </a:p>
-              <a:p>
-                <a:pPr marL="0" indent="0">
-                  <a:buNone/>
-                </a:pPr>
-                <a:endParaRPr lang="ru-RU" dirty="0"/>
-              </a:p>
-              <a:p>
-                <a:pPr marL="0" indent="0">
-                  <a:buNone/>
-                </a:pPr>
-                <a:r>
-                  <a:rPr lang="ru-RU" dirty="0" smtClean="0"/>
-                  <a:t>Идея игры – противник эффективный противник имеет доступ к оракулу, который выбирает функцию </a:t>
-                </a:r>
-                <a14:m>
-                  <m:oMath xmlns:m="http://schemas.openxmlformats.org/officeDocument/2006/math">
-                    <m:r>
-                      <a:rPr lang="en-US" b="0" i="1" smtClean="0">
-                        <a:latin typeface="Cambria Math" panose="02040503050406030204" pitchFamily="18" charset="0"/>
-                      </a:rPr>
-                      <m:t>𝑓</m:t>
-                    </m:r>
-                  </m:oMath>
-                </a14:m>
-                <a:r>
-                  <a:rPr lang="ru-RU" dirty="0" smtClean="0"/>
-                  <a:t> либо случайно, либо использует псевдослучайную функцию на случайном ключе. Противник может получить произвольное число образов функции </a:t>
-                </a:r>
-                <a14:m>
-                  <m:oMath xmlns:m="http://schemas.openxmlformats.org/officeDocument/2006/math">
-                    <m:r>
-                      <a:rPr lang="en-US" b="0" i="1" smtClean="0">
-                        <a:latin typeface="Cambria Math" panose="02040503050406030204" pitchFamily="18" charset="0"/>
-                      </a:rPr>
-                      <m:t>𝑓</m:t>
-                    </m:r>
-                  </m:oMath>
-                </a14:m>
-                <a:r>
-                  <a:rPr lang="ru-RU" dirty="0" smtClean="0"/>
-                  <a:t> на указанных им входах. Задача – различить эксперименты описанной игры.</a:t>
-                </a:r>
-                <a:endParaRPr lang="ru-RU" dirty="0"/>
-              </a:p>
-            </p:txBody>
-          </p:sp>
-        </mc:Choice>
-        <mc:Fallback xmlns="">
-          <p:sp>
-            <p:nvSpPr>
-              <p:cNvPr id="3" name="Объект 2"/>
-              <p:cNvSpPr>
-                <a:spLocks noGrp="1" noRot="1" noChangeAspect="1" noMove="1" noResize="1" noEditPoints="1" noAdjustHandles="1" noChangeArrowheads="1" noChangeShapeType="1" noTextEdit="1"/>
-              </p:cNvSpPr>
-              <p:nvPr>
-                <p:ph idx="1"/>
-              </p:nvPr>
-            </p:nvSpPr>
-            <p:spPr>
-              <a:blipFill>
-                <a:blip r:embed="rId2"/>
-                <a:stretch>
-                  <a:fillRect l="-1043" t="-2101" r="-1101"/>
-                </a:stretch>
-              </a:blipFill>
-            </p:spPr>
-            <p:txBody>
-              <a:bodyPr/>
-              <a:lstStyle/>
-              <a:p>
-                <a:r>
-                  <a:rPr lang="ru-RU">
-                    <a:noFill/>
-                  </a:rPr>
-                  <a:t> </a:t>
-                </a:r>
-              </a:p>
-            </p:txBody>
-          </p:sp>
-        </mc:Fallback>
-      </mc:AlternateContent>
-      <p:sp>
-        <p:nvSpPr>
-          <p:cNvPr id="4" name="Номер слайда 3"/>
-          <p:cNvSpPr>
-            <a:spLocks noGrp="1"/>
-          </p:cNvSpPr>
-          <p:nvPr>
-            <p:ph type="sldNum" sz="quarter" idx="12"/>
-          </p:nvPr>
-        </p:nvSpPr>
-        <p:spPr/>
-        <p:txBody>
-          <a:bodyPr/>
-          <a:lstStyle/>
-          <a:p>
-            <a:fld id="{8253DDDB-F8F7-4D64-A7FD-3F3D61C1949F}" type="slidenum">
-              <a:rPr lang="ru-RU" smtClean="0"/>
-              <a:t>4</a:t>
-            </a:fld>
-            <a:endParaRPr lang="ru-RU"/>
-          </a:p>
-        </p:txBody>
-      </p:sp>
-    </p:spTree>
-    <p:extLst>
-      <p:ext uri="{BB962C8B-B14F-4D97-AF65-F5344CB8AC3E}">
-        <p14:creationId xmlns:p14="http://schemas.microsoft.com/office/powerpoint/2010/main" val="524832991"/>
-      </p:ext>
-    </p:extLst>
-  </p:cSld>
-  <p:clrMapOvr>
-    <a:masterClrMapping/>
-  </p:clrMapOvr>
-  <p:timing>
-    <p:tnLst>
-      <p:par>
-        <p:cTn id="1" dur="indefinite" restart="never" nodeType="tmRoot"/>
-      </p:par>
-    </p:tnLst>
-  </p:timing>
-</p:sld>
-</file>
-
-<file path=ppt/slides/slide40.xml><?xml version="1.0" encoding="utf-8"?>
+<file path=ppt/slides/slide41.xml><?xml version="1.0" encoding="utf-8"?>
 <p:sld xmlns:a="http://schemas.openxmlformats.org/drawingml/2006/main" xmlns:r="http://schemas.openxmlformats.org/officeDocument/2006/relationships" xmlns:p="http://schemas.openxmlformats.org/presentationml/2006/main">
   <p:cSld>
     <p:spTree>
@@ -40860,7 +40998,7 @@
           <a:p>
             <a:fld id="{8253DDDB-F8F7-4D64-A7FD-3F3D61C1949F}" type="slidenum">
               <a:rPr lang="ru-RU" smtClean="0"/>
-              <a:t>40</a:t>
+              <a:t>41</a:t>
             </a:fld>
             <a:endParaRPr lang="ru-RU"/>
           </a:p>
@@ -40909,7 +41047,7 @@
 </p:sld>
 </file>
 
-<file path=ppt/slides/slide41.xml><?xml version="1.0" encoding="utf-8"?>
+<file path=ppt/slides/slide42.xml><?xml version="1.0" encoding="utf-8"?>
 <p:sld xmlns:a="http://schemas.openxmlformats.org/drawingml/2006/main" xmlns:r="http://schemas.openxmlformats.org/officeDocument/2006/relationships" xmlns:p="http://schemas.openxmlformats.org/presentationml/2006/main">
   <p:cSld>
     <p:spTree>
@@ -40995,7 +41133,7 @@
           <a:p>
             <a:fld id="{8253DDDB-F8F7-4D64-A7FD-3F3D61C1949F}" type="slidenum">
               <a:rPr lang="ru-RU" smtClean="0"/>
-              <a:t>41</a:t>
+              <a:t>42</a:t>
             </a:fld>
             <a:endParaRPr lang="ru-RU"/>
           </a:p>

--- a/Lectures/Lecture4.pptx
+++ b/Lectures/Lecture4.pptx
@@ -311,7 +311,7 @@
           <a:p>
             <a:fld id="{CBA08D16-15DC-4E25-BDC3-F25146157B16}" type="datetimeFigureOut">
               <a:rPr lang="ru-RU" smtClean="0"/>
-              <a:t>27.09.2019</a:t>
+              <a:t>01.10.2019</a:t>
             </a:fld>
             <a:endParaRPr lang="ru-RU"/>
           </a:p>
@@ -710,7 +710,7 @@
           <a:p>
             <a:fld id="{FCEC8293-DB51-454A-BE81-EC8FCB31EBA2}" type="datetime1">
               <a:rPr lang="ru-RU" smtClean="0"/>
-              <a:t>27.09.2019</a:t>
+              <a:t>01.10.2019</a:t>
             </a:fld>
             <a:endParaRPr lang="ru-RU"/>
           </a:p>
@@ -884,7 +884,7 @@
           <a:p>
             <a:fld id="{241C87B1-1C35-4DBD-BC18-2BC72E776603}" type="datetime1">
               <a:rPr lang="ru-RU" smtClean="0"/>
-              <a:t>27.09.2019</a:t>
+              <a:t>01.10.2019</a:t>
             </a:fld>
             <a:endParaRPr lang="ru-RU"/>
           </a:p>
@@ -1068,7 +1068,7 @@
           <a:p>
             <a:fld id="{3134C275-26C0-42CD-9111-9ADE65922AF9}" type="datetime1">
               <a:rPr lang="ru-RU" smtClean="0"/>
-              <a:t>27.09.2019</a:t>
+              <a:t>01.10.2019</a:t>
             </a:fld>
             <a:endParaRPr lang="ru-RU"/>
           </a:p>
@@ -1242,7 +1242,7 @@
           <a:p>
             <a:fld id="{C1A9A50B-C350-45F5-8AAB-ADB9E670AF2E}" type="datetime1">
               <a:rPr lang="ru-RU" smtClean="0"/>
-              <a:t>27.09.2019</a:t>
+              <a:t>01.10.2019</a:t>
             </a:fld>
             <a:endParaRPr lang="ru-RU"/>
           </a:p>
@@ -1492,7 +1492,7 @@
           <a:p>
             <a:fld id="{089688C9-348F-42F9-B6C0-5990DDE0C5B2}" type="datetime1">
               <a:rPr lang="ru-RU" smtClean="0"/>
-              <a:t>27.09.2019</a:t>
+              <a:t>01.10.2019</a:t>
             </a:fld>
             <a:endParaRPr lang="ru-RU"/>
           </a:p>
@@ -1728,7 +1728,7 @@
           <a:p>
             <a:fld id="{684AFD8F-6DD9-4AD3-A505-FDC3F5C5F3F6}" type="datetime1">
               <a:rPr lang="ru-RU" smtClean="0"/>
-              <a:t>27.09.2019</a:t>
+              <a:t>01.10.2019</a:t>
             </a:fld>
             <a:endParaRPr lang="ru-RU"/>
           </a:p>
@@ -2099,7 +2099,7 @@
           <a:p>
             <a:fld id="{63551EFE-4D02-45EB-A747-8B6F047B5AA0}" type="datetime1">
               <a:rPr lang="ru-RU" smtClean="0"/>
-              <a:t>27.09.2019</a:t>
+              <a:t>01.10.2019</a:t>
             </a:fld>
             <a:endParaRPr lang="ru-RU"/>
           </a:p>
@@ -2221,7 +2221,7 @@
           <a:p>
             <a:fld id="{813A9F34-E5CD-4B8F-AA9E-889C84372B20}" type="datetime1">
               <a:rPr lang="ru-RU" smtClean="0"/>
-              <a:t>27.09.2019</a:t>
+              <a:t>01.10.2019</a:t>
             </a:fld>
             <a:endParaRPr lang="ru-RU"/>
           </a:p>
@@ -2320,7 +2320,7 @@
           <a:p>
             <a:fld id="{51224D22-9B29-44A6-8E82-95FC492DEDC1}" type="datetime1">
               <a:rPr lang="ru-RU" smtClean="0"/>
-              <a:t>27.09.2019</a:t>
+              <a:t>01.10.2019</a:t>
             </a:fld>
             <a:endParaRPr lang="ru-RU"/>
           </a:p>
@@ -2601,7 +2601,7 @@
           <a:p>
             <a:fld id="{91D1034F-4441-48A1-BDC0-25EA1022324A}" type="datetime1">
               <a:rPr lang="ru-RU" smtClean="0"/>
-              <a:t>27.09.2019</a:t>
+              <a:t>01.10.2019</a:t>
             </a:fld>
             <a:endParaRPr lang="ru-RU"/>
           </a:p>
@@ -2858,7 +2858,7 @@
           <a:p>
             <a:fld id="{B0FFDE79-B627-473B-AE17-4C65BD2495F7}" type="datetime1">
               <a:rPr lang="ru-RU" smtClean="0"/>
-              <a:t>27.09.2019</a:t>
+              <a:t>01.10.2019</a:t>
             </a:fld>
             <a:endParaRPr lang="ru-RU"/>
           </a:p>
@@ -3075,7 +3075,7 @@
           <a:p>
             <a:fld id="{11CA537A-1B8C-47BA-9BA6-7CE3FAFDA8BE}" type="datetime1">
               <a:rPr lang="ru-RU" smtClean="0"/>
-              <a:t>27.09.2019</a:t>
+              <a:t>01.10.2019</a:t>
             </a:fld>
             <a:endParaRPr lang="ru-RU"/>
           </a:p>
@@ -3639,8 +3639,8 @@
           </a:p>
         </p:txBody>
       </p:sp>
-      <mc:AlternateContent xmlns:mc="http://schemas.openxmlformats.org/markup-compatibility/2006" xmlns:a14="http://schemas.microsoft.com/office/drawing/2010/main">
-        <mc:Choice Requires="a14">
+      <mc:AlternateContent xmlns:mc="http://schemas.openxmlformats.org/markup-compatibility/2006">
+        <mc:Choice xmlns:a14="http://schemas.microsoft.com/office/drawing/2010/main" Requires="a14">
           <p:sp>
             <p:nvSpPr>
               <p:cNvPr id="3" name="Объект 2"/>
@@ -4280,6 +4280,12 @@
                           </m:e>
                           <m:sup>
                             <m:r>
+                              <a:rPr lang="ru-RU" b="0" i="1" smtClean="0">
+                                <a:latin typeface="Cambria Math" panose="02040503050406030204" pitchFamily="18" charset="0"/>
+                              </a:rPr>
+                              <m:t>−</m:t>
+                            </m:r>
+                            <m:r>
                               <a:rPr lang="en-US" b="0" i="1" smtClean="0">
                                 <a:latin typeface="Cambria Math" panose="02040503050406030204" pitchFamily="18" charset="0"/>
                               </a:rPr>
@@ -4302,7 +4308,7 @@
             </p:txBody>
           </p:sp>
         </mc:Choice>
-        <mc:Fallback xmlns="">
+        <mc:Fallback>
           <p:sp>
             <p:nvSpPr>
               <p:cNvPr id="3" name="Объект 2"/>
@@ -4314,7 +4320,7 @@
               </p:nvPr>
             </p:nvSpPr>
             <p:spPr>
-              <a:blipFill>
+              <a:blipFill rotWithShape="0">
                 <a:blip r:embed="rId2"/>
                 <a:stretch>
                   <a:fillRect l="-1043" t="-1961"/>
@@ -30725,8 +30731,8 @@
           </a:p>
         </p:txBody>
       </p:sp>
-      <mc:AlternateContent xmlns:mc="http://schemas.openxmlformats.org/markup-compatibility/2006">
-        <mc:Choice xmlns:a14="http://schemas.microsoft.com/office/drawing/2010/main" Requires="a14">
+      <mc:AlternateContent xmlns:mc="http://schemas.openxmlformats.org/markup-compatibility/2006" xmlns:a14="http://schemas.microsoft.com/office/drawing/2010/main">
+        <mc:Choice Requires="a14">
           <p:sp>
             <p:nvSpPr>
               <p:cNvPr id="3" name="Объект 2"/>
@@ -31138,7 +31144,7 @@
             </p:txBody>
           </p:sp>
         </mc:Choice>
-        <mc:Fallback>
+        <mc:Fallback xmlns="">
           <p:sp>
             <p:nvSpPr>
               <p:cNvPr id="3" name="Объект 2"/>
@@ -31538,8 +31544,8 @@
           </a:p>
         </p:txBody>
       </p:sp>
-      <mc:AlternateContent xmlns:mc="http://schemas.openxmlformats.org/markup-compatibility/2006" xmlns:a14="http://schemas.microsoft.com/office/drawing/2010/main">
-        <mc:Choice Requires="a14">
+      <mc:AlternateContent xmlns:mc="http://schemas.openxmlformats.org/markup-compatibility/2006">
+        <mc:Choice xmlns:a14="http://schemas.microsoft.com/office/drawing/2010/main" Requires="a14">
           <p:sp>
             <p:nvSpPr>
               <p:cNvPr id="3" name="Объект 2"/>
@@ -32453,10 +32459,10 @@
                         </m:dPr>
                         <m:e>
                           <m:r>
-                            <a:rPr lang="en-US" i="1">
+                            <a:rPr lang="en-US" b="0" i="1" smtClean="0">
                               <a:latin typeface="Cambria Math" panose="02040503050406030204" pitchFamily="18" charset="0"/>
                             </a:rPr>
-                            <m:t>𝐸</m:t>
+                            <m:t>𝐷</m:t>
                           </m:r>
                           <m:d>
                             <m:dPr>
@@ -32507,10 +32513,10 @@
                             <m:t>,…,</m:t>
                           </m:r>
                           <m:r>
-                            <a:rPr lang="en-US" i="1">
+                            <a:rPr lang="en-US" b="0" i="1" smtClean="0">
                               <a:latin typeface="Cambria Math" panose="02040503050406030204" pitchFamily="18" charset="0"/>
                             </a:rPr>
-                            <m:t>𝐸</m:t>
+                            <m:t>𝐷</m:t>
                           </m:r>
                           <m:d>
                             <m:dPr>
@@ -32582,7 +32588,7 @@
             </p:txBody>
           </p:sp>
         </mc:Choice>
-        <mc:Fallback xmlns="">
+        <mc:Fallback>
           <p:sp>
             <p:nvSpPr>
               <p:cNvPr id="3" name="Объект 2"/>
@@ -32594,7 +32600,7 @@
               </p:nvPr>
             </p:nvSpPr>
             <p:spPr>
-              <a:blipFill>
+              <a:blipFill rotWithShape="0">
                 <a:blip r:embed="rId2"/>
                 <a:stretch>
                   <a:fillRect l="-1043" t="-2101"/>
@@ -32936,8 +32942,8 @@
           </a:p>
         </p:txBody>
       </p:sp>
-      <mc:AlternateContent xmlns:mc="http://schemas.openxmlformats.org/markup-compatibility/2006">
-        <mc:Choice xmlns:a14="http://schemas.microsoft.com/office/drawing/2010/main" Requires="a14">
+      <mc:AlternateContent xmlns:mc="http://schemas.openxmlformats.org/markup-compatibility/2006" xmlns:a14="http://schemas.microsoft.com/office/drawing/2010/main">
+        <mc:Choice Requires="a14">
           <p:sp>
             <p:nvSpPr>
               <p:cNvPr id="3" name="Объект 2"/>
@@ -33747,7 +33753,7 @@
             </p:txBody>
           </p:sp>
         </mc:Choice>
-        <mc:Fallback>
+        <mc:Fallback xmlns="">
           <p:sp>
             <p:nvSpPr>
               <p:cNvPr id="3" name="Объект 2"/>
@@ -36228,8 +36234,8 @@
           </a:p>
         </p:txBody>
       </p:sp>
-      <mc:AlternateContent xmlns:mc="http://schemas.openxmlformats.org/markup-compatibility/2006">
-        <mc:Choice xmlns:a14="http://schemas.microsoft.com/office/drawing/2010/main" Requires="a14">
+      <mc:AlternateContent xmlns:mc="http://schemas.openxmlformats.org/markup-compatibility/2006" xmlns:a14="http://schemas.microsoft.com/office/drawing/2010/main">
+        <mc:Choice Requires="a14">
           <p:sp>
             <p:nvSpPr>
               <p:cNvPr id="3" name="Объект 2"/>
@@ -37097,7 +37103,7 @@
             </p:txBody>
           </p:sp>
         </mc:Choice>
-        <mc:Fallback>
+        <mc:Fallback xmlns="">
           <p:sp>
             <p:nvSpPr>
               <p:cNvPr id="3" name="Объект 2"/>

--- a/Lectures/Lecture4.pptx
+++ b/Lectures/Lecture4.pptx
@@ -311,7 +311,7 @@
           <a:p>
             <a:fld id="{CBA08D16-15DC-4E25-BDC3-F25146157B16}" type="datetimeFigureOut">
               <a:rPr lang="ru-RU" smtClean="0"/>
-              <a:t>01.10.2019</a:t>
+              <a:t>24.03.2020</a:t>
             </a:fld>
             <a:endParaRPr lang="ru-RU"/>
           </a:p>
@@ -710,7 +710,7 @@
           <a:p>
             <a:fld id="{FCEC8293-DB51-454A-BE81-EC8FCB31EBA2}" type="datetime1">
               <a:rPr lang="ru-RU" smtClean="0"/>
-              <a:t>01.10.2019</a:t>
+              <a:t>24.03.2020</a:t>
             </a:fld>
             <a:endParaRPr lang="ru-RU"/>
           </a:p>
@@ -884,7 +884,7 @@
           <a:p>
             <a:fld id="{241C87B1-1C35-4DBD-BC18-2BC72E776603}" type="datetime1">
               <a:rPr lang="ru-RU" smtClean="0"/>
-              <a:t>01.10.2019</a:t>
+              <a:t>24.03.2020</a:t>
             </a:fld>
             <a:endParaRPr lang="ru-RU"/>
           </a:p>
@@ -1068,7 +1068,7 @@
           <a:p>
             <a:fld id="{3134C275-26C0-42CD-9111-9ADE65922AF9}" type="datetime1">
               <a:rPr lang="ru-RU" smtClean="0"/>
-              <a:t>01.10.2019</a:t>
+              <a:t>24.03.2020</a:t>
             </a:fld>
             <a:endParaRPr lang="ru-RU"/>
           </a:p>
@@ -1242,7 +1242,7 @@
           <a:p>
             <a:fld id="{C1A9A50B-C350-45F5-8AAB-ADB9E670AF2E}" type="datetime1">
               <a:rPr lang="ru-RU" smtClean="0"/>
-              <a:t>01.10.2019</a:t>
+              <a:t>24.03.2020</a:t>
             </a:fld>
             <a:endParaRPr lang="ru-RU"/>
           </a:p>
@@ -1492,7 +1492,7 @@
           <a:p>
             <a:fld id="{089688C9-348F-42F9-B6C0-5990DDE0C5B2}" type="datetime1">
               <a:rPr lang="ru-RU" smtClean="0"/>
-              <a:t>01.10.2019</a:t>
+              <a:t>24.03.2020</a:t>
             </a:fld>
             <a:endParaRPr lang="ru-RU"/>
           </a:p>
@@ -1728,7 +1728,7 @@
           <a:p>
             <a:fld id="{684AFD8F-6DD9-4AD3-A505-FDC3F5C5F3F6}" type="datetime1">
               <a:rPr lang="ru-RU" smtClean="0"/>
-              <a:t>01.10.2019</a:t>
+              <a:t>24.03.2020</a:t>
             </a:fld>
             <a:endParaRPr lang="ru-RU"/>
           </a:p>
@@ -2099,7 +2099,7 @@
           <a:p>
             <a:fld id="{63551EFE-4D02-45EB-A747-8B6F047B5AA0}" type="datetime1">
               <a:rPr lang="ru-RU" smtClean="0"/>
-              <a:t>01.10.2019</a:t>
+              <a:t>24.03.2020</a:t>
             </a:fld>
             <a:endParaRPr lang="ru-RU"/>
           </a:p>
@@ -2221,7 +2221,7 @@
           <a:p>
             <a:fld id="{813A9F34-E5CD-4B8F-AA9E-889C84372B20}" type="datetime1">
               <a:rPr lang="ru-RU" smtClean="0"/>
-              <a:t>01.10.2019</a:t>
+              <a:t>24.03.2020</a:t>
             </a:fld>
             <a:endParaRPr lang="ru-RU"/>
           </a:p>
@@ -2320,7 +2320,7 @@
           <a:p>
             <a:fld id="{51224D22-9B29-44A6-8E82-95FC492DEDC1}" type="datetime1">
               <a:rPr lang="ru-RU" smtClean="0"/>
-              <a:t>01.10.2019</a:t>
+              <a:t>24.03.2020</a:t>
             </a:fld>
             <a:endParaRPr lang="ru-RU"/>
           </a:p>
@@ -2601,7 +2601,7 @@
           <a:p>
             <a:fld id="{91D1034F-4441-48A1-BDC0-25EA1022324A}" type="datetime1">
               <a:rPr lang="ru-RU" smtClean="0"/>
-              <a:t>01.10.2019</a:t>
+              <a:t>24.03.2020</a:t>
             </a:fld>
             <a:endParaRPr lang="ru-RU"/>
           </a:p>
@@ -2858,7 +2858,7 @@
           <a:p>
             <a:fld id="{B0FFDE79-B627-473B-AE17-4C65BD2495F7}" type="datetime1">
               <a:rPr lang="ru-RU" smtClean="0"/>
-              <a:t>01.10.2019</a:t>
+              <a:t>24.03.2020</a:t>
             </a:fld>
             <a:endParaRPr lang="ru-RU"/>
           </a:p>
@@ -3075,7 +3075,7 @@
           <a:p>
             <a:fld id="{11CA537A-1B8C-47BA-9BA6-7CE3FAFDA8BE}" type="datetime1">
               <a:rPr lang="ru-RU" smtClean="0"/>
-              <a:t>01.10.2019</a:t>
+              <a:t>24.03.2020</a:t>
             </a:fld>
             <a:endParaRPr lang="ru-RU"/>
           </a:p>
@@ -3639,8 +3639,8 @@
           </a:p>
         </p:txBody>
       </p:sp>
-      <mc:AlternateContent xmlns:mc="http://schemas.openxmlformats.org/markup-compatibility/2006">
-        <mc:Choice xmlns:a14="http://schemas.microsoft.com/office/drawing/2010/main" Requires="a14">
+      <mc:AlternateContent xmlns:mc="http://schemas.openxmlformats.org/markup-compatibility/2006" xmlns:a14="http://schemas.microsoft.com/office/drawing/2010/main">
+        <mc:Choice Requires="a14">
           <p:sp>
             <p:nvSpPr>
               <p:cNvPr id="3" name="Объект 2"/>
@@ -4308,7 +4308,7 @@
             </p:txBody>
           </p:sp>
         </mc:Choice>
-        <mc:Fallback>
+        <mc:Fallback xmlns="">
           <p:sp>
             <p:nvSpPr>
               <p:cNvPr id="3" name="Объект 2"/>
@@ -25475,8 +25475,8 @@
           </a:p>
         </p:txBody>
       </p:sp>
-      <mc:AlternateContent xmlns:mc="http://schemas.openxmlformats.org/markup-compatibility/2006" xmlns:a14="http://schemas.microsoft.com/office/drawing/2010/main">
-        <mc:Choice Requires="a14">
+      <mc:AlternateContent xmlns:mc="http://schemas.openxmlformats.org/markup-compatibility/2006">
+        <mc:Choice xmlns:a14="http://schemas.microsoft.com/office/drawing/2010/main" Requires="a14">
           <p:sp>
             <p:nvSpPr>
               <p:cNvPr id="3" name="Объект 2"/>
@@ -25591,7 +25591,7 @@
                           <a:rPr lang="en-US" b="0" i="1" smtClean="0">
                             <a:latin typeface="Cambria Math" panose="02040503050406030204" pitchFamily="18" charset="0"/>
                           </a:rPr>
-                          <m:t>𝐸</m:t>
+                          <m:t>𝐾</m:t>
                         </m:r>
                         <m:r>
                           <a:rPr lang="en-US" b="0" i="1" smtClean="0">
@@ -25603,7 +25603,7 @@
                           <a:rPr lang="en-US" b="0" i="1" smtClean="0">
                             <a:latin typeface="Cambria Math" panose="02040503050406030204" pitchFamily="18" charset="0"/>
                           </a:rPr>
-                          <m:t>𝐷</m:t>
+                          <m:t>𝑋</m:t>
                         </m:r>
                       </m:e>
                     </m:d>
@@ -25611,7 +25611,7 @@
                       <a:rPr lang="en-US" b="0" i="0" smtClean="0">
                         <a:latin typeface="Cambria Math" panose="02040503050406030204" pitchFamily="18" charset="0"/>
                       </a:rPr>
-                      <m:t>:</m:t>
+                      <m:t>;</m:t>
                     </m:r>
                   </m:oMath>
                 </a14:m>
@@ -26283,7 +26283,7 @@
             </p:txBody>
           </p:sp>
         </mc:Choice>
-        <mc:Fallback xmlns="">
+        <mc:Fallback>
           <p:sp>
             <p:nvSpPr>
               <p:cNvPr id="3" name="Объект 2"/>
@@ -31544,8 +31544,8 @@
           </a:p>
         </p:txBody>
       </p:sp>
-      <mc:AlternateContent xmlns:mc="http://schemas.openxmlformats.org/markup-compatibility/2006">
-        <mc:Choice xmlns:a14="http://schemas.microsoft.com/office/drawing/2010/main" Requires="a14">
+      <mc:AlternateContent xmlns:mc="http://schemas.openxmlformats.org/markup-compatibility/2006" xmlns:a14="http://schemas.microsoft.com/office/drawing/2010/main">
+        <mc:Choice Requires="a14">
           <p:sp>
             <p:nvSpPr>
               <p:cNvPr id="3" name="Объект 2"/>
@@ -32588,7 +32588,7 @@
             </p:txBody>
           </p:sp>
         </mc:Choice>
-        <mc:Fallback>
+        <mc:Fallback xmlns="">
           <p:sp>
             <p:nvSpPr>
               <p:cNvPr id="3" name="Объект 2"/>

--- a/Lectures/Lecture4.pptx
+++ b/Lectures/Lecture4.pptx
@@ -311,7 +311,7 @@
           <a:p>
             <a:fld id="{CBA08D16-15DC-4E25-BDC3-F25146157B16}" type="datetimeFigureOut">
               <a:rPr lang="ru-RU" smtClean="0"/>
-              <a:t>24.03.2020</a:t>
+              <a:t>01.10.2020</a:t>
             </a:fld>
             <a:endParaRPr lang="ru-RU"/>
           </a:p>
@@ -710,7 +710,7 @@
           <a:p>
             <a:fld id="{FCEC8293-DB51-454A-BE81-EC8FCB31EBA2}" type="datetime1">
               <a:rPr lang="ru-RU" smtClean="0"/>
-              <a:t>24.03.2020</a:t>
+              <a:t>01.10.2020</a:t>
             </a:fld>
             <a:endParaRPr lang="ru-RU"/>
           </a:p>
@@ -884,7 +884,7 @@
           <a:p>
             <a:fld id="{241C87B1-1C35-4DBD-BC18-2BC72E776603}" type="datetime1">
               <a:rPr lang="ru-RU" smtClean="0"/>
-              <a:t>24.03.2020</a:t>
+              <a:t>01.10.2020</a:t>
             </a:fld>
             <a:endParaRPr lang="ru-RU"/>
           </a:p>
@@ -1068,7 +1068,7 @@
           <a:p>
             <a:fld id="{3134C275-26C0-42CD-9111-9ADE65922AF9}" type="datetime1">
               <a:rPr lang="ru-RU" smtClean="0"/>
-              <a:t>24.03.2020</a:t>
+              <a:t>01.10.2020</a:t>
             </a:fld>
             <a:endParaRPr lang="ru-RU"/>
           </a:p>
@@ -1242,7 +1242,7 @@
           <a:p>
             <a:fld id="{C1A9A50B-C350-45F5-8AAB-ADB9E670AF2E}" type="datetime1">
               <a:rPr lang="ru-RU" smtClean="0"/>
-              <a:t>24.03.2020</a:t>
+              <a:t>01.10.2020</a:t>
             </a:fld>
             <a:endParaRPr lang="ru-RU"/>
           </a:p>
@@ -1492,7 +1492,7 @@
           <a:p>
             <a:fld id="{089688C9-348F-42F9-B6C0-5990DDE0C5B2}" type="datetime1">
               <a:rPr lang="ru-RU" smtClean="0"/>
-              <a:t>24.03.2020</a:t>
+              <a:t>01.10.2020</a:t>
             </a:fld>
             <a:endParaRPr lang="ru-RU"/>
           </a:p>
@@ -1728,7 +1728,7 @@
           <a:p>
             <a:fld id="{684AFD8F-6DD9-4AD3-A505-FDC3F5C5F3F6}" type="datetime1">
               <a:rPr lang="ru-RU" smtClean="0"/>
-              <a:t>24.03.2020</a:t>
+              <a:t>01.10.2020</a:t>
             </a:fld>
             <a:endParaRPr lang="ru-RU"/>
           </a:p>
@@ -2099,7 +2099,7 @@
           <a:p>
             <a:fld id="{63551EFE-4D02-45EB-A747-8B6F047B5AA0}" type="datetime1">
               <a:rPr lang="ru-RU" smtClean="0"/>
-              <a:t>24.03.2020</a:t>
+              <a:t>01.10.2020</a:t>
             </a:fld>
             <a:endParaRPr lang="ru-RU"/>
           </a:p>
@@ -2221,7 +2221,7 @@
           <a:p>
             <a:fld id="{813A9F34-E5CD-4B8F-AA9E-889C84372B20}" type="datetime1">
               <a:rPr lang="ru-RU" smtClean="0"/>
-              <a:t>24.03.2020</a:t>
+              <a:t>01.10.2020</a:t>
             </a:fld>
             <a:endParaRPr lang="ru-RU"/>
           </a:p>
@@ -2320,7 +2320,7 @@
           <a:p>
             <a:fld id="{51224D22-9B29-44A6-8E82-95FC492DEDC1}" type="datetime1">
               <a:rPr lang="ru-RU" smtClean="0"/>
-              <a:t>24.03.2020</a:t>
+              <a:t>01.10.2020</a:t>
             </a:fld>
             <a:endParaRPr lang="ru-RU"/>
           </a:p>
@@ -2601,7 +2601,7 @@
           <a:p>
             <a:fld id="{91D1034F-4441-48A1-BDC0-25EA1022324A}" type="datetime1">
               <a:rPr lang="ru-RU" smtClean="0"/>
-              <a:t>24.03.2020</a:t>
+              <a:t>01.10.2020</a:t>
             </a:fld>
             <a:endParaRPr lang="ru-RU"/>
           </a:p>
@@ -2858,7 +2858,7 @@
           <a:p>
             <a:fld id="{B0FFDE79-B627-473B-AE17-4C65BD2495F7}" type="datetime1">
               <a:rPr lang="ru-RU" smtClean="0"/>
-              <a:t>24.03.2020</a:t>
+              <a:t>01.10.2020</a:t>
             </a:fld>
             <a:endParaRPr lang="ru-RU"/>
           </a:p>
@@ -3075,7 +3075,7 @@
           <a:p>
             <a:fld id="{11CA537A-1B8C-47BA-9BA6-7CE3FAFDA8BE}" type="datetime1">
               <a:rPr lang="ru-RU" smtClean="0"/>
-              <a:t>24.03.2020</a:t>
+              <a:t>01.10.2020</a:t>
             </a:fld>
             <a:endParaRPr lang="ru-RU"/>
           </a:p>
@@ -3572,8 +3572,8 @@
           </a:p>
           <a:p>
             <a:r>
-              <a:rPr lang="ru-RU" dirty="0" smtClean="0"/>
-              <a:t>МИФИ 2019</a:t>
+              <a:rPr lang="ru-RU" smtClean="0"/>
+              <a:t>МИФИ 2020</a:t>
             </a:r>
             <a:endParaRPr lang="ru-RU" dirty="0"/>
           </a:p>
@@ -13262,8 +13262,8 @@
             </a:p>
           </p:txBody>
         </p:sp>
-        <mc:AlternateContent xmlns:mc="http://schemas.openxmlformats.org/markup-compatibility/2006" xmlns:a14="http://schemas.microsoft.com/office/drawing/2010/main">
-          <mc:Choice Requires="a14">
+        <mc:AlternateContent xmlns:mc="http://schemas.openxmlformats.org/markup-compatibility/2006">
+          <mc:Choice xmlns:a14="http://schemas.microsoft.com/office/drawing/2010/main" Requires="a14">
             <p:sp>
               <p:nvSpPr>
                 <p:cNvPr id="25" name="Text Box 14"/>
@@ -13275,7 +13275,7 @@
               <p:spPr bwMode="auto">
                 <a:xfrm>
                   <a:off x="2448" y="2051"/>
-                  <a:ext cx="941" cy="336"/>
+                  <a:ext cx="903" cy="336"/>
                 </a:xfrm>
                 <a:prstGeom prst="rect">
                   <a:avLst/>
@@ -13340,12 +13340,6 @@
                         </a:rPr>
                         <m:t>(</m:t>
                       </m:r>
-                      <m:r>
-                        <a:rPr lang="en-US" sz="2000" b="0" i="1" dirty="0">
-                          <a:latin typeface="Cambria Math" panose="02040503050406030204" pitchFamily="18" charset="0"/>
-                        </a:rPr>
-                        <m:t> </m:t>
-                      </m:r>
                       <m:sSub>
                         <m:sSubPr>
                           <m:ctrlPr>
@@ -13382,7 +13376,7 @@
               </p:txBody>
             </p:sp>
           </mc:Choice>
-          <mc:Fallback xmlns="">
+          <mc:Fallback>
             <p:sp>
               <p:nvSpPr>
                 <p:cNvPr id="25" name="Text Box 14"/>
@@ -13394,7 +13388,7 @@
               <p:spPr bwMode="auto">
                 <a:xfrm>
                   <a:off x="2448" y="2051"/>
-                  <a:ext cx="941" cy="336"/>
+                  <a:ext cx="903" cy="336"/>
                 </a:xfrm>
                 <a:prstGeom prst="rect">
                   <a:avLst/>
@@ -13402,7 +13396,7 @@
                 <a:blipFill>
                   <a:blip r:embed="rId13"/>
                   <a:stretch>
-                    <a:fillRect t="-9091" r="-3947" b="-25758"/>
+                    <a:fillRect t="-9091" r="-3653" b="-25758"/>
                   </a:stretch>
                 </a:blipFill>
                 <a:ln w="9525">
@@ -19494,10 +19488,10 @@
         </p:nvGrpSpPr>
         <p:grpSpPr bwMode="auto">
           <a:xfrm>
-            <a:off x="4380314" y="4233861"/>
-            <a:ext cx="5123189" cy="400050"/>
+            <a:off x="4380314" y="4233864"/>
+            <a:ext cx="5123189" cy="423863"/>
             <a:chOff x="1776" y="1817"/>
-            <a:chExt cx="2400" cy="336"/>
+            <a:chExt cx="2400" cy="356"/>
           </a:xfrm>
         </p:grpSpPr>
         <p:sp>
@@ -19535,8 +19529,8 @@
             </a:p>
           </p:txBody>
         </p:sp>
-        <mc:AlternateContent xmlns:mc="http://schemas.openxmlformats.org/markup-compatibility/2006" xmlns:a14="http://schemas.microsoft.com/office/drawing/2010/main">
-          <mc:Choice Requires="a14">
+        <mc:AlternateContent xmlns:mc="http://schemas.openxmlformats.org/markup-compatibility/2006">
+          <mc:Choice xmlns:a14="http://schemas.microsoft.com/office/drawing/2010/main" Requires="a14">
             <p:sp>
               <p:nvSpPr>
                 <p:cNvPr id="50" name="Text Box 11"/>
@@ -19548,7 +19542,7 @@
               <p:spPr bwMode="auto">
                 <a:xfrm>
                   <a:off x="3201" y="1817"/>
-                  <a:ext cx="318" cy="336"/>
+                  <a:ext cx="236" cy="356"/>
                 </a:xfrm>
                 <a:prstGeom prst="rect">
                   <a:avLst/>
@@ -19596,7 +19590,7 @@
                               <a:rPr lang="en-US" sz="2000" b="0" i="1" dirty="0" smtClean="0">
                                 <a:latin typeface="Cambria Math" panose="02040503050406030204" pitchFamily="18" charset="0"/>
                               </a:rPr>
-                              <m:t>𝑖</m:t>
+                              <m:t>𝑞</m:t>
                             </m:r>
                           </m:sub>
                         </m:sSub>
@@ -19610,7 +19604,7 @@
               </p:txBody>
             </p:sp>
           </mc:Choice>
-          <mc:Fallback xmlns="">
+          <mc:Fallback>
             <p:sp>
               <p:nvSpPr>
                 <p:cNvPr id="50" name="Text Box 11"/>
@@ -19622,7 +19616,7 @@
               <p:spPr bwMode="auto">
                 <a:xfrm>
                   <a:off x="3201" y="1817"/>
-                  <a:ext cx="318" cy="336"/>
+                  <a:ext cx="236" cy="356"/>
                 </a:xfrm>
                 <a:prstGeom prst="rect">
                   <a:avLst/>
@@ -19630,7 +19624,7 @@
                 <a:blipFill>
                   <a:blip r:embed="rId9"/>
                   <a:stretch>
-                    <a:fillRect b="-1538"/>
+                    <a:fillRect b="-5797"/>
                   </a:stretch>
                 </a:blipFill>
                 <a:ln w="9525">
@@ -22310,7 +22304,7 @@
                 </a:r>
                 <a:r>
                   <a:rPr lang="ru-RU" dirty="0" err="1" smtClean="0"/>
-                  <a:t>суперполиномиального</a:t>
+                  <a:t>сверх-полиномиального</a:t>
                 </a:r>
                 <a:r>
                   <a:rPr lang="ru-RU" dirty="0" smtClean="0"/>
@@ -22363,7 +22357,7 @@
                 <a:off x="823564" y="1365867"/>
                 <a:ext cx="10515600" cy="4351338"/>
               </a:xfrm>
-              <a:blipFill rotWithShape="0">
+              <a:blipFill>
                 <a:blip r:embed="rId2"/>
                 <a:stretch>
                   <a:fillRect l="-1043" t="-2101"/>
@@ -25475,8 +25469,8 @@
           </a:p>
         </p:txBody>
       </p:sp>
-      <mc:AlternateContent xmlns:mc="http://schemas.openxmlformats.org/markup-compatibility/2006">
-        <mc:Choice xmlns:a14="http://schemas.microsoft.com/office/drawing/2010/main" Requires="a14">
+      <mc:AlternateContent xmlns:mc="http://schemas.openxmlformats.org/markup-compatibility/2006" xmlns:a14="http://schemas.microsoft.com/office/drawing/2010/main">
+        <mc:Choice Requires="a14">
           <p:sp>
             <p:nvSpPr>
               <p:cNvPr id="3" name="Объект 2"/>
@@ -26283,7 +26277,7 @@
             </p:txBody>
           </p:sp>
         </mc:Choice>
-        <mc:Fallback>
+        <mc:Fallback xmlns="">
           <p:sp>
             <p:nvSpPr>
               <p:cNvPr id="3" name="Объект 2"/>
@@ -30823,7 +30817,7 @@
                 </a14:m>
                 <a:r>
                   <a:rPr lang="ru-RU" dirty="0" smtClean="0"/>
-                  <a:t> - супер полиномиальная</a:t>
+                  <a:t> - сверх- полиномиальная</a:t>
                 </a:r>
               </a:p>
               <a:p>
@@ -30986,11 +30980,15 @@
                 </a14:m>
                 <a:r>
                   <a:rPr lang="ru-RU" dirty="0"/>
-                  <a:t> - супер </a:t>
+                  <a:t> - </a:t>
+                </a:r>
+                <a:r>
+                  <a:rPr lang="ru-RU" dirty="0" err="1" smtClean="0"/>
+                  <a:t>сверх-полиномиальной</a:t>
                 </a:r>
                 <a:r>
                   <a:rPr lang="ru-RU" dirty="0" smtClean="0"/>
-                  <a:t>полиномиальной.</a:t>
+                  <a:t>.</a:t>
                 </a:r>
                 <a:r>
                   <a:rPr lang="en-US" dirty="0">
@@ -44716,6 +44714,18 @@
                       <a:rPr lang="en-US" b="0" i="1" smtClean="0">
                         <a:latin typeface="Cambria Math" panose="02040503050406030204" pitchFamily="18" charset="0"/>
                       </a:rPr>
+                      <m:t>, </m:t>
+                    </m:r>
+                    <m:r>
+                      <a:rPr lang="en-US" b="0" i="1" smtClean="0">
+                        <a:latin typeface="Cambria Math" panose="02040503050406030204" pitchFamily="18" charset="0"/>
+                      </a:rPr>
+                      <m:t>𝑌</m:t>
+                    </m:r>
+                    <m:r>
+                      <a:rPr lang="en-US" b="0" i="1" smtClean="0">
+                        <a:latin typeface="Cambria Math" panose="02040503050406030204" pitchFamily="18" charset="0"/>
+                      </a:rPr>
                       <m:t>)</m:t>
                     </m:r>
                   </m:oMath>

--- a/Lectures/Lecture4.pptx
+++ b/Lectures/Lecture4.pptx
@@ -311,7 +311,7 @@
           <a:p>
             <a:fld id="{CBA08D16-15DC-4E25-BDC3-F25146157B16}" type="datetimeFigureOut">
               <a:rPr lang="ru-RU" smtClean="0"/>
-              <a:t>01.10.2020</a:t>
+              <a:t>07.10.2021</a:t>
             </a:fld>
             <a:endParaRPr lang="ru-RU"/>
           </a:p>
@@ -710,7 +710,7 @@
           <a:p>
             <a:fld id="{FCEC8293-DB51-454A-BE81-EC8FCB31EBA2}" type="datetime1">
               <a:rPr lang="ru-RU" smtClean="0"/>
-              <a:t>01.10.2020</a:t>
+              <a:t>07.10.2021</a:t>
             </a:fld>
             <a:endParaRPr lang="ru-RU"/>
           </a:p>
@@ -884,7 +884,7 @@
           <a:p>
             <a:fld id="{241C87B1-1C35-4DBD-BC18-2BC72E776603}" type="datetime1">
               <a:rPr lang="ru-RU" smtClean="0"/>
-              <a:t>01.10.2020</a:t>
+              <a:t>07.10.2021</a:t>
             </a:fld>
             <a:endParaRPr lang="ru-RU"/>
           </a:p>
@@ -1068,7 +1068,7 @@
           <a:p>
             <a:fld id="{3134C275-26C0-42CD-9111-9ADE65922AF9}" type="datetime1">
               <a:rPr lang="ru-RU" smtClean="0"/>
-              <a:t>01.10.2020</a:t>
+              <a:t>07.10.2021</a:t>
             </a:fld>
             <a:endParaRPr lang="ru-RU"/>
           </a:p>
@@ -1242,7 +1242,7 @@
           <a:p>
             <a:fld id="{C1A9A50B-C350-45F5-8AAB-ADB9E670AF2E}" type="datetime1">
               <a:rPr lang="ru-RU" smtClean="0"/>
-              <a:t>01.10.2020</a:t>
+              <a:t>07.10.2021</a:t>
             </a:fld>
             <a:endParaRPr lang="ru-RU"/>
           </a:p>
@@ -1492,7 +1492,7 @@
           <a:p>
             <a:fld id="{089688C9-348F-42F9-B6C0-5990DDE0C5B2}" type="datetime1">
               <a:rPr lang="ru-RU" smtClean="0"/>
-              <a:t>01.10.2020</a:t>
+              <a:t>07.10.2021</a:t>
             </a:fld>
             <a:endParaRPr lang="ru-RU"/>
           </a:p>
@@ -1728,7 +1728,7 @@
           <a:p>
             <a:fld id="{684AFD8F-6DD9-4AD3-A505-FDC3F5C5F3F6}" type="datetime1">
               <a:rPr lang="ru-RU" smtClean="0"/>
-              <a:t>01.10.2020</a:t>
+              <a:t>07.10.2021</a:t>
             </a:fld>
             <a:endParaRPr lang="ru-RU"/>
           </a:p>
@@ -2099,7 +2099,7 @@
           <a:p>
             <a:fld id="{63551EFE-4D02-45EB-A747-8B6F047B5AA0}" type="datetime1">
               <a:rPr lang="ru-RU" smtClean="0"/>
-              <a:t>01.10.2020</a:t>
+              <a:t>07.10.2021</a:t>
             </a:fld>
             <a:endParaRPr lang="ru-RU"/>
           </a:p>
@@ -2221,7 +2221,7 @@
           <a:p>
             <a:fld id="{813A9F34-E5CD-4B8F-AA9E-889C84372B20}" type="datetime1">
               <a:rPr lang="ru-RU" smtClean="0"/>
-              <a:t>01.10.2020</a:t>
+              <a:t>07.10.2021</a:t>
             </a:fld>
             <a:endParaRPr lang="ru-RU"/>
           </a:p>
@@ -2320,7 +2320,7 @@
           <a:p>
             <a:fld id="{51224D22-9B29-44A6-8E82-95FC492DEDC1}" type="datetime1">
               <a:rPr lang="ru-RU" smtClean="0"/>
-              <a:t>01.10.2020</a:t>
+              <a:t>07.10.2021</a:t>
             </a:fld>
             <a:endParaRPr lang="ru-RU"/>
           </a:p>
@@ -2601,7 +2601,7 @@
           <a:p>
             <a:fld id="{91D1034F-4441-48A1-BDC0-25EA1022324A}" type="datetime1">
               <a:rPr lang="ru-RU" smtClean="0"/>
-              <a:t>01.10.2020</a:t>
+              <a:t>07.10.2021</a:t>
             </a:fld>
             <a:endParaRPr lang="ru-RU"/>
           </a:p>
@@ -2858,7 +2858,7 @@
           <a:p>
             <a:fld id="{B0FFDE79-B627-473B-AE17-4C65BD2495F7}" type="datetime1">
               <a:rPr lang="ru-RU" smtClean="0"/>
-              <a:t>01.10.2020</a:t>
+              <a:t>07.10.2021</a:t>
             </a:fld>
             <a:endParaRPr lang="ru-RU"/>
           </a:p>
@@ -3075,7 +3075,7 @@
           <a:p>
             <a:fld id="{11CA537A-1B8C-47BA-9BA6-7CE3FAFDA8BE}" type="datetime1">
               <a:rPr lang="ru-RU" smtClean="0"/>
-              <a:t>01.10.2020</a:t>
+              <a:t>07.10.2021</a:t>
             </a:fld>
             <a:endParaRPr lang="ru-RU"/>
           </a:p>
@@ -3497,7 +3497,7 @@
         </p:nvSpPr>
         <p:spPr>
           <a:xfrm>
-            <a:off x="1524000" y="1122362"/>
+            <a:off x="1524000" y="1065212"/>
             <a:ext cx="9144000" cy="3105605"/>
           </a:xfrm>
         </p:spPr>
@@ -13262,8 +13262,8 @@
             </a:p>
           </p:txBody>
         </p:sp>
-        <mc:AlternateContent xmlns:mc="http://schemas.openxmlformats.org/markup-compatibility/2006">
-          <mc:Choice xmlns:a14="http://schemas.microsoft.com/office/drawing/2010/main" Requires="a14">
+        <mc:AlternateContent xmlns:mc="http://schemas.openxmlformats.org/markup-compatibility/2006" xmlns:a14="http://schemas.microsoft.com/office/drawing/2010/main">
+          <mc:Choice Requires="a14">
             <p:sp>
               <p:nvSpPr>
                 <p:cNvPr id="25" name="Text Box 14"/>
@@ -13376,7 +13376,7 @@
               </p:txBody>
             </p:sp>
           </mc:Choice>
-          <mc:Fallback>
+          <mc:Fallback xmlns="">
             <p:sp>
               <p:nvSpPr>
                 <p:cNvPr id="25" name="Text Box 14"/>
@@ -18218,8 +18218,8 @@
           </a:p>
         </p:txBody>
       </p:sp>
-      <mc:AlternateContent xmlns:mc="http://schemas.openxmlformats.org/markup-compatibility/2006" xmlns:a14="http://schemas.microsoft.com/office/drawing/2010/main">
-        <mc:Choice Requires="a14">
+      <mc:AlternateContent xmlns:mc="http://schemas.openxmlformats.org/markup-compatibility/2006">
+        <mc:Choice xmlns:a14="http://schemas.microsoft.com/office/drawing/2010/main" Requires="a14">
           <p:sp>
             <p:nvSpPr>
               <p:cNvPr id="3" name="Объект 2"/>
@@ -18352,7 +18352,57 @@
                 </a14:m>
                 <a:r>
                   <a:rPr lang="ru-RU" dirty="0" smtClean="0"/>
-                  <a:t> – стойкий, то </a:t>
+                  <a:t> – стойкий,</a:t>
+                </a:r>
+                <a:r>
+                  <a:rPr lang="en-US" dirty="0" smtClean="0"/>
+                  <a:t> </a:t>
+                </a:r>
+                <a14:m>
+                  <m:oMath xmlns:m="http://schemas.openxmlformats.org/officeDocument/2006/math">
+                    <m:r>
+                      <a:rPr lang="en-US" i="1" dirty="0" smtClean="0">
+                        <a:latin typeface="Cambria Math" panose="02040503050406030204" pitchFamily="18" charset="0"/>
+                      </a:rPr>
+                      <m:t>|</m:t>
+                    </m:r>
+                    <m:r>
+                      <a:rPr lang="en-US" i="1" dirty="0" smtClean="0">
+                        <a:latin typeface="Cambria Math" panose="02040503050406030204" pitchFamily="18" charset="0"/>
+                      </a:rPr>
+                      <m:t>𝑋</m:t>
+                    </m:r>
+                    <m:r>
+                      <a:rPr lang="en-US" i="1" dirty="0" smtClean="0">
+                        <a:latin typeface="Cambria Math" panose="02040503050406030204" pitchFamily="18" charset="0"/>
+                      </a:rPr>
+                      <m:t>|</m:t>
+                    </m:r>
+                  </m:oMath>
+                </a14:m>
+                <a:r>
+                  <a:rPr lang="en-US" dirty="0" smtClean="0"/>
+                  <a:t> </a:t>
+                </a:r>
+                <a:r>
+                  <a:rPr lang="en-US" dirty="0" smtClean="0"/>
+                  <a:t>-</a:t>
+                </a:r>
+                <a:r>
+                  <a:rPr lang="ru-RU" dirty="0" smtClean="0"/>
+                  <a:t> </a:t>
+                </a:r>
+                <a:r>
+                  <a:rPr lang="ru-RU" dirty="0" err="1" smtClean="0"/>
+                  <a:t>сверх-полиномиальная</a:t>
+                </a:r>
+                <a:r>
+                  <a:rPr lang="ru-RU" dirty="0" smtClean="0"/>
+                  <a:t>, </a:t>
+                </a:r>
+                <a:r>
+                  <a:rPr lang="ru-RU" dirty="0" smtClean="0"/>
+                  <a:t>то </a:t>
                 </a:r>
                 <a14:m>
                   <m:oMath xmlns:m="http://schemas.openxmlformats.org/officeDocument/2006/math">
@@ -18520,7 +18570,7 @@
             </p:txBody>
           </p:sp>
         </mc:Choice>
-        <mc:Fallback xmlns="">
+        <mc:Fallback>
           <p:sp>
             <p:nvSpPr>
               <p:cNvPr id="3" name="Объект 2"/>
@@ -19529,8 +19579,8 @@
             </a:p>
           </p:txBody>
         </p:sp>
-        <mc:AlternateContent xmlns:mc="http://schemas.openxmlformats.org/markup-compatibility/2006">
-          <mc:Choice xmlns:a14="http://schemas.microsoft.com/office/drawing/2010/main" Requires="a14">
+        <mc:AlternateContent xmlns:mc="http://schemas.openxmlformats.org/markup-compatibility/2006" xmlns:a14="http://schemas.microsoft.com/office/drawing/2010/main">
+          <mc:Choice Requires="a14">
             <p:sp>
               <p:nvSpPr>
                 <p:cNvPr id="50" name="Text Box 11"/>
@@ -19604,7 +19654,7 @@
               </p:txBody>
             </p:sp>
           </mc:Choice>
-          <mc:Fallback>
+          <mc:Fallback xmlns="">
             <p:sp>
               <p:nvSpPr>
                 <p:cNvPr id="50" name="Text Box 11"/>
@@ -21875,8 +21925,8 @@
           </a:p>
         </p:txBody>
       </p:sp>
-      <mc:AlternateContent xmlns:mc="http://schemas.openxmlformats.org/markup-compatibility/2006" xmlns:a14="http://schemas.microsoft.com/office/drawing/2010/main">
-        <mc:Choice Requires="a14">
+      <mc:AlternateContent xmlns:mc="http://schemas.openxmlformats.org/markup-compatibility/2006">
+        <mc:Choice xmlns:a14="http://schemas.microsoft.com/office/drawing/2010/main" Requires="a14">
           <p:sp>
             <p:nvSpPr>
               <p:cNvPr id="3" name="Объект 2"/>
@@ -21926,6 +21976,30 @@
                 </a:r>
                 <a14:m>
                   <m:oMath xmlns:m="http://schemas.openxmlformats.org/officeDocument/2006/math">
+                    <m:r>
+                      <m:rPr>
+                        <m:sty m:val="p"/>
+                      </m:rPr>
+                      <a:rPr lang="en-US" dirty="0">
+                        <a:latin typeface="Cambria Math" panose="02040503050406030204" pitchFamily="18" charset="0"/>
+                      </a:rPr>
+                      <m:t>P</m:t>
+                    </m:r>
+                    <m:r>
+                      <m:rPr>
+                        <m:sty m:val="p"/>
+                      </m:rPr>
+                      <a:rPr lang="en-US" b="0" i="0" dirty="0" smtClean="0">
+                        <a:latin typeface="Cambria Math" panose="02040503050406030204" pitchFamily="18" charset="0"/>
+                      </a:rPr>
+                      <m:t>r</m:t>
+                    </m:r>
+                    <m:r>
+                      <a:rPr lang="en-US" b="0" i="0" dirty="0" smtClean="0">
+                        <a:latin typeface="Cambria Math" panose="02040503050406030204" pitchFamily="18" charset="0"/>
+                      </a:rPr>
+                      <m:t>[</m:t>
+                    </m:r>
                     <m:sSub>
                       <m:sSubPr>
                         <m:ctrlPr>
@@ -21951,6 +22025,12 @@
                         </m:r>
                       </m:sub>
                     </m:sSub>
+                    <m:r>
+                      <a:rPr lang="en-US" b="0" i="1" dirty="0" smtClean="0">
+                        <a:latin typeface="Cambria Math" panose="02040503050406030204" pitchFamily="18" charset="0"/>
+                      </a:rPr>
+                      <m:t>]</m:t>
+                    </m:r>
                     <m:r>
                       <a:rPr lang="en-US" b="0" i="1" dirty="0" smtClean="0">
                         <a:latin typeface="Cambria Math" panose="02040503050406030204" pitchFamily="18" charset="0"/>
@@ -22019,6 +22099,24 @@
                               </a:rPr>
                               <m:t>=1</m:t>
                             </m:r>
+                            <m:r>
+                              <a:rPr lang="en-US" b="0" i="1" dirty="0" smtClean="0">
+                                <a:latin typeface="Cambria Math" panose="02040503050406030204" pitchFamily="18" charset="0"/>
+                              </a:rPr>
+                              <m:t>|</m:t>
+                            </m:r>
+                            <m:r>
+                              <a:rPr lang="en-US" b="0" i="1" dirty="0" smtClean="0">
+                                <a:latin typeface="Cambria Math" panose="02040503050406030204" pitchFamily="18" charset="0"/>
+                              </a:rPr>
+                              <m:t>𝑏</m:t>
+                            </m:r>
+                            <m:r>
+                              <a:rPr lang="en-US" b="0" i="1" dirty="0" smtClean="0">
+                                <a:latin typeface="Cambria Math" panose="02040503050406030204" pitchFamily="18" charset="0"/>
+                              </a:rPr>
+                              <m:t>=0</m:t>
+                            </m:r>
                           </m:e>
                         </m:d>
                       </m:e>
@@ -22138,6 +22236,21 @@
                       </a:rPr>
                       <m:t>=1:</m:t>
                     </m:r>
+                    <m:r>
+                      <m:rPr>
+                        <m:sty m:val="p"/>
+                      </m:rPr>
+                      <a:rPr lang="en-US" b="0" i="0" smtClean="0">
+                        <a:latin typeface="Cambria Math" panose="02040503050406030204" pitchFamily="18" charset="0"/>
+                      </a:rPr>
+                      <m:t>Pr</m:t>
+                    </m:r>
+                    <m:r>
+                      <a:rPr lang="en-US" b="0" i="1" smtClean="0">
+                        <a:latin typeface="Cambria Math" panose="02040503050406030204" pitchFamily="18" charset="0"/>
+                      </a:rPr>
+                      <m:t>⁡[</m:t>
+                    </m:r>
                     <m:sSub>
                       <m:sSubPr>
                         <m:ctrlPr>
@@ -22163,6 +22276,12 @@
                         </m:r>
                       </m:sub>
                     </m:sSub>
+                    <m:r>
+                      <a:rPr lang="en-US" b="0" i="1" smtClean="0">
+                        <a:latin typeface="Cambria Math" panose="02040503050406030204" pitchFamily="18" charset="0"/>
+                      </a:rPr>
+                      <m:t>]</m:t>
+                    </m:r>
                     <m:r>
                       <a:rPr lang="en-US" b="0" i="1" smtClean="0">
                         <a:latin typeface="Cambria Math" panose="02040503050406030204" pitchFamily="18" charset="0"/>
@@ -22231,6 +22350,24 @@
                               </a:rPr>
                               <m:t>=1</m:t>
                             </m:r>
+                            <m:r>
+                              <a:rPr lang="en-US" b="0" i="1" smtClean="0">
+                                <a:latin typeface="Cambria Math" panose="02040503050406030204" pitchFamily="18" charset="0"/>
+                              </a:rPr>
+                              <m:t>|</m:t>
+                            </m:r>
+                            <m:r>
+                              <a:rPr lang="en-US" b="0" i="1" smtClean="0">
+                                <a:latin typeface="Cambria Math" panose="02040503050406030204" pitchFamily="18" charset="0"/>
+                              </a:rPr>
+                              <m:t>𝑏</m:t>
+                            </m:r>
+                            <m:r>
+                              <a:rPr lang="en-US" b="0" i="1" smtClean="0">
+                                <a:latin typeface="Cambria Math" panose="02040503050406030204" pitchFamily="18" charset="0"/>
+                              </a:rPr>
+                              <m:t>=1</m:t>
+                            </m:r>
                           </m:e>
                         </m:d>
                       </m:e>
@@ -22341,7 +22478,7 @@
             </p:txBody>
           </p:sp>
         </mc:Choice>
-        <mc:Fallback xmlns="">
+        <mc:Fallback>
           <p:sp>
             <p:nvSpPr>
               <p:cNvPr id="3" name="Объект 2"/>
@@ -40153,6 +40290,13 @@
   <p:clrMapOvr>
     <a:masterClrMapping/>
   </p:clrMapOvr>
+  <p:timing>
+    <p:tnLst>
+      <p:par>
+        <p:cTn id="1" dur="indefinite" restart="never" nodeType="tmRoot"/>
+      </p:par>
+    </p:tnLst>
+  </p:timing>
 </p:sld>
 </file>
 
@@ -40288,6 +40432,13 @@
   <p:clrMapOvr>
     <a:masterClrMapping/>
   </p:clrMapOvr>
+  <p:timing>
+    <p:tnLst>
+      <p:par>
+        <p:cTn id="1" dur="indefinite" restart="never" nodeType="tmRoot"/>
+      </p:par>
+    </p:tnLst>
+  </p:timing>
 </p:sld>
 </file>
 
@@ -40423,6 +40574,13 @@
   <p:clrMapOvr>
     <a:masterClrMapping/>
   </p:clrMapOvr>
+  <p:timing>
+    <p:tnLst>
+      <p:par>
+        <p:cTn id="1" dur="indefinite" restart="never" nodeType="tmRoot"/>
+      </p:par>
+    </p:tnLst>
+  </p:timing>
 </p:sld>
 </file>
 
@@ -40913,6 +41071,13 @@
   <p:clrMapOvr>
     <a:masterClrMapping/>
   </p:clrMapOvr>
+  <p:timing>
+    <p:tnLst>
+      <p:par>
+        <p:cTn id="1" dur="indefinite" restart="never" nodeType="tmRoot"/>
+      </p:par>
+    </p:tnLst>
+  </p:timing>
 </p:sld>
 </file>
 
@@ -41048,6 +41213,13 @@
   <p:clrMapOvr>
     <a:masterClrMapping/>
   </p:clrMapOvr>
+  <p:timing>
+    <p:tnLst>
+      <p:par>
+        <p:cTn id="1" dur="indefinite" restart="never" nodeType="tmRoot"/>
+      </p:par>
+    </p:tnLst>
+  </p:timing>
 </p:sld>
 </file>
 
@@ -41183,6 +41355,13 @@
   <p:clrMapOvr>
     <a:masterClrMapping/>
   </p:clrMapOvr>
+  <p:timing>
+    <p:tnLst>
+      <p:par>
+        <p:cTn id="1" dur="indefinite" restart="never" nodeType="tmRoot"/>
+      </p:par>
+    </p:tnLst>
+  </p:timing>
 </p:sld>
 </file>
 

--- a/Lectures/Lecture4.pptx
+++ b/Lectures/Lecture4.pptx
@@ -5,7 +5,7 @@
     <p:sldMasterId id="2147483648" r:id="rId1"/>
   </p:sldMasterIdLst>
   <p:notesMasterIdLst>
-    <p:notesMasterId r:id="rId44"/>
+    <p:notesMasterId r:id="rId45"/>
   </p:notesMasterIdLst>
   <p:sldIdLst>
     <p:sldId id="296" r:id="rId2"/>
@@ -50,6 +50,7 @@
     <p:sldId id="367" r:id="rId41"/>
     <p:sldId id="368" r:id="rId42"/>
     <p:sldId id="369" r:id="rId43"/>
+    <p:sldId id="372" r:id="rId44"/>
   </p:sldIdLst>
   <p:sldSz cx="12192000" cy="6858000"/>
   <p:notesSz cx="6858000" cy="9144000"/>
@@ -215,6 +216,7 @@
             <p14:sldId id="367"/>
             <p14:sldId id="368"/>
             <p14:sldId id="369"/>
+            <p14:sldId id="372"/>
           </p14:sldIdLst>
         </p14:section>
       </p14:sectionLst>
@@ -311,7 +313,7 @@
           <a:p>
             <a:fld id="{CBA08D16-15DC-4E25-BDC3-F25146157B16}" type="datetimeFigureOut">
               <a:rPr lang="ru-RU" smtClean="0"/>
-              <a:t>07.10.2021</a:t>
+              <a:t>13.10.2022</a:t>
             </a:fld>
             <a:endParaRPr lang="ru-RU"/>
           </a:p>
@@ -710,7 +712,7 @@
           <a:p>
             <a:fld id="{FCEC8293-DB51-454A-BE81-EC8FCB31EBA2}" type="datetime1">
               <a:rPr lang="ru-RU" smtClean="0"/>
-              <a:t>07.10.2021</a:t>
+              <a:t>13.10.2022</a:t>
             </a:fld>
             <a:endParaRPr lang="ru-RU"/>
           </a:p>
@@ -884,7 +886,7 @@
           <a:p>
             <a:fld id="{241C87B1-1C35-4DBD-BC18-2BC72E776603}" type="datetime1">
               <a:rPr lang="ru-RU" smtClean="0"/>
-              <a:t>07.10.2021</a:t>
+              <a:t>13.10.2022</a:t>
             </a:fld>
             <a:endParaRPr lang="ru-RU"/>
           </a:p>
@@ -1068,7 +1070,7 @@
           <a:p>
             <a:fld id="{3134C275-26C0-42CD-9111-9ADE65922AF9}" type="datetime1">
               <a:rPr lang="ru-RU" smtClean="0"/>
-              <a:t>07.10.2021</a:t>
+              <a:t>13.10.2022</a:t>
             </a:fld>
             <a:endParaRPr lang="ru-RU"/>
           </a:p>
@@ -1242,7 +1244,7 @@
           <a:p>
             <a:fld id="{C1A9A50B-C350-45F5-8AAB-ADB9E670AF2E}" type="datetime1">
               <a:rPr lang="ru-RU" smtClean="0"/>
-              <a:t>07.10.2021</a:t>
+              <a:t>13.10.2022</a:t>
             </a:fld>
             <a:endParaRPr lang="ru-RU"/>
           </a:p>
@@ -1492,7 +1494,7 @@
           <a:p>
             <a:fld id="{089688C9-348F-42F9-B6C0-5990DDE0C5B2}" type="datetime1">
               <a:rPr lang="ru-RU" smtClean="0"/>
-              <a:t>07.10.2021</a:t>
+              <a:t>13.10.2022</a:t>
             </a:fld>
             <a:endParaRPr lang="ru-RU"/>
           </a:p>
@@ -1728,7 +1730,7 @@
           <a:p>
             <a:fld id="{684AFD8F-6DD9-4AD3-A505-FDC3F5C5F3F6}" type="datetime1">
               <a:rPr lang="ru-RU" smtClean="0"/>
-              <a:t>07.10.2021</a:t>
+              <a:t>13.10.2022</a:t>
             </a:fld>
             <a:endParaRPr lang="ru-RU"/>
           </a:p>
@@ -2099,7 +2101,7 @@
           <a:p>
             <a:fld id="{63551EFE-4D02-45EB-A747-8B6F047B5AA0}" type="datetime1">
               <a:rPr lang="ru-RU" smtClean="0"/>
-              <a:t>07.10.2021</a:t>
+              <a:t>13.10.2022</a:t>
             </a:fld>
             <a:endParaRPr lang="ru-RU"/>
           </a:p>
@@ -2221,7 +2223,7 @@
           <a:p>
             <a:fld id="{813A9F34-E5CD-4B8F-AA9E-889C84372B20}" type="datetime1">
               <a:rPr lang="ru-RU" smtClean="0"/>
-              <a:t>07.10.2021</a:t>
+              <a:t>13.10.2022</a:t>
             </a:fld>
             <a:endParaRPr lang="ru-RU"/>
           </a:p>
@@ -2320,7 +2322,7 @@
           <a:p>
             <a:fld id="{51224D22-9B29-44A6-8E82-95FC492DEDC1}" type="datetime1">
               <a:rPr lang="ru-RU" smtClean="0"/>
-              <a:t>07.10.2021</a:t>
+              <a:t>13.10.2022</a:t>
             </a:fld>
             <a:endParaRPr lang="ru-RU"/>
           </a:p>
@@ -2601,7 +2603,7 @@
           <a:p>
             <a:fld id="{91D1034F-4441-48A1-BDC0-25EA1022324A}" type="datetime1">
               <a:rPr lang="ru-RU" smtClean="0"/>
-              <a:t>07.10.2021</a:t>
+              <a:t>13.10.2022</a:t>
             </a:fld>
             <a:endParaRPr lang="ru-RU"/>
           </a:p>
@@ -2858,7 +2860,7 @@
           <a:p>
             <a:fld id="{B0FFDE79-B627-473B-AE17-4C65BD2495F7}" type="datetime1">
               <a:rPr lang="ru-RU" smtClean="0"/>
-              <a:t>07.10.2021</a:t>
+              <a:t>13.10.2022</a:t>
             </a:fld>
             <a:endParaRPr lang="ru-RU"/>
           </a:p>
@@ -3075,7 +3077,7 @@
           <a:p>
             <a:fld id="{11CA537A-1B8C-47BA-9BA6-7CE3FAFDA8BE}" type="datetime1">
               <a:rPr lang="ru-RU" smtClean="0"/>
-              <a:t>07.10.2021</a:t>
+              <a:t>13.10.2022</a:t>
             </a:fld>
             <a:endParaRPr lang="ru-RU"/>
           </a:p>
@@ -3572,8 +3574,16 @@
           </a:p>
           <a:p>
             <a:r>
-              <a:rPr lang="ru-RU" smtClean="0"/>
-              <a:t>МИФИ 2020</a:t>
+              <a:rPr lang="ru-RU" dirty="0" smtClean="0"/>
+              <a:t>МИФИ </a:t>
+            </a:r>
+            <a:r>
+              <a:rPr lang="ru-RU" dirty="0" smtClean="0"/>
+              <a:t>202</a:t>
+            </a:r>
+            <a:r>
+              <a:rPr lang="en-US" smtClean="0"/>
+              <a:t>2</a:t>
             </a:r>
             <a:endParaRPr lang="ru-RU" dirty="0"/>
           </a:p>
@@ -13821,8 +13831,8 @@
           </a:p>
         </p:txBody>
       </p:sp>
-      <mc:AlternateContent xmlns:mc="http://schemas.openxmlformats.org/markup-compatibility/2006" xmlns:a14="http://schemas.microsoft.com/office/drawing/2010/main">
-        <mc:Choice Requires="a14">
+      <mc:AlternateContent xmlns:mc="http://schemas.openxmlformats.org/markup-compatibility/2006">
+        <mc:Choice xmlns:a14="http://schemas.microsoft.com/office/drawing/2010/main" Requires="a14">
           <p:sp>
             <p:nvSpPr>
               <p:cNvPr id="3" name="Объект 2"/>
@@ -14051,12 +14061,16 @@
                   <a:t> и получает </a:t>
                 </a:r>
                 <a:r>
-                  <a:rPr lang="ru-RU" dirty="0" err="1" smtClean="0"/>
-                  <a:t>шифтексты</a:t>
-                </a:r>
-                <a:r>
                   <a:rPr lang="ru-RU" dirty="0" smtClean="0"/>
-                  <a:t> </a:t>
+                  <a:t>шиф</a:t>
+                </a:r>
+                <a:r>
+                  <a:rPr lang="ru-RU" dirty="0"/>
+                  <a:t>р</a:t>
+                </a:r>
+                <a:r>
+                  <a:rPr lang="ru-RU" dirty="0" smtClean="0"/>
+                  <a:t>тексты </a:t>
                 </a:r>
                 <a14:m>
                   <m:oMath xmlns:m="http://schemas.openxmlformats.org/officeDocument/2006/math">
@@ -14415,7 +14429,7 @@
             </p:txBody>
           </p:sp>
         </mc:Choice>
-        <mc:Fallback xmlns="">
+        <mc:Fallback>
           <p:sp>
             <p:nvSpPr>
               <p:cNvPr id="3" name="Объект 2"/>
@@ -15420,10 +15434,10 @@
         </p:nvGrpSpPr>
         <p:grpSpPr bwMode="auto">
           <a:xfrm>
-            <a:off x="4769739" y="5209689"/>
-            <a:ext cx="3464929" cy="400050"/>
-            <a:chOff x="1776" y="1816"/>
-            <a:chExt cx="2400" cy="336"/>
+            <a:off x="4769739" y="5168020"/>
+            <a:ext cx="3464929" cy="423863"/>
+            <a:chOff x="1776" y="1781"/>
+            <a:chExt cx="2400" cy="356"/>
           </a:xfrm>
         </p:grpSpPr>
         <p:sp>
@@ -15461,8 +15475,8 @@
             </a:p>
           </p:txBody>
         </p:sp>
-        <mc:AlternateContent xmlns:mc="http://schemas.openxmlformats.org/markup-compatibility/2006" xmlns:a14="http://schemas.microsoft.com/office/drawing/2010/main">
-          <mc:Choice Requires="a14">
+        <mc:AlternateContent xmlns:mc="http://schemas.openxmlformats.org/markup-compatibility/2006">
+          <mc:Choice xmlns:a14="http://schemas.microsoft.com/office/drawing/2010/main" Requires="a14">
             <p:sp>
               <p:nvSpPr>
                 <p:cNvPr id="21" name="Text Box 11"/>
@@ -15473,8 +15487,8 @@
               </p:nvSpPr>
               <p:spPr bwMode="auto">
                 <a:xfrm>
-                  <a:off x="2785" y="1816"/>
-                  <a:ext cx="318" cy="336"/>
+                  <a:off x="2791" y="1781"/>
+                  <a:ext cx="350" cy="356"/>
                 </a:xfrm>
                 <a:prstGeom prst="rect">
                   <a:avLst/>
@@ -15522,7 +15536,7 @@
                               <a:rPr lang="en-US" sz="2000" b="0" i="1" dirty="0" smtClean="0">
                                 <a:latin typeface="Cambria Math" panose="02040503050406030204" pitchFamily="18" charset="0"/>
                               </a:rPr>
-                              <m:t>𝑖</m:t>
+                              <m:t>𝑞</m:t>
                             </m:r>
                           </m:sub>
                         </m:sSub>
@@ -15536,10 +15550,10 @@
               </p:txBody>
             </p:sp>
           </mc:Choice>
-          <mc:Fallback xmlns="">
+          <mc:Fallback>
             <p:sp>
               <p:nvSpPr>
-                <p:cNvPr id="22" name="Text Box 11"/>
+                <p:cNvPr id="21" name="Text Box 11"/>
                 <p:cNvSpPr txBox="1">
                   <a:spLocks noRot="1" noChangeAspect="1" noMove="1" noResize="1" noEditPoints="1" noAdjustHandles="1" noChangeArrowheads="1" noChangeShapeType="1" noTextEdit="1"/>
                 </p:cNvSpPr>
@@ -15547,8 +15561,8 @@
               </p:nvSpPr>
               <p:spPr bwMode="auto">
                 <a:xfrm>
-                  <a:off x="2785" y="1816"/>
-                  <a:ext cx="318" cy="336"/>
+                  <a:off x="2791" y="1781"/>
+                  <a:ext cx="350" cy="356"/>
                 </a:xfrm>
                 <a:prstGeom prst="rect">
                   <a:avLst/>
@@ -15556,7 +15570,7 @@
                 <a:blipFill>
                   <a:blip r:embed="rId12"/>
                   <a:stretch>
-                    <a:fillRect b="-1538"/>
+                    <a:fillRect b="-5797"/>
                   </a:stretch>
                 </a:blipFill>
                 <a:ln w="9525">
@@ -17421,10 +17435,10 @@
         </p:nvGrpSpPr>
         <p:grpSpPr bwMode="auto">
           <a:xfrm>
-            <a:off x="4769739" y="5209689"/>
-            <a:ext cx="3464929" cy="400050"/>
-            <a:chOff x="1776" y="1816"/>
-            <a:chExt cx="2400" cy="336"/>
+            <a:off x="4769739" y="5182308"/>
+            <a:ext cx="3464929" cy="423863"/>
+            <a:chOff x="1776" y="1793"/>
+            <a:chExt cx="2400" cy="356"/>
           </a:xfrm>
         </p:grpSpPr>
         <p:sp>
@@ -17462,8 +17476,8 @@
             </a:p>
           </p:txBody>
         </p:sp>
-        <mc:AlternateContent xmlns:mc="http://schemas.openxmlformats.org/markup-compatibility/2006" xmlns:a14="http://schemas.microsoft.com/office/drawing/2010/main">
-          <mc:Choice Requires="a14">
+        <mc:AlternateContent xmlns:mc="http://schemas.openxmlformats.org/markup-compatibility/2006">
+          <mc:Choice xmlns:a14="http://schemas.microsoft.com/office/drawing/2010/main" Requires="a14">
             <p:sp>
               <p:nvSpPr>
                 <p:cNvPr id="20" name="Text Box 11"/>
@@ -17474,8 +17488,8 @@
               </p:nvSpPr>
               <p:spPr bwMode="auto">
                 <a:xfrm>
-                  <a:off x="2785" y="1816"/>
-                  <a:ext cx="318" cy="336"/>
+                  <a:off x="2768" y="1793"/>
+                  <a:ext cx="350" cy="356"/>
                 </a:xfrm>
                 <a:prstGeom prst="rect">
                   <a:avLst/>
@@ -17523,7 +17537,7 @@
                               <a:rPr lang="en-US" sz="2000" b="0" i="1" dirty="0" smtClean="0">
                                 <a:latin typeface="Cambria Math" panose="02040503050406030204" pitchFamily="18" charset="0"/>
                               </a:rPr>
-                              <m:t>𝑖</m:t>
+                              <m:t>𝑞</m:t>
                             </m:r>
                           </m:sub>
                         </m:sSub>
@@ -17537,10 +17551,10 @@
               </p:txBody>
             </p:sp>
           </mc:Choice>
-          <mc:Fallback xmlns="">
+          <mc:Fallback>
             <p:sp>
               <p:nvSpPr>
-                <p:cNvPr id="22" name="Text Box 11"/>
+                <p:cNvPr id="20" name="Text Box 11"/>
                 <p:cNvSpPr txBox="1">
                   <a:spLocks noRot="1" noChangeAspect="1" noMove="1" noResize="1" noEditPoints="1" noAdjustHandles="1" noChangeArrowheads="1" noChangeShapeType="1" noTextEdit="1"/>
                 </p:cNvSpPr>
@@ -17548,8 +17562,8 @@
               </p:nvSpPr>
               <p:spPr bwMode="auto">
                 <a:xfrm>
-                  <a:off x="2785" y="1816"/>
-                  <a:ext cx="318" cy="336"/>
+                  <a:off x="2768" y="1793"/>
+                  <a:ext cx="350" cy="356"/>
                 </a:xfrm>
                 <a:prstGeom prst="rect">
                   <a:avLst/>
@@ -17557,7 +17571,7 @@
                 <a:blipFill>
                   <a:blip r:embed="rId12"/>
                   <a:stretch>
-                    <a:fillRect b="-1538"/>
+                    <a:fillRect b="-5714"/>
                   </a:stretch>
                 </a:blipFill>
                 <a:ln w="9525">
@@ -18218,8 +18232,8 @@
           </a:p>
         </p:txBody>
       </p:sp>
-      <mc:AlternateContent xmlns:mc="http://schemas.openxmlformats.org/markup-compatibility/2006">
-        <mc:Choice xmlns:a14="http://schemas.microsoft.com/office/drawing/2010/main" Requires="a14">
+      <mc:AlternateContent xmlns:mc="http://schemas.openxmlformats.org/markup-compatibility/2006" xmlns:a14="http://schemas.microsoft.com/office/drawing/2010/main">
+        <mc:Choice Requires="a14">
           <p:sp>
             <p:nvSpPr>
               <p:cNvPr id="3" name="Объект 2"/>
@@ -18382,11 +18396,7 @@
                 </a14:m>
                 <a:r>
                   <a:rPr lang="en-US" dirty="0" smtClean="0"/>
-                  <a:t> </a:t>
-                </a:r>
-                <a:r>
-                  <a:rPr lang="en-US" dirty="0" smtClean="0"/>
-                  <a:t>-</a:t>
+                  <a:t> -</a:t>
                 </a:r>
                 <a:r>
                   <a:rPr lang="ru-RU" dirty="0" smtClean="0"/>
@@ -18398,11 +18408,7 @@
                 </a:r>
                 <a:r>
                   <a:rPr lang="ru-RU" dirty="0" smtClean="0"/>
-                  <a:t>, </a:t>
-                </a:r>
-                <a:r>
-                  <a:rPr lang="ru-RU" dirty="0" smtClean="0"/>
-                  <a:t>то </a:t>
+                  <a:t>, то </a:t>
                 </a:r>
                 <a14:m>
                   <m:oMath xmlns:m="http://schemas.openxmlformats.org/officeDocument/2006/math">
@@ -18570,7 +18576,7 @@
             </p:txBody>
           </p:sp>
         </mc:Choice>
-        <mc:Fallback>
+        <mc:Fallback xmlns="">
           <p:sp>
             <p:nvSpPr>
               <p:cNvPr id="3" name="Объект 2"/>
@@ -19538,9 +19544,9 @@
         </p:nvGrpSpPr>
         <p:grpSpPr bwMode="auto">
           <a:xfrm>
-            <a:off x="4380314" y="4233864"/>
+            <a:off x="4380314" y="4173142"/>
             <a:ext cx="5123189" cy="423863"/>
-            <a:chOff x="1776" y="1817"/>
+            <a:chOff x="1776" y="1766"/>
             <a:chExt cx="2400" cy="356"/>
           </a:xfrm>
         </p:grpSpPr>
@@ -19579,8 +19585,8 @@
             </a:p>
           </p:txBody>
         </p:sp>
-        <mc:AlternateContent xmlns:mc="http://schemas.openxmlformats.org/markup-compatibility/2006" xmlns:a14="http://schemas.microsoft.com/office/drawing/2010/main">
-          <mc:Choice Requires="a14">
+        <mc:AlternateContent xmlns:mc="http://schemas.openxmlformats.org/markup-compatibility/2006">
+          <mc:Choice xmlns:a14="http://schemas.microsoft.com/office/drawing/2010/main" Requires="a14">
             <p:sp>
               <p:nvSpPr>
                 <p:cNvPr id="50" name="Text Box 11"/>
@@ -19591,7 +19597,7 @@
               </p:nvSpPr>
               <p:spPr bwMode="auto">
                 <a:xfrm>
-                  <a:off x="3201" y="1817"/>
+                  <a:off x="3202" y="1766"/>
                   <a:ext cx="236" cy="356"/>
                 </a:xfrm>
                 <a:prstGeom prst="rect">
@@ -19654,7 +19660,7 @@
               </p:txBody>
             </p:sp>
           </mc:Choice>
-          <mc:Fallback xmlns="">
+          <mc:Fallback>
             <p:sp>
               <p:nvSpPr>
                 <p:cNvPr id="50" name="Text Box 11"/>
@@ -19665,7 +19671,7 @@
               </p:nvSpPr>
               <p:spPr bwMode="auto">
                 <a:xfrm>
-                  <a:off x="3201" y="1817"/>
+                  <a:off x="3202" y="1766"/>
                   <a:ext cx="236" cy="356"/>
                 </a:xfrm>
                 <a:prstGeom prst="rect">
@@ -20864,8 +20870,8 @@
           </p:sp>
         </mc:Fallback>
       </mc:AlternateContent>
-      <mc:AlternateContent xmlns:mc="http://schemas.openxmlformats.org/markup-compatibility/2006" xmlns:a14="http://schemas.microsoft.com/office/drawing/2010/main">
-        <mc:Choice Requires="a14">
+      <mc:AlternateContent xmlns:mc="http://schemas.openxmlformats.org/markup-compatibility/2006">
+        <mc:Choice xmlns:a14="http://schemas.microsoft.com/office/drawing/2010/main" Requires="a14">
           <p:sp>
             <p:nvSpPr>
               <p:cNvPr id="75" name="TextBox 74"/>
@@ -20875,7 +20881,7 @@
             <p:spPr>
               <a:xfrm>
                 <a:off x="7176724" y="5736821"/>
-                <a:ext cx="3442609" cy="423770"/>
+                <a:ext cx="3562770" cy="423770"/>
               </a:xfrm>
               <a:prstGeom prst="rect">
                 <a:avLst/>
@@ -20953,6 +20959,12 @@
                       <a:rPr lang="en-US" sz="2000" b="0" i="1" smtClean="0">
                         <a:latin typeface="Cambria Math" panose="02040503050406030204" pitchFamily="18" charset="0"/>
                       </a:rPr>
+                      <m:t>′</m:t>
+                    </m:r>
+                    <m:r>
+                      <a:rPr lang="en-US" sz="2000" b="0" i="1" smtClean="0">
+                        <a:latin typeface="Cambria Math" panose="02040503050406030204" pitchFamily="18" charset="0"/>
+                      </a:rPr>
                       <m:t>=1,</m:t>
                     </m:r>
                   </m:oMath>
@@ -20968,6 +20980,12 @@
                         <a:latin typeface="Cambria Math" panose="02040503050406030204" pitchFamily="18" charset="0"/>
                       </a:rPr>
                       <m:t>𝑏</m:t>
+                    </m:r>
+                    <m:r>
+                      <a:rPr lang="en-US" sz="2000" b="0" i="1" smtClean="0">
+                        <a:latin typeface="Cambria Math" panose="02040503050406030204" pitchFamily="18" charset="0"/>
+                      </a:rPr>
+                      <m:t>′</m:t>
                     </m:r>
                     <m:r>
                       <a:rPr lang="en-US" sz="2000" b="0" i="1" smtClean="0">
@@ -20982,7 +21000,7 @@
             </p:txBody>
           </p:sp>
         </mc:Choice>
-        <mc:Fallback xmlns="">
+        <mc:Fallback>
           <p:sp>
             <p:nvSpPr>
               <p:cNvPr id="75" name="TextBox 74"/>
@@ -20994,7 +21012,7 @@
             <p:spPr>
               <a:xfrm>
                 <a:off x="7176724" y="5736821"/>
-                <a:ext cx="3442609" cy="423770"/>
+                <a:ext cx="3562770" cy="423770"/>
               </a:xfrm>
               <a:prstGeom prst="rect">
                 <a:avLst/>
@@ -21002,7 +21020,7 @@
               <a:blipFill>
                 <a:blip r:embed="rId16"/>
                 <a:stretch>
-                  <a:fillRect l="-1770" t="-5714" b="-20000"/>
+                  <a:fillRect l="-1709" t="-5714" b="-20000"/>
                 </a:stretch>
               </a:blipFill>
             </p:spPr>
@@ -21925,8 +21943,8 @@
           </a:p>
         </p:txBody>
       </p:sp>
-      <mc:AlternateContent xmlns:mc="http://schemas.openxmlformats.org/markup-compatibility/2006">
-        <mc:Choice xmlns:a14="http://schemas.microsoft.com/office/drawing/2010/main" Requires="a14">
+      <mc:AlternateContent xmlns:mc="http://schemas.openxmlformats.org/markup-compatibility/2006" xmlns:a14="http://schemas.microsoft.com/office/drawing/2010/main">
+        <mc:Choice Requires="a14">
           <p:sp>
             <p:nvSpPr>
               <p:cNvPr id="3" name="Объект 2"/>
@@ -22029,13 +22047,7 @@
                       <a:rPr lang="en-US" b="0" i="1" dirty="0" smtClean="0">
                         <a:latin typeface="Cambria Math" panose="02040503050406030204" pitchFamily="18" charset="0"/>
                       </a:rPr>
-                      <m:t>]</m:t>
-                    </m:r>
-                    <m:r>
-                      <a:rPr lang="en-US" b="0" i="1" dirty="0" smtClean="0">
-                        <a:latin typeface="Cambria Math" panose="02040503050406030204" pitchFamily="18" charset="0"/>
-                      </a:rPr>
-                      <m:t>=</m:t>
+                      <m:t>]=</m:t>
                     </m:r>
                     <m:func>
                       <m:funcPr>
@@ -22097,13 +22109,7 @@
                               <a:rPr lang="en-US" b="0" i="1" dirty="0" smtClean="0">
                                 <a:latin typeface="Cambria Math" panose="02040503050406030204" pitchFamily="18" charset="0"/>
                               </a:rPr>
-                              <m:t>=1</m:t>
-                            </m:r>
-                            <m:r>
-                              <a:rPr lang="en-US" b="0" i="1" dirty="0" smtClean="0">
-                                <a:latin typeface="Cambria Math" panose="02040503050406030204" pitchFamily="18" charset="0"/>
-                              </a:rPr>
-                              <m:t>|</m:t>
+                              <m:t>=1|</m:t>
                             </m:r>
                             <m:r>
                               <a:rPr lang="en-US" b="0" i="1" dirty="0" smtClean="0">
@@ -22280,13 +22286,7 @@
                       <a:rPr lang="en-US" b="0" i="1" smtClean="0">
                         <a:latin typeface="Cambria Math" panose="02040503050406030204" pitchFamily="18" charset="0"/>
                       </a:rPr>
-                      <m:t>]</m:t>
-                    </m:r>
-                    <m:r>
-                      <a:rPr lang="en-US" b="0" i="1" smtClean="0">
-                        <a:latin typeface="Cambria Math" panose="02040503050406030204" pitchFamily="18" charset="0"/>
-                      </a:rPr>
-                      <m:t>=</m:t>
+                      <m:t>]=</m:t>
                     </m:r>
                     <m:func>
                       <m:funcPr>
@@ -22348,13 +22348,7 @@
                               <a:rPr lang="en-US" b="0" i="1" smtClean="0">
                                 <a:latin typeface="Cambria Math" panose="02040503050406030204" pitchFamily="18" charset="0"/>
                               </a:rPr>
-                              <m:t>=1</m:t>
-                            </m:r>
-                            <m:r>
-                              <a:rPr lang="en-US" b="0" i="1" smtClean="0">
-                                <a:latin typeface="Cambria Math" panose="02040503050406030204" pitchFamily="18" charset="0"/>
-                              </a:rPr>
-                              <m:t>|</m:t>
+                              <m:t>=1|</m:t>
                             </m:r>
                             <m:r>
                               <a:rPr lang="en-US" b="0" i="1" smtClean="0">
@@ -22478,7 +22472,7 @@
             </p:txBody>
           </p:sp>
         </mc:Choice>
-        <mc:Fallback>
+        <mc:Fallback xmlns="">
           <p:sp>
             <p:nvSpPr>
               <p:cNvPr id="3" name="Объект 2"/>
@@ -23446,10 +23440,10 @@
         </p:nvGrpSpPr>
         <p:grpSpPr bwMode="auto">
           <a:xfrm>
-            <a:off x="4380314" y="4233861"/>
-            <a:ext cx="5123189" cy="400050"/>
-            <a:chOff x="1776" y="1817"/>
-            <a:chExt cx="2400" cy="336"/>
+            <a:off x="4380314" y="4170760"/>
+            <a:ext cx="5123189" cy="426244"/>
+            <a:chOff x="1776" y="1764"/>
+            <a:chExt cx="2400" cy="358"/>
           </a:xfrm>
         </p:grpSpPr>
         <p:sp>
@@ -23487,8 +23481,8 @@
             </a:p>
           </p:txBody>
         </p:sp>
-        <mc:AlternateContent xmlns:mc="http://schemas.openxmlformats.org/markup-compatibility/2006" xmlns:a14="http://schemas.microsoft.com/office/drawing/2010/main">
-          <mc:Choice Requires="a14">
+        <mc:AlternateContent xmlns:mc="http://schemas.openxmlformats.org/markup-compatibility/2006">
+          <mc:Choice xmlns:a14="http://schemas.microsoft.com/office/drawing/2010/main" Requires="a14">
             <p:sp>
               <p:nvSpPr>
                 <p:cNvPr id="50" name="Text Box 11"/>
@@ -23499,8 +23493,8 @@
               </p:nvSpPr>
               <p:spPr bwMode="auto">
                 <a:xfrm>
-                  <a:off x="3201" y="1817"/>
-                  <a:ext cx="318" cy="336"/>
+                  <a:off x="3228" y="1764"/>
+                  <a:ext cx="236" cy="356"/>
                 </a:xfrm>
                 <a:prstGeom prst="rect">
                   <a:avLst/>
@@ -23548,7 +23542,7 @@
                               <a:rPr lang="en-US" sz="2000" b="0" i="1" dirty="0" smtClean="0">
                                 <a:latin typeface="Cambria Math" panose="02040503050406030204" pitchFamily="18" charset="0"/>
                               </a:rPr>
-                              <m:t>𝑖</m:t>
+                              <m:t>𝑞</m:t>
                             </m:r>
                           </m:sub>
                         </m:sSub>
@@ -23562,7 +23556,7 @@
               </p:txBody>
             </p:sp>
           </mc:Choice>
-          <mc:Fallback xmlns="">
+          <mc:Fallback>
             <p:sp>
               <p:nvSpPr>
                 <p:cNvPr id="50" name="Text Box 11"/>
@@ -23573,8 +23567,8 @@
               </p:nvSpPr>
               <p:spPr bwMode="auto">
                 <a:xfrm>
-                  <a:off x="3201" y="1817"/>
-                  <a:ext cx="318" cy="336"/>
+                  <a:off x="3228" y="1764"/>
+                  <a:ext cx="236" cy="356"/>
                 </a:xfrm>
                 <a:prstGeom prst="rect">
                   <a:avLst/>
@@ -23582,7 +23576,7 @@
                 <a:blipFill>
                   <a:blip r:embed="rId9"/>
                   <a:stretch>
-                    <a:fillRect b="-1538"/>
+                    <a:fillRect b="-5714"/>
                   </a:stretch>
                 </a:blipFill>
                 <a:ln w="9525">
@@ -24772,8 +24766,8 @@
           </p:sp>
         </mc:Fallback>
       </mc:AlternateContent>
-      <mc:AlternateContent xmlns:mc="http://schemas.openxmlformats.org/markup-compatibility/2006" xmlns:a14="http://schemas.microsoft.com/office/drawing/2010/main">
-        <mc:Choice Requires="a14">
+      <mc:AlternateContent xmlns:mc="http://schemas.openxmlformats.org/markup-compatibility/2006">
+        <mc:Choice xmlns:a14="http://schemas.microsoft.com/office/drawing/2010/main" Requires="a14">
           <p:sp>
             <p:nvSpPr>
               <p:cNvPr id="75" name="TextBox 74"/>
@@ -24783,7 +24777,7 @@
             <p:spPr>
               <a:xfrm>
                 <a:off x="7176724" y="5736821"/>
-                <a:ext cx="3442609" cy="423770"/>
+                <a:ext cx="3562770" cy="423770"/>
               </a:xfrm>
               <a:prstGeom prst="rect">
                 <a:avLst/>
@@ -24861,6 +24855,12 @@
                       <a:rPr lang="en-US" sz="2000" b="0" i="1" smtClean="0">
                         <a:latin typeface="Cambria Math" panose="02040503050406030204" pitchFamily="18" charset="0"/>
                       </a:rPr>
+                      <m:t>′</m:t>
+                    </m:r>
+                    <m:r>
+                      <a:rPr lang="en-US" sz="2000" b="0" i="1" smtClean="0">
+                        <a:latin typeface="Cambria Math" panose="02040503050406030204" pitchFamily="18" charset="0"/>
+                      </a:rPr>
                       <m:t>=1,</m:t>
                     </m:r>
                   </m:oMath>
@@ -24876,6 +24876,12 @@
                         <a:latin typeface="Cambria Math" panose="02040503050406030204" pitchFamily="18" charset="0"/>
                       </a:rPr>
                       <m:t>𝑏</m:t>
+                    </m:r>
+                    <m:r>
+                      <a:rPr lang="en-US" sz="2000" b="0" i="1" smtClean="0">
+                        <a:latin typeface="Cambria Math" panose="02040503050406030204" pitchFamily="18" charset="0"/>
+                      </a:rPr>
+                      <m:t>′</m:t>
                     </m:r>
                     <m:r>
                       <a:rPr lang="en-US" sz="2000" b="0" i="1" smtClean="0">
@@ -24890,7 +24896,7 @@
             </p:txBody>
           </p:sp>
         </mc:Choice>
-        <mc:Fallback xmlns="">
+        <mc:Fallback>
           <p:sp>
             <p:nvSpPr>
               <p:cNvPr id="75" name="TextBox 74"/>
@@ -24902,7 +24908,7 @@
             <p:spPr>
               <a:xfrm>
                 <a:off x="7176724" y="5736821"/>
-                <a:ext cx="3442609" cy="423770"/>
+                <a:ext cx="3562770" cy="423770"/>
               </a:xfrm>
               <a:prstGeom prst="rect">
                 <a:avLst/>
@@ -24910,7 +24916,7 @@
               <a:blipFill>
                 <a:blip r:embed="rId16"/>
                 <a:stretch>
-                  <a:fillRect l="-1770" t="-5714" b="-20000"/>
+                  <a:fillRect l="-1709" t="-5714" b="-20000"/>
                 </a:stretch>
               </a:blipFill>
             </p:spPr>
@@ -26535,8 +26541,8 @@
           </a:p>
         </p:txBody>
       </p:sp>
-      <mc:AlternateContent xmlns:mc="http://schemas.openxmlformats.org/markup-compatibility/2006" xmlns:a14="http://schemas.microsoft.com/office/drawing/2010/main">
-        <mc:Choice Requires="a14">
+      <mc:AlternateContent xmlns:mc="http://schemas.openxmlformats.org/markup-compatibility/2006">
+        <mc:Choice xmlns:a14="http://schemas.microsoft.com/office/drawing/2010/main" Requires="a14">
           <p:sp>
             <p:nvSpPr>
               <p:cNvPr id="3" name="Объект 2"/>
@@ -26765,12 +26771,16 @@
                   <a:t> и получает </a:t>
                 </a:r>
                 <a:r>
-                  <a:rPr lang="ru-RU" dirty="0" err="1"/>
-                  <a:t>шифтексты</a:t>
+                  <a:rPr lang="ru-RU" dirty="0" smtClean="0"/>
+                  <a:t>шиф</a:t>
                 </a:r>
                 <a:r>
                   <a:rPr lang="ru-RU" dirty="0"/>
-                  <a:t> </a:t>
+                  <a:t>р</a:t>
+                </a:r>
+                <a:r>
+                  <a:rPr lang="ru-RU" dirty="0" smtClean="0"/>
+                  <a:t>тексты </a:t>
                 </a:r>
                 <a14:m>
                   <m:oMath xmlns:m="http://schemas.openxmlformats.org/officeDocument/2006/math">
@@ -26952,7 +26962,7 @@
             </p:txBody>
           </p:sp>
         </mc:Choice>
-        <mc:Fallback xmlns="">
+        <mc:Fallback>
           <p:sp>
             <p:nvSpPr>
               <p:cNvPr id="3" name="Объект 2"/>
@@ -27914,10 +27924,10 @@
         </p:nvGrpSpPr>
         <p:grpSpPr bwMode="auto">
           <a:xfrm>
-            <a:off x="4769739" y="5209689"/>
-            <a:ext cx="3464929" cy="400050"/>
-            <a:chOff x="1776" y="1816"/>
-            <a:chExt cx="2400" cy="336"/>
+            <a:off x="4769739" y="5129922"/>
+            <a:ext cx="3464929" cy="444104"/>
+            <a:chOff x="1776" y="1749"/>
+            <a:chExt cx="2400" cy="373"/>
           </a:xfrm>
         </p:grpSpPr>
         <p:sp>
@@ -27955,8 +27965,8 @@
             </a:p>
           </p:txBody>
         </p:sp>
-        <mc:AlternateContent xmlns:mc="http://schemas.openxmlformats.org/markup-compatibility/2006" xmlns:a14="http://schemas.microsoft.com/office/drawing/2010/main">
-          <mc:Choice Requires="a14">
+        <mc:AlternateContent xmlns:mc="http://schemas.openxmlformats.org/markup-compatibility/2006">
+          <mc:Choice xmlns:a14="http://schemas.microsoft.com/office/drawing/2010/main" Requires="a14">
             <p:sp>
               <p:nvSpPr>
                 <p:cNvPr id="20" name="Text Box 11"/>
@@ -27967,8 +27977,8 @@
               </p:nvSpPr>
               <p:spPr bwMode="auto">
                 <a:xfrm>
-                  <a:off x="2785" y="1816"/>
-                  <a:ext cx="318" cy="336"/>
+                  <a:off x="2773" y="1749"/>
+                  <a:ext cx="350" cy="356"/>
                 </a:xfrm>
                 <a:prstGeom prst="rect">
                   <a:avLst/>
@@ -28016,7 +28026,7 @@
                               <a:rPr lang="en-US" sz="2000" b="0" i="1" dirty="0" smtClean="0">
                                 <a:latin typeface="Cambria Math" panose="02040503050406030204" pitchFamily="18" charset="0"/>
                               </a:rPr>
-                              <m:t>𝑖</m:t>
+                              <m:t>𝑞</m:t>
                             </m:r>
                           </m:sub>
                         </m:sSub>
@@ -28030,10 +28040,10 @@
               </p:txBody>
             </p:sp>
           </mc:Choice>
-          <mc:Fallback xmlns="">
+          <mc:Fallback>
             <p:sp>
               <p:nvSpPr>
-                <p:cNvPr id="22" name="Text Box 11"/>
+                <p:cNvPr id="20" name="Text Box 11"/>
                 <p:cNvSpPr txBox="1">
                   <a:spLocks noRot="1" noChangeAspect="1" noMove="1" noResize="1" noEditPoints="1" noAdjustHandles="1" noChangeArrowheads="1" noChangeShapeType="1" noTextEdit="1"/>
                 </p:cNvSpPr>
@@ -28041,8 +28051,8 @@
               </p:nvSpPr>
               <p:spPr bwMode="auto">
                 <a:xfrm>
-                  <a:off x="2785" y="1816"/>
-                  <a:ext cx="318" cy="336"/>
+                  <a:off x="2773" y="1749"/>
+                  <a:ext cx="350" cy="356"/>
                 </a:xfrm>
                 <a:prstGeom prst="rect">
                   <a:avLst/>
@@ -28050,7 +28060,7 @@
                 <a:blipFill>
                   <a:blip r:embed="rId12"/>
                   <a:stretch>
-                    <a:fillRect b="-1538"/>
+                    <a:fillRect b="-5797"/>
                   </a:stretch>
                 </a:blipFill>
                 <a:ln w="9525">
@@ -29758,10 +29768,10 @@
         </p:nvGrpSpPr>
         <p:grpSpPr bwMode="auto">
           <a:xfrm>
-            <a:off x="4769739" y="5209689"/>
-            <a:ext cx="3464929" cy="400050"/>
-            <a:chOff x="1776" y="1816"/>
-            <a:chExt cx="2400" cy="336"/>
+            <a:off x="4769739" y="5145401"/>
+            <a:ext cx="3464929" cy="428626"/>
+            <a:chOff x="1776" y="1762"/>
+            <a:chExt cx="2400" cy="360"/>
           </a:xfrm>
         </p:grpSpPr>
         <p:sp>
@@ -29799,8 +29809,8 @@
             </a:p>
           </p:txBody>
         </p:sp>
-        <mc:AlternateContent xmlns:mc="http://schemas.openxmlformats.org/markup-compatibility/2006" xmlns:a14="http://schemas.microsoft.com/office/drawing/2010/main">
-          <mc:Choice Requires="a14">
+        <mc:AlternateContent xmlns:mc="http://schemas.openxmlformats.org/markup-compatibility/2006">
+          <mc:Choice xmlns:a14="http://schemas.microsoft.com/office/drawing/2010/main" Requires="a14">
             <p:sp>
               <p:nvSpPr>
                 <p:cNvPr id="20" name="Text Box 11"/>
@@ -29811,8 +29821,8 @@
               </p:nvSpPr>
               <p:spPr bwMode="auto">
                 <a:xfrm>
-                  <a:off x="2785" y="1816"/>
-                  <a:ext cx="318" cy="336"/>
+                  <a:off x="2785" y="1762"/>
+                  <a:ext cx="350" cy="356"/>
                 </a:xfrm>
                 <a:prstGeom prst="rect">
                   <a:avLst/>
@@ -29860,7 +29870,7 @@
                               <a:rPr lang="en-US" sz="2000" b="0" i="1" dirty="0" smtClean="0">
                                 <a:latin typeface="Cambria Math" panose="02040503050406030204" pitchFamily="18" charset="0"/>
                               </a:rPr>
-                              <m:t>𝑖</m:t>
+                              <m:t>𝑞</m:t>
                             </m:r>
                           </m:sub>
                         </m:sSub>
@@ -29874,10 +29884,10 @@
               </p:txBody>
             </p:sp>
           </mc:Choice>
-          <mc:Fallback xmlns="">
+          <mc:Fallback>
             <p:sp>
               <p:nvSpPr>
-                <p:cNvPr id="22" name="Text Box 11"/>
+                <p:cNvPr id="20" name="Text Box 11"/>
                 <p:cNvSpPr txBox="1">
                   <a:spLocks noRot="1" noChangeAspect="1" noMove="1" noResize="1" noEditPoints="1" noAdjustHandles="1" noChangeArrowheads="1" noChangeShapeType="1" noTextEdit="1"/>
                 </p:cNvSpPr>
@@ -29885,8 +29895,8 @@
               </p:nvSpPr>
               <p:spPr bwMode="auto">
                 <a:xfrm>
-                  <a:off x="2785" y="1816"/>
-                  <a:ext cx="318" cy="336"/>
+                  <a:off x="2785" y="1762"/>
+                  <a:ext cx="350" cy="356"/>
                 </a:xfrm>
                 <a:prstGeom prst="rect">
                   <a:avLst/>
@@ -29894,7 +29904,7 @@
                 <a:blipFill>
                   <a:blip r:embed="rId12"/>
                   <a:stretch>
-                    <a:fillRect b="-1538"/>
+                    <a:fillRect b="-5714"/>
                   </a:stretch>
                 </a:blipFill>
                 <a:ln w="9525">
@@ -30675,15 +30685,7 @@
                 </a14:m>
                 <a:r>
                   <a:rPr lang="ru-RU" dirty="0" smtClean="0"/>
-                  <a:t>Доказательство аналогично теореме 4.1. Основная идея – если противник может восстановить ключ блочного шифра – то он может получить пару открытый текст – </a:t>
-                </a:r>
-                <a:r>
-                  <a:rPr lang="ru-RU" dirty="0" err="1" smtClean="0"/>
-                  <a:t>шифртекст</a:t>
-                </a:r>
-                <a:r>
-                  <a:rPr lang="ru-RU" dirty="0" smtClean="0"/>
-                  <a:t>, просто используя ключ.</a:t>
+                  <a:t>Доказательство аналогично теореме 4.1. Основная идея – если противник может восстановить ключ блочного шифра – то он может получить пару открытый текст – шифртекст, просто используя ключ.</a:t>
                 </a:r>
                 <a:r>
                   <a:rPr lang="en-US" dirty="0" smtClean="0">
@@ -41365,6 +41367,104 @@
 </p:sld>
 </file>
 
+<file path=ppt/slides/slide43.xml><?xml version="1.0" encoding="utf-8"?>
+<p:sld xmlns:a="http://schemas.openxmlformats.org/drawingml/2006/main" xmlns:r="http://schemas.openxmlformats.org/officeDocument/2006/relationships" xmlns:p="http://schemas.openxmlformats.org/presentationml/2006/main">
+  <p:cSld>
+    <p:spTree>
+      <p:nvGrpSpPr>
+        <p:cNvPr id="1" name=""/>
+        <p:cNvGrpSpPr/>
+        <p:nvPr/>
+      </p:nvGrpSpPr>
+      <p:grpSpPr>
+        <a:xfrm>
+          <a:off x="0" y="0"/>
+          <a:ext cx="0" cy="0"/>
+          <a:chOff x="0" y="0"/>
+          <a:chExt cx="0" cy="0"/>
+        </a:xfrm>
+      </p:grpSpPr>
+      <p:sp>
+        <p:nvSpPr>
+          <p:cNvPr id="2" name="Заголовок 1"/>
+          <p:cNvSpPr>
+            <a:spLocks noGrp="1"/>
+          </p:cNvSpPr>
+          <p:nvPr>
+            <p:ph type="title"/>
+          </p:nvPr>
+        </p:nvSpPr>
+        <p:spPr/>
+        <p:txBody>
+          <a:bodyPr/>
+          <a:lstStyle/>
+          <a:p>
+            <a:endParaRPr lang="ru-RU"/>
+          </a:p>
+        </p:txBody>
+      </p:sp>
+      <p:sp>
+        <p:nvSpPr>
+          <p:cNvPr id="3" name="Объект 2"/>
+          <p:cNvSpPr>
+            <a:spLocks noGrp="1"/>
+          </p:cNvSpPr>
+          <p:nvPr>
+            <p:ph idx="1"/>
+          </p:nvPr>
+        </p:nvSpPr>
+        <p:spPr/>
+        <p:txBody>
+          <a:bodyPr/>
+          <a:lstStyle/>
+          <a:p>
+            <a:endParaRPr lang="ru-RU"/>
+          </a:p>
+        </p:txBody>
+      </p:sp>
+      <p:sp>
+        <p:nvSpPr>
+          <p:cNvPr id="4" name="Номер слайда 3"/>
+          <p:cNvSpPr>
+            <a:spLocks noGrp="1"/>
+          </p:cNvSpPr>
+          <p:nvPr>
+            <p:ph type="sldNum" sz="quarter" idx="12"/>
+          </p:nvPr>
+        </p:nvSpPr>
+        <p:spPr/>
+        <p:txBody>
+          <a:bodyPr/>
+          <a:lstStyle/>
+          <a:p>
+            <a:fld id="{8253DDDB-F8F7-4D64-A7FD-3F3D61C1949F}" type="slidenum">
+              <a:rPr lang="ru-RU" smtClean="0"/>
+              <a:t>43</a:t>
+            </a:fld>
+            <a:endParaRPr lang="ru-RU"/>
+          </a:p>
+        </p:txBody>
+      </p:sp>
+    </p:spTree>
+    <p:extLst>
+      <p:ext uri="{BB962C8B-B14F-4D97-AF65-F5344CB8AC3E}">
+        <p14:creationId xmlns:p14="http://schemas.microsoft.com/office/powerpoint/2010/main" val="3816281059"/>
+      </p:ext>
+    </p:extLst>
+  </p:cSld>
+  <p:clrMapOvr>
+    <a:masterClrMapping/>
+  </p:clrMapOvr>
+  <p:timing>
+    <p:tnLst>
+      <p:par>
+        <p:cTn id="1" dur="indefinite" restart="never" nodeType="tmRoot"/>
+      </p:par>
+    </p:tnLst>
+  </p:timing>
+</p:sld>
+</file>
+
 <file path=ppt/slides/slide5.xml><?xml version="1.0" encoding="utf-8"?>
 <p:sld xmlns:a="http://schemas.openxmlformats.org/drawingml/2006/main" xmlns:r="http://schemas.openxmlformats.org/officeDocument/2006/relationships" xmlns:p="http://schemas.openxmlformats.org/presentationml/2006/main">
   <p:cSld>
@@ -41436,8 +41536,8 @@
           </a:p>
         </p:txBody>
       </p:sp>
-      <mc:AlternateContent xmlns:mc="http://schemas.openxmlformats.org/markup-compatibility/2006" xmlns:a14="http://schemas.microsoft.com/office/drawing/2010/main">
-        <mc:Choice Requires="a14">
+      <mc:AlternateContent xmlns:mc="http://schemas.openxmlformats.org/markup-compatibility/2006">
+        <mc:Choice xmlns:a14="http://schemas.microsoft.com/office/drawing/2010/main" Requires="a14">
           <p:sp>
             <p:nvSpPr>
               <p:cNvPr id="5" name="Rectangle 3"/>
@@ -41683,7 +41783,7 @@
                             <a:latin typeface="Cambria Math" panose="02040503050406030204" pitchFamily="18" charset="0"/>
                             <a:sym typeface="Symbol" pitchFamily="18" charset="2"/>
                           </a:rPr>
-                          <m:t>𝑚</m:t>
+                          <m:t>𝑥</m:t>
                         </m:r>
                       </m:e>
                     </m:d>
@@ -42159,7 +42259,7 @@
             </p:txBody>
           </p:sp>
         </mc:Choice>
-        <mc:Fallback xmlns="">
+        <mc:Fallback>
           <p:sp>
             <p:nvSpPr>
               <p:cNvPr id="5" name="Rectangle 3"/>

--- a/Lectures/Lecture4.pptx
+++ b/Lectures/Lecture4.pptx
@@ -313,7 +313,7 @@
           <a:p>
             <a:fld id="{CBA08D16-15DC-4E25-BDC3-F25146157B16}" type="datetimeFigureOut">
               <a:rPr lang="ru-RU" smtClean="0"/>
-              <a:t>13.10.2022</a:t>
+              <a:t>19.10.2023</a:t>
             </a:fld>
             <a:endParaRPr lang="ru-RU"/>
           </a:p>
@@ -712,7 +712,7 @@
           <a:p>
             <a:fld id="{FCEC8293-DB51-454A-BE81-EC8FCB31EBA2}" type="datetime1">
               <a:rPr lang="ru-RU" smtClean="0"/>
-              <a:t>13.10.2022</a:t>
+              <a:t>19.10.2023</a:t>
             </a:fld>
             <a:endParaRPr lang="ru-RU"/>
           </a:p>
@@ -886,7 +886,7 @@
           <a:p>
             <a:fld id="{241C87B1-1C35-4DBD-BC18-2BC72E776603}" type="datetime1">
               <a:rPr lang="ru-RU" smtClean="0"/>
-              <a:t>13.10.2022</a:t>
+              <a:t>19.10.2023</a:t>
             </a:fld>
             <a:endParaRPr lang="ru-RU"/>
           </a:p>
@@ -1070,7 +1070,7 @@
           <a:p>
             <a:fld id="{3134C275-26C0-42CD-9111-9ADE65922AF9}" type="datetime1">
               <a:rPr lang="ru-RU" smtClean="0"/>
-              <a:t>13.10.2022</a:t>
+              <a:t>19.10.2023</a:t>
             </a:fld>
             <a:endParaRPr lang="ru-RU"/>
           </a:p>
@@ -1244,7 +1244,7 @@
           <a:p>
             <a:fld id="{C1A9A50B-C350-45F5-8AAB-ADB9E670AF2E}" type="datetime1">
               <a:rPr lang="ru-RU" smtClean="0"/>
-              <a:t>13.10.2022</a:t>
+              <a:t>19.10.2023</a:t>
             </a:fld>
             <a:endParaRPr lang="ru-RU"/>
           </a:p>
@@ -1494,7 +1494,7 @@
           <a:p>
             <a:fld id="{089688C9-348F-42F9-B6C0-5990DDE0C5B2}" type="datetime1">
               <a:rPr lang="ru-RU" smtClean="0"/>
-              <a:t>13.10.2022</a:t>
+              <a:t>19.10.2023</a:t>
             </a:fld>
             <a:endParaRPr lang="ru-RU"/>
           </a:p>
@@ -1730,7 +1730,7 @@
           <a:p>
             <a:fld id="{684AFD8F-6DD9-4AD3-A505-FDC3F5C5F3F6}" type="datetime1">
               <a:rPr lang="ru-RU" smtClean="0"/>
-              <a:t>13.10.2022</a:t>
+              <a:t>19.10.2023</a:t>
             </a:fld>
             <a:endParaRPr lang="ru-RU"/>
           </a:p>
@@ -2101,7 +2101,7 @@
           <a:p>
             <a:fld id="{63551EFE-4D02-45EB-A747-8B6F047B5AA0}" type="datetime1">
               <a:rPr lang="ru-RU" smtClean="0"/>
-              <a:t>13.10.2022</a:t>
+              <a:t>19.10.2023</a:t>
             </a:fld>
             <a:endParaRPr lang="ru-RU"/>
           </a:p>
@@ -2223,7 +2223,7 @@
           <a:p>
             <a:fld id="{813A9F34-E5CD-4B8F-AA9E-889C84372B20}" type="datetime1">
               <a:rPr lang="ru-RU" smtClean="0"/>
-              <a:t>13.10.2022</a:t>
+              <a:t>19.10.2023</a:t>
             </a:fld>
             <a:endParaRPr lang="ru-RU"/>
           </a:p>
@@ -2322,7 +2322,7 @@
           <a:p>
             <a:fld id="{51224D22-9B29-44A6-8E82-95FC492DEDC1}" type="datetime1">
               <a:rPr lang="ru-RU" smtClean="0"/>
-              <a:t>13.10.2022</a:t>
+              <a:t>19.10.2023</a:t>
             </a:fld>
             <a:endParaRPr lang="ru-RU"/>
           </a:p>
@@ -2603,7 +2603,7 @@
           <a:p>
             <a:fld id="{91D1034F-4441-48A1-BDC0-25EA1022324A}" type="datetime1">
               <a:rPr lang="ru-RU" smtClean="0"/>
-              <a:t>13.10.2022</a:t>
+              <a:t>19.10.2023</a:t>
             </a:fld>
             <a:endParaRPr lang="ru-RU"/>
           </a:p>
@@ -2860,7 +2860,7 @@
           <a:p>
             <a:fld id="{B0FFDE79-B627-473B-AE17-4C65BD2495F7}" type="datetime1">
               <a:rPr lang="ru-RU" smtClean="0"/>
-              <a:t>13.10.2022</a:t>
+              <a:t>19.10.2023</a:t>
             </a:fld>
             <a:endParaRPr lang="ru-RU"/>
           </a:p>
@@ -3077,7 +3077,7 @@
           <a:p>
             <a:fld id="{11CA537A-1B8C-47BA-9BA6-7CE3FAFDA8BE}" type="datetime1">
               <a:rPr lang="ru-RU" smtClean="0"/>
-              <a:t>13.10.2022</a:t>
+              <a:t>19.10.2023</a:t>
             </a:fld>
             <a:endParaRPr lang="ru-RU"/>
           </a:p>
@@ -3582,8 +3582,8 @@
               <a:t>202</a:t>
             </a:r>
             <a:r>
-              <a:rPr lang="en-US" smtClean="0"/>
-              <a:t>2</a:t>
+              <a:rPr lang="en-US"/>
+              <a:t>3</a:t>
             </a:r>
             <a:endParaRPr lang="ru-RU" dirty="0"/>
           </a:p>
@@ -13831,8 +13831,8 @@
           </a:p>
         </p:txBody>
       </p:sp>
-      <mc:AlternateContent xmlns:mc="http://schemas.openxmlformats.org/markup-compatibility/2006">
-        <mc:Choice xmlns:a14="http://schemas.microsoft.com/office/drawing/2010/main" Requires="a14">
+      <mc:AlternateContent xmlns:mc="http://schemas.openxmlformats.org/markup-compatibility/2006" xmlns:a14="http://schemas.microsoft.com/office/drawing/2010/main">
+        <mc:Choice Requires="a14">
           <p:sp>
             <p:nvSpPr>
               <p:cNvPr id="3" name="Объект 2"/>
@@ -14058,11 +14058,7 @@
                 </a14:m>
                 <a:r>
                   <a:rPr lang="ru-RU" dirty="0" smtClean="0"/>
-                  <a:t> и получает </a:t>
-                </a:r>
-                <a:r>
-                  <a:rPr lang="ru-RU" dirty="0" smtClean="0"/>
-                  <a:t>шиф</a:t>
+                  <a:t> и получает шиф</a:t>
                 </a:r>
                 <a:r>
                   <a:rPr lang="ru-RU" dirty="0"/>
@@ -14429,7 +14425,7 @@
             </p:txBody>
           </p:sp>
         </mc:Choice>
-        <mc:Fallback>
+        <mc:Fallback xmlns="">
           <p:sp>
             <p:nvSpPr>
               <p:cNvPr id="3" name="Объект 2"/>
@@ -15475,8 +15471,8 @@
             </a:p>
           </p:txBody>
         </p:sp>
-        <mc:AlternateContent xmlns:mc="http://schemas.openxmlformats.org/markup-compatibility/2006">
-          <mc:Choice xmlns:a14="http://schemas.microsoft.com/office/drawing/2010/main" Requires="a14">
+        <mc:AlternateContent xmlns:mc="http://schemas.openxmlformats.org/markup-compatibility/2006" xmlns:a14="http://schemas.microsoft.com/office/drawing/2010/main">
+          <mc:Choice Requires="a14">
             <p:sp>
               <p:nvSpPr>
                 <p:cNvPr id="21" name="Text Box 11"/>
@@ -15550,7 +15546,7 @@
               </p:txBody>
             </p:sp>
           </mc:Choice>
-          <mc:Fallback>
+          <mc:Fallback xmlns="">
             <p:sp>
               <p:nvSpPr>
                 <p:cNvPr id="21" name="Text Box 11"/>
@@ -17476,8 +17472,8 @@
             </a:p>
           </p:txBody>
         </p:sp>
-        <mc:AlternateContent xmlns:mc="http://schemas.openxmlformats.org/markup-compatibility/2006">
-          <mc:Choice xmlns:a14="http://schemas.microsoft.com/office/drawing/2010/main" Requires="a14">
+        <mc:AlternateContent xmlns:mc="http://schemas.openxmlformats.org/markup-compatibility/2006" xmlns:a14="http://schemas.microsoft.com/office/drawing/2010/main">
+          <mc:Choice Requires="a14">
             <p:sp>
               <p:nvSpPr>
                 <p:cNvPr id="20" name="Text Box 11"/>
@@ -17551,7 +17547,7 @@
               </p:txBody>
             </p:sp>
           </mc:Choice>
-          <mc:Fallback>
+          <mc:Fallback xmlns="">
             <p:sp>
               <p:nvSpPr>
                 <p:cNvPr id="20" name="Text Box 11"/>
@@ -19585,8 +19581,8 @@
             </a:p>
           </p:txBody>
         </p:sp>
-        <mc:AlternateContent xmlns:mc="http://schemas.openxmlformats.org/markup-compatibility/2006">
-          <mc:Choice xmlns:a14="http://schemas.microsoft.com/office/drawing/2010/main" Requires="a14">
+        <mc:AlternateContent xmlns:mc="http://schemas.openxmlformats.org/markup-compatibility/2006" xmlns:a14="http://schemas.microsoft.com/office/drawing/2010/main">
+          <mc:Choice Requires="a14">
             <p:sp>
               <p:nvSpPr>
                 <p:cNvPr id="50" name="Text Box 11"/>
@@ -19660,7 +19656,7 @@
               </p:txBody>
             </p:sp>
           </mc:Choice>
-          <mc:Fallback>
+          <mc:Fallback xmlns="">
             <p:sp>
               <p:nvSpPr>
                 <p:cNvPr id="50" name="Text Box 11"/>
@@ -20870,8 +20866,8 @@
           </p:sp>
         </mc:Fallback>
       </mc:AlternateContent>
-      <mc:AlternateContent xmlns:mc="http://schemas.openxmlformats.org/markup-compatibility/2006">
-        <mc:Choice xmlns:a14="http://schemas.microsoft.com/office/drawing/2010/main" Requires="a14">
+      <mc:AlternateContent xmlns:mc="http://schemas.openxmlformats.org/markup-compatibility/2006" xmlns:a14="http://schemas.microsoft.com/office/drawing/2010/main">
+        <mc:Choice Requires="a14">
           <p:sp>
             <p:nvSpPr>
               <p:cNvPr id="75" name="TextBox 74"/>
@@ -20959,13 +20955,7 @@
                       <a:rPr lang="en-US" sz="2000" b="0" i="1" smtClean="0">
                         <a:latin typeface="Cambria Math" panose="02040503050406030204" pitchFamily="18" charset="0"/>
                       </a:rPr>
-                      <m:t>′</m:t>
-                    </m:r>
-                    <m:r>
-                      <a:rPr lang="en-US" sz="2000" b="0" i="1" smtClean="0">
-                        <a:latin typeface="Cambria Math" panose="02040503050406030204" pitchFamily="18" charset="0"/>
-                      </a:rPr>
-                      <m:t>=1,</m:t>
+                      <m:t>′=1,</m:t>
                     </m:r>
                   </m:oMath>
                 </a14:m>
@@ -20985,13 +20975,7 @@
                       <a:rPr lang="en-US" sz="2000" b="0" i="1" smtClean="0">
                         <a:latin typeface="Cambria Math" panose="02040503050406030204" pitchFamily="18" charset="0"/>
                       </a:rPr>
-                      <m:t>′</m:t>
-                    </m:r>
-                    <m:r>
-                      <a:rPr lang="en-US" sz="2000" b="0" i="1" smtClean="0">
-                        <a:latin typeface="Cambria Math" panose="02040503050406030204" pitchFamily="18" charset="0"/>
-                      </a:rPr>
-                      <m:t>=0</m:t>
+                      <m:t>′=0</m:t>
                     </m:r>
                   </m:oMath>
                 </a14:m>
@@ -21000,7 +20984,7 @@
             </p:txBody>
           </p:sp>
         </mc:Choice>
-        <mc:Fallback>
+        <mc:Fallback xmlns="">
           <p:sp>
             <p:nvSpPr>
               <p:cNvPr id="75" name="TextBox 74"/>
@@ -23481,8 +23465,8 @@
             </a:p>
           </p:txBody>
         </p:sp>
-        <mc:AlternateContent xmlns:mc="http://schemas.openxmlformats.org/markup-compatibility/2006">
-          <mc:Choice xmlns:a14="http://schemas.microsoft.com/office/drawing/2010/main" Requires="a14">
+        <mc:AlternateContent xmlns:mc="http://schemas.openxmlformats.org/markup-compatibility/2006" xmlns:a14="http://schemas.microsoft.com/office/drawing/2010/main">
+          <mc:Choice Requires="a14">
             <p:sp>
               <p:nvSpPr>
                 <p:cNvPr id="50" name="Text Box 11"/>
@@ -23556,7 +23540,7 @@
               </p:txBody>
             </p:sp>
           </mc:Choice>
-          <mc:Fallback>
+          <mc:Fallback xmlns="">
             <p:sp>
               <p:nvSpPr>
                 <p:cNvPr id="50" name="Text Box 11"/>
@@ -24766,8 +24750,8 @@
           </p:sp>
         </mc:Fallback>
       </mc:AlternateContent>
-      <mc:AlternateContent xmlns:mc="http://schemas.openxmlformats.org/markup-compatibility/2006">
-        <mc:Choice xmlns:a14="http://schemas.microsoft.com/office/drawing/2010/main" Requires="a14">
+      <mc:AlternateContent xmlns:mc="http://schemas.openxmlformats.org/markup-compatibility/2006" xmlns:a14="http://schemas.microsoft.com/office/drawing/2010/main">
+        <mc:Choice Requires="a14">
           <p:sp>
             <p:nvSpPr>
               <p:cNvPr id="75" name="TextBox 74"/>
@@ -24855,13 +24839,7 @@
                       <a:rPr lang="en-US" sz="2000" b="0" i="1" smtClean="0">
                         <a:latin typeface="Cambria Math" panose="02040503050406030204" pitchFamily="18" charset="0"/>
                       </a:rPr>
-                      <m:t>′</m:t>
-                    </m:r>
-                    <m:r>
-                      <a:rPr lang="en-US" sz="2000" b="0" i="1" smtClean="0">
-                        <a:latin typeface="Cambria Math" panose="02040503050406030204" pitchFamily="18" charset="0"/>
-                      </a:rPr>
-                      <m:t>=1,</m:t>
+                      <m:t>′=1,</m:t>
                     </m:r>
                   </m:oMath>
                 </a14:m>
@@ -24881,13 +24859,7 @@
                       <a:rPr lang="en-US" sz="2000" b="0" i="1" smtClean="0">
                         <a:latin typeface="Cambria Math" panose="02040503050406030204" pitchFamily="18" charset="0"/>
                       </a:rPr>
-                      <m:t>′</m:t>
-                    </m:r>
-                    <m:r>
-                      <a:rPr lang="en-US" sz="2000" b="0" i="1" smtClean="0">
-                        <a:latin typeface="Cambria Math" panose="02040503050406030204" pitchFamily="18" charset="0"/>
-                      </a:rPr>
-                      <m:t>=0</m:t>
+                      <m:t>′=0</m:t>
                     </m:r>
                   </m:oMath>
                 </a14:m>
@@ -24896,7 +24868,7 @@
             </p:txBody>
           </p:sp>
         </mc:Choice>
-        <mc:Fallback>
+        <mc:Fallback xmlns="">
           <p:sp>
             <p:nvSpPr>
               <p:cNvPr id="75" name="TextBox 74"/>
@@ -26541,8 +26513,8 @@
           </a:p>
         </p:txBody>
       </p:sp>
-      <mc:AlternateContent xmlns:mc="http://schemas.openxmlformats.org/markup-compatibility/2006">
-        <mc:Choice xmlns:a14="http://schemas.microsoft.com/office/drawing/2010/main" Requires="a14">
+      <mc:AlternateContent xmlns:mc="http://schemas.openxmlformats.org/markup-compatibility/2006" xmlns:a14="http://schemas.microsoft.com/office/drawing/2010/main">
+        <mc:Choice Requires="a14">
           <p:sp>
             <p:nvSpPr>
               <p:cNvPr id="3" name="Объект 2"/>
@@ -26962,7 +26934,7 @@
             </p:txBody>
           </p:sp>
         </mc:Choice>
-        <mc:Fallback>
+        <mc:Fallback xmlns="">
           <p:sp>
             <p:nvSpPr>
               <p:cNvPr id="3" name="Объект 2"/>
@@ -27965,8 +27937,8 @@
             </a:p>
           </p:txBody>
         </p:sp>
-        <mc:AlternateContent xmlns:mc="http://schemas.openxmlformats.org/markup-compatibility/2006">
-          <mc:Choice xmlns:a14="http://schemas.microsoft.com/office/drawing/2010/main" Requires="a14">
+        <mc:AlternateContent xmlns:mc="http://schemas.openxmlformats.org/markup-compatibility/2006" xmlns:a14="http://schemas.microsoft.com/office/drawing/2010/main">
+          <mc:Choice Requires="a14">
             <p:sp>
               <p:nvSpPr>
                 <p:cNvPr id="20" name="Text Box 11"/>
@@ -28040,7 +28012,7 @@
               </p:txBody>
             </p:sp>
           </mc:Choice>
-          <mc:Fallback>
+          <mc:Fallback xmlns="">
             <p:sp>
               <p:nvSpPr>
                 <p:cNvPr id="20" name="Text Box 11"/>
@@ -29809,8 +29781,8 @@
             </a:p>
           </p:txBody>
         </p:sp>
-        <mc:AlternateContent xmlns:mc="http://schemas.openxmlformats.org/markup-compatibility/2006">
-          <mc:Choice xmlns:a14="http://schemas.microsoft.com/office/drawing/2010/main" Requires="a14">
+        <mc:AlternateContent xmlns:mc="http://schemas.openxmlformats.org/markup-compatibility/2006" xmlns:a14="http://schemas.microsoft.com/office/drawing/2010/main">
+          <mc:Choice Requires="a14">
             <p:sp>
               <p:nvSpPr>
                 <p:cNvPr id="20" name="Text Box 11"/>
@@ -29884,7 +29856,7 @@
               </p:txBody>
             </p:sp>
           </mc:Choice>
-          <mc:Fallback>
+          <mc:Fallback xmlns="">
             <p:sp>
               <p:nvSpPr>
                 <p:cNvPr id="20" name="Text Box 11"/>
@@ -41536,8 +41508,8 @@
           </a:p>
         </p:txBody>
       </p:sp>
-      <mc:AlternateContent xmlns:mc="http://schemas.openxmlformats.org/markup-compatibility/2006">
-        <mc:Choice xmlns:a14="http://schemas.microsoft.com/office/drawing/2010/main" Requires="a14">
+      <mc:AlternateContent xmlns:mc="http://schemas.openxmlformats.org/markup-compatibility/2006" xmlns:a14="http://schemas.microsoft.com/office/drawing/2010/main">
+        <mc:Choice Requires="a14">
           <p:sp>
             <p:nvSpPr>
               <p:cNvPr id="5" name="Rectangle 3"/>
@@ -42259,7 +42231,7 @@
             </p:txBody>
           </p:sp>
         </mc:Choice>
-        <mc:Fallback>
+        <mc:Fallback xmlns="">
           <p:sp>
             <p:nvSpPr>
               <p:cNvPr id="5" name="Rectangle 3"/>

--- a/Lectures/Lecture4.pptx
+++ b/Lectures/Lecture4.pptx
@@ -5,7 +5,7 @@
     <p:sldMasterId id="2147483648" r:id="rId1"/>
   </p:sldMasterIdLst>
   <p:notesMasterIdLst>
-    <p:notesMasterId r:id="rId45"/>
+    <p:notesMasterId r:id="rId46"/>
   </p:notesMasterIdLst>
   <p:sldIdLst>
     <p:sldId id="296" r:id="rId2"/>
@@ -38,19 +38,20 @@
     <p:sldId id="357" r:id="rId29"/>
     <p:sldId id="359" r:id="rId30"/>
     <p:sldId id="364" r:id="rId31"/>
-    <p:sldId id="358" r:id="rId32"/>
-    <p:sldId id="360" r:id="rId33"/>
-    <p:sldId id="361" r:id="rId34"/>
-    <p:sldId id="362" r:id="rId35"/>
-    <p:sldId id="363" r:id="rId36"/>
-    <p:sldId id="365" r:id="rId37"/>
-    <p:sldId id="371" r:id="rId38"/>
-    <p:sldId id="366" r:id="rId39"/>
-    <p:sldId id="370" r:id="rId40"/>
-    <p:sldId id="367" r:id="rId41"/>
-    <p:sldId id="368" r:id="rId42"/>
-    <p:sldId id="369" r:id="rId43"/>
-    <p:sldId id="372" r:id="rId44"/>
+    <p:sldId id="373" r:id="rId32"/>
+    <p:sldId id="358" r:id="rId33"/>
+    <p:sldId id="360" r:id="rId34"/>
+    <p:sldId id="361" r:id="rId35"/>
+    <p:sldId id="362" r:id="rId36"/>
+    <p:sldId id="363" r:id="rId37"/>
+    <p:sldId id="365" r:id="rId38"/>
+    <p:sldId id="371" r:id="rId39"/>
+    <p:sldId id="366" r:id="rId40"/>
+    <p:sldId id="370" r:id="rId41"/>
+    <p:sldId id="367" r:id="rId42"/>
+    <p:sldId id="368" r:id="rId43"/>
+    <p:sldId id="369" r:id="rId44"/>
+    <p:sldId id="372" r:id="rId45"/>
   </p:sldIdLst>
   <p:sldSz cx="12192000" cy="6858000"/>
   <p:notesSz cx="6858000" cy="9144000"/>
@@ -196,6 +197,7 @@
             <p14:sldId id="357"/>
             <p14:sldId id="359"/>
             <p14:sldId id="364"/>
+            <p14:sldId id="373"/>
             <p14:sldId id="358"/>
           </p14:sldIdLst>
         </p14:section>
@@ -313,7 +315,7 @@
           <a:p>
             <a:fld id="{CBA08D16-15DC-4E25-BDC3-F25146157B16}" type="datetimeFigureOut">
               <a:rPr lang="ru-RU" smtClean="0"/>
-              <a:t>19.10.2023</a:t>
+              <a:t>03.10.2024</a:t>
             </a:fld>
             <a:endParaRPr lang="ru-RU"/>
           </a:p>
@@ -712,7 +714,7 @@
           <a:p>
             <a:fld id="{FCEC8293-DB51-454A-BE81-EC8FCB31EBA2}" type="datetime1">
               <a:rPr lang="ru-RU" smtClean="0"/>
-              <a:t>19.10.2023</a:t>
+              <a:t>03.10.2024</a:t>
             </a:fld>
             <a:endParaRPr lang="ru-RU"/>
           </a:p>
@@ -886,7 +888,7 @@
           <a:p>
             <a:fld id="{241C87B1-1C35-4DBD-BC18-2BC72E776603}" type="datetime1">
               <a:rPr lang="ru-RU" smtClean="0"/>
-              <a:t>19.10.2023</a:t>
+              <a:t>03.10.2024</a:t>
             </a:fld>
             <a:endParaRPr lang="ru-RU"/>
           </a:p>
@@ -1070,7 +1072,7 @@
           <a:p>
             <a:fld id="{3134C275-26C0-42CD-9111-9ADE65922AF9}" type="datetime1">
               <a:rPr lang="ru-RU" smtClean="0"/>
-              <a:t>19.10.2023</a:t>
+              <a:t>03.10.2024</a:t>
             </a:fld>
             <a:endParaRPr lang="ru-RU"/>
           </a:p>
@@ -1244,7 +1246,7 @@
           <a:p>
             <a:fld id="{C1A9A50B-C350-45F5-8AAB-ADB9E670AF2E}" type="datetime1">
               <a:rPr lang="ru-RU" smtClean="0"/>
-              <a:t>19.10.2023</a:t>
+              <a:t>03.10.2024</a:t>
             </a:fld>
             <a:endParaRPr lang="ru-RU"/>
           </a:p>
@@ -1494,7 +1496,7 @@
           <a:p>
             <a:fld id="{089688C9-348F-42F9-B6C0-5990DDE0C5B2}" type="datetime1">
               <a:rPr lang="ru-RU" smtClean="0"/>
-              <a:t>19.10.2023</a:t>
+              <a:t>03.10.2024</a:t>
             </a:fld>
             <a:endParaRPr lang="ru-RU"/>
           </a:p>
@@ -1730,7 +1732,7 @@
           <a:p>
             <a:fld id="{684AFD8F-6DD9-4AD3-A505-FDC3F5C5F3F6}" type="datetime1">
               <a:rPr lang="ru-RU" smtClean="0"/>
-              <a:t>19.10.2023</a:t>
+              <a:t>03.10.2024</a:t>
             </a:fld>
             <a:endParaRPr lang="ru-RU"/>
           </a:p>
@@ -2101,7 +2103,7 @@
           <a:p>
             <a:fld id="{63551EFE-4D02-45EB-A747-8B6F047B5AA0}" type="datetime1">
               <a:rPr lang="ru-RU" smtClean="0"/>
-              <a:t>19.10.2023</a:t>
+              <a:t>03.10.2024</a:t>
             </a:fld>
             <a:endParaRPr lang="ru-RU"/>
           </a:p>
@@ -2223,7 +2225,7 @@
           <a:p>
             <a:fld id="{813A9F34-E5CD-4B8F-AA9E-889C84372B20}" type="datetime1">
               <a:rPr lang="ru-RU" smtClean="0"/>
-              <a:t>19.10.2023</a:t>
+              <a:t>03.10.2024</a:t>
             </a:fld>
             <a:endParaRPr lang="ru-RU"/>
           </a:p>
@@ -2322,7 +2324,7 @@
           <a:p>
             <a:fld id="{51224D22-9B29-44A6-8E82-95FC492DEDC1}" type="datetime1">
               <a:rPr lang="ru-RU" smtClean="0"/>
-              <a:t>19.10.2023</a:t>
+              <a:t>03.10.2024</a:t>
             </a:fld>
             <a:endParaRPr lang="ru-RU"/>
           </a:p>
@@ -2603,7 +2605,7 @@
           <a:p>
             <a:fld id="{91D1034F-4441-48A1-BDC0-25EA1022324A}" type="datetime1">
               <a:rPr lang="ru-RU" smtClean="0"/>
-              <a:t>19.10.2023</a:t>
+              <a:t>03.10.2024</a:t>
             </a:fld>
             <a:endParaRPr lang="ru-RU"/>
           </a:p>
@@ -2860,7 +2862,7 @@
           <a:p>
             <a:fld id="{B0FFDE79-B627-473B-AE17-4C65BD2495F7}" type="datetime1">
               <a:rPr lang="ru-RU" smtClean="0"/>
-              <a:t>19.10.2023</a:t>
+              <a:t>03.10.2024</a:t>
             </a:fld>
             <a:endParaRPr lang="ru-RU"/>
           </a:p>
@@ -3077,7 +3079,7 @@
           <a:p>
             <a:fld id="{11CA537A-1B8C-47BA-9BA6-7CE3FAFDA8BE}" type="datetime1">
               <a:rPr lang="ru-RU" smtClean="0"/>
-              <a:t>19.10.2023</a:t>
+              <a:t>03.10.2024</a:t>
             </a:fld>
             <a:endParaRPr lang="ru-RU"/>
           </a:p>
@@ -3582,8 +3584,8 @@
               <a:t>202</a:t>
             </a:r>
             <a:r>
-              <a:rPr lang="en-US"/>
-              <a:t>3</a:t>
+              <a:rPr lang="en-US" dirty="0"/>
+              <a:t>4</a:t>
             </a:r>
             <a:endParaRPr lang="ru-RU" dirty="0"/>
           </a:p>
@@ -36280,6 +36282,303 @@
       </p:grpSpPr>
       <p:sp>
         <p:nvSpPr>
+          <p:cNvPr id="2" name="Заголовок 1"/>
+          <p:cNvSpPr>
+            <a:spLocks noGrp="1"/>
+          </p:cNvSpPr>
+          <p:nvPr>
+            <p:ph type="title"/>
+          </p:nvPr>
+        </p:nvSpPr>
+        <p:spPr/>
+        <p:txBody>
+          <a:bodyPr/>
+          <a:lstStyle/>
+          <a:p>
+            <a:r>
+              <a:rPr lang="ru-RU" dirty="0"/>
+              <a:t>Стойкость </a:t>
+            </a:r>
+            <a:r>
+              <a:rPr lang="en-US" dirty="0"/>
+              <a:t>ECB</a:t>
+            </a:r>
+            <a:endParaRPr lang="ru-RU" dirty="0"/>
+          </a:p>
+        </p:txBody>
+      </p:sp>
+      <p:sp>
+        <p:nvSpPr>
+          <p:cNvPr id="4" name="Номер слайда 3"/>
+          <p:cNvSpPr>
+            <a:spLocks noGrp="1"/>
+          </p:cNvSpPr>
+          <p:nvPr>
+            <p:ph type="sldNum" sz="quarter" idx="12"/>
+          </p:nvPr>
+        </p:nvSpPr>
+        <p:spPr/>
+        <p:txBody>
+          <a:bodyPr/>
+          <a:lstStyle/>
+          <a:p>
+            <a:fld id="{8253DDDB-F8F7-4D64-A7FD-3F3D61C1949F}" type="slidenum">
+              <a:rPr lang="ru-RU" smtClean="0"/>
+              <a:t>31</a:t>
+            </a:fld>
+            <a:endParaRPr lang="ru-RU"/>
+          </a:p>
+        </p:txBody>
+      </p:sp>
+      <p:pic>
+        <p:nvPicPr>
+          <p:cNvPr id="3" name="Рисунок 2"/>
+          <p:cNvPicPr>
+            <a:picLocks noChangeAspect="1"/>
+          </p:cNvPicPr>
+          <p:nvPr/>
+        </p:nvPicPr>
+        <p:blipFill>
+          <a:blip r:embed="rId2">
+            <a:extLst>
+              <a:ext uri="{28A0092B-C50C-407E-A947-70E740481C1C}">
+                <a14:useLocalDpi xmlns:a14="http://schemas.microsoft.com/office/drawing/2010/main" val="0"/>
+              </a:ext>
+            </a:extLst>
+          </a:blip>
+          <a:stretch>
+            <a:fillRect/>
+          </a:stretch>
+        </p:blipFill>
+        <p:spPr>
+          <a:xfrm>
+            <a:off x="1293567" y="2017590"/>
+            <a:ext cx="2524125" cy="2990850"/>
+          </a:xfrm>
+          <a:prstGeom prst="rect">
+            <a:avLst/>
+          </a:prstGeom>
+        </p:spPr>
+      </p:pic>
+      <p:pic>
+        <p:nvPicPr>
+          <p:cNvPr id="6" name="Рисунок 5"/>
+          <p:cNvPicPr>
+            <a:picLocks noChangeAspect="1"/>
+          </p:cNvPicPr>
+          <p:nvPr/>
+        </p:nvPicPr>
+        <p:blipFill>
+          <a:blip r:embed="rId3">
+            <a:extLst>
+              <a:ext uri="{28A0092B-C50C-407E-A947-70E740481C1C}">
+                <a14:useLocalDpi xmlns:a14="http://schemas.microsoft.com/office/drawing/2010/main" val="0"/>
+              </a:ext>
+            </a:extLst>
+          </a:blip>
+          <a:stretch>
+            <a:fillRect/>
+          </a:stretch>
+        </p:blipFill>
+        <p:spPr>
+          <a:xfrm>
+            <a:off x="4716707" y="2017590"/>
+            <a:ext cx="2524125" cy="2990850"/>
+          </a:xfrm>
+          <a:prstGeom prst="rect">
+            <a:avLst/>
+          </a:prstGeom>
+        </p:spPr>
+      </p:pic>
+      <p:pic>
+        <p:nvPicPr>
+          <p:cNvPr id="7" name="Рисунок 6"/>
+          <p:cNvPicPr>
+            <a:picLocks noChangeAspect="1"/>
+          </p:cNvPicPr>
+          <p:nvPr/>
+        </p:nvPicPr>
+        <p:blipFill>
+          <a:blip r:embed="rId4">
+            <a:extLst>
+              <a:ext uri="{28A0092B-C50C-407E-A947-70E740481C1C}">
+                <a14:useLocalDpi xmlns:a14="http://schemas.microsoft.com/office/drawing/2010/main" val="0"/>
+              </a:ext>
+            </a:extLst>
+          </a:blip>
+          <a:stretch>
+            <a:fillRect/>
+          </a:stretch>
+        </p:blipFill>
+        <p:spPr>
+          <a:xfrm>
+            <a:off x="8720137" y="2017590"/>
+            <a:ext cx="2524125" cy="2990850"/>
+          </a:xfrm>
+          <a:prstGeom prst="rect">
+            <a:avLst/>
+          </a:prstGeom>
+        </p:spPr>
+      </p:pic>
+      <p:sp>
+        <p:nvSpPr>
+          <p:cNvPr id="8" name="TextBox 7"/>
+          <p:cNvSpPr txBox="1"/>
+          <p:nvPr/>
+        </p:nvSpPr>
+        <p:spPr>
+          <a:xfrm>
+            <a:off x="1914769" y="5228492"/>
+            <a:ext cx="414472" cy="369332"/>
+          </a:xfrm>
+          <a:prstGeom prst="rect">
+            <a:avLst/>
+          </a:prstGeom>
+          <a:noFill/>
+        </p:spPr>
+        <p:txBody>
+          <a:bodyPr wrap="none" rtlCol="0">
+            <a:spAutoFit/>
+          </a:bodyPr>
+          <a:lstStyle/>
+          <a:p>
+            <a:r>
+              <a:rPr lang="en-US" dirty="0" smtClean="0"/>
+              <a:t>PT</a:t>
+            </a:r>
+            <a:endParaRPr lang="ru-RU" dirty="0"/>
+          </a:p>
+        </p:txBody>
+      </p:sp>
+      <p:sp>
+        <p:nvSpPr>
+          <p:cNvPr id="9" name="TextBox 8"/>
+          <p:cNvSpPr txBox="1"/>
+          <p:nvPr/>
+        </p:nvSpPr>
+        <p:spPr>
+          <a:xfrm>
+            <a:off x="5619261" y="5228492"/>
+            <a:ext cx="542649" cy="369332"/>
+          </a:xfrm>
+          <a:prstGeom prst="rect">
+            <a:avLst/>
+          </a:prstGeom>
+          <a:noFill/>
+        </p:spPr>
+        <p:txBody>
+          <a:bodyPr wrap="none" rtlCol="0">
+            <a:spAutoFit/>
+          </a:bodyPr>
+          <a:lstStyle/>
+          <a:p>
+            <a:r>
+              <a:rPr lang="en-US" dirty="0" smtClean="0"/>
+              <a:t>ECB</a:t>
+            </a:r>
+            <a:endParaRPr lang="ru-RU" dirty="0"/>
+          </a:p>
+        </p:txBody>
+      </p:sp>
+      <p:sp>
+        <p:nvSpPr>
+          <p:cNvPr id="10" name="TextBox 9"/>
+          <p:cNvSpPr txBox="1"/>
+          <p:nvPr/>
+        </p:nvSpPr>
+        <p:spPr>
+          <a:xfrm>
+            <a:off x="9710874" y="5228492"/>
+            <a:ext cx="556563" cy="369332"/>
+          </a:xfrm>
+          <a:prstGeom prst="rect">
+            <a:avLst/>
+          </a:prstGeom>
+          <a:noFill/>
+        </p:spPr>
+        <p:txBody>
+          <a:bodyPr wrap="none" rtlCol="0">
+            <a:spAutoFit/>
+          </a:bodyPr>
+          <a:lstStyle/>
+          <a:p>
+            <a:r>
+              <a:rPr lang="en-US" dirty="0" smtClean="0"/>
+              <a:t>CBC</a:t>
+            </a:r>
+            <a:endParaRPr lang="ru-RU" dirty="0"/>
+          </a:p>
+        </p:txBody>
+      </p:sp>
+      <p:sp>
+        <p:nvSpPr>
+          <p:cNvPr id="11" name="TextBox 10"/>
+          <p:cNvSpPr txBox="1"/>
+          <p:nvPr/>
+        </p:nvSpPr>
+        <p:spPr>
+          <a:xfrm>
+            <a:off x="0" y="6536809"/>
+            <a:ext cx="4534575" cy="369332"/>
+          </a:xfrm>
+          <a:prstGeom prst="rect">
+            <a:avLst/>
+          </a:prstGeom>
+          <a:noFill/>
+        </p:spPr>
+        <p:txBody>
+          <a:bodyPr wrap="none" rtlCol="0">
+            <a:spAutoFit/>
+          </a:bodyPr>
+          <a:lstStyle/>
+          <a:p>
+            <a:r>
+              <a:rPr lang="en-US" dirty="0"/>
+              <a:t>https://github.com/pakesson/diy-ecb-penguin</a:t>
+            </a:r>
+            <a:endParaRPr lang="ru-RU" dirty="0"/>
+          </a:p>
+        </p:txBody>
+      </p:sp>
+    </p:spTree>
+    <p:extLst>
+      <p:ext uri="{BB962C8B-B14F-4D97-AF65-F5344CB8AC3E}">
+        <p14:creationId xmlns:p14="http://schemas.microsoft.com/office/powerpoint/2010/main" val="2021773617"/>
+      </p:ext>
+    </p:extLst>
+  </p:cSld>
+  <p:clrMapOvr>
+    <a:masterClrMapping/>
+  </p:clrMapOvr>
+  <p:timing>
+    <p:tnLst>
+      <p:par>
+        <p:cTn id="1" dur="indefinite" restart="never" nodeType="tmRoot"/>
+      </p:par>
+    </p:tnLst>
+  </p:timing>
+</p:sld>
+</file>
+
+<file path=ppt/slides/slide32.xml><?xml version="1.0" encoding="utf-8"?>
+<p:sld xmlns:a="http://schemas.openxmlformats.org/drawingml/2006/main" xmlns:r="http://schemas.openxmlformats.org/officeDocument/2006/relationships" xmlns:p="http://schemas.openxmlformats.org/presentationml/2006/main">
+  <p:cSld>
+    <p:spTree>
+      <p:nvGrpSpPr>
+        <p:cNvPr id="1" name=""/>
+        <p:cNvGrpSpPr/>
+        <p:nvPr/>
+      </p:nvGrpSpPr>
+      <p:grpSpPr>
+        <a:xfrm>
+          <a:off x="0" y="0"/>
+          <a:ext cx="0" cy="0"/>
+          <a:chOff x="0" y="0"/>
+          <a:chExt cx="0" cy="0"/>
+        </a:xfrm>
+      </p:grpSpPr>
+      <p:sp>
+        <p:nvSpPr>
           <p:cNvPr id="5" name="Скругленный прямоугольник 4"/>
           <p:cNvSpPr/>
           <p:nvPr/>
@@ -37263,7 +37562,7 @@
           <a:p>
             <a:fld id="{8253DDDB-F8F7-4D64-A7FD-3F3D61C1949F}" type="slidenum">
               <a:rPr lang="ru-RU" smtClean="0"/>
-              <a:t>31</a:t>
+              <a:t>32</a:t>
             </a:fld>
             <a:endParaRPr lang="ru-RU"/>
           </a:p>
@@ -37289,7 +37588,7 @@
 </p:sld>
 </file>
 
-<file path=ppt/slides/slide32.xml><?xml version="1.0" encoding="utf-8"?>
+<file path=ppt/slides/slide33.xml><?xml version="1.0" encoding="utf-8"?>
 <p:sld xmlns:a="http://schemas.openxmlformats.org/drawingml/2006/main" xmlns:r="http://schemas.openxmlformats.org/officeDocument/2006/relationships" xmlns:p="http://schemas.openxmlformats.org/presentationml/2006/main">
   <p:cSld>
     <p:spTree>
@@ -37658,7 +37957,7 @@
           <a:p>
             <a:fld id="{8253DDDB-F8F7-4D64-A7FD-3F3D61C1949F}" type="slidenum">
               <a:rPr lang="ru-RU" smtClean="0"/>
-              <a:t>32</a:t>
+              <a:t>33</a:t>
             </a:fld>
             <a:endParaRPr lang="ru-RU"/>
           </a:p>
@@ -37684,7 +37983,7 @@
 </p:sld>
 </file>
 
-<file path=ppt/slides/slide33.xml><?xml version="1.0" encoding="utf-8"?>
+<file path=ppt/slides/slide34.xml><?xml version="1.0" encoding="utf-8"?>
 <p:sld xmlns:a="http://schemas.openxmlformats.org/drawingml/2006/main" xmlns:r="http://schemas.openxmlformats.org/officeDocument/2006/relationships" xmlns:p="http://schemas.openxmlformats.org/presentationml/2006/main">
   <p:cSld>
     <p:spTree>
@@ -38321,7 +38620,7 @@
           <a:p>
             <a:fld id="{8253DDDB-F8F7-4D64-A7FD-3F3D61C1949F}" type="slidenum">
               <a:rPr lang="ru-RU" smtClean="0"/>
-              <a:t>33</a:t>
+              <a:t>34</a:t>
             </a:fld>
             <a:endParaRPr lang="ru-RU"/>
           </a:p>
@@ -38371,7 +38670,7 @@
 </p:sld>
 </file>
 
-<file path=ppt/slides/slide34.xml><?xml version="1.0" encoding="utf-8"?>
+<file path=ppt/slides/slide35.xml><?xml version="1.0" encoding="utf-8"?>
 <p:sld xmlns:a="http://schemas.openxmlformats.org/drawingml/2006/main" xmlns:r="http://schemas.openxmlformats.org/officeDocument/2006/relationships" xmlns:p="http://schemas.openxmlformats.org/presentationml/2006/main">
   <p:cSld>
     <p:spTree>
@@ -38566,7 +38865,7 @@
           <a:p>
             <a:fld id="{8253DDDB-F8F7-4D64-A7FD-3F3D61C1949F}" type="slidenum">
               <a:rPr lang="ru-RU" smtClean="0"/>
-              <a:t>34</a:t>
+              <a:t>35</a:t>
             </a:fld>
             <a:endParaRPr lang="ru-RU"/>
           </a:p>
@@ -39694,7 +39993,7 @@
 </p:sld>
 </file>
 
-<file path=ppt/slides/slide35.xml><?xml version="1.0" encoding="utf-8"?>
+<file path=ppt/slides/slide36.xml><?xml version="1.0" encoding="utf-8"?>
 <p:sld xmlns:a="http://schemas.openxmlformats.org/drawingml/2006/main" xmlns:r="http://schemas.openxmlformats.org/officeDocument/2006/relationships" xmlns:p="http://schemas.openxmlformats.org/presentationml/2006/main">
   <p:cSld>
     <p:spTree>
@@ -39931,7 +40230,7 @@
           <a:p>
             <a:fld id="{8253DDDB-F8F7-4D64-A7FD-3F3D61C1949F}" type="slidenum">
               <a:rPr lang="ru-RU" smtClean="0"/>
-              <a:t>35</a:t>
+              <a:t>36</a:t>
             </a:fld>
             <a:endParaRPr lang="ru-RU"/>
           </a:p>
@@ -39957,7 +40256,7 @@
 </p:sld>
 </file>
 
-<file path=ppt/slides/slide36.xml><?xml version="1.0" encoding="utf-8"?>
+<file path=ppt/slides/slide37.xml><?xml version="1.0" encoding="utf-8"?>
 <p:sld xmlns:a="http://schemas.openxmlformats.org/drawingml/2006/main" xmlns:r="http://schemas.openxmlformats.org/officeDocument/2006/relationships" xmlns:p="http://schemas.openxmlformats.org/presentationml/2006/main">
   <p:cSld>
     <p:spTree>
@@ -40083,7 +40382,7 @@
           <a:p>
             <a:fld id="{8253DDDB-F8F7-4D64-A7FD-3F3D61C1949F}" type="slidenum">
               <a:rPr lang="ru-RU" smtClean="0"/>
-              <a:t>36</a:t>
+              <a:t>37</a:t>
             </a:fld>
             <a:endParaRPr lang="ru-RU"/>
           </a:p>
@@ -40109,7 +40408,7 @@
 </p:sld>
 </file>
 
-<file path=ppt/slides/slide37.xml><?xml version="1.0" encoding="utf-8"?>
+<file path=ppt/slides/slide38.xml><?xml version="1.0" encoding="utf-8"?>
 <p:sld xmlns:a="http://schemas.openxmlformats.org/drawingml/2006/main" xmlns:r="http://schemas.openxmlformats.org/officeDocument/2006/relationships" xmlns:p="http://schemas.openxmlformats.org/presentationml/2006/main">
   <p:cSld>
     <p:spTree>
@@ -40248,7 +40547,7 @@
           <a:p>
             <a:fld id="{8253DDDB-F8F7-4D64-A7FD-3F3D61C1949F}" type="slidenum">
               <a:rPr lang="ru-RU" smtClean="0"/>
-              <a:t>37</a:t>
+              <a:t>38</a:t>
             </a:fld>
             <a:endParaRPr lang="ru-RU"/>
           </a:p>
@@ -40274,7 +40573,7 @@
 </p:sld>
 </file>
 
-<file path=ppt/slides/slide38.xml><?xml version="1.0" encoding="utf-8"?>
+<file path=ppt/slides/slide39.xml><?xml version="1.0" encoding="utf-8"?>
 <p:sld xmlns:a="http://schemas.openxmlformats.org/drawingml/2006/main" xmlns:r="http://schemas.openxmlformats.org/officeDocument/2006/relationships" xmlns:p="http://schemas.openxmlformats.org/presentationml/2006/main">
   <p:cSld>
     <p:spTree>
@@ -40360,7 +40659,7 @@
           <a:p>
             <a:fld id="{8253DDDB-F8F7-4D64-A7FD-3F3D61C1949F}" type="slidenum">
               <a:rPr lang="ru-RU" smtClean="0"/>
-              <a:t>38</a:t>
+              <a:t>39</a:t>
             </a:fld>
             <a:endParaRPr lang="ru-RU"/>
           </a:p>
@@ -40416,7 +40715,362 @@
 </p:sld>
 </file>
 
-<file path=ppt/slides/slide39.xml><?xml version="1.0" encoding="utf-8"?>
+<file path=ppt/slides/slide4.xml><?xml version="1.0" encoding="utf-8"?>
+<p:sld xmlns:a="http://schemas.openxmlformats.org/drawingml/2006/main" xmlns:r="http://schemas.openxmlformats.org/officeDocument/2006/relationships" xmlns:p="http://schemas.openxmlformats.org/presentationml/2006/main">
+  <p:cSld>
+    <p:spTree>
+      <p:nvGrpSpPr>
+        <p:cNvPr id="1" name=""/>
+        <p:cNvGrpSpPr/>
+        <p:nvPr/>
+      </p:nvGrpSpPr>
+      <p:grpSpPr>
+        <a:xfrm>
+          <a:off x="0" y="0"/>
+          <a:ext cx="0" cy="0"/>
+          <a:chOff x="0" y="0"/>
+          <a:chExt cx="0" cy="0"/>
+        </a:xfrm>
+      </p:grpSpPr>
+      <p:sp>
+        <p:nvSpPr>
+          <p:cNvPr id="2" name="Заголовок 1"/>
+          <p:cNvSpPr>
+            <a:spLocks noGrp="1"/>
+          </p:cNvSpPr>
+          <p:nvPr>
+            <p:ph type="title"/>
+          </p:nvPr>
+        </p:nvSpPr>
+        <p:spPr/>
+        <p:txBody>
+          <a:bodyPr/>
+          <a:lstStyle/>
+          <a:p>
+            <a:r>
+              <a:rPr lang="ru-RU" dirty="0" smtClean="0"/>
+              <a:t>Понятие стойкости блочного шифры</a:t>
+            </a:r>
+            <a:endParaRPr lang="ru-RU" dirty="0"/>
+          </a:p>
+        </p:txBody>
+      </p:sp>
+      <mc:AlternateContent xmlns:mc="http://schemas.openxmlformats.org/markup-compatibility/2006" xmlns:a14="http://schemas.microsoft.com/office/drawing/2010/main">
+        <mc:Choice Requires="a14">
+          <p:sp>
+            <p:nvSpPr>
+              <p:cNvPr id="3" name="Объект 2"/>
+              <p:cNvSpPr>
+                <a:spLocks noGrp="1"/>
+              </p:cNvSpPr>
+              <p:nvPr>
+                <p:ph idx="1"/>
+              </p:nvPr>
+            </p:nvSpPr>
+            <p:spPr/>
+            <p:txBody>
+              <a:bodyPr/>
+              <a:lstStyle/>
+              <a:p>
+                <a:pPr marL="0" indent="0">
+                  <a:buNone/>
+                </a:pPr>
+                <a:r>
+                  <a:rPr lang="ru-RU" dirty="0" smtClean="0"/>
+                  <a:t>Для блочных шифров требуют более строгое требование, чем семантическая стойкость</a:t>
+                </a:r>
+                <a:r>
+                  <a:rPr lang="en-US" dirty="0" smtClean="0"/>
+                  <a:t>:</a:t>
+                </a:r>
+                <a:r>
+                  <a:rPr lang="ru-RU" dirty="0" smtClean="0"/>
+                  <a:t> для случайно выбранного ключа </a:t>
+                </a:r>
+                <a14:m>
+                  <m:oMath xmlns:m="http://schemas.openxmlformats.org/officeDocument/2006/math">
+                    <m:r>
+                      <a:rPr lang="en-US" b="0" i="1" smtClean="0">
+                        <a:latin typeface="Cambria Math" panose="02040503050406030204" pitchFamily="18" charset="0"/>
+                      </a:rPr>
+                      <m:t>𝑘</m:t>
+                    </m:r>
+                    <m:sSub>
+                      <m:sSubPr>
+                        <m:ctrlPr>
+                          <a:rPr lang="ru-RU" b="0" i="1" smtClean="0">
+                            <a:latin typeface="Cambria Math" panose="02040503050406030204" pitchFamily="18" charset="0"/>
+                          </a:rPr>
+                        </m:ctrlPr>
+                      </m:sSubPr>
+                      <m:e>
+                        <m:r>
+                          <a:rPr lang="en-US" b="0" i="1" smtClean="0">
+                            <a:latin typeface="Cambria Math" panose="02040503050406030204" pitchFamily="18" charset="0"/>
+                          </a:rPr>
+                          <m:t>∈</m:t>
+                        </m:r>
+                      </m:e>
+                      <m:sub>
+                        <m:r>
+                          <a:rPr lang="en-US" b="0" i="1" smtClean="0">
+                            <a:latin typeface="Cambria Math" panose="02040503050406030204" pitchFamily="18" charset="0"/>
+                          </a:rPr>
+                          <m:t>𝑅</m:t>
+                        </m:r>
+                      </m:sub>
+                    </m:sSub>
+                    <m:r>
+                      <a:rPr lang="en-US" b="0" i="1" smtClean="0">
+                        <a:latin typeface="Cambria Math" panose="02040503050406030204" pitchFamily="18" charset="0"/>
+                      </a:rPr>
+                      <m:t>𝐾</m:t>
+                    </m:r>
+                  </m:oMath>
+                </a14:m>
+                <a:r>
+                  <a:rPr lang="ru-RU" dirty="0" smtClean="0"/>
+                  <a:t> перестановка </a:t>
+                </a:r>
+                <a14:m>
+                  <m:oMath xmlns:m="http://schemas.openxmlformats.org/officeDocument/2006/math">
+                    <m:sSub>
+                      <m:sSubPr>
+                        <m:ctrlPr>
+                          <a:rPr lang="en-US" b="0" i="1" smtClean="0">
+                            <a:latin typeface="Cambria Math" panose="02040503050406030204" pitchFamily="18" charset="0"/>
+                          </a:rPr>
+                        </m:ctrlPr>
+                      </m:sSubPr>
+                      <m:e>
+                        <m:r>
+                          <a:rPr lang="en-US" b="0" i="1" smtClean="0">
+                            <a:latin typeface="Cambria Math" panose="02040503050406030204" pitchFamily="18" charset="0"/>
+                          </a:rPr>
+                          <m:t>𝐸</m:t>
+                        </m:r>
+                      </m:e>
+                      <m:sub>
+                        <m:r>
+                          <a:rPr lang="en-US" b="0" i="1" smtClean="0">
+                            <a:latin typeface="Cambria Math" panose="02040503050406030204" pitchFamily="18" charset="0"/>
+                          </a:rPr>
+                          <m:t>𝑘</m:t>
+                        </m:r>
+                      </m:sub>
+                    </m:sSub>
+                    <m:d>
+                      <m:dPr>
+                        <m:ctrlPr>
+                          <a:rPr lang="en-US" b="0" i="1" smtClean="0">
+                            <a:latin typeface="Cambria Math" panose="02040503050406030204" pitchFamily="18" charset="0"/>
+                          </a:rPr>
+                        </m:ctrlPr>
+                      </m:dPr>
+                      <m:e>
+                        <m:r>
+                          <a:rPr lang="en-US" b="0" i="1" smtClean="0">
+                            <a:latin typeface="Cambria Math" panose="02040503050406030204" pitchFamily="18" charset="0"/>
+                          </a:rPr>
+                          <m:t>∗</m:t>
+                        </m:r>
+                      </m:e>
+                    </m:d>
+                    <m:r>
+                      <a:rPr lang="en-US" b="0" i="1" smtClean="0">
+                        <a:latin typeface="Cambria Math" panose="02040503050406030204" pitchFamily="18" charset="0"/>
+                      </a:rPr>
+                      <m:t>=</m:t>
+                    </m:r>
+                    <m:sSub>
+                      <m:sSubPr>
+                        <m:ctrlPr>
+                          <a:rPr lang="en-US" b="0" i="1" smtClean="0">
+                            <a:latin typeface="Cambria Math" panose="02040503050406030204" pitchFamily="18" charset="0"/>
+                          </a:rPr>
+                        </m:ctrlPr>
+                      </m:sSubPr>
+                      <m:e>
+                        <m:r>
+                          <a:rPr lang="en-US" b="0" i="1" smtClean="0">
+                            <a:latin typeface="Cambria Math" panose="02040503050406030204" pitchFamily="18" charset="0"/>
+                          </a:rPr>
+                          <m:t>𝑓</m:t>
+                        </m:r>
+                      </m:e>
+                      <m:sub>
+                        <m:r>
+                          <a:rPr lang="en-US" b="0" i="1" smtClean="0">
+                            <a:latin typeface="Cambria Math" panose="02040503050406030204" pitchFamily="18" charset="0"/>
+                          </a:rPr>
+                          <m:t>𝑘</m:t>
+                        </m:r>
+                      </m:sub>
+                    </m:sSub>
+                  </m:oMath>
+                </a14:m>
+                <a:r>
+                  <a:rPr lang="ru-RU" dirty="0" smtClean="0"/>
+                  <a:t> должна быть псевдослучайной, т.е. выглядеть вычислительно неотличимой от случайной подстановки из </a:t>
+                </a:r>
+                <a14:m>
+                  <m:oMath xmlns:m="http://schemas.openxmlformats.org/officeDocument/2006/math">
+                    <m:r>
+                      <a:rPr lang="en-US" b="0" i="1" smtClean="0">
+                        <a:latin typeface="Cambria Math" panose="02040503050406030204" pitchFamily="18" charset="0"/>
+                      </a:rPr>
+                      <m:t>𝑆</m:t>
+                    </m:r>
+                    <m:r>
+                      <a:rPr lang="en-US" b="0" i="1" smtClean="0">
+                        <a:latin typeface="Cambria Math" panose="02040503050406030204" pitchFamily="18" charset="0"/>
+                      </a:rPr>
+                      <m:t>(</m:t>
+                    </m:r>
+                    <m:r>
+                      <a:rPr lang="en-US" b="0" i="1" smtClean="0">
+                        <a:latin typeface="Cambria Math" panose="02040503050406030204" pitchFamily="18" charset="0"/>
+                      </a:rPr>
+                      <m:t>𝑋</m:t>
+                    </m:r>
+                    <m:r>
+                      <a:rPr lang="en-US" b="0" i="1" smtClean="0">
+                        <a:latin typeface="Cambria Math" panose="02040503050406030204" pitchFamily="18" charset="0"/>
+                      </a:rPr>
+                      <m:t>)</m:t>
+                    </m:r>
+                  </m:oMath>
+                </a14:m>
+                <a:r>
+                  <a:rPr lang="ru-RU" dirty="0" smtClean="0"/>
+                  <a:t>.</a:t>
+                </a:r>
+              </a:p>
+              <a:p>
+                <a:pPr marL="0" indent="0">
+                  <a:buNone/>
+                </a:pPr>
+                <a:endParaRPr lang="ru-RU" dirty="0"/>
+              </a:p>
+              <a:p>
+                <a:pPr marL="0" indent="0">
+                  <a:buNone/>
+                </a:pPr>
+                <a:r>
+                  <a:rPr lang="ru-RU" dirty="0" smtClean="0"/>
+                  <a:t>Идея игры – противник эффективный противник имеет доступ к оракулу, который выбирает функцию </a:t>
+                </a:r>
+                <a14:m>
+                  <m:oMath xmlns:m="http://schemas.openxmlformats.org/officeDocument/2006/math">
+                    <m:r>
+                      <a:rPr lang="en-US" b="0" i="1" smtClean="0">
+                        <a:latin typeface="Cambria Math" panose="02040503050406030204" pitchFamily="18" charset="0"/>
+                      </a:rPr>
+                      <m:t>𝑓</m:t>
+                    </m:r>
+                  </m:oMath>
+                </a14:m>
+                <a:r>
+                  <a:rPr lang="ru-RU" dirty="0" smtClean="0"/>
+                  <a:t> либо случайно, либо использует псевдослучайную функцию на случайном ключе. Противник может получить произвольное число образов функции </a:t>
+                </a:r>
+                <a14:m>
+                  <m:oMath xmlns:m="http://schemas.openxmlformats.org/officeDocument/2006/math">
+                    <m:r>
+                      <a:rPr lang="en-US" b="0" i="1" smtClean="0">
+                        <a:latin typeface="Cambria Math" panose="02040503050406030204" pitchFamily="18" charset="0"/>
+                      </a:rPr>
+                      <m:t>𝑓</m:t>
+                    </m:r>
+                  </m:oMath>
+                </a14:m>
+                <a:r>
+                  <a:rPr lang="ru-RU" dirty="0" smtClean="0"/>
+                  <a:t> на указанных им входах. Задача – различить эксперименты описанной игры.</a:t>
+                </a:r>
+                <a:endParaRPr lang="ru-RU" dirty="0"/>
+              </a:p>
+            </p:txBody>
+          </p:sp>
+        </mc:Choice>
+        <mc:Fallback xmlns="">
+          <p:sp>
+            <p:nvSpPr>
+              <p:cNvPr id="3" name="Объект 2"/>
+              <p:cNvSpPr>
+                <a:spLocks noGrp="1" noRot="1" noChangeAspect="1" noMove="1" noResize="1" noEditPoints="1" noAdjustHandles="1" noChangeArrowheads="1" noChangeShapeType="1" noTextEdit="1"/>
+              </p:cNvSpPr>
+              <p:nvPr>
+                <p:ph idx="1"/>
+              </p:nvPr>
+            </p:nvSpPr>
+            <p:spPr>
+              <a:blipFill>
+                <a:blip r:embed="rId2"/>
+                <a:stretch>
+                  <a:fillRect l="-1043" t="-2101" r="-1101"/>
+                </a:stretch>
+              </a:blipFill>
+            </p:spPr>
+            <p:txBody>
+              <a:bodyPr/>
+              <a:lstStyle/>
+              <a:p>
+                <a:r>
+                  <a:rPr lang="ru-RU">
+                    <a:noFill/>
+                  </a:rPr>
+                  <a:t> </a:t>
+                </a:r>
+              </a:p>
+            </p:txBody>
+          </p:sp>
+        </mc:Fallback>
+      </mc:AlternateContent>
+      <p:sp>
+        <p:nvSpPr>
+          <p:cNvPr id="4" name="Номер слайда 3"/>
+          <p:cNvSpPr>
+            <a:spLocks noGrp="1"/>
+          </p:cNvSpPr>
+          <p:nvPr>
+            <p:ph type="sldNum" sz="quarter" idx="12"/>
+          </p:nvPr>
+        </p:nvSpPr>
+        <p:spPr/>
+        <p:txBody>
+          <a:bodyPr/>
+          <a:lstStyle/>
+          <a:p>
+            <a:fld id="{8253DDDB-F8F7-4D64-A7FD-3F3D61C1949F}" type="slidenum">
+              <a:rPr lang="ru-RU" smtClean="0"/>
+              <a:t>4</a:t>
+            </a:fld>
+            <a:endParaRPr lang="ru-RU"/>
+          </a:p>
+        </p:txBody>
+      </p:sp>
+    </p:spTree>
+    <p:extLst>
+      <p:ext uri="{BB962C8B-B14F-4D97-AF65-F5344CB8AC3E}">
+        <p14:creationId xmlns:p14="http://schemas.microsoft.com/office/powerpoint/2010/main" val="524832991"/>
+      </p:ext>
+    </p:extLst>
+  </p:cSld>
+  <p:clrMapOvr>
+    <a:masterClrMapping/>
+  </p:clrMapOvr>
+  <p:timing>
+    <p:tnLst>
+      <p:par>
+        <p:cTn id="1" dur="indefinite" restart="never" nodeType="tmRoot"/>
+      </p:par>
+    </p:tnLst>
+  </p:timing>
+</p:sld>
+</file>
+
+<file path=ppt/slides/slide40.xml><?xml version="1.0" encoding="utf-8"?>
 <p:sld xmlns:a="http://schemas.openxmlformats.org/drawingml/2006/main" xmlns:r="http://schemas.openxmlformats.org/officeDocument/2006/relationships" xmlns:p="http://schemas.openxmlformats.org/presentationml/2006/main">
   <p:cSld>
     <p:spTree>
@@ -40502,7 +41156,7 @@
           <a:p>
             <a:fld id="{8253DDDB-F8F7-4D64-A7FD-3F3D61C1949F}" type="slidenum">
               <a:rPr lang="ru-RU" smtClean="0"/>
-              <a:t>39</a:t>
+              <a:t>40</a:t>
             </a:fld>
             <a:endParaRPr lang="ru-RU"/>
           </a:p>
@@ -40558,362 +41212,7 @@
 </p:sld>
 </file>
 
-<file path=ppt/slides/slide4.xml><?xml version="1.0" encoding="utf-8"?>
-<p:sld xmlns:a="http://schemas.openxmlformats.org/drawingml/2006/main" xmlns:r="http://schemas.openxmlformats.org/officeDocument/2006/relationships" xmlns:p="http://schemas.openxmlformats.org/presentationml/2006/main">
-  <p:cSld>
-    <p:spTree>
-      <p:nvGrpSpPr>
-        <p:cNvPr id="1" name=""/>
-        <p:cNvGrpSpPr/>
-        <p:nvPr/>
-      </p:nvGrpSpPr>
-      <p:grpSpPr>
-        <a:xfrm>
-          <a:off x="0" y="0"/>
-          <a:ext cx="0" cy="0"/>
-          <a:chOff x="0" y="0"/>
-          <a:chExt cx="0" cy="0"/>
-        </a:xfrm>
-      </p:grpSpPr>
-      <p:sp>
-        <p:nvSpPr>
-          <p:cNvPr id="2" name="Заголовок 1"/>
-          <p:cNvSpPr>
-            <a:spLocks noGrp="1"/>
-          </p:cNvSpPr>
-          <p:nvPr>
-            <p:ph type="title"/>
-          </p:nvPr>
-        </p:nvSpPr>
-        <p:spPr/>
-        <p:txBody>
-          <a:bodyPr/>
-          <a:lstStyle/>
-          <a:p>
-            <a:r>
-              <a:rPr lang="ru-RU" dirty="0" smtClean="0"/>
-              <a:t>Понятие стойкости блочного шифры</a:t>
-            </a:r>
-            <a:endParaRPr lang="ru-RU" dirty="0"/>
-          </a:p>
-        </p:txBody>
-      </p:sp>
-      <mc:AlternateContent xmlns:mc="http://schemas.openxmlformats.org/markup-compatibility/2006" xmlns:a14="http://schemas.microsoft.com/office/drawing/2010/main">
-        <mc:Choice Requires="a14">
-          <p:sp>
-            <p:nvSpPr>
-              <p:cNvPr id="3" name="Объект 2"/>
-              <p:cNvSpPr>
-                <a:spLocks noGrp="1"/>
-              </p:cNvSpPr>
-              <p:nvPr>
-                <p:ph idx="1"/>
-              </p:nvPr>
-            </p:nvSpPr>
-            <p:spPr/>
-            <p:txBody>
-              <a:bodyPr/>
-              <a:lstStyle/>
-              <a:p>
-                <a:pPr marL="0" indent="0">
-                  <a:buNone/>
-                </a:pPr>
-                <a:r>
-                  <a:rPr lang="ru-RU" dirty="0" smtClean="0"/>
-                  <a:t>Для блочных шифров требуют более строгое требование, чем семантическая стойкость</a:t>
-                </a:r>
-                <a:r>
-                  <a:rPr lang="en-US" dirty="0" smtClean="0"/>
-                  <a:t>:</a:t>
-                </a:r>
-                <a:r>
-                  <a:rPr lang="ru-RU" dirty="0" smtClean="0"/>
-                  <a:t> для случайно выбранного ключа </a:t>
-                </a:r>
-                <a14:m>
-                  <m:oMath xmlns:m="http://schemas.openxmlformats.org/officeDocument/2006/math">
-                    <m:r>
-                      <a:rPr lang="en-US" b="0" i="1" smtClean="0">
-                        <a:latin typeface="Cambria Math" panose="02040503050406030204" pitchFamily="18" charset="0"/>
-                      </a:rPr>
-                      <m:t>𝑘</m:t>
-                    </m:r>
-                    <m:sSub>
-                      <m:sSubPr>
-                        <m:ctrlPr>
-                          <a:rPr lang="ru-RU" b="0" i="1" smtClean="0">
-                            <a:latin typeface="Cambria Math" panose="02040503050406030204" pitchFamily="18" charset="0"/>
-                          </a:rPr>
-                        </m:ctrlPr>
-                      </m:sSubPr>
-                      <m:e>
-                        <m:r>
-                          <a:rPr lang="en-US" b="0" i="1" smtClean="0">
-                            <a:latin typeface="Cambria Math" panose="02040503050406030204" pitchFamily="18" charset="0"/>
-                          </a:rPr>
-                          <m:t>∈</m:t>
-                        </m:r>
-                      </m:e>
-                      <m:sub>
-                        <m:r>
-                          <a:rPr lang="en-US" b="0" i="1" smtClean="0">
-                            <a:latin typeface="Cambria Math" panose="02040503050406030204" pitchFamily="18" charset="0"/>
-                          </a:rPr>
-                          <m:t>𝑅</m:t>
-                        </m:r>
-                      </m:sub>
-                    </m:sSub>
-                    <m:r>
-                      <a:rPr lang="en-US" b="0" i="1" smtClean="0">
-                        <a:latin typeface="Cambria Math" panose="02040503050406030204" pitchFamily="18" charset="0"/>
-                      </a:rPr>
-                      <m:t>𝐾</m:t>
-                    </m:r>
-                  </m:oMath>
-                </a14:m>
-                <a:r>
-                  <a:rPr lang="ru-RU" dirty="0" smtClean="0"/>
-                  <a:t> перестановка </a:t>
-                </a:r>
-                <a14:m>
-                  <m:oMath xmlns:m="http://schemas.openxmlformats.org/officeDocument/2006/math">
-                    <m:sSub>
-                      <m:sSubPr>
-                        <m:ctrlPr>
-                          <a:rPr lang="en-US" b="0" i="1" smtClean="0">
-                            <a:latin typeface="Cambria Math" panose="02040503050406030204" pitchFamily="18" charset="0"/>
-                          </a:rPr>
-                        </m:ctrlPr>
-                      </m:sSubPr>
-                      <m:e>
-                        <m:r>
-                          <a:rPr lang="en-US" b="0" i="1" smtClean="0">
-                            <a:latin typeface="Cambria Math" panose="02040503050406030204" pitchFamily="18" charset="0"/>
-                          </a:rPr>
-                          <m:t>𝐸</m:t>
-                        </m:r>
-                      </m:e>
-                      <m:sub>
-                        <m:r>
-                          <a:rPr lang="en-US" b="0" i="1" smtClean="0">
-                            <a:latin typeface="Cambria Math" panose="02040503050406030204" pitchFamily="18" charset="0"/>
-                          </a:rPr>
-                          <m:t>𝑘</m:t>
-                        </m:r>
-                      </m:sub>
-                    </m:sSub>
-                    <m:d>
-                      <m:dPr>
-                        <m:ctrlPr>
-                          <a:rPr lang="en-US" b="0" i="1" smtClean="0">
-                            <a:latin typeface="Cambria Math" panose="02040503050406030204" pitchFamily="18" charset="0"/>
-                          </a:rPr>
-                        </m:ctrlPr>
-                      </m:dPr>
-                      <m:e>
-                        <m:r>
-                          <a:rPr lang="en-US" b="0" i="1" smtClean="0">
-                            <a:latin typeface="Cambria Math" panose="02040503050406030204" pitchFamily="18" charset="0"/>
-                          </a:rPr>
-                          <m:t>∗</m:t>
-                        </m:r>
-                      </m:e>
-                    </m:d>
-                    <m:r>
-                      <a:rPr lang="en-US" b="0" i="1" smtClean="0">
-                        <a:latin typeface="Cambria Math" panose="02040503050406030204" pitchFamily="18" charset="0"/>
-                      </a:rPr>
-                      <m:t>=</m:t>
-                    </m:r>
-                    <m:sSub>
-                      <m:sSubPr>
-                        <m:ctrlPr>
-                          <a:rPr lang="en-US" b="0" i="1" smtClean="0">
-                            <a:latin typeface="Cambria Math" panose="02040503050406030204" pitchFamily="18" charset="0"/>
-                          </a:rPr>
-                        </m:ctrlPr>
-                      </m:sSubPr>
-                      <m:e>
-                        <m:r>
-                          <a:rPr lang="en-US" b="0" i="1" smtClean="0">
-                            <a:latin typeface="Cambria Math" panose="02040503050406030204" pitchFamily="18" charset="0"/>
-                          </a:rPr>
-                          <m:t>𝑓</m:t>
-                        </m:r>
-                      </m:e>
-                      <m:sub>
-                        <m:r>
-                          <a:rPr lang="en-US" b="0" i="1" smtClean="0">
-                            <a:latin typeface="Cambria Math" panose="02040503050406030204" pitchFamily="18" charset="0"/>
-                          </a:rPr>
-                          <m:t>𝑘</m:t>
-                        </m:r>
-                      </m:sub>
-                    </m:sSub>
-                  </m:oMath>
-                </a14:m>
-                <a:r>
-                  <a:rPr lang="ru-RU" dirty="0" smtClean="0"/>
-                  <a:t> должна быть псевдослучайной, т.е. выглядеть вычислительно неотличимой от случайной подстановки из </a:t>
-                </a:r>
-                <a14:m>
-                  <m:oMath xmlns:m="http://schemas.openxmlformats.org/officeDocument/2006/math">
-                    <m:r>
-                      <a:rPr lang="en-US" b="0" i="1" smtClean="0">
-                        <a:latin typeface="Cambria Math" panose="02040503050406030204" pitchFamily="18" charset="0"/>
-                      </a:rPr>
-                      <m:t>𝑆</m:t>
-                    </m:r>
-                    <m:r>
-                      <a:rPr lang="en-US" b="0" i="1" smtClean="0">
-                        <a:latin typeface="Cambria Math" panose="02040503050406030204" pitchFamily="18" charset="0"/>
-                      </a:rPr>
-                      <m:t>(</m:t>
-                    </m:r>
-                    <m:r>
-                      <a:rPr lang="en-US" b="0" i="1" smtClean="0">
-                        <a:latin typeface="Cambria Math" panose="02040503050406030204" pitchFamily="18" charset="0"/>
-                      </a:rPr>
-                      <m:t>𝑋</m:t>
-                    </m:r>
-                    <m:r>
-                      <a:rPr lang="en-US" b="0" i="1" smtClean="0">
-                        <a:latin typeface="Cambria Math" panose="02040503050406030204" pitchFamily="18" charset="0"/>
-                      </a:rPr>
-                      <m:t>)</m:t>
-                    </m:r>
-                  </m:oMath>
-                </a14:m>
-                <a:r>
-                  <a:rPr lang="ru-RU" dirty="0" smtClean="0"/>
-                  <a:t>.</a:t>
-                </a:r>
-              </a:p>
-              <a:p>
-                <a:pPr marL="0" indent="0">
-                  <a:buNone/>
-                </a:pPr>
-                <a:endParaRPr lang="ru-RU" dirty="0"/>
-              </a:p>
-              <a:p>
-                <a:pPr marL="0" indent="0">
-                  <a:buNone/>
-                </a:pPr>
-                <a:r>
-                  <a:rPr lang="ru-RU" dirty="0" smtClean="0"/>
-                  <a:t>Идея игры – противник эффективный противник имеет доступ к оракулу, который выбирает функцию </a:t>
-                </a:r>
-                <a14:m>
-                  <m:oMath xmlns:m="http://schemas.openxmlformats.org/officeDocument/2006/math">
-                    <m:r>
-                      <a:rPr lang="en-US" b="0" i="1" smtClean="0">
-                        <a:latin typeface="Cambria Math" panose="02040503050406030204" pitchFamily="18" charset="0"/>
-                      </a:rPr>
-                      <m:t>𝑓</m:t>
-                    </m:r>
-                  </m:oMath>
-                </a14:m>
-                <a:r>
-                  <a:rPr lang="ru-RU" dirty="0" smtClean="0"/>
-                  <a:t> либо случайно, либо использует псевдослучайную функцию на случайном ключе. Противник может получить произвольное число образов функции </a:t>
-                </a:r>
-                <a14:m>
-                  <m:oMath xmlns:m="http://schemas.openxmlformats.org/officeDocument/2006/math">
-                    <m:r>
-                      <a:rPr lang="en-US" b="0" i="1" smtClean="0">
-                        <a:latin typeface="Cambria Math" panose="02040503050406030204" pitchFamily="18" charset="0"/>
-                      </a:rPr>
-                      <m:t>𝑓</m:t>
-                    </m:r>
-                  </m:oMath>
-                </a14:m>
-                <a:r>
-                  <a:rPr lang="ru-RU" dirty="0" smtClean="0"/>
-                  <a:t> на указанных им входах. Задача – различить эксперименты описанной игры.</a:t>
-                </a:r>
-                <a:endParaRPr lang="ru-RU" dirty="0"/>
-              </a:p>
-            </p:txBody>
-          </p:sp>
-        </mc:Choice>
-        <mc:Fallback xmlns="">
-          <p:sp>
-            <p:nvSpPr>
-              <p:cNvPr id="3" name="Объект 2"/>
-              <p:cNvSpPr>
-                <a:spLocks noGrp="1" noRot="1" noChangeAspect="1" noMove="1" noResize="1" noEditPoints="1" noAdjustHandles="1" noChangeArrowheads="1" noChangeShapeType="1" noTextEdit="1"/>
-              </p:cNvSpPr>
-              <p:nvPr>
-                <p:ph idx="1"/>
-              </p:nvPr>
-            </p:nvSpPr>
-            <p:spPr>
-              <a:blipFill>
-                <a:blip r:embed="rId2"/>
-                <a:stretch>
-                  <a:fillRect l="-1043" t="-2101" r="-1101"/>
-                </a:stretch>
-              </a:blipFill>
-            </p:spPr>
-            <p:txBody>
-              <a:bodyPr/>
-              <a:lstStyle/>
-              <a:p>
-                <a:r>
-                  <a:rPr lang="ru-RU">
-                    <a:noFill/>
-                  </a:rPr>
-                  <a:t> </a:t>
-                </a:r>
-              </a:p>
-            </p:txBody>
-          </p:sp>
-        </mc:Fallback>
-      </mc:AlternateContent>
-      <p:sp>
-        <p:nvSpPr>
-          <p:cNvPr id="4" name="Номер слайда 3"/>
-          <p:cNvSpPr>
-            <a:spLocks noGrp="1"/>
-          </p:cNvSpPr>
-          <p:nvPr>
-            <p:ph type="sldNum" sz="quarter" idx="12"/>
-          </p:nvPr>
-        </p:nvSpPr>
-        <p:spPr/>
-        <p:txBody>
-          <a:bodyPr/>
-          <a:lstStyle/>
-          <a:p>
-            <a:fld id="{8253DDDB-F8F7-4D64-A7FD-3F3D61C1949F}" type="slidenum">
-              <a:rPr lang="ru-RU" smtClean="0"/>
-              <a:t>4</a:t>
-            </a:fld>
-            <a:endParaRPr lang="ru-RU"/>
-          </a:p>
-        </p:txBody>
-      </p:sp>
-    </p:spTree>
-    <p:extLst>
-      <p:ext uri="{BB962C8B-B14F-4D97-AF65-F5344CB8AC3E}">
-        <p14:creationId xmlns:p14="http://schemas.microsoft.com/office/powerpoint/2010/main" val="524832991"/>
-      </p:ext>
-    </p:extLst>
-  </p:cSld>
-  <p:clrMapOvr>
-    <a:masterClrMapping/>
-  </p:clrMapOvr>
-  <p:timing>
-    <p:tnLst>
-      <p:par>
-        <p:cTn id="1" dur="indefinite" restart="never" nodeType="tmRoot"/>
-      </p:par>
-    </p:tnLst>
-  </p:timing>
-</p:sld>
-</file>
-
-<file path=ppt/slides/slide40.xml><?xml version="1.0" encoding="utf-8"?>
+<file path=ppt/slides/slide41.xml><?xml version="1.0" encoding="utf-8"?>
 <p:sld xmlns:a="http://schemas.openxmlformats.org/drawingml/2006/main" xmlns:r="http://schemas.openxmlformats.org/officeDocument/2006/relationships" xmlns:p="http://schemas.openxmlformats.org/presentationml/2006/main">
   <p:cSld>
     <p:spTree>
@@ -40999,7 +41298,7 @@
           <a:p>
             <a:fld id="{8253DDDB-F8F7-4D64-A7FD-3F3D61C1949F}" type="slidenum">
               <a:rPr lang="ru-RU" smtClean="0"/>
-              <a:t>40</a:t>
+              <a:t>41</a:t>
             </a:fld>
             <a:endParaRPr lang="ru-RU"/>
           </a:p>
@@ -41055,7 +41354,7 @@
 </p:sld>
 </file>
 
-<file path=ppt/slides/slide41.xml><?xml version="1.0" encoding="utf-8"?>
+<file path=ppt/slides/slide42.xml><?xml version="1.0" encoding="utf-8"?>
 <p:sld xmlns:a="http://schemas.openxmlformats.org/drawingml/2006/main" xmlns:r="http://schemas.openxmlformats.org/officeDocument/2006/relationships" xmlns:p="http://schemas.openxmlformats.org/presentationml/2006/main">
   <p:cSld>
     <p:spTree>
@@ -41141,7 +41440,7 @@
           <a:p>
             <a:fld id="{8253DDDB-F8F7-4D64-A7FD-3F3D61C1949F}" type="slidenum">
               <a:rPr lang="ru-RU" smtClean="0"/>
-              <a:t>41</a:t>
+              <a:t>42</a:t>
             </a:fld>
             <a:endParaRPr lang="ru-RU"/>
           </a:p>
@@ -41197,7 +41496,7 @@
 </p:sld>
 </file>
 
-<file path=ppt/slides/slide42.xml><?xml version="1.0" encoding="utf-8"?>
+<file path=ppt/slides/slide43.xml><?xml version="1.0" encoding="utf-8"?>
 <p:sld xmlns:a="http://schemas.openxmlformats.org/drawingml/2006/main" xmlns:r="http://schemas.openxmlformats.org/officeDocument/2006/relationships" xmlns:p="http://schemas.openxmlformats.org/presentationml/2006/main">
   <p:cSld>
     <p:spTree>
@@ -41283,7 +41582,7 @@
           <a:p>
             <a:fld id="{8253DDDB-F8F7-4D64-A7FD-3F3D61C1949F}" type="slidenum">
               <a:rPr lang="ru-RU" smtClean="0"/>
-              <a:t>42</a:t>
+              <a:t>43</a:t>
             </a:fld>
             <a:endParaRPr lang="ru-RU"/>
           </a:p>
@@ -41339,7 +41638,7 @@
 </p:sld>
 </file>
 
-<file path=ppt/slides/slide43.xml><?xml version="1.0" encoding="utf-8"?>
+<file path=ppt/slides/slide44.xml><?xml version="1.0" encoding="utf-8"?>
 <p:sld xmlns:a="http://schemas.openxmlformats.org/drawingml/2006/main" xmlns:r="http://schemas.openxmlformats.org/officeDocument/2006/relationships" xmlns:p="http://schemas.openxmlformats.org/presentationml/2006/main">
   <p:cSld>
     <p:spTree>
@@ -41411,7 +41710,7 @@
           <a:p>
             <a:fld id="{8253DDDB-F8F7-4D64-A7FD-3F3D61C1949F}" type="slidenum">
               <a:rPr lang="ru-RU" smtClean="0"/>
-              <a:t>43</a:t>
+              <a:t>44</a:t>
             </a:fld>
             <a:endParaRPr lang="ru-RU"/>
           </a:p>

--- a/Lectures/Lecture4.pptx
+++ b/Lectures/Lecture4.pptx
@@ -315,7 +315,7 @@
           <a:p>
             <a:fld id="{CBA08D16-15DC-4E25-BDC3-F25146157B16}" type="datetimeFigureOut">
               <a:rPr lang="ru-RU" smtClean="0"/>
-              <a:t>03.10.2024</a:t>
+              <a:t>22.10.2024</a:t>
             </a:fld>
             <a:endParaRPr lang="ru-RU"/>
           </a:p>
@@ -714,7 +714,7 @@
           <a:p>
             <a:fld id="{FCEC8293-DB51-454A-BE81-EC8FCB31EBA2}" type="datetime1">
               <a:rPr lang="ru-RU" smtClean="0"/>
-              <a:t>03.10.2024</a:t>
+              <a:t>22.10.2024</a:t>
             </a:fld>
             <a:endParaRPr lang="ru-RU"/>
           </a:p>
@@ -888,7 +888,7 @@
           <a:p>
             <a:fld id="{241C87B1-1C35-4DBD-BC18-2BC72E776603}" type="datetime1">
               <a:rPr lang="ru-RU" smtClean="0"/>
-              <a:t>03.10.2024</a:t>
+              <a:t>22.10.2024</a:t>
             </a:fld>
             <a:endParaRPr lang="ru-RU"/>
           </a:p>
@@ -1072,7 +1072,7 @@
           <a:p>
             <a:fld id="{3134C275-26C0-42CD-9111-9ADE65922AF9}" type="datetime1">
               <a:rPr lang="ru-RU" smtClean="0"/>
-              <a:t>03.10.2024</a:t>
+              <a:t>22.10.2024</a:t>
             </a:fld>
             <a:endParaRPr lang="ru-RU"/>
           </a:p>
@@ -1246,7 +1246,7 @@
           <a:p>
             <a:fld id="{C1A9A50B-C350-45F5-8AAB-ADB9E670AF2E}" type="datetime1">
               <a:rPr lang="ru-RU" smtClean="0"/>
-              <a:t>03.10.2024</a:t>
+              <a:t>22.10.2024</a:t>
             </a:fld>
             <a:endParaRPr lang="ru-RU"/>
           </a:p>
@@ -1496,7 +1496,7 @@
           <a:p>
             <a:fld id="{089688C9-348F-42F9-B6C0-5990DDE0C5B2}" type="datetime1">
               <a:rPr lang="ru-RU" smtClean="0"/>
-              <a:t>03.10.2024</a:t>
+              <a:t>22.10.2024</a:t>
             </a:fld>
             <a:endParaRPr lang="ru-RU"/>
           </a:p>
@@ -1732,7 +1732,7 @@
           <a:p>
             <a:fld id="{684AFD8F-6DD9-4AD3-A505-FDC3F5C5F3F6}" type="datetime1">
               <a:rPr lang="ru-RU" smtClean="0"/>
-              <a:t>03.10.2024</a:t>
+              <a:t>22.10.2024</a:t>
             </a:fld>
             <a:endParaRPr lang="ru-RU"/>
           </a:p>
@@ -2103,7 +2103,7 @@
           <a:p>
             <a:fld id="{63551EFE-4D02-45EB-A747-8B6F047B5AA0}" type="datetime1">
               <a:rPr lang="ru-RU" smtClean="0"/>
-              <a:t>03.10.2024</a:t>
+              <a:t>22.10.2024</a:t>
             </a:fld>
             <a:endParaRPr lang="ru-RU"/>
           </a:p>
@@ -2225,7 +2225,7 @@
           <a:p>
             <a:fld id="{813A9F34-E5CD-4B8F-AA9E-889C84372B20}" type="datetime1">
               <a:rPr lang="ru-RU" smtClean="0"/>
-              <a:t>03.10.2024</a:t>
+              <a:t>22.10.2024</a:t>
             </a:fld>
             <a:endParaRPr lang="ru-RU"/>
           </a:p>
@@ -2324,7 +2324,7 @@
           <a:p>
             <a:fld id="{51224D22-9B29-44A6-8E82-95FC492DEDC1}" type="datetime1">
               <a:rPr lang="ru-RU" smtClean="0"/>
-              <a:t>03.10.2024</a:t>
+              <a:t>22.10.2024</a:t>
             </a:fld>
             <a:endParaRPr lang="ru-RU"/>
           </a:p>
@@ -2605,7 +2605,7 @@
           <a:p>
             <a:fld id="{91D1034F-4441-48A1-BDC0-25EA1022324A}" type="datetime1">
               <a:rPr lang="ru-RU" smtClean="0"/>
-              <a:t>03.10.2024</a:t>
+              <a:t>22.10.2024</a:t>
             </a:fld>
             <a:endParaRPr lang="ru-RU"/>
           </a:p>
@@ -2862,7 +2862,7 @@
           <a:p>
             <a:fld id="{B0FFDE79-B627-473B-AE17-4C65BD2495F7}" type="datetime1">
               <a:rPr lang="ru-RU" smtClean="0"/>
-              <a:t>03.10.2024</a:t>
+              <a:t>22.10.2024</a:t>
             </a:fld>
             <a:endParaRPr lang="ru-RU"/>
           </a:p>
@@ -3079,7 +3079,7 @@
           <a:p>
             <a:fld id="{11CA537A-1B8C-47BA-9BA6-7CE3FAFDA8BE}" type="datetime1">
               <a:rPr lang="ru-RU" smtClean="0"/>
-              <a:t>03.10.2024</a:t>
+              <a:t>22.10.2024</a:t>
             </a:fld>
             <a:endParaRPr lang="ru-RU"/>
           </a:p>
@@ -3577,11 +3577,7 @@
           <a:p>
             <a:r>
               <a:rPr lang="ru-RU" dirty="0" smtClean="0"/>
-              <a:t>МИФИ </a:t>
-            </a:r>
-            <a:r>
-              <a:rPr lang="ru-RU" dirty="0" smtClean="0"/>
-              <a:t>202</a:t>
+              <a:t>МИФИ 202</a:t>
             </a:r>
             <a:r>
               <a:rPr lang="en-US" dirty="0"/>
@@ -25006,8 +25002,8 @@
           </a:p>
         </p:txBody>
       </p:sp>
-      <mc:AlternateContent xmlns:mc="http://schemas.openxmlformats.org/markup-compatibility/2006" xmlns:a14="http://schemas.microsoft.com/office/drawing/2010/main">
-        <mc:Choice Requires="a14">
+      <mc:AlternateContent xmlns:mc="http://schemas.openxmlformats.org/markup-compatibility/2006">
+        <mc:Choice xmlns:a14="http://schemas.microsoft.com/office/drawing/2010/main" Requires="a14">
           <p:sp>
             <p:nvSpPr>
               <p:cNvPr id="3" name="Объект 2"/>
@@ -25027,11 +25023,11 @@
                   <a:buNone/>
                 </a:pPr>
                 <a:r>
-                  <a:rPr lang="ru-RU" b="1" dirty="0" smtClean="0"/>
+                  <a:rPr lang="ru-RU" b="1" dirty="0"/>
                   <a:t>Теорема 4.1. </a:t>
                 </a:r>
                 <a:r>
-                  <a:rPr lang="ru-RU" dirty="0" smtClean="0"/>
+                  <a:rPr lang="ru-RU" dirty="0"/>
                   <a:t>Пусть</a:t>
                 </a:r>
                 <a:r>
@@ -25135,7 +25131,49 @@
                 </a14:m>
                 <a:r>
                   <a:rPr lang="ru-RU" dirty="0"/>
-                  <a:t> – стойкий, то </a:t>
+                  <a:t> – стойкий,</a:t>
+                </a:r>
+                <a:r>
+                  <a:rPr lang="en-US" dirty="0"/>
+                  <a:t> </a:t>
+                </a:r>
+                <a14:m>
+                  <m:oMath xmlns:m="http://schemas.openxmlformats.org/officeDocument/2006/math">
+                    <m:r>
+                      <a:rPr lang="en-US" i="1" dirty="0">
+                        <a:latin typeface="Cambria Math" panose="02040503050406030204" pitchFamily="18" charset="0"/>
+                      </a:rPr>
+                      <m:t>|</m:t>
+                    </m:r>
+                    <m:r>
+                      <a:rPr lang="en-US" i="1" dirty="0">
+                        <a:latin typeface="Cambria Math" panose="02040503050406030204" pitchFamily="18" charset="0"/>
+                      </a:rPr>
+                      <m:t>𝑋</m:t>
+                    </m:r>
+                    <m:r>
+                      <a:rPr lang="en-US" i="1" dirty="0">
+                        <a:latin typeface="Cambria Math" panose="02040503050406030204" pitchFamily="18" charset="0"/>
+                      </a:rPr>
+                      <m:t>|</m:t>
+                    </m:r>
+                  </m:oMath>
+                </a14:m>
+                <a:r>
+                  <a:rPr lang="en-US" dirty="0"/>
+                  <a:t> -</a:t>
+                </a:r>
+                <a:r>
+                  <a:rPr lang="ru-RU" dirty="0"/>
+                  <a:t> </a:t>
+                </a:r>
+                <a:r>
+                  <a:rPr lang="ru-RU" dirty="0" err="1"/>
+                  <a:t>сверх-полиномиальная</a:t>
+                </a:r>
+                <a:r>
+                  <a:rPr lang="ru-RU" dirty="0"/>
+                  <a:t>, то </a:t>
                 </a:r>
                 <a14:m>
                   <m:oMath xmlns:m="http://schemas.openxmlformats.org/officeDocument/2006/math">
@@ -25469,7 +25507,7 @@
             </p:txBody>
           </p:sp>
         </mc:Choice>
-        <mc:Fallback xmlns="">
+        <mc:Fallback>
           <p:sp>
             <p:nvSpPr>
               <p:cNvPr id="3" name="Объект 2"/>
@@ -25481,7 +25519,7 @@
               </p:nvPr>
             </p:nvSpPr>
             <p:spPr>
-              <a:blipFill>
+              <a:blipFill rotWithShape="0">
                 <a:blip r:embed="rId2"/>
                 <a:stretch>
                   <a:fillRect l="-1043" t="-2101"/>

--- a/Lectures/Lecture4.pptx
+++ b/Lectures/Lecture4.pptx
@@ -315,7 +315,7 @@
           <a:p>
             <a:fld id="{CBA08D16-15DC-4E25-BDC3-F25146157B16}" type="datetimeFigureOut">
               <a:rPr lang="ru-RU" smtClean="0"/>
-              <a:t>22.10.2024</a:t>
+              <a:t>01.10.2025</a:t>
             </a:fld>
             <a:endParaRPr lang="ru-RU"/>
           </a:p>
@@ -379,38 +379,37 @@
           <a:p>
             <a:pPr lvl="0"/>
             <a:r>
-              <a:rPr lang="ru-RU" smtClean="0"/>
+              <a:rPr lang="ru-RU"/>
               <a:t>Образец текста</a:t>
             </a:r>
           </a:p>
           <a:p>
             <a:pPr lvl="1"/>
             <a:r>
-              <a:rPr lang="ru-RU" smtClean="0"/>
+              <a:rPr lang="ru-RU"/>
               <a:t>Второй уровень</a:t>
             </a:r>
           </a:p>
           <a:p>
             <a:pPr lvl="2"/>
             <a:r>
-              <a:rPr lang="ru-RU" smtClean="0"/>
+              <a:rPr lang="ru-RU"/>
               <a:t>Третий уровень</a:t>
             </a:r>
           </a:p>
           <a:p>
             <a:pPr lvl="3"/>
             <a:r>
-              <a:rPr lang="ru-RU" smtClean="0"/>
+              <a:rPr lang="ru-RU"/>
               <a:t>Четвертый уровень</a:t>
             </a:r>
           </a:p>
           <a:p>
             <a:pPr lvl="4"/>
             <a:r>
-              <a:rPr lang="ru-RU" smtClean="0"/>
+              <a:rPr lang="ru-RU"/>
               <a:t>Пятый уровень</a:t>
             </a:r>
-            <a:endParaRPr lang="ru-RU"/>
           </a:p>
         </p:txBody>
       </p:sp>
@@ -625,10 +624,9 @@
           </a:lstStyle>
           <a:p>
             <a:r>
-              <a:rPr lang="ru-RU" smtClean="0"/>
+              <a:rPr lang="ru-RU"/>
               <a:t>Образец заголовка</a:t>
             </a:r>
-            <a:endParaRPr lang="ru-RU"/>
           </a:p>
         </p:txBody>
       </p:sp>
@@ -690,10 +688,9 @@
           </a:lstStyle>
           <a:p>
             <a:r>
-              <a:rPr lang="ru-RU" smtClean="0"/>
+              <a:rPr lang="ru-RU"/>
               <a:t>Образец подзаголовка</a:t>
             </a:r>
-            <a:endParaRPr lang="ru-RU"/>
           </a:p>
         </p:txBody>
       </p:sp>
@@ -714,7 +711,7 @@
           <a:p>
             <a:fld id="{FCEC8293-DB51-454A-BE81-EC8FCB31EBA2}" type="datetime1">
               <a:rPr lang="ru-RU" smtClean="0"/>
-              <a:t>22.10.2024</a:t>
+              <a:t>01.10.2025</a:t>
             </a:fld>
             <a:endParaRPr lang="ru-RU"/>
           </a:p>
@@ -736,10 +733,9 @@
           <a:lstStyle/>
           <a:p>
             <a:r>
-              <a:rPr lang="ru-RU" smtClean="0"/>
+              <a:rPr lang="ru-RU"/>
               <a:t>Артём Макаров</a:t>
             </a:r>
-            <a:endParaRPr lang="ru-RU"/>
           </a:p>
         </p:txBody>
       </p:sp>
@@ -812,10 +808,9 @@
           <a:lstStyle/>
           <a:p>
             <a:r>
-              <a:rPr lang="ru-RU" smtClean="0"/>
+              <a:rPr lang="ru-RU"/>
               <a:t>Образец заголовка</a:t>
             </a:r>
-            <a:endParaRPr lang="ru-RU"/>
           </a:p>
         </p:txBody>
       </p:sp>
@@ -836,38 +831,37 @@
           <a:p>
             <a:pPr lvl="0"/>
             <a:r>
-              <a:rPr lang="ru-RU" smtClean="0"/>
+              <a:rPr lang="ru-RU"/>
               <a:t>Образец текста</a:t>
             </a:r>
           </a:p>
           <a:p>
             <a:pPr lvl="1"/>
             <a:r>
-              <a:rPr lang="ru-RU" smtClean="0"/>
+              <a:rPr lang="ru-RU"/>
               <a:t>Второй уровень</a:t>
             </a:r>
           </a:p>
           <a:p>
             <a:pPr lvl="2"/>
             <a:r>
-              <a:rPr lang="ru-RU" smtClean="0"/>
+              <a:rPr lang="ru-RU"/>
               <a:t>Третий уровень</a:t>
             </a:r>
           </a:p>
           <a:p>
             <a:pPr lvl="3"/>
             <a:r>
-              <a:rPr lang="ru-RU" smtClean="0"/>
+              <a:rPr lang="ru-RU"/>
               <a:t>Четвертый уровень</a:t>
             </a:r>
           </a:p>
           <a:p>
             <a:pPr lvl="4"/>
             <a:r>
-              <a:rPr lang="ru-RU" smtClean="0"/>
+              <a:rPr lang="ru-RU"/>
               <a:t>Пятый уровень</a:t>
             </a:r>
-            <a:endParaRPr lang="ru-RU"/>
           </a:p>
         </p:txBody>
       </p:sp>
@@ -888,7 +882,7 @@
           <a:p>
             <a:fld id="{241C87B1-1C35-4DBD-BC18-2BC72E776603}" type="datetime1">
               <a:rPr lang="ru-RU" smtClean="0"/>
-              <a:t>22.10.2024</a:t>
+              <a:t>01.10.2025</a:t>
             </a:fld>
             <a:endParaRPr lang="ru-RU"/>
           </a:p>
@@ -910,10 +904,9 @@
           <a:lstStyle/>
           <a:p>
             <a:r>
-              <a:rPr lang="ru-RU" smtClean="0"/>
+              <a:rPr lang="ru-RU"/>
               <a:t>Артём Макаров</a:t>
             </a:r>
-            <a:endParaRPr lang="ru-RU"/>
           </a:p>
         </p:txBody>
       </p:sp>
@@ -991,10 +984,9 @@
           <a:lstStyle/>
           <a:p>
             <a:r>
-              <a:rPr lang="ru-RU" smtClean="0"/>
+              <a:rPr lang="ru-RU"/>
               <a:t>Образец заголовка</a:t>
             </a:r>
-            <a:endParaRPr lang="ru-RU"/>
           </a:p>
         </p:txBody>
       </p:sp>
@@ -1020,38 +1012,37 @@
           <a:p>
             <a:pPr lvl="0"/>
             <a:r>
-              <a:rPr lang="ru-RU" smtClean="0"/>
+              <a:rPr lang="ru-RU"/>
               <a:t>Образец текста</a:t>
             </a:r>
           </a:p>
           <a:p>
             <a:pPr lvl="1"/>
             <a:r>
-              <a:rPr lang="ru-RU" smtClean="0"/>
+              <a:rPr lang="ru-RU"/>
               <a:t>Второй уровень</a:t>
             </a:r>
           </a:p>
           <a:p>
             <a:pPr lvl="2"/>
             <a:r>
-              <a:rPr lang="ru-RU" smtClean="0"/>
+              <a:rPr lang="ru-RU"/>
               <a:t>Третий уровень</a:t>
             </a:r>
           </a:p>
           <a:p>
             <a:pPr lvl="3"/>
             <a:r>
-              <a:rPr lang="ru-RU" smtClean="0"/>
+              <a:rPr lang="ru-RU"/>
               <a:t>Четвертый уровень</a:t>
             </a:r>
           </a:p>
           <a:p>
             <a:pPr lvl="4"/>
             <a:r>
-              <a:rPr lang="ru-RU" smtClean="0"/>
+              <a:rPr lang="ru-RU"/>
               <a:t>Пятый уровень</a:t>
             </a:r>
-            <a:endParaRPr lang="ru-RU"/>
           </a:p>
         </p:txBody>
       </p:sp>
@@ -1072,7 +1063,7 @@
           <a:p>
             <a:fld id="{3134C275-26C0-42CD-9111-9ADE65922AF9}" type="datetime1">
               <a:rPr lang="ru-RU" smtClean="0"/>
-              <a:t>22.10.2024</a:t>
+              <a:t>01.10.2025</a:t>
             </a:fld>
             <a:endParaRPr lang="ru-RU"/>
           </a:p>
@@ -1094,10 +1085,9 @@
           <a:lstStyle/>
           <a:p>
             <a:r>
-              <a:rPr lang="ru-RU" smtClean="0"/>
+              <a:rPr lang="ru-RU"/>
               <a:t>Артём Макаров</a:t>
             </a:r>
-            <a:endParaRPr lang="ru-RU"/>
           </a:p>
         </p:txBody>
       </p:sp>
@@ -1170,10 +1160,9 @@
           <a:lstStyle/>
           <a:p>
             <a:r>
-              <a:rPr lang="ru-RU" smtClean="0"/>
+              <a:rPr lang="ru-RU"/>
               <a:t>Образец заголовка</a:t>
             </a:r>
-            <a:endParaRPr lang="ru-RU"/>
           </a:p>
         </p:txBody>
       </p:sp>
@@ -1194,38 +1183,37 @@
           <a:p>
             <a:pPr lvl="0"/>
             <a:r>
-              <a:rPr lang="ru-RU" dirty="0" smtClean="0"/>
+              <a:rPr lang="ru-RU" dirty="0"/>
               <a:t>Образец текста</a:t>
             </a:r>
           </a:p>
           <a:p>
             <a:pPr lvl="1"/>
             <a:r>
-              <a:rPr lang="ru-RU" dirty="0" smtClean="0"/>
+              <a:rPr lang="ru-RU" dirty="0"/>
               <a:t>Второй уровень</a:t>
             </a:r>
           </a:p>
           <a:p>
             <a:pPr lvl="2"/>
             <a:r>
-              <a:rPr lang="ru-RU" dirty="0" smtClean="0"/>
+              <a:rPr lang="ru-RU" dirty="0"/>
               <a:t>Третий уровень</a:t>
             </a:r>
           </a:p>
           <a:p>
             <a:pPr lvl="3"/>
             <a:r>
-              <a:rPr lang="ru-RU" dirty="0" smtClean="0"/>
+              <a:rPr lang="ru-RU" dirty="0"/>
               <a:t>Четвертый уровень</a:t>
             </a:r>
           </a:p>
           <a:p>
             <a:pPr lvl="4"/>
             <a:r>
-              <a:rPr lang="ru-RU" dirty="0" smtClean="0"/>
+              <a:rPr lang="ru-RU" dirty="0"/>
               <a:t>Пятый уровень</a:t>
             </a:r>
-            <a:endParaRPr lang="ru-RU" dirty="0"/>
           </a:p>
         </p:txBody>
       </p:sp>
@@ -1246,7 +1234,7 @@
           <a:p>
             <a:fld id="{C1A9A50B-C350-45F5-8AAB-ADB9E670AF2E}" type="datetime1">
               <a:rPr lang="ru-RU" smtClean="0"/>
-              <a:t>22.10.2024</a:t>
+              <a:t>01.10.2025</a:t>
             </a:fld>
             <a:endParaRPr lang="ru-RU"/>
           </a:p>
@@ -1268,10 +1256,9 @@
           <a:lstStyle/>
           <a:p>
             <a:r>
-              <a:rPr lang="ru-RU" smtClean="0"/>
+              <a:rPr lang="ru-RU"/>
               <a:t>Артём Макаров</a:t>
             </a:r>
-            <a:endParaRPr lang="ru-RU"/>
           </a:p>
         </p:txBody>
       </p:sp>
@@ -1353,10 +1340,9 @@
           </a:lstStyle>
           <a:p>
             <a:r>
-              <a:rPr lang="ru-RU" smtClean="0"/>
+              <a:rPr lang="ru-RU"/>
               <a:t>Образец заголовка</a:t>
             </a:r>
-            <a:endParaRPr lang="ru-RU"/>
           </a:p>
         </p:txBody>
       </p:sp>
@@ -1473,7 +1459,7 @@
           <a:p>
             <a:pPr lvl="0"/>
             <a:r>
-              <a:rPr lang="ru-RU" smtClean="0"/>
+              <a:rPr lang="ru-RU"/>
               <a:t>Образец текста</a:t>
             </a:r>
           </a:p>
@@ -1496,7 +1482,7 @@
           <a:p>
             <a:fld id="{089688C9-348F-42F9-B6C0-5990DDE0C5B2}" type="datetime1">
               <a:rPr lang="ru-RU" smtClean="0"/>
-              <a:t>22.10.2024</a:t>
+              <a:t>01.10.2025</a:t>
             </a:fld>
             <a:endParaRPr lang="ru-RU"/>
           </a:p>
@@ -1518,10 +1504,9 @@
           <a:lstStyle/>
           <a:p>
             <a:r>
-              <a:rPr lang="ru-RU" smtClean="0"/>
+              <a:rPr lang="ru-RU"/>
               <a:t>Артём Макаров</a:t>
             </a:r>
-            <a:endParaRPr lang="ru-RU"/>
           </a:p>
         </p:txBody>
       </p:sp>
@@ -1594,10 +1579,9 @@
           <a:lstStyle/>
           <a:p>
             <a:r>
-              <a:rPr lang="ru-RU" smtClean="0"/>
+              <a:rPr lang="ru-RU"/>
               <a:t>Образец заголовка</a:t>
             </a:r>
-            <a:endParaRPr lang="ru-RU"/>
           </a:p>
         </p:txBody>
       </p:sp>
@@ -1623,38 +1607,37 @@
           <a:p>
             <a:pPr lvl="0"/>
             <a:r>
-              <a:rPr lang="ru-RU" smtClean="0"/>
+              <a:rPr lang="ru-RU"/>
               <a:t>Образец текста</a:t>
             </a:r>
           </a:p>
           <a:p>
             <a:pPr lvl="1"/>
             <a:r>
-              <a:rPr lang="ru-RU" smtClean="0"/>
+              <a:rPr lang="ru-RU"/>
               <a:t>Второй уровень</a:t>
             </a:r>
           </a:p>
           <a:p>
             <a:pPr lvl="2"/>
             <a:r>
-              <a:rPr lang="ru-RU" smtClean="0"/>
+              <a:rPr lang="ru-RU"/>
               <a:t>Третий уровень</a:t>
             </a:r>
           </a:p>
           <a:p>
             <a:pPr lvl="3"/>
             <a:r>
-              <a:rPr lang="ru-RU" smtClean="0"/>
+              <a:rPr lang="ru-RU"/>
               <a:t>Четвертый уровень</a:t>
             </a:r>
           </a:p>
           <a:p>
             <a:pPr lvl="4"/>
             <a:r>
-              <a:rPr lang="ru-RU" smtClean="0"/>
+              <a:rPr lang="ru-RU"/>
               <a:t>Пятый уровень</a:t>
             </a:r>
-            <a:endParaRPr lang="ru-RU"/>
           </a:p>
         </p:txBody>
       </p:sp>
@@ -1680,38 +1663,37 @@
           <a:p>
             <a:pPr lvl="0"/>
             <a:r>
-              <a:rPr lang="ru-RU" smtClean="0"/>
+              <a:rPr lang="ru-RU"/>
               <a:t>Образец текста</a:t>
             </a:r>
           </a:p>
           <a:p>
             <a:pPr lvl="1"/>
             <a:r>
-              <a:rPr lang="ru-RU" smtClean="0"/>
+              <a:rPr lang="ru-RU"/>
               <a:t>Второй уровень</a:t>
             </a:r>
           </a:p>
           <a:p>
             <a:pPr lvl="2"/>
             <a:r>
-              <a:rPr lang="ru-RU" smtClean="0"/>
+              <a:rPr lang="ru-RU"/>
               <a:t>Третий уровень</a:t>
             </a:r>
           </a:p>
           <a:p>
             <a:pPr lvl="3"/>
             <a:r>
-              <a:rPr lang="ru-RU" smtClean="0"/>
+              <a:rPr lang="ru-RU"/>
               <a:t>Четвертый уровень</a:t>
             </a:r>
           </a:p>
           <a:p>
             <a:pPr lvl="4"/>
             <a:r>
-              <a:rPr lang="ru-RU" smtClean="0"/>
+              <a:rPr lang="ru-RU"/>
               <a:t>Пятый уровень</a:t>
             </a:r>
-            <a:endParaRPr lang="ru-RU"/>
           </a:p>
         </p:txBody>
       </p:sp>
@@ -1732,7 +1714,7 @@
           <a:p>
             <a:fld id="{684AFD8F-6DD9-4AD3-A505-FDC3F5C5F3F6}" type="datetime1">
               <a:rPr lang="ru-RU" smtClean="0"/>
-              <a:t>22.10.2024</a:t>
+              <a:t>01.10.2025</a:t>
             </a:fld>
             <a:endParaRPr lang="ru-RU"/>
           </a:p>
@@ -1754,10 +1736,9 @@
           <a:lstStyle/>
           <a:p>
             <a:r>
-              <a:rPr lang="ru-RU" smtClean="0"/>
+              <a:rPr lang="ru-RU"/>
               <a:t>Артём Макаров</a:t>
             </a:r>
-            <a:endParaRPr lang="ru-RU"/>
           </a:p>
         </p:txBody>
       </p:sp>
@@ -1835,10 +1816,9 @@
           <a:lstStyle/>
           <a:p>
             <a:r>
-              <a:rPr lang="ru-RU" smtClean="0"/>
+              <a:rPr lang="ru-RU"/>
               <a:t>Образец заголовка</a:t>
             </a:r>
-            <a:endParaRPr lang="ru-RU"/>
           </a:p>
         </p:txBody>
       </p:sp>
@@ -1901,7 +1881,7 @@
           <a:p>
             <a:pPr lvl="0"/>
             <a:r>
-              <a:rPr lang="ru-RU" dirty="0" smtClean="0"/>
+              <a:rPr lang="ru-RU" dirty="0"/>
               <a:t>Образец текста</a:t>
             </a:r>
           </a:p>
@@ -1929,38 +1909,37 @@
           <a:p>
             <a:pPr lvl="0"/>
             <a:r>
-              <a:rPr lang="ru-RU" dirty="0" smtClean="0"/>
+              <a:rPr lang="ru-RU" dirty="0"/>
               <a:t>Образец текста</a:t>
             </a:r>
           </a:p>
           <a:p>
             <a:pPr lvl="1"/>
             <a:r>
-              <a:rPr lang="ru-RU" dirty="0" smtClean="0"/>
+              <a:rPr lang="ru-RU" dirty="0"/>
               <a:t>Второй уровень</a:t>
             </a:r>
           </a:p>
           <a:p>
             <a:pPr lvl="2"/>
             <a:r>
-              <a:rPr lang="ru-RU" dirty="0" smtClean="0"/>
+              <a:rPr lang="ru-RU" dirty="0"/>
               <a:t>Третий уровень</a:t>
             </a:r>
           </a:p>
           <a:p>
             <a:pPr lvl="3"/>
             <a:r>
-              <a:rPr lang="ru-RU" dirty="0" smtClean="0"/>
+              <a:rPr lang="ru-RU" dirty="0"/>
               <a:t>Четвертый уровень</a:t>
             </a:r>
           </a:p>
           <a:p>
             <a:pPr lvl="4"/>
             <a:r>
-              <a:rPr lang="ru-RU" dirty="0" smtClean="0"/>
+              <a:rPr lang="ru-RU" dirty="0"/>
               <a:t>Пятый уровень</a:t>
             </a:r>
-            <a:endParaRPr lang="ru-RU" dirty="0"/>
           </a:p>
         </p:txBody>
       </p:sp>
@@ -2023,7 +2002,7 @@
           <a:p>
             <a:pPr lvl="0"/>
             <a:r>
-              <a:rPr lang="ru-RU" smtClean="0"/>
+              <a:rPr lang="ru-RU"/>
               <a:t>Образец текста</a:t>
             </a:r>
           </a:p>
@@ -2051,38 +2030,37 @@
           <a:p>
             <a:pPr lvl="0"/>
             <a:r>
-              <a:rPr lang="ru-RU" smtClean="0"/>
+              <a:rPr lang="ru-RU"/>
               <a:t>Образец текста</a:t>
             </a:r>
           </a:p>
           <a:p>
             <a:pPr lvl="1"/>
             <a:r>
-              <a:rPr lang="ru-RU" smtClean="0"/>
+              <a:rPr lang="ru-RU"/>
               <a:t>Второй уровень</a:t>
             </a:r>
           </a:p>
           <a:p>
             <a:pPr lvl="2"/>
             <a:r>
-              <a:rPr lang="ru-RU" smtClean="0"/>
+              <a:rPr lang="ru-RU"/>
               <a:t>Третий уровень</a:t>
             </a:r>
           </a:p>
           <a:p>
             <a:pPr lvl="3"/>
             <a:r>
-              <a:rPr lang="ru-RU" smtClean="0"/>
+              <a:rPr lang="ru-RU"/>
               <a:t>Четвертый уровень</a:t>
             </a:r>
           </a:p>
           <a:p>
             <a:pPr lvl="4"/>
             <a:r>
-              <a:rPr lang="ru-RU" smtClean="0"/>
+              <a:rPr lang="ru-RU"/>
               <a:t>Пятый уровень</a:t>
             </a:r>
-            <a:endParaRPr lang="ru-RU"/>
           </a:p>
         </p:txBody>
       </p:sp>
@@ -2103,7 +2081,7 @@
           <a:p>
             <a:fld id="{63551EFE-4D02-45EB-A747-8B6F047B5AA0}" type="datetime1">
               <a:rPr lang="ru-RU" smtClean="0"/>
-              <a:t>22.10.2024</a:t>
+              <a:t>01.10.2025</a:t>
             </a:fld>
             <a:endParaRPr lang="ru-RU"/>
           </a:p>
@@ -2125,10 +2103,9 @@
           <a:lstStyle/>
           <a:p>
             <a:r>
-              <a:rPr lang="ru-RU" smtClean="0"/>
+              <a:rPr lang="ru-RU"/>
               <a:t>Артём Макаров</a:t>
             </a:r>
-            <a:endParaRPr lang="ru-RU"/>
           </a:p>
         </p:txBody>
       </p:sp>
@@ -2201,10 +2178,9 @@
           <a:lstStyle/>
           <a:p>
             <a:r>
-              <a:rPr lang="ru-RU" smtClean="0"/>
+              <a:rPr lang="ru-RU"/>
               <a:t>Образец заголовка</a:t>
             </a:r>
-            <a:endParaRPr lang="ru-RU"/>
           </a:p>
         </p:txBody>
       </p:sp>
@@ -2225,7 +2201,7 @@
           <a:p>
             <a:fld id="{813A9F34-E5CD-4B8F-AA9E-889C84372B20}" type="datetime1">
               <a:rPr lang="ru-RU" smtClean="0"/>
-              <a:t>22.10.2024</a:t>
+              <a:t>01.10.2025</a:t>
             </a:fld>
             <a:endParaRPr lang="ru-RU"/>
           </a:p>
@@ -2247,10 +2223,9 @@
           <a:lstStyle/>
           <a:p>
             <a:r>
-              <a:rPr lang="ru-RU" smtClean="0"/>
+              <a:rPr lang="ru-RU"/>
               <a:t>Артём Макаров</a:t>
             </a:r>
-            <a:endParaRPr lang="ru-RU"/>
           </a:p>
         </p:txBody>
       </p:sp>
@@ -2324,7 +2299,7 @@
           <a:p>
             <a:fld id="{51224D22-9B29-44A6-8E82-95FC492DEDC1}" type="datetime1">
               <a:rPr lang="ru-RU" smtClean="0"/>
-              <a:t>22.10.2024</a:t>
+              <a:t>01.10.2025</a:t>
             </a:fld>
             <a:endParaRPr lang="ru-RU"/>
           </a:p>
@@ -2346,10 +2321,9 @@
           <a:lstStyle/>
           <a:p>
             <a:r>
-              <a:rPr lang="ru-RU" smtClean="0"/>
+              <a:rPr lang="ru-RU"/>
               <a:t>Артём Макаров</a:t>
             </a:r>
-            <a:endParaRPr lang="ru-RU"/>
           </a:p>
         </p:txBody>
       </p:sp>
@@ -2431,10 +2405,9 @@
           </a:lstStyle>
           <a:p>
             <a:r>
-              <a:rPr lang="ru-RU" smtClean="0"/>
+              <a:rPr lang="ru-RU"/>
               <a:t>Образец заголовка</a:t>
             </a:r>
-            <a:endParaRPr lang="ru-RU"/>
           </a:p>
         </p:txBody>
       </p:sp>
@@ -2488,38 +2461,37 @@
           <a:p>
             <a:pPr lvl="0"/>
             <a:r>
-              <a:rPr lang="ru-RU" smtClean="0"/>
+              <a:rPr lang="ru-RU"/>
               <a:t>Образец текста</a:t>
             </a:r>
           </a:p>
           <a:p>
             <a:pPr lvl="1"/>
             <a:r>
-              <a:rPr lang="ru-RU" smtClean="0"/>
+              <a:rPr lang="ru-RU"/>
               <a:t>Второй уровень</a:t>
             </a:r>
           </a:p>
           <a:p>
             <a:pPr lvl="2"/>
             <a:r>
-              <a:rPr lang="ru-RU" smtClean="0"/>
+              <a:rPr lang="ru-RU"/>
               <a:t>Третий уровень</a:t>
             </a:r>
           </a:p>
           <a:p>
             <a:pPr lvl="3"/>
             <a:r>
-              <a:rPr lang="ru-RU" smtClean="0"/>
+              <a:rPr lang="ru-RU"/>
               <a:t>Четвертый уровень</a:t>
             </a:r>
           </a:p>
           <a:p>
             <a:pPr lvl="4"/>
             <a:r>
-              <a:rPr lang="ru-RU" smtClean="0"/>
+              <a:rPr lang="ru-RU"/>
               <a:t>Пятый уровень</a:t>
             </a:r>
-            <a:endParaRPr lang="ru-RU"/>
           </a:p>
         </p:txBody>
       </p:sp>
@@ -2582,7 +2554,7 @@
           <a:p>
             <a:pPr lvl="0"/>
             <a:r>
-              <a:rPr lang="ru-RU" smtClean="0"/>
+              <a:rPr lang="ru-RU"/>
               <a:t>Образец текста</a:t>
             </a:r>
           </a:p>
@@ -2605,7 +2577,7 @@
           <a:p>
             <a:fld id="{91D1034F-4441-48A1-BDC0-25EA1022324A}" type="datetime1">
               <a:rPr lang="ru-RU" smtClean="0"/>
-              <a:t>22.10.2024</a:t>
+              <a:t>01.10.2025</a:t>
             </a:fld>
             <a:endParaRPr lang="ru-RU"/>
           </a:p>
@@ -2627,10 +2599,9 @@
           <a:lstStyle/>
           <a:p>
             <a:r>
-              <a:rPr lang="ru-RU" smtClean="0"/>
+              <a:rPr lang="ru-RU"/>
               <a:t>Артём Макаров</a:t>
             </a:r>
-            <a:endParaRPr lang="ru-RU"/>
           </a:p>
         </p:txBody>
       </p:sp>
@@ -2712,10 +2683,9 @@
           </a:lstStyle>
           <a:p>
             <a:r>
-              <a:rPr lang="ru-RU" smtClean="0"/>
+              <a:rPr lang="ru-RU"/>
               <a:t>Образец заголовка</a:t>
             </a:r>
-            <a:endParaRPr lang="ru-RU"/>
           </a:p>
         </p:txBody>
       </p:sp>
@@ -2839,7 +2809,7 @@
           <a:p>
             <a:pPr lvl="0"/>
             <a:r>
-              <a:rPr lang="ru-RU" smtClean="0"/>
+              <a:rPr lang="ru-RU"/>
               <a:t>Образец текста</a:t>
             </a:r>
           </a:p>
@@ -2862,7 +2832,7 @@
           <a:p>
             <a:fld id="{B0FFDE79-B627-473B-AE17-4C65BD2495F7}" type="datetime1">
               <a:rPr lang="ru-RU" smtClean="0"/>
-              <a:t>22.10.2024</a:t>
+              <a:t>01.10.2025</a:t>
             </a:fld>
             <a:endParaRPr lang="ru-RU"/>
           </a:p>
@@ -2884,10 +2854,9 @@
           <a:lstStyle/>
           <a:p>
             <a:r>
-              <a:rPr lang="ru-RU" smtClean="0"/>
+              <a:rPr lang="ru-RU"/>
               <a:t>Артём Макаров</a:t>
             </a:r>
-            <a:endParaRPr lang="ru-RU"/>
           </a:p>
         </p:txBody>
       </p:sp>
@@ -2975,10 +2944,9 @@
           <a:lstStyle/>
           <a:p>
             <a:r>
-              <a:rPr lang="ru-RU" dirty="0" smtClean="0"/>
+              <a:rPr lang="ru-RU" dirty="0"/>
               <a:t>Образец заголовка</a:t>
             </a:r>
-            <a:endParaRPr lang="ru-RU" dirty="0"/>
           </a:p>
         </p:txBody>
       </p:sp>
@@ -3009,38 +2977,37 @@
           <a:p>
             <a:pPr lvl="0"/>
             <a:r>
-              <a:rPr lang="ru-RU" dirty="0" smtClean="0"/>
+              <a:rPr lang="ru-RU" dirty="0"/>
               <a:t>Образец текста</a:t>
             </a:r>
           </a:p>
           <a:p>
             <a:pPr lvl="1"/>
             <a:r>
-              <a:rPr lang="ru-RU" dirty="0" smtClean="0"/>
+              <a:rPr lang="ru-RU" dirty="0"/>
               <a:t>Второй уровень</a:t>
             </a:r>
           </a:p>
           <a:p>
             <a:pPr lvl="2"/>
             <a:r>
-              <a:rPr lang="ru-RU" dirty="0" smtClean="0"/>
+              <a:rPr lang="ru-RU" dirty="0"/>
               <a:t>Третий уровень</a:t>
             </a:r>
           </a:p>
           <a:p>
             <a:pPr lvl="3"/>
             <a:r>
-              <a:rPr lang="ru-RU" dirty="0" smtClean="0"/>
+              <a:rPr lang="ru-RU" dirty="0"/>
               <a:t>Четвертый уровень</a:t>
             </a:r>
           </a:p>
           <a:p>
             <a:pPr lvl="4"/>
             <a:r>
-              <a:rPr lang="ru-RU" dirty="0" smtClean="0"/>
+              <a:rPr lang="ru-RU" dirty="0"/>
               <a:t>Пятый уровень</a:t>
             </a:r>
-            <a:endParaRPr lang="ru-RU" dirty="0"/>
           </a:p>
         </p:txBody>
       </p:sp>
@@ -3079,7 +3046,7 @@
           <a:p>
             <a:fld id="{11CA537A-1B8C-47BA-9BA6-7CE3FAFDA8BE}" type="datetime1">
               <a:rPr lang="ru-RU" smtClean="0"/>
-              <a:t>22.10.2024</a:t>
+              <a:t>01.10.2025</a:t>
             </a:fld>
             <a:endParaRPr lang="ru-RU"/>
           </a:p>
@@ -3119,10 +3086,9 @@
           </a:lstStyle>
           <a:p>
             <a:r>
-              <a:rPr lang="ru-RU" smtClean="0"/>
+              <a:rPr lang="ru-RU"/>
               <a:t>Артём Макаров</a:t>
             </a:r>
-            <a:endParaRPr lang="ru-RU"/>
           </a:p>
         </p:txBody>
       </p:sp>
@@ -3512,40 +3478,27 @@
           <a:lstStyle/>
           <a:p>
             <a:r>
-              <a:rPr lang="ru-RU" dirty="0" smtClean="0"/>
-              <a:t>Прикладная </a:t>
+              <a:rPr lang="ru-RU" dirty="0"/>
+              <a:t>Прикладная Криптография</a:t>
             </a:r>
             <a:r>
-              <a:rPr lang="ru-RU" dirty="0"/>
-              <a:t>К</a:t>
-            </a:r>
-            <a:r>
-              <a:rPr lang="ru-RU" dirty="0" smtClean="0"/>
-              <a:t>риптография</a:t>
-            </a:r>
-            <a:r>
-              <a:rPr lang="en-US" dirty="0" smtClean="0"/>
+              <a:rPr lang="en-US" dirty="0"/>
               <a:t>:</a:t>
             </a:r>
             <a:br>
-              <a:rPr lang="en-US" dirty="0" smtClean="0"/>
+              <a:rPr lang="en-US" dirty="0"/>
             </a:br>
             <a:r>
-              <a:rPr lang="ru-RU" dirty="0" smtClean="0"/>
+              <a:rPr lang="ru-RU" dirty="0"/>
               <a:t>Симметричные криптосистемы</a:t>
             </a:r>
-            <a:r>
-              <a:rPr lang="en-US" dirty="0" smtClean="0"/>
-              <a:t/>
-            </a:r>
             <a:br>
-              <a:rPr lang="en-US" dirty="0" smtClean="0"/>
+              <a:rPr lang="en-US" dirty="0"/>
             </a:br>
             <a:r>
-              <a:rPr lang="ru-RU" dirty="0" smtClean="0"/>
+              <a:rPr lang="ru-RU" dirty="0"/>
               <a:t>Блочные шифры</a:t>
             </a:r>
-            <a:endParaRPr lang="ru-RU" dirty="0"/>
           </a:p>
         </p:txBody>
       </p:sp>
@@ -3570,20 +3523,86 @@
           <a:lstStyle/>
           <a:p>
             <a:r>
-              <a:rPr lang="ru-RU" dirty="0" smtClean="0"/>
+              <a:rPr lang="ru-RU" dirty="0"/>
               <a:t>Макаров Артём </a:t>
             </a:r>
           </a:p>
           <a:p>
             <a:r>
-              <a:rPr lang="ru-RU" dirty="0" smtClean="0"/>
+              <a:rPr lang="ru-RU" dirty="0"/>
               <a:t>МИФИ 202</a:t>
             </a:r>
             <a:r>
               <a:rPr lang="en-US" dirty="0"/>
-              <a:t>4</a:t>
+              <a:t>5</a:t>
             </a:r>
             <a:endParaRPr lang="ru-RU" dirty="0"/>
+          </a:p>
+        </p:txBody>
+      </p:sp>
+      <p:pic>
+        <p:nvPicPr>
+          <p:cNvPr id="4" name="Рисунок 3">
+            <a:extLst>
+              <a:ext uri="{FF2B5EF4-FFF2-40B4-BE49-F238E27FC236}">
+                <a16:creationId xmlns:a16="http://schemas.microsoft.com/office/drawing/2014/main" id="{8AB7E4BA-410A-4BB0-9467-CF329E8B1084}"/>
+              </a:ext>
+            </a:extLst>
+          </p:cNvPr>
+          <p:cNvPicPr>
+            <a:picLocks noChangeAspect="1"/>
+          </p:cNvPicPr>
+          <p:nvPr/>
+        </p:nvPicPr>
+        <p:blipFill>
+          <a:blip r:embed="rId2"/>
+          <a:stretch>
+            <a:fillRect/>
+          </a:stretch>
+        </p:blipFill>
+        <p:spPr>
+          <a:xfrm>
+            <a:off x="10006584" y="2475357"/>
+            <a:ext cx="1524000" cy="1504950"/>
+          </a:xfrm>
+          <a:prstGeom prst="rect">
+            <a:avLst/>
+          </a:prstGeom>
+        </p:spPr>
+      </p:pic>
+      <p:sp>
+        <p:nvSpPr>
+          <p:cNvPr id="5" name="TextBox 4">
+            <a:extLst>
+              <a:ext uri="{FF2B5EF4-FFF2-40B4-BE49-F238E27FC236}">
+                <a16:creationId xmlns:a16="http://schemas.microsoft.com/office/drawing/2014/main" id="{8C07301C-C8CD-4B86-9C74-7317EB3AC0BA}"/>
+              </a:ext>
+            </a:extLst>
+          </p:cNvPr>
+          <p:cNvSpPr txBox="1"/>
+          <p:nvPr/>
+        </p:nvSpPr>
+        <p:spPr>
+          <a:xfrm>
+            <a:off x="9800844" y="3980307"/>
+            <a:ext cx="1935480" cy="646331"/>
+          </a:xfrm>
+          <a:prstGeom prst="rect">
+            <a:avLst/>
+          </a:prstGeom>
+          <a:noFill/>
+        </p:spPr>
+        <p:txBody>
+          <a:bodyPr wrap="square" rtlCol="0">
+            <a:spAutoFit/>
+          </a:bodyPr>
+          <a:lstStyle/>
+          <a:p>
+            <a:pPr algn="ctr"/>
+            <a:r>
+              <a:rPr lang="ru-RU" dirty="0"/>
+              <a:t>Плейлист в ожидании пары</a:t>
+            </a:r>
           </a:p>
         </p:txBody>
       </p:sp>
@@ -3597,13 +3616,6 @@
   <p:clrMapOvr>
     <a:masterClrMapping/>
   </p:clrMapOvr>
-  <p:timing>
-    <p:tnLst>
-      <p:par>
-        <p:cTn id="1" dur="indefinite" restart="never" nodeType="tmRoot"/>
-      </p:par>
-    </p:tnLst>
-  </p:timing>
 </p:sld>
 </file>
 
@@ -3640,10 +3652,9 @@
           <a:lstStyle/>
           <a:p>
             <a:r>
-              <a:rPr lang="ru-RU" dirty="0" smtClean="0"/>
+              <a:rPr lang="ru-RU" dirty="0"/>
               <a:t>Пример</a:t>
             </a:r>
-            <a:endParaRPr lang="ru-RU" dirty="0"/>
           </a:p>
         </p:txBody>
       </p:sp>
@@ -3668,7 +3679,7 @@
                   <a:buNone/>
                 </a:pPr>
                 <a:r>
-                  <a:rPr lang="ru-RU" dirty="0" smtClean="0"/>
+                  <a:rPr lang="ru-RU" dirty="0"/>
                   <a:t>Пусть </a:t>
                 </a:r>
                 <a14:m>
@@ -3750,19 +3761,19 @@
                   </m:oMath>
                 </a14:m>
                 <a:r>
-                  <a:rPr lang="en-US" dirty="0" smtClean="0"/>
+                  <a:rPr lang="en-US" dirty="0"/>
                   <a:t> </a:t>
                 </a:r>
                 <a:r>
-                  <a:rPr lang="ru-RU" dirty="0" smtClean="0"/>
+                  <a:rPr lang="ru-RU" dirty="0"/>
                   <a:t>стойкая </a:t>
                 </a:r>
                 <a:r>
-                  <a:rPr lang="en-US" dirty="0" smtClean="0"/>
+                  <a:rPr lang="en-US" dirty="0"/>
                   <a:t>PRF</a:t>
                 </a:r>
                 <a:r>
-                  <a:rPr lang="ru-RU" dirty="0" smtClean="0"/>
+                  <a:rPr lang="ru-RU" dirty="0"/>
                   <a:t>.</a:t>
                 </a:r>
               </a:p>
@@ -3777,7 +3788,7 @@
                   <a:buNone/>
                 </a:pPr>
                 <a:r>
-                  <a:rPr lang="ru-RU" dirty="0" smtClean="0"/>
+                  <a:rPr lang="ru-RU" dirty="0"/>
                   <a:t>Является </a:t>
                 </a:r>
                 <a14:m>
@@ -3859,11 +3870,11 @@
                   </m:oMath>
                 </a14:m>
                 <a:r>
-                  <a:rPr lang="ru-RU" dirty="0" smtClean="0"/>
+                  <a:rPr lang="ru-RU" dirty="0"/>
                   <a:t>ли стойкой </a:t>
                 </a:r>
                 <a:r>
-                  <a:rPr lang="en-US" dirty="0" smtClean="0"/>
+                  <a:rPr lang="en-US" dirty="0"/>
                   <a:t>PRF?</a:t>
                 </a:r>
               </a:p>
@@ -4082,7 +4093,7 @@
                     </m:oMath>
                   </m:oMathPara>
                 </a14:m>
-                <a:endParaRPr lang="ru-RU" dirty="0" smtClean="0"/>
+                <a:endParaRPr lang="ru-RU" dirty="0"/>
               </a:p>
               <a:p>
                 <a:pPr marL="0" indent="0">
@@ -4095,7 +4106,7 @@
                   <a:buNone/>
                 </a:pPr>
                 <a:r>
-                  <a:rPr lang="ru-RU" dirty="0" smtClean="0"/>
+                  <a:rPr lang="ru-RU" dirty="0"/>
                   <a:t>Нет, не является. </a:t>
                 </a:r>
                 <a14:m>
@@ -4115,11 +4126,11 @@
                   </m:oMath>
                 </a14:m>
                 <a:r>
-                  <a:rPr lang="en-US" dirty="0" smtClean="0"/>
+                  <a:rPr lang="en-US" dirty="0"/>
                   <a:t> </a:t>
                 </a:r>
                 <a:r>
-                  <a:rPr lang="ru-RU" dirty="0" smtClean="0"/>
+                  <a:rPr lang="ru-RU" dirty="0"/>
                   <a:t>передаёт сообщение </a:t>
                 </a:r>
                 <a14:m>
@@ -4139,15 +4150,15 @@
                   </m:oMath>
                 </a14:m>
                 <a:r>
-                  <a:rPr lang="ru-RU" dirty="0" smtClean="0"/>
+                  <a:rPr lang="ru-RU" dirty="0"/>
                   <a:t>, возвращает 0, если</a:t>
                 </a:r>
                 <a:r>
-                  <a:rPr lang="en-US" dirty="0" smtClean="0"/>
+                  <a:rPr lang="en-US" dirty="0"/>
                   <a:t> </a:t>
                 </a:r>
                 <a:r>
-                  <a:rPr lang="ru-RU" dirty="0" smtClean="0"/>
+                  <a:rPr lang="ru-RU" dirty="0"/>
                   <a:t>ответ претендента </a:t>
                 </a:r>
                 <a14:m>
@@ -4180,7 +4191,7 @@
                   </m:oMath>
                 </a14:m>
                 <a:r>
-                  <a:rPr lang="ru-RU" dirty="0" smtClean="0"/>
+                  <a:rPr lang="ru-RU" dirty="0"/>
                   <a:t>, иначе 1. </a:t>
                 </a:r>
                 <a14:m>
@@ -4383,13 +4394,6 @@
   <p:clrMapOvr>
     <a:masterClrMapping/>
   </p:clrMapOvr>
-  <p:timing>
-    <p:tnLst>
-      <p:par>
-        <p:cTn id="1" dur="indefinite" restart="never" nodeType="tmRoot"/>
-      </p:par>
-    </p:tnLst>
-  </p:timing>
 </p:sld>
 </file>
 
@@ -4426,16 +4430,12 @@
           <a:lstStyle/>
           <a:p>
             <a:r>
-              <a:rPr lang="ru-RU" dirty="0" smtClean="0"/>
+              <a:rPr lang="ru-RU" dirty="0"/>
               <a:t>Игра на стойкость</a:t>
             </a:r>
             <a:r>
               <a:rPr lang="en-US" dirty="0"/>
-              <a:t> </a:t>
-            </a:r>
-            <a:r>
-              <a:rPr lang="en-US" dirty="0" smtClean="0"/>
-              <a:t>PRP</a:t>
+              <a:t> PRP</a:t>
             </a:r>
             <a:endParaRPr lang="ru-RU" dirty="0"/>
           </a:p>
@@ -4469,25 +4469,25 @@
                   <a:buNone/>
                 </a:pPr>
                 <a:r>
-                  <a:rPr lang="ru-RU" dirty="0" smtClean="0"/>
+                  <a:rPr lang="ru-RU" dirty="0"/>
                   <a:t>Строится аналогично игре на </a:t>
                 </a:r>
                 <a:r>
-                  <a:rPr lang="en-US" dirty="0" smtClean="0"/>
+                  <a:rPr lang="en-US" dirty="0"/>
                   <a:t>PRF</a:t>
                 </a:r>
                 <a:r>
-                  <a:rPr lang="ru-RU" dirty="0" smtClean="0"/>
+                  <a:rPr lang="ru-RU" dirty="0"/>
                   <a:t>, но для подстановок.</a:t>
                 </a:r>
-                <a:endParaRPr lang="en-US" dirty="0" smtClean="0"/>
+                <a:endParaRPr lang="en-US" dirty="0"/>
               </a:p>
               <a:p>
                 <a:pPr marL="0" indent="0">
                   <a:buNone/>
                 </a:pPr>
                 <a:r>
-                  <a:rPr lang="ru-RU" dirty="0" smtClean="0"/>
+                  <a:rPr lang="ru-RU" dirty="0"/>
                   <a:t>Для </a:t>
                 </a:r>
                 <a14:m>
@@ -4507,11 +4507,11 @@
                   </m:oMath>
                 </a14:m>
                 <a:r>
-                  <a:rPr lang="en-US" dirty="0" smtClean="0"/>
+                  <a:rPr lang="en-US" dirty="0"/>
                   <a:t> </a:t>
                 </a:r>
                 <a:r>
-                  <a:rPr lang="ru-RU" dirty="0" smtClean="0"/>
+                  <a:rPr lang="ru-RU" dirty="0"/>
                   <a:t>пусть </a:t>
                 </a:r>
                 <a14:m>
@@ -4544,7 +4544,7 @@
                   </m:oMath>
                 </a14:m>
                 <a:r>
-                  <a:rPr lang="ru-RU" dirty="0" smtClean="0"/>
+                  <a:rPr lang="ru-RU" dirty="0"/>
                   <a:t> событие того, что </a:t>
                 </a:r>
                 <a14:m>
@@ -4564,11 +4564,11 @@
                   </m:oMath>
                 </a14:m>
                 <a:r>
-                  <a:rPr lang="en-US" dirty="0" smtClean="0"/>
+                  <a:rPr lang="en-US" dirty="0"/>
                   <a:t>=1</a:t>
                 </a:r>
                 <a:r>
-                  <a:rPr lang="ru-RU" dirty="0" smtClean="0"/>
+                  <a:rPr lang="ru-RU" dirty="0"/>
                   <a:t> в эксперименте </a:t>
                 </a:r>
                 <a14:m>
@@ -4582,7 +4582,7 @@
                   </m:oMath>
                 </a14:m>
                 <a:r>
-                  <a:rPr lang="ru-RU" dirty="0" smtClean="0"/>
+                  <a:rPr lang="ru-RU" dirty="0"/>
                   <a:t>.</a:t>
                 </a:r>
               </a:p>
@@ -4591,7 +4591,7 @@
                   <a:buNone/>
                 </a:pPr>
                 <a:r>
-                  <a:rPr lang="ru-RU" dirty="0" smtClean="0"/>
+                  <a:rPr lang="ru-RU" dirty="0"/>
                   <a:t>Тогда преимуществом алгоритма </a:t>
                 </a:r>
                 <a14:m>
@@ -4605,7 +4605,7 @@
                   </m:oMath>
                 </a14:m>
                 <a:r>
-                  <a:rPr lang="ru-RU" dirty="0" smtClean="0"/>
+                  <a:rPr lang="ru-RU" dirty="0"/>
                   <a:t> против псевдослучайной подстановки </a:t>
                 </a:r>
                 <a14:m>
@@ -4619,7 +4619,7 @@
                   </m:oMath>
                 </a14:m>
                 <a:r>
-                  <a:rPr lang="ru-RU" dirty="0" smtClean="0"/>
+                  <a:rPr lang="ru-RU" dirty="0"/>
                   <a:t> называется величина </a:t>
                 </a:r>
                 <a14:m>
@@ -4801,7 +4801,7 @@
                   </m:oMath>
                 </a14:m>
                 <a:r>
-                  <a:rPr lang="ru-RU" dirty="0" smtClean="0"/>
+                  <a:rPr lang="ru-RU" dirty="0"/>
                   <a:t>.</a:t>
                 </a:r>
               </a:p>
@@ -5275,7 +5275,7 @@
               <a:lstStyle/>
               <a:p>
                 <a:r>
-                  <a:rPr lang="en-US" b="0" dirty="0" smtClean="0"/>
+                  <a:rPr lang="en-US" b="0" dirty="0"/>
                   <a:t>If: </a:t>
                 </a:r>
                 <a14:m>
@@ -5370,19 +5370,19 @@
                     </m:r>
                   </m:oMath>
                 </a14:m>
-                <a:endParaRPr lang="en-US" b="0" dirty="0" smtClean="0"/>
+                <a:endParaRPr lang="en-US" b="0" dirty="0"/>
               </a:p>
               <a:p>
                 <a:r>
-                  <a:rPr lang="en-US" dirty="0" smtClean="0"/>
+                  <a:rPr lang="en-US" dirty="0"/>
                   <a:t>Else: </a:t>
                 </a:r>
                 <a:r>
-                  <a:rPr lang="ru-RU" dirty="0" smtClean="0"/>
+                  <a:rPr lang="ru-RU" dirty="0"/>
                   <a:t> </a:t>
                 </a:r>
                 <a:r>
-                  <a:rPr lang="en-US" dirty="0" smtClean="0"/>
+                  <a:rPr lang="en-US" dirty="0"/>
                   <a:t>       </a:t>
                 </a:r>
                 <a14:m>
@@ -5921,10 +5921,9 @@
                     </m:oMath>
                   </a14:m>
                   <a:r>
-                    <a:rPr lang="en-US" sz="2000" dirty="0" smtClean="0"/>
+                    <a:rPr lang="en-US" sz="2000" dirty="0"/>
                     <a:t>)</a:t>
                   </a:r>
-                  <a:endParaRPr lang="en-US" sz="2000" dirty="0"/>
                 </a:p>
               </p:txBody>
             </p:sp>
@@ -6312,10 +6311,9 @@
                     </m:oMath>
                   </a14:m>
                   <a:r>
-                    <a:rPr lang="en-US" sz="2000" dirty="0" smtClean="0"/>
+                    <a:rPr lang="en-US" sz="2000" dirty="0"/>
                     <a:t>)</a:t>
                   </a:r>
-                  <a:endParaRPr lang="en-US" sz="2000" dirty="0"/>
                 </a:p>
               </p:txBody>
             </p:sp>
@@ -6984,11 +6982,11 @@
           <a:lstStyle/>
           <a:p>
             <a:r>
-              <a:rPr lang="ru-RU" dirty="0" smtClean="0"/>
+              <a:rPr lang="ru-RU" dirty="0"/>
               <a:t>Стойкая </a:t>
             </a:r>
             <a:r>
-              <a:rPr lang="en-US" dirty="0" smtClean="0"/>
+              <a:rPr lang="en-US" dirty="0"/>
               <a:t>PRP</a:t>
             </a:r>
             <a:endParaRPr lang="ru-RU" dirty="0"/>
@@ -7021,7 +7019,7 @@
                   <a:buNone/>
                 </a:pPr>
                 <a:r>
-                  <a:rPr lang="en-US" dirty="0" smtClean="0"/>
+                  <a:rPr lang="en-US" dirty="0"/>
                   <a:t>PRP </a:t>
                 </a:r>
                 <a14:m>
@@ -7035,7 +7033,7 @@
                   </m:oMath>
                 </a14:m>
                 <a:r>
-                  <a:rPr lang="ru-RU" dirty="0" smtClean="0"/>
+                  <a:rPr lang="ru-RU" dirty="0"/>
                   <a:t>, определённая на </a:t>
                 </a:r>
                 <a14:m>
@@ -7073,15 +7071,15 @@
                   </m:oMath>
                 </a14:m>
                 <a:r>
-                  <a:rPr lang="ru-RU" dirty="0" smtClean="0"/>
+                  <a:rPr lang="ru-RU" dirty="0"/>
                   <a:t>, называется стойкой </a:t>
                 </a:r>
                 <a:r>
-                  <a:rPr lang="en-US" dirty="0" smtClean="0"/>
+                  <a:rPr lang="en-US" dirty="0"/>
                   <a:t>PRP</a:t>
                 </a:r>
                 <a:r>
-                  <a:rPr lang="ru-RU" dirty="0" smtClean="0"/>
+                  <a:rPr lang="ru-RU" dirty="0"/>
                   <a:t>, если </a:t>
                 </a:r>
                 <a14:m>
@@ -7113,15 +7111,15 @@
                   </m:oMath>
                 </a14:m>
                 <a:r>
-                  <a:rPr lang="ru-RU" dirty="0" smtClean="0"/>
+                  <a:rPr lang="ru-RU" dirty="0"/>
                   <a:t> – эффективный алгоритм в игре на стойкость </a:t>
                 </a:r>
                 <a:r>
-                  <a:rPr lang="en-US" dirty="0" smtClean="0"/>
+                  <a:rPr lang="en-US" dirty="0"/>
                   <a:t>PRP</a:t>
                 </a:r>
                 <a:r>
-                  <a:rPr lang="ru-RU" dirty="0" smtClean="0"/>
+                  <a:rPr lang="ru-RU" dirty="0"/>
                   <a:t> величина </a:t>
                 </a:r>
                 <a14:m>
@@ -7200,7 +7198,7 @@
                   </m:oMath>
                 </a14:m>
                 <a:r>
-                  <a:rPr lang="ru-RU" dirty="0" smtClean="0"/>
+                  <a:rPr lang="ru-RU" dirty="0"/>
                   <a:t>, где </a:t>
                 </a:r>
                 <a14:m>
@@ -7214,20 +7212,20 @@
                   </m:oMath>
                 </a14:m>
                 <a:r>
-                  <a:rPr lang="ru-RU" i="1" dirty="0" smtClean="0"/>
+                  <a:rPr lang="ru-RU" i="1" dirty="0"/>
                   <a:t> </a:t>
                 </a:r>
                 <a:r>
-                  <a:rPr lang="ru-RU" dirty="0" smtClean="0"/>
+                  <a:rPr lang="ru-RU" dirty="0"/>
                   <a:t>– пренебрежимо малая величина.</a:t>
                 </a:r>
-                <a:endParaRPr lang="en-US" dirty="0" smtClean="0"/>
+                <a:endParaRPr lang="en-US" dirty="0"/>
               </a:p>
               <a:p>
                 <a:pPr marL="0" indent="0">
                   <a:buNone/>
                 </a:pPr>
-                <a:endParaRPr lang="ru-RU" dirty="0" smtClean="0"/>
+                <a:endParaRPr lang="ru-RU" dirty="0"/>
               </a:p>
             </p:txBody>
           </p:sp>
@@ -7699,7 +7697,7 @@
               <a:lstStyle/>
               <a:p>
                 <a:r>
-                  <a:rPr lang="en-US" b="0" dirty="0" smtClean="0"/>
+                  <a:rPr lang="en-US" b="0" dirty="0"/>
                   <a:t>If: </a:t>
                 </a:r>
                 <a14:m>
@@ -7794,19 +7792,19 @@
                     </m:r>
                   </m:oMath>
                 </a14:m>
-                <a:endParaRPr lang="en-US" b="0" dirty="0" smtClean="0"/>
+                <a:endParaRPr lang="en-US" b="0" dirty="0"/>
               </a:p>
               <a:p>
                 <a:r>
-                  <a:rPr lang="en-US" dirty="0" smtClean="0"/>
+                  <a:rPr lang="en-US" dirty="0"/>
                   <a:t>Else: </a:t>
                 </a:r>
                 <a:r>
-                  <a:rPr lang="ru-RU" dirty="0" smtClean="0"/>
+                  <a:rPr lang="ru-RU" dirty="0"/>
                   <a:t> </a:t>
                 </a:r>
                 <a:r>
-                  <a:rPr lang="en-US" dirty="0" smtClean="0"/>
+                  <a:rPr lang="en-US" dirty="0"/>
                   <a:t>       </a:t>
                 </a:r>
                 <a14:m>
@@ -8345,10 +8343,9 @@
                     </m:oMath>
                   </a14:m>
                   <a:r>
-                    <a:rPr lang="en-US" sz="2000" dirty="0" smtClean="0"/>
+                    <a:rPr lang="en-US" sz="2000" dirty="0"/>
                     <a:t>)</a:t>
                   </a:r>
-                  <a:endParaRPr lang="en-US" sz="2000" dirty="0"/>
                 </a:p>
               </p:txBody>
             </p:sp>
@@ -8736,10 +8733,9 @@
                     </m:oMath>
                   </a14:m>
                   <a:r>
-                    <a:rPr lang="en-US" sz="2000" dirty="0" smtClean="0"/>
+                    <a:rPr lang="en-US" sz="2000" dirty="0"/>
                     <a:t>)</a:t>
                   </a:r>
-                  <a:endParaRPr lang="en-US" sz="2000" dirty="0"/>
                 </a:p>
               </p:txBody>
             </p:sp>
@@ -9139,13 +9135,6 @@
   <p:clrMapOvr>
     <a:masterClrMapping/>
   </p:clrMapOvr>
-  <p:timing>
-    <p:tnLst>
-      <p:par>
-        <p:cTn id="1" dur="indefinite" restart="never" nodeType="tmRoot"/>
-      </p:par>
-    </p:tnLst>
-  </p:timing>
 </p:sld>
 </file>
 
@@ -9182,20 +9171,12 @@
           <a:lstStyle/>
           <a:p>
             <a:r>
-              <a:rPr lang="ru-RU" dirty="0" smtClean="0"/>
+              <a:rPr lang="ru-RU" dirty="0"/>
               <a:t>Игра на стойкость</a:t>
             </a:r>
             <a:r>
               <a:rPr lang="en-US" dirty="0"/>
-              <a:t> </a:t>
-            </a:r>
-            <a:r>
-              <a:rPr lang="en-US" dirty="0" smtClean="0"/>
-              <a:t>PR</a:t>
-            </a:r>
-            <a:r>
-              <a:rPr lang="en-US" dirty="0"/>
-              <a:t>P</a:t>
+              <a:t> PRP</a:t>
             </a:r>
             <a:endParaRPr lang="ru-RU" dirty="0"/>
           </a:p>
@@ -9227,59 +9208,51 @@
                   <a:buNone/>
                 </a:pPr>
                 <a:r>
-                  <a:rPr lang="ru-RU" dirty="0" smtClean="0"/>
+                  <a:rPr lang="ru-RU" dirty="0"/>
                   <a:t>Альтернативное определение</a:t>
                 </a:r>
                 <a:r>
-                  <a:rPr lang="en-US" dirty="0" smtClean="0"/>
+                  <a:rPr lang="en-US" dirty="0"/>
                   <a:t>:</a:t>
                 </a:r>
                 <a:r>
-                  <a:rPr lang="ru-RU" dirty="0" smtClean="0"/>
-                  <a:t> рассмотри игру на угадывание бита (см лекцию 1)</a:t>
+                  <a:rPr lang="ru-RU" dirty="0"/>
+                  <a:t> рассмотри игру на угадывание бита (см лекцию 1) для противника </a:t>
+                </a:r>
+                <a14:m>
+                  <m:oMath xmlns:m="http://schemas.openxmlformats.org/officeDocument/2006/math">
+                    <m:r>
+                      <a:rPr lang="en-US" b="0" i="1" smtClean="0">
+                        <a:latin typeface="Cambria Math" panose="02040503050406030204" pitchFamily="18" charset="0"/>
+                      </a:rPr>
+                      <m:t>𝐴</m:t>
+                    </m:r>
+                  </m:oMath>
+                </a14:m>
+                <a:r>
+                  <a:rPr lang="ru-RU" dirty="0"/>
+                  <a:t> против</a:t>
+                </a:r>
+                <a:r>
+                  <a:rPr lang="en-US" dirty="0"/>
+                  <a:t> PRP</a:t>
                 </a:r>
                 <a:r>
                   <a:rPr lang="ru-RU" dirty="0"/>
                   <a:t> </a:t>
                 </a:r>
-                <a:r>
-                  <a:rPr lang="ru-RU" dirty="0" smtClean="0"/>
-                  <a:t>для противника </a:t>
-                </a:r>
                 <a14:m>
                   <m:oMath xmlns:m="http://schemas.openxmlformats.org/officeDocument/2006/math">
                     <m:r>
                       <a:rPr lang="en-US" b="0" i="1" smtClean="0">
                         <a:latin typeface="Cambria Math" panose="02040503050406030204" pitchFamily="18" charset="0"/>
                       </a:rPr>
-                      <m:t>𝐴</m:t>
+                      <m:t>𝐸</m:t>
                     </m:r>
                   </m:oMath>
                 </a14:m>
                 <a:r>
-                  <a:rPr lang="ru-RU" dirty="0" smtClean="0"/>
-                  <a:t> против</a:t>
-                </a:r>
-                <a:r>
-                  <a:rPr lang="en-US" dirty="0" smtClean="0"/>
-                  <a:t> PRP</a:t>
-                </a:r>
-                <a:r>
-                  <a:rPr lang="ru-RU" dirty="0" smtClean="0"/>
-                  <a:t> </a:t>
-                </a:r>
-                <a14:m>
-                  <m:oMath xmlns:m="http://schemas.openxmlformats.org/officeDocument/2006/math">
-                    <m:r>
-                      <a:rPr lang="en-US" b="0" i="1" smtClean="0">
-                        <a:latin typeface="Cambria Math" panose="02040503050406030204" pitchFamily="18" charset="0"/>
-                      </a:rPr>
-                      <m:t>𝐸</m:t>
-                    </m:r>
-                  </m:oMath>
-                </a14:m>
-                <a:r>
-                  <a:rPr lang="ru-RU" dirty="0" smtClean="0"/>
+                  <a:rPr lang="ru-RU" dirty="0"/>
                   <a:t>. Определим </a:t>
                 </a:r>
                 <a14:m>
@@ -9441,7 +9414,7 @@
                   </m:oMath>
                 </a14:m>
                 <a:r>
-                  <a:rPr lang="ru-RU" dirty="0" smtClean="0"/>
+                  <a:rPr lang="ru-RU" dirty="0"/>
                   <a:t>. Тогда </a:t>
                 </a:r>
                 <a14:m>
@@ -9455,15 +9428,15 @@
                   </m:oMath>
                 </a14:m>
                 <a:r>
-                  <a:rPr lang="ru-RU" dirty="0" smtClean="0"/>
+                  <a:rPr lang="ru-RU" dirty="0"/>
                   <a:t> – стойкая </a:t>
                 </a:r>
                 <a:r>
-                  <a:rPr lang="en-US" dirty="0" smtClean="0"/>
+                  <a:rPr lang="en-US" dirty="0"/>
                   <a:t>PRP</a:t>
                 </a:r>
                 <a:r>
-                  <a:rPr lang="ru-RU" dirty="0" smtClean="0"/>
+                  <a:rPr lang="ru-RU" dirty="0"/>
                   <a:t>, если </a:t>
                 </a:r>
                 <a14:m>
@@ -9496,27 +9469,15 @@
                 </a14:m>
                 <a:r>
                   <a:rPr lang="ru-RU" dirty="0"/>
-                  <a:t> – эффективный алгоритм в игре </a:t>
-                </a:r>
-                <a:r>
-                  <a:rPr lang="ru-RU" dirty="0" smtClean="0"/>
-                  <a:t>на угадывание бита в игре на </a:t>
+                  <a:t> – эффективный алгоритм в игре на угадывание бита в игре на стойкость </a:t>
+                </a:r>
+                <a:r>
+                  <a:rPr lang="en-US" dirty="0"/>
+                  <a:t>PRP</a:t>
                 </a:r>
                 <a:r>
                   <a:rPr lang="ru-RU" dirty="0"/>
-                  <a:t>стойкость </a:t>
-                </a:r>
-                <a:r>
-                  <a:rPr lang="en-US" dirty="0" smtClean="0"/>
-                  <a:t>PRP</a:t>
-                </a:r>
-                <a:r>
-                  <a:rPr lang="ru-RU" dirty="0" smtClean="0"/>
-                  <a:t> </a:t>
-                </a:r>
-                <a:r>
-                  <a:rPr lang="ru-RU" dirty="0"/>
-                  <a:t>величина </a:t>
+                  <a:t> величина </a:t>
                 </a:r>
                 <a14:m>
                   <m:oMath xmlns:m="http://schemas.openxmlformats.org/officeDocument/2006/math">
@@ -9624,13 +9585,9 @@
                 </a:r>
                 <a:r>
                   <a:rPr lang="ru-RU" dirty="0"/>
-                  <a:t>– пренебрежимо малая величина</a:t>
-                </a:r>
-                <a:r>
-                  <a:rPr lang="ru-RU" dirty="0" smtClean="0"/>
-                  <a:t>.</a:t>
-                </a:r>
-                <a:endParaRPr lang="en-US" dirty="0" smtClean="0"/>
+                  <a:t>– пренебрежимо малая величина.</a:t>
+                </a:r>
+                <a:endParaRPr lang="en-US" dirty="0"/>
               </a:p>
               <a:p>
                 <a:pPr marL="0" indent="0">
@@ -9780,7 +9737,7 @@
                   </m:oMath>
                 </a14:m>
                 <a:r>
-                  <a:rPr lang="ru-RU" i="1" dirty="0" smtClean="0"/>
+                  <a:rPr lang="ru-RU" i="1" dirty="0"/>
                   <a:t>. </a:t>
                 </a:r>
                 <a:r>
@@ -9793,7 +9750,7 @@
                 <a:pPr marL="0" indent="0">
                   <a:buNone/>
                 </a:pPr>
-                <a:endParaRPr lang="ru-RU" dirty="0" smtClean="0"/>
+                <a:endParaRPr lang="ru-RU" dirty="0"/>
               </a:p>
             </p:txBody>
           </p:sp>
@@ -10265,7 +10222,7 @@
               <a:lstStyle/>
               <a:p>
                 <a:r>
-                  <a:rPr lang="en-US" b="0" dirty="0" smtClean="0"/>
+                  <a:rPr lang="en-US" b="0" dirty="0"/>
                   <a:t>If: </a:t>
                 </a:r>
                 <a14:m>
@@ -10360,19 +10317,19 @@
                     </m:r>
                   </m:oMath>
                 </a14:m>
-                <a:endParaRPr lang="en-US" b="0" dirty="0" smtClean="0"/>
+                <a:endParaRPr lang="en-US" b="0" dirty="0"/>
               </a:p>
               <a:p>
                 <a:r>
-                  <a:rPr lang="en-US" dirty="0" smtClean="0"/>
+                  <a:rPr lang="en-US" dirty="0"/>
                   <a:t>Else: </a:t>
                 </a:r>
                 <a:r>
-                  <a:rPr lang="ru-RU" dirty="0" smtClean="0"/>
+                  <a:rPr lang="ru-RU" dirty="0"/>
                   <a:t> </a:t>
                 </a:r>
                 <a:r>
-                  <a:rPr lang="en-US" dirty="0" smtClean="0"/>
+                  <a:rPr lang="en-US" dirty="0"/>
                   <a:t>       </a:t>
                 </a:r>
                 <a14:m>
@@ -10911,10 +10868,9 @@
                     </m:oMath>
                   </a14:m>
                   <a:r>
-                    <a:rPr lang="en-US" sz="2000" dirty="0" smtClean="0"/>
+                    <a:rPr lang="en-US" sz="2000" dirty="0"/>
                     <a:t>)</a:t>
                   </a:r>
-                  <a:endParaRPr lang="en-US" sz="2000" dirty="0"/>
                 </a:p>
               </p:txBody>
             </p:sp>
@@ -11296,10 +11252,9 @@
                     </m:oMath>
                   </a14:m>
                   <a:r>
-                    <a:rPr lang="en-US" sz="2000" dirty="0" smtClean="0"/>
+                    <a:rPr lang="en-US" sz="2000" dirty="0"/>
                     <a:t>)</a:t>
                   </a:r>
-                  <a:endParaRPr lang="en-US" sz="2000" dirty="0"/>
                 </a:p>
               </p:txBody>
             </p:sp>
@@ -11445,13 +11400,6 @@
   <p:clrMapOvr>
     <a:masterClrMapping/>
   </p:clrMapOvr>
-  <p:timing>
-    <p:tnLst>
-      <p:par>
-        <p:cTn id="1" dur="indefinite" restart="never" nodeType="tmRoot"/>
-      </p:par>
-    </p:tnLst>
-  </p:timing>
 </p:sld>
 </file>
 
@@ -11488,10 +11436,9 @@
           <a:lstStyle/>
           <a:p>
             <a:r>
-              <a:rPr lang="ru-RU" dirty="0" smtClean="0"/>
+              <a:rPr lang="ru-RU" dirty="0"/>
               <a:t>Стойкий блочный шифр</a:t>
             </a:r>
-            <a:endParaRPr lang="ru-RU" dirty="0"/>
           </a:p>
         </p:txBody>
       </p:sp>
@@ -11516,7 +11463,7 @@
                   <a:buNone/>
                 </a:pPr>
                 <a:r>
-                  <a:rPr lang="ru-RU" dirty="0" smtClean="0"/>
+                  <a:rPr lang="ru-RU" dirty="0"/>
                   <a:t>Пусть </a:t>
                 </a:r>
                 <a14:m>
@@ -11563,7 +11510,7 @@
                   </m:oMath>
                 </a14:m>
                 <a:r>
-                  <a:rPr lang="ru-RU" dirty="0" smtClean="0"/>
+                  <a:rPr lang="ru-RU" dirty="0"/>
                   <a:t> – блочный шифр на </a:t>
                 </a:r>
                 <a14:m>
@@ -11606,11 +11553,11 @@
                   </m:oMath>
                 </a14:m>
                 <a:r>
-                  <a:rPr lang="en-US" dirty="0" smtClean="0"/>
+                  <a:rPr lang="en-US" dirty="0"/>
                   <a:t> </a:t>
                 </a:r>
                 <a:r>
-                  <a:rPr lang="ru-RU" dirty="0" smtClean="0"/>
+                  <a:rPr lang="ru-RU" dirty="0"/>
                   <a:t>Тогда </a:t>
                 </a:r>
                 <a14:m>
@@ -11627,7 +11574,7 @@
                   </m:oMath>
                 </a14:m>
                 <a:r>
-                  <a:rPr lang="ru-RU" dirty="0" smtClean="0"/>
+                  <a:rPr lang="ru-RU" dirty="0"/>
                   <a:t> – стойкий блочный шифр, если </a:t>
                 </a:r>
                 <a14:m>
@@ -11641,7 +11588,7 @@
                   </m:oMath>
                 </a14:m>
                 <a:r>
-                  <a:rPr lang="ru-RU" dirty="0" smtClean="0"/>
+                  <a:rPr lang="ru-RU" dirty="0"/>
                   <a:t> – стойкая псевдослучайная перестановка. </a:t>
                 </a:r>
               </a:p>
@@ -11650,7 +11597,7 @@
                   <a:buNone/>
                 </a:pPr>
                 <a:r>
-                  <a:rPr lang="ru-RU" dirty="0" smtClean="0"/>
+                  <a:rPr lang="ru-RU" dirty="0"/>
                   <a:t>Т.е. </a:t>
                 </a:r>
                 <a14:m>
@@ -11676,7 +11623,7 @@
                   </m:oMath>
                 </a14:m>
                 <a:r>
-                  <a:rPr lang="ru-RU" dirty="0" smtClean="0"/>
+                  <a:rPr lang="ru-RU" dirty="0"/>
                   <a:t> </a:t>
                 </a:r>
                 <a14:m>
@@ -11690,15 +11637,15 @@
                   </m:oMath>
                 </a14:m>
                 <a:r>
-                  <a:rPr lang="ru-RU" dirty="0" smtClean="0"/>
+                  <a:rPr lang="ru-RU" dirty="0"/>
                   <a:t> – эффективный противник в игре на стойкость </a:t>
                 </a:r>
                 <a:r>
-                  <a:rPr lang="en-US" dirty="0" smtClean="0"/>
+                  <a:rPr lang="en-US" dirty="0"/>
                   <a:t>PRP</a:t>
                 </a:r>
                 <a:r>
-                  <a:rPr lang="ru-RU" dirty="0" smtClean="0"/>
+                  <a:rPr lang="ru-RU" dirty="0"/>
                   <a:t> величина </a:t>
                 </a:r>
                 <a14:m>
@@ -11857,11 +11804,11 @@
                   </m:oMath>
                 </a14:m>
                 <a:r>
-                  <a:rPr lang="en-US" dirty="0" smtClean="0"/>
+                  <a:rPr lang="en-US" dirty="0"/>
                   <a:t> </a:t>
                 </a:r>
                 <a:r>
-                  <a:rPr lang="ru-RU" dirty="0" smtClean="0"/>
+                  <a:rPr lang="ru-RU" dirty="0"/>
                   <a:t>где </a:t>
                 </a:r>
                 <a14:m>
@@ -11875,7 +11822,7 @@
                   </m:oMath>
                 </a14:m>
                 <a:r>
-                  <a:rPr lang="ru-RU" dirty="0" smtClean="0"/>
+                  <a:rPr lang="ru-RU" dirty="0"/>
                   <a:t> – пренебрежимо малая величина.</a:t>
                 </a:r>
               </a:p>
@@ -12345,7 +12292,7 @@
               <a:lstStyle/>
               <a:p>
                 <a:r>
-                  <a:rPr lang="en-US" b="0" dirty="0" smtClean="0"/>
+                  <a:rPr lang="en-US" b="0" dirty="0"/>
                   <a:t>If: </a:t>
                 </a:r>
                 <a14:m>
@@ -12440,19 +12387,19 @@
                     </m:r>
                   </m:oMath>
                 </a14:m>
-                <a:endParaRPr lang="en-US" b="0" dirty="0" smtClean="0"/>
+                <a:endParaRPr lang="en-US" b="0" dirty="0"/>
               </a:p>
               <a:p>
                 <a:r>
-                  <a:rPr lang="en-US" dirty="0" smtClean="0"/>
+                  <a:rPr lang="en-US" dirty="0"/>
                   <a:t>Else: </a:t>
                 </a:r>
                 <a:r>
-                  <a:rPr lang="ru-RU" dirty="0" smtClean="0"/>
+                  <a:rPr lang="ru-RU" dirty="0"/>
                   <a:t> </a:t>
                 </a:r>
                 <a:r>
-                  <a:rPr lang="en-US" dirty="0" smtClean="0"/>
+                  <a:rPr lang="en-US" dirty="0"/>
                   <a:t>       </a:t>
                 </a:r>
                 <a14:m>
@@ -12991,10 +12938,9 @@
                     </m:oMath>
                   </a14:m>
                   <a:r>
-                    <a:rPr lang="en-US" sz="2000" dirty="0" smtClean="0"/>
+                    <a:rPr lang="en-US" sz="2000" dirty="0"/>
                     <a:t>)</a:t>
                   </a:r>
-                  <a:endParaRPr lang="en-US" sz="2000" dirty="0"/>
                 </a:p>
               </p:txBody>
             </p:sp>
@@ -13376,10 +13322,9 @@
                     </m:oMath>
                   </a14:m>
                   <a:r>
-                    <a:rPr lang="en-US" sz="2000" dirty="0" smtClean="0"/>
+                    <a:rPr lang="en-US" sz="2000" dirty="0"/>
                     <a:t>)</a:t>
                   </a:r>
-                  <a:endParaRPr lang="en-US" sz="2000" dirty="0"/>
                 </a:p>
               </p:txBody>
             </p:sp>
@@ -13779,13 +13724,6 @@
   <p:clrMapOvr>
     <a:masterClrMapping/>
   </p:clrMapOvr>
-  <p:timing>
-    <p:tnLst>
-      <p:par>
-        <p:cTn id="1" dur="indefinite" restart="never" nodeType="tmRoot"/>
-      </p:par>
-    </p:tnLst>
-  </p:timing>
 </p:sld>
 </file>
 
@@ -13822,10 +13760,9 @@
           <a:lstStyle/>
           <a:p>
             <a:r>
-              <a:rPr lang="ru-RU" dirty="0" smtClean="0"/>
+              <a:rPr lang="ru-RU" dirty="0"/>
               <a:t>Непредсказуемость блочных шифров</a:t>
             </a:r>
-            <a:endParaRPr lang="ru-RU" dirty="0"/>
           </a:p>
         </p:txBody>
       </p:sp>
@@ -13855,7 +13792,7 @@
                   <a:buNone/>
                 </a:pPr>
                 <a:r>
-                  <a:rPr lang="ru-RU" dirty="0" smtClean="0"/>
+                  <a:rPr lang="ru-RU" dirty="0"/>
                   <a:t>Рассмотрим игру. Пусть </a:t>
                 </a:r>
                 <a14:m>
@@ -13902,7 +13839,7 @@
                   </m:oMath>
                 </a14:m>
                 <a:r>
-                  <a:rPr lang="ru-RU" dirty="0" smtClean="0"/>
+                  <a:rPr lang="ru-RU" dirty="0"/>
                   <a:t> – блочный шифр на </a:t>
                 </a:r>
                 <a14:m>
@@ -13940,7 +13877,7 @@
                   </m:oMath>
                 </a14:m>
                 <a:r>
-                  <a:rPr lang="ru-RU" dirty="0" smtClean="0"/>
+                  <a:rPr lang="ru-RU" dirty="0"/>
                   <a:t>. Пусть претендент выбирает случайный ключ </a:t>
                 </a:r>
                 <a14:m>
@@ -13985,11 +13922,11 @@
                   </m:oMath>
                 </a14:m>
                 <a:r>
-                  <a:rPr lang="ru-RU" dirty="0" smtClean="0"/>
+                  <a:rPr lang="ru-RU" dirty="0"/>
                   <a:t>. Противник выбирает произвольные</a:t>
                 </a:r>
                 <a:r>
-                  <a:rPr lang="en-US" dirty="0" smtClean="0"/>
+                  <a:rPr lang="en-US" dirty="0"/>
                   <a:t> </a:t>
                 </a:r>
                 <a14:m>
@@ -14022,7 +13959,7 @@
                   </m:oMath>
                 </a14:m>
                 <a:r>
-                  <a:rPr lang="en-US" dirty="0" smtClean="0"/>
+                  <a:rPr lang="en-US" dirty="0"/>
                   <a:t>,…</a:t>
                 </a:r>
                 <a14:m>
@@ -14055,16 +13992,8 @@
                   </m:oMath>
                 </a14:m>
                 <a:r>
-                  <a:rPr lang="ru-RU" dirty="0" smtClean="0"/>
-                  <a:t> и получает шиф</a:t>
-                </a:r>
-                <a:r>
                   <a:rPr lang="ru-RU" dirty="0"/>
-                  <a:t>р</a:t>
-                </a:r>
-                <a:r>
-                  <a:rPr lang="ru-RU" dirty="0" smtClean="0"/>
-                  <a:t>тексты </a:t>
+                  <a:t> и получает шифртексты </a:t>
                 </a:r>
                 <a14:m>
                   <m:oMath xmlns:m="http://schemas.openxmlformats.org/officeDocument/2006/math">
@@ -14157,11 +14086,11 @@
                   </m:oMath>
                 </a14:m>
                 <a:r>
-                  <a:rPr lang="en-US" dirty="0" smtClean="0"/>
+                  <a:rPr lang="en-US" dirty="0"/>
                   <a:t>. </a:t>
                 </a:r>
                 <a:r>
-                  <a:rPr lang="ru-RU" dirty="0" smtClean="0"/>
+                  <a:rPr lang="ru-RU" dirty="0"/>
                   <a:t>Задача противника получить </a:t>
                 </a:r>
                 <a14:m>
@@ -14983,7 +14912,7 @@
                     </m:oMath>
                   </m:oMathPara>
                 </a14:m>
-                <a:endParaRPr lang="en-US" b="0" dirty="0" smtClean="0"/>
+                <a:endParaRPr lang="en-US" b="0" dirty="0"/>
               </a:p>
               <a:p>
                 <a:endParaRPr lang="en-US" b="1" baseline="-25000" dirty="0">
@@ -15363,10 +15292,9 @@
                     </m:oMath>
                   </a14:m>
                   <a:r>
-                    <a:rPr lang="en-US" sz="2000" dirty="0" smtClean="0"/>
+                    <a:rPr lang="en-US" sz="2000" dirty="0"/>
                     <a:t>)</a:t>
                   </a:r>
-                  <a:endParaRPr lang="en-US" sz="2000" dirty="0"/>
                 </a:p>
               </p:txBody>
             </p:sp>
@@ -15748,10 +15676,9 @@
                     </m:oMath>
                   </a14:m>
                   <a:r>
-                    <a:rPr lang="en-US" sz="2000" dirty="0" smtClean="0"/>
+                    <a:rPr lang="en-US" sz="2000" dirty="0"/>
                     <a:t>)</a:t>
                   </a:r>
-                  <a:endParaRPr lang="en-US" sz="2000" dirty="0"/>
                 </a:p>
               </p:txBody>
             </p:sp>
@@ -16138,13 +16065,6 @@
   <p:clrMapOvr>
     <a:masterClrMapping/>
   </p:clrMapOvr>
-  <p:timing>
-    <p:tnLst>
-      <p:par>
-        <p:cTn id="1" dur="indefinite" restart="never" nodeType="tmRoot"/>
-      </p:par>
-    </p:tnLst>
-  </p:timing>
 </p:sld>
 </file>
 
@@ -16208,7 +16128,7 @@
                   <a:buNone/>
                 </a:pPr>
                 <a:r>
-                  <a:rPr lang="ru-RU" dirty="0" smtClean="0"/>
+                  <a:rPr lang="ru-RU" dirty="0"/>
                   <a:t>Блочный шифр называется стойким непредсказуемым блочным шифром, если для всех эффективных противников </a:t>
                 </a:r>
                 <a14:m>
@@ -16222,7 +16142,7 @@
                   </m:oMath>
                 </a14:m>
                 <a:r>
-                  <a:rPr lang="ru-RU" dirty="0" smtClean="0"/>
+                  <a:rPr lang="ru-RU" dirty="0"/>
                   <a:t> величина </a:t>
                 </a:r>
                 <a14:m>
@@ -16400,7 +16320,7 @@
                   </m:oMath>
                 </a14:m>
                 <a:r>
-                  <a:rPr lang="ru-RU" sz="2800" dirty="0" smtClean="0"/>
+                  <a:rPr lang="ru-RU" sz="2800" dirty="0"/>
                   <a:t>, </a:t>
                 </a:r>
                 <a14:m>
@@ -16414,10 +16334,9 @@
                   </m:oMath>
                 </a14:m>
                 <a:r>
-                  <a:rPr lang="ru-RU" sz="2800" dirty="0" smtClean="0"/>
+                  <a:rPr lang="ru-RU" sz="2800" dirty="0"/>
                   <a:t> – пренебрежимо малая величина.</a:t>
                 </a:r>
-                <a:endParaRPr lang="ru-RU" sz="2800" dirty="0"/>
               </a:p>
               <a:p>
                 <a:pPr marL="0" indent="0">
@@ -16984,7 +16903,7 @@
                     </m:oMath>
                   </m:oMathPara>
                 </a14:m>
-                <a:endParaRPr lang="en-US" b="0" dirty="0" smtClean="0"/>
+                <a:endParaRPr lang="en-US" b="0" dirty="0"/>
               </a:p>
               <a:p>
                 <a:endParaRPr lang="en-US" b="1" baseline="-25000" dirty="0">
@@ -17364,10 +17283,9 @@
                     </m:oMath>
                   </a14:m>
                   <a:r>
-                    <a:rPr lang="en-US" sz="2000" dirty="0" smtClean="0"/>
+                    <a:rPr lang="en-US" sz="2000" dirty="0"/>
                     <a:t>)</a:t>
                   </a:r>
-                  <a:endParaRPr lang="en-US" sz="2000" dirty="0"/>
                 </a:p>
               </p:txBody>
             </p:sp>
@@ -17749,10 +17667,9 @@
                     </m:oMath>
                   </a14:m>
                   <a:r>
-                    <a:rPr lang="en-US" sz="2000" dirty="0" smtClean="0"/>
+                    <a:rPr lang="en-US" sz="2000" dirty="0"/>
                     <a:t>)</a:t>
                   </a:r>
-                  <a:endParaRPr lang="en-US" sz="2000" dirty="0"/>
                 </a:p>
               </p:txBody>
             </p:sp>
@@ -18139,13 +18056,6 @@
   <p:clrMapOvr>
     <a:masterClrMapping/>
   </p:clrMapOvr>
-  <p:timing>
-    <p:tnLst>
-      <p:par>
-        <p:cTn id="1" dur="indefinite" restart="never" nodeType="tmRoot"/>
-      </p:par>
-    </p:tnLst>
-  </p:timing>
 </p:sld>
 </file>
 
@@ -18252,11 +18162,11 @@
                   <a:buNone/>
                 </a:pPr>
                 <a:r>
-                  <a:rPr lang="ru-RU" b="1" dirty="0" smtClean="0"/>
+                  <a:rPr lang="ru-RU" b="1" dirty="0"/>
                   <a:t>Теорема 4.1. </a:t>
                 </a:r>
                 <a:r>
-                  <a:rPr lang="ru-RU" dirty="0" smtClean="0"/>
+                  <a:rPr lang="ru-RU" dirty="0"/>
                   <a:t>Пусть</a:t>
                 </a:r>
                 <a:r>
@@ -18307,7 +18217,7 @@
                   </m:oMath>
                 </a14:m>
                 <a:r>
-                  <a:rPr lang="ru-RU" dirty="0" smtClean="0"/>
+                  <a:rPr lang="ru-RU" dirty="0"/>
                   <a:t> – блочный шифр на </a:t>
                 </a:r>
                 <a14:m>
@@ -18345,7 +18255,7 @@
                   </m:oMath>
                 </a14:m>
                 <a:r>
-                  <a:rPr lang="ru-RU" dirty="0" smtClean="0"/>
+                  <a:rPr lang="ru-RU" dirty="0"/>
                   <a:t>. Тогда если </a:t>
                 </a:r>
                 <a14:m>
@@ -18359,11 +18269,11 @@
                   </m:oMath>
                 </a14:m>
                 <a:r>
-                  <a:rPr lang="ru-RU" dirty="0" smtClean="0"/>
+                  <a:rPr lang="ru-RU" dirty="0"/>
                   <a:t> – стойкий,</a:t>
                 </a:r>
                 <a:r>
-                  <a:rPr lang="en-US" dirty="0" smtClean="0"/>
+                  <a:rPr lang="en-US" dirty="0"/>
                   <a:t> </a:t>
                 </a:r>
                 <a14:m>
@@ -18389,19 +18299,19 @@
                   </m:oMath>
                 </a14:m>
                 <a:r>
-                  <a:rPr lang="en-US" dirty="0" smtClean="0"/>
+                  <a:rPr lang="en-US" dirty="0"/>
                   <a:t> -</a:t>
                 </a:r>
                 <a:r>
-                  <a:rPr lang="ru-RU" dirty="0" smtClean="0"/>
+                  <a:rPr lang="ru-RU" dirty="0"/>
                   <a:t> </a:t>
                 </a:r>
                 <a:r>
-                  <a:rPr lang="ru-RU" dirty="0" err="1" smtClean="0"/>
+                  <a:rPr lang="ru-RU" dirty="0" err="1"/>
                   <a:t>сверх-полиномиальная</a:t>
                 </a:r>
                 <a:r>
-                  <a:rPr lang="ru-RU" dirty="0" smtClean="0"/>
+                  <a:rPr lang="ru-RU" dirty="0"/>
                   <a:t>, то </a:t>
                 </a:r>
                 <a14:m>
@@ -18415,7 +18325,7 @@
                   </m:oMath>
                 </a14:m>
                 <a:r>
-                  <a:rPr lang="ru-RU" dirty="0" smtClean="0"/>
+                  <a:rPr lang="ru-RU" dirty="0"/>
                   <a:t> – непредсказуемый.</a:t>
                 </a:r>
               </a:p>
@@ -18435,7 +18345,7 @@
                   </m:oMath>
                 </a14:m>
                 <a:r>
-                  <a:rPr lang="ru-RU" dirty="0" smtClean="0"/>
+                  <a:rPr lang="ru-RU" dirty="0"/>
                   <a:t>Пусть </a:t>
                 </a:r>
                 <a14:m>
@@ -18452,7 +18362,7 @@
                   </m:oMath>
                 </a14:m>
                 <a:r>
-                  <a:rPr lang="ru-RU" dirty="0" smtClean="0"/>
+                  <a:rPr lang="ru-RU" dirty="0"/>
                   <a:t> – предсказуемый. Тогда </a:t>
                 </a:r>
                 <a14:m>
@@ -18542,7 +18452,7 @@
                   </m:oMath>
                 </a14:m>
                 <a:r>
-                  <a:rPr lang="ru-RU" dirty="0" smtClean="0"/>
+                  <a:rPr lang="ru-RU" dirty="0"/>
                   <a:t> – не пренебрежимо малая. Построим противника </a:t>
                 </a:r>
                 <a14:m>
@@ -18562,10 +18472,9 @@
                   </m:oMath>
                 </a14:m>
                 <a:r>
-                  <a:rPr lang="ru-RU" dirty="0" smtClean="0"/>
+                  <a:rPr lang="ru-RU" dirty="0"/>
                   <a:t>следующим образом.</a:t>
                 </a:r>
-                <a:endParaRPr lang="ru-RU" dirty="0"/>
               </a:p>
             </p:txBody>
           </p:sp>
@@ -18677,10 +18586,9 @@
           <a:p>
             <a:pPr algn="ctr"/>
             <a:r>
-              <a:rPr lang="en-US" dirty="0" smtClean="0"/>
+              <a:rPr lang="en-US" dirty="0"/>
               <a:t>Adv. B</a:t>
             </a:r>
-            <a:endParaRPr lang="en-US" dirty="0"/>
           </a:p>
         </p:txBody>
       </p:sp>
@@ -19473,10 +19381,9 @@
                     </m:oMath>
                   </a14:m>
                   <a:r>
-                    <a:rPr lang="en-US" sz="2000" dirty="0" smtClean="0"/>
+                    <a:rPr lang="en-US" sz="2000" dirty="0"/>
                     <a:t>)</a:t>
                   </a:r>
-                  <a:endParaRPr lang="en-US" sz="2000" dirty="0"/>
                 </a:p>
               </p:txBody>
             </p:sp>
@@ -19858,10 +19765,9 @@
                     </m:oMath>
                   </a14:m>
                   <a:r>
-                    <a:rPr lang="en-US" sz="2000" dirty="0" smtClean="0"/>
+                    <a:rPr lang="en-US" sz="2000" dirty="0"/>
                     <a:t>)</a:t>
                   </a:r>
-                  <a:endParaRPr lang="en-US" sz="2000" dirty="0"/>
                 </a:p>
               </p:txBody>
             </p:sp>
@@ -20546,10 +20452,9 @@
                     </m:oMath>
                   </a14:m>
                   <a:r>
-                    <a:rPr lang="en-US" sz="2000" dirty="0" smtClean="0"/>
+                    <a:rPr lang="en-US" sz="2000" dirty="0"/>
                     <a:t>)</a:t>
                   </a:r>
-                  <a:endParaRPr lang="en-US" sz="2000" dirty="0"/>
                 </a:p>
               </p:txBody>
             </p:sp>
@@ -20635,7 +20540,7 @@
               <a:lstStyle/>
               <a:p>
                 <a:r>
-                  <a:rPr lang="en-US" b="0" dirty="0" smtClean="0"/>
+                  <a:rPr lang="en-US" b="0" dirty="0"/>
                   <a:t>If: </a:t>
                 </a:r>
                 <a14:m>
@@ -20730,19 +20635,19 @@
                     </m:r>
                   </m:oMath>
                 </a14:m>
-                <a:endParaRPr lang="en-US" b="0" dirty="0" smtClean="0"/>
+                <a:endParaRPr lang="en-US" b="0" dirty="0"/>
               </a:p>
               <a:p>
                 <a:r>
-                  <a:rPr lang="en-US" dirty="0" smtClean="0"/>
+                  <a:rPr lang="en-US" dirty="0"/>
                   <a:t>Else: </a:t>
                 </a:r>
                 <a:r>
-                  <a:rPr lang="ru-RU" dirty="0" smtClean="0"/>
+                  <a:rPr lang="ru-RU" dirty="0"/>
                   <a:t> </a:t>
                 </a:r>
                 <a:r>
-                  <a:rPr lang="en-US" dirty="0" smtClean="0"/>
+                  <a:rPr lang="en-US" dirty="0"/>
                   <a:t>       </a:t>
                 </a:r>
                 <a14:m>
@@ -20889,7 +20794,7 @@
               <a:lstStyle/>
               <a:p>
                 <a:r>
-                  <a:rPr lang="en-US" sz="2000" dirty="0" smtClean="0"/>
+                  <a:rPr lang="en-US" sz="2000" dirty="0"/>
                   <a:t>If </a:t>
                 </a:r>
                 <a14:m>
@@ -20958,7 +20863,7 @@
                   </m:oMath>
                 </a14:m>
                 <a:r>
-                  <a:rPr lang="en-US" sz="2000" dirty="0" smtClean="0"/>
+                  <a:rPr lang="en-US" sz="2000" dirty="0"/>
                   <a:t> else : </a:t>
                 </a:r>
                 <a14:m>
@@ -21951,7 +21856,7 @@
                   <a:buNone/>
                 </a:pPr>
                 <a:r>
-                  <a:rPr lang="ru-RU" dirty="0" smtClean="0"/>
+                  <a:rPr lang="ru-RU" dirty="0"/>
                   <a:t>Если </a:t>
                 </a:r>
                 <a14:m>
@@ -21971,7 +21876,7 @@
                   </m:oMath>
                 </a14:m>
                 <a:r>
-                  <a:rPr lang="en-US" dirty="0" smtClean="0"/>
+                  <a:rPr lang="en-US" dirty="0"/>
                   <a:t> </a:t>
                 </a:r>
                 <a14:m>
@@ -22200,14 +22105,14 @@
                     </m:r>
                   </m:oMath>
                 </a14:m>
-                <a:endParaRPr lang="en-US" dirty="0" smtClean="0"/>
+                <a:endParaRPr lang="en-US" dirty="0"/>
               </a:p>
               <a:p>
                 <a:pPr marL="0" indent="0">
                   <a:buNone/>
                 </a:pPr>
                 <a:r>
-                  <a:rPr lang="ru-RU" dirty="0" smtClean="0"/>
+                  <a:rPr lang="ru-RU" dirty="0"/>
                   <a:t>Если </a:t>
                 </a:r>
                 <a14:m>
@@ -22408,19 +22313,19 @@
                   </m:oMath>
                 </a14:m>
                 <a:r>
-                  <a:rPr lang="en-US" dirty="0" smtClean="0"/>
+                  <a:rPr lang="en-US" dirty="0"/>
                   <a:t> - </a:t>
                 </a:r>
                 <a:r>
-                  <a:rPr lang="ru-RU" dirty="0" smtClean="0"/>
+                  <a:rPr lang="ru-RU" dirty="0"/>
                   <a:t>пренебрежимо малая, для </a:t>
                 </a:r>
                 <a:r>
-                  <a:rPr lang="ru-RU" dirty="0" err="1" smtClean="0"/>
+                  <a:rPr lang="ru-RU" dirty="0" err="1"/>
                   <a:t>сверх-полиномиального</a:t>
                 </a:r>
                 <a:r>
-                  <a:rPr lang="ru-RU" dirty="0" smtClean="0"/>
+                  <a:rPr lang="ru-RU" dirty="0"/>
                   <a:t> значения </a:t>
                 </a:r>
                 <a14:m>
@@ -22446,10 +22351,9 @@
                   </m:oMath>
                 </a14:m>
                 <a:r>
-                  <a:rPr lang="ru-RU" dirty="0" smtClean="0"/>
+                  <a:rPr lang="ru-RU" dirty="0"/>
                   <a:t>.</a:t>
                 </a:r>
-                <a:endParaRPr lang="ru-RU" dirty="0"/>
               </a:p>
             </p:txBody>
           </p:sp>
@@ -22561,10 +22465,9 @@
           <a:p>
             <a:pPr algn="ctr"/>
             <a:r>
-              <a:rPr lang="en-US" dirty="0" smtClean="0"/>
+              <a:rPr lang="en-US" dirty="0"/>
               <a:t>Adv. B</a:t>
             </a:r>
-            <a:endParaRPr lang="en-US" dirty="0"/>
           </a:p>
         </p:txBody>
       </p:sp>
@@ -23357,10 +23260,9 @@
                     </m:oMath>
                   </a14:m>
                   <a:r>
-                    <a:rPr lang="en-US" sz="2000" dirty="0" smtClean="0"/>
+                    <a:rPr lang="en-US" sz="2000" dirty="0"/>
                     <a:t>)</a:t>
                   </a:r>
-                  <a:endParaRPr lang="en-US" sz="2000" dirty="0"/>
                 </a:p>
               </p:txBody>
             </p:sp>
@@ -23742,10 +23644,9 @@
                     </m:oMath>
                   </a14:m>
                   <a:r>
-                    <a:rPr lang="en-US" sz="2000" dirty="0" smtClean="0"/>
+                    <a:rPr lang="en-US" sz="2000" dirty="0"/>
                     <a:t>)</a:t>
                   </a:r>
-                  <a:endParaRPr lang="en-US" sz="2000" dirty="0"/>
                 </a:p>
               </p:txBody>
             </p:sp>
@@ -24430,10 +24331,9 @@
                     </m:oMath>
                   </a14:m>
                   <a:r>
-                    <a:rPr lang="en-US" sz="2000" dirty="0" smtClean="0"/>
+                    <a:rPr lang="en-US" sz="2000" dirty="0"/>
                     <a:t>)</a:t>
                   </a:r>
-                  <a:endParaRPr lang="en-US" sz="2000" dirty="0"/>
                 </a:p>
               </p:txBody>
             </p:sp>
@@ -24519,7 +24419,7 @@
               <a:lstStyle/>
               <a:p>
                 <a:r>
-                  <a:rPr lang="en-US" b="0" dirty="0" smtClean="0"/>
+                  <a:rPr lang="en-US" b="0" dirty="0"/>
                   <a:t>If: </a:t>
                 </a:r>
                 <a14:m>
@@ -24614,19 +24514,19 @@
                     </m:r>
                   </m:oMath>
                 </a14:m>
-                <a:endParaRPr lang="en-US" b="0" dirty="0" smtClean="0"/>
+                <a:endParaRPr lang="en-US" b="0" dirty="0"/>
               </a:p>
               <a:p>
                 <a:r>
-                  <a:rPr lang="en-US" dirty="0" smtClean="0"/>
+                  <a:rPr lang="en-US" dirty="0"/>
                   <a:t>Else: </a:t>
                 </a:r>
                 <a:r>
-                  <a:rPr lang="ru-RU" dirty="0" smtClean="0"/>
+                  <a:rPr lang="ru-RU" dirty="0"/>
                   <a:t> </a:t>
                 </a:r>
                 <a:r>
-                  <a:rPr lang="en-US" dirty="0" smtClean="0"/>
+                  <a:rPr lang="en-US" dirty="0"/>
                   <a:t>       </a:t>
                 </a:r>
                 <a14:m>
@@ -24773,7 +24673,7 @@
               <a:lstStyle/>
               <a:p>
                 <a:r>
-                  <a:rPr lang="en-US" sz="2000" dirty="0" smtClean="0"/>
+                  <a:rPr lang="en-US" sz="2000" dirty="0"/>
                   <a:t>If </a:t>
                 </a:r>
                 <a14:m>
@@ -24842,7 +24742,7 @@
                   </m:oMath>
                 </a14:m>
                 <a:r>
-                  <a:rPr lang="en-US" sz="2000" dirty="0" smtClean="0"/>
+                  <a:rPr lang="en-US" sz="2000" dirty="0"/>
                   <a:t> else : </a:t>
                 </a:r>
                 <a14:m>
@@ -24915,13 +24815,6 @@
   <p:clrMapOvr>
     <a:masterClrMapping/>
   </p:clrMapOvr>
-  <p:timing>
-    <p:tnLst>
-      <p:par>
-        <p:cTn id="1" dur="indefinite" restart="never" nodeType="tmRoot"/>
-      </p:par>
-    </p:tnLst>
-  </p:timing>
 </p:sld>
 </file>
 
@@ -25002,8 +24895,8 @@
           </a:p>
         </p:txBody>
       </p:sp>
-      <mc:AlternateContent xmlns:mc="http://schemas.openxmlformats.org/markup-compatibility/2006">
-        <mc:Choice xmlns:a14="http://schemas.microsoft.com/office/drawing/2010/main" Requires="a14">
+      <mc:AlternateContent xmlns:mc="http://schemas.openxmlformats.org/markup-compatibility/2006" xmlns:a14="http://schemas.microsoft.com/office/drawing/2010/main">
+        <mc:Choice Requires="a14">
           <p:sp>
             <p:nvSpPr>
               <p:cNvPr id="3" name="Объект 2"/>
@@ -25195,7 +25088,7 @@
                   <a:buNone/>
                 </a:pPr>
                 <a:r>
-                  <a:rPr lang="ru-RU" dirty="0" smtClean="0"/>
+                  <a:rPr lang="ru-RU" dirty="0"/>
                   <a:t>Тогда </a:t>
                 </a:r>
                 <a14:m>
@@ -25410,11 +25303,11 @@
                   </m:oMath>
                 </a14:m>
                 <a:r>
-                  <a:rPr lang="en-US" dirty="0" smtClean="0"/>
+                  <a:rPr lang="en-US" dirty="0"/>
                   <a:t> - </a:t>
                 </a:r>
                 <a:r>
-                  <a:rPr lang="ru-RU" dirty="0" smtClean="0"/>
+                  <a:rPr lang="ru-RU" dirty="0"/>
                   <a:t>не пренебрежимо малая величина </a:t>
                 </a:r>
                 <a14:m>
@@ -25428,7 +25321,7 @@
                   </m:oMath>
                 </a14:m>
                 <a:r>
-                  <a:rPr lang="ru-RU" dirty="0" smtClean="0"/>
+                  <a:rPr lang="ru-RU" dirty="0"/>
                   <a:t> построили атаку на блочный шифр </a:t>
                 </a:r>
                 <a14:m>
@@ -25442,7 +25335,7 @@
                   </m:oMath>
                 </a14:m>
                 <a:r>
-                  <a:rPr lang="ru-RU" dirty="0" smtClean="0"/>
+                  <a:rPr lang="ru-RU" dirty="0"/>
                   <a:t> противоречие </a:t>
                 </a:r>
                 <a14:m>
@@ -25465,7 +25358,7 @@
                   </m:oMath>
                 </a14:m>
                 <a:r>
-                  <a:rPr lang="ru-RU" dirty="0" smtClean="0"/>
+                  <a:rPr lang="ru-RU" dirty="0"/>
                   <a:t> – не предсказуемый </a:t>
                 </a:r>
                 <a14:m>
@@ -25479,7 +25372,7 @@
                   </m:oMath>
                 </a14:m>
                 <a:r>
-                  <a:rPr lang="ru-RU" dirty="0" smtClean="0"/>
+                  <a:rPr lang="ru-RU" dirty="0"/>
                   <a:t> теорема доказана.</a:t>
                 </a:r>
                 <a:r>
@@ -25507,7 +25400,7 @@
             </p:txBody>
           </p:sp>
         </mc:Choice>
-        <mc:Fallback>
+        <mc:Fallback xmlns="">
           <p:sp>
             <p:nvSpPr>
               <p:cNvPr id="3" name="Объект 2"/>
@@ -25574,13 +25467,6 @@
   <p:clrMapOvr>
     <a:masterClrMapping/>
   </p:clrMapOvr>
-  <p:timing>
-    <p:tnLst>
-      <p:par>
-        <p:cTn id="1" dur="indefinite" restart="never" nodeType="tmRoot"/>
-      </p:par>
-    </p:tnLst>
-  </p:timing>
 </p:sld>
 </file>
 
@@ -25617,10 +25503,9 @@
           <a:lstStyle/>
           <a:p>
             <a:r>
-              <a:rPr lang="ru-RU" dirty="0" smtClean="0"/>
+              <a:rPr lang="ru-RU" dirty="0"/>
               <a:t>Блочный шифр</a:t>
             </a:r>
-            <a:endParaRPr lang="ru-RU" dirty="0"/>
           </a:p>
         </p:txBody>
       </p:sp>
@@ -25652,11 +25537,11 @@
                   <a:buNone/>
                 </a:pPr>
                 <a:r>
-                  <a:rPr lang="ru-RU" b="1" dirty="0" smtClean="0"/>
+                  <a:rPr lang="ru-RU" b="1" dirty="0"/>
                   <a:t>Блочный шифр </a:t>
                 </a:r>
                 <a:r>
-                  <a:rPr lang="ru-RU" dirty="0" smtClean="0"/>
+                  <a:rPr lang="ru-RU" dirty="0"/>
                   <a:t>– детерминированный шифр </a:t>
                 </a:r>
                 <a14:m>
@@ -25714,15 +25599,15 @@
                   </m:oMath>
                 </a14:m>
                 <a:r>
-                  <a:rPr lang="en-US" dirty="0" smtClean="0"/>
+                  <a:rPr lang="en-US" dirty="0"/>
                   <a:t>о</a:t>
                 </a:r>
                 <a:r>
-                  <a:rPr lang="ru-RU" dirty="0" err="1" smtClean="0"/>
+                  <a:rPr lang="ru-RU" dirty="0" err="1"/>
                   <a:t>пределённый</a:t>
                 </a:r>
                 <a:r>
-                  <a:rPr lang="ru-RU" dirty="0" smtClean="0"/>
+                  <a:rPr lang="ru-RU" dirty="0"/>
                   <a:t> на </a:t>
                 </a:r>
                 <a14:m>
@@ -25765,7 +25650,7 @@
                   </m:oMath>
                 </a14:m>
                 <a:r>
-                  <a:rPr lang="ru-RU" dirty="0" smtClean="0"/>
+                  <a:rPr lang="ru-RU" dirty="0"/>
                   <a:t> </a:t>
                 </a:r>
                 <a14:m>
@@ -25820,7 +25705,7 @@
                     </m:r>
                   </m:oMath>
                 </a14:m>
-                <a:endParaRPr lang="en-US" dirty="0" smtClean="0"/>
+                <a:endParaRPr lang="en-US" dirty="0"/>
               </a:p>
               <a:p>
                 <a:pPr marL="0" indent="0">
@@ -25849,7 +25734,7 @@
                   </m:oMath>
                 </a14:m>
                 <a:r>
-                  <a:rPr lang="ru-RU" dirty="0" smtClean="0"/>
+                  <a:rPr lang="ru-RU" dirty="0"/>
                   <a:t> – блок данных, </a:t>
                 </a:r>
                 <a14:m>
@@ -25863,7 +25748,7 @@
                   </m:oMath>
                 </a14:m>
                 <a:r>
-                  <a:rPr lang="ru-RU" dirty="0" smtClean="0"/>
+                  <a:rPr lang="ru-RU" dirty="0"/>
                   <a:t> – множество блоков, </a:t>
                 </a:r>
                 <a14:m>
@@ -25877,7 +25762,7 @@
                   </m:oMath>
                 </a14:m>
                 <a:r>
-                  <a:rPr lang="ru-RU" dirty="0" smtClean="0"/>
+                  <a:rPr lang="ru-RU" dirty="0"/>
                   <a:t> – множество ключей блочного шифра.</a:t>
                 </a:r>
               </a:p>
@@ -25886,7 +25771,7 @@
                   <a:buNone/>
                 </a:pPr>
                 <a:r>
-                  <a:rPr lang="ru-RU" dirty="0" smtClean="0"/>
+                  <a:rPr lang="ru-RU" dirty="0"/>
                   <a:t>Для ключа </a:t>
                 </a:r>
                 <a14:m>
@@ -25912,7 +25797,7 @@
                   </m:oMath>
                 </a14:m>
                 <a:r>
-                  <a:rPr lang="ru-RU" dirty="0" smtClean="0"/>
+                  <a:rPr lang="ru-RU" dirty="0"/>
                   <a:t> определим функцию </a:t>
                 </a:r>
                 <a14:m>
@@ -26041,7 +25926,7 @@
                   </m:oMath>
                 </a14:m>
                 <a:r>
-                  <a:rPr lang="en-US" dirty="0" smtClean="0"/>
+                  <a:rPr lang="en-US" dirty="0"/>
                   <a:t> </a:t>
                 </a:r>
                 <a14:m>
@@ -26185,7 +26070,7 @@
                     </m:r>
                   </m:oMath>
                 </a14:m>
-                <a:endParaRPr lang="en-US" dirty="0" smtClean="0"/>
+                <a:endParaRPr lang="en-US" dirty="0"/>
               </a:p>
               <a:p>
                 <a:pPr marL="0" indent="0">
@@ -26198,7 +26083,7 @@
                   <a:buNone/>
                 </a:pPr>
                 <a:r>
-                  <a:rPr lang="ru-RU" dirty="0" smtClean="0"/>
+                  <a:rPr lang="ru-RU" dirty="0"/>
                   <a:t>Из свойства корректности имеем </a:t>
                 </a:r>
                 <a14:m>
@@ -26270,20 +26155,8 @@
                   </m:oMath>
                 </a14:m>
                 <a:r>
-                  <a:rPr lang="ru-RU" dirty="0" smtClean="0"/>
-                  <a:t> </a:t>
-                </a:r>
-                <a:r>
                   <a:rPr lang="ru-RU" dirty="0"/>
-                  <a:t>- </a:t>
-                </a:r>
-                <a:r>
-                  <a:rPr lang="ru-RU" dirty="0" smtClean="0"/>
-                  <a:t>подстановки </a:t>
-                </a:r>
-                <a:r>
-                  <a:rPr lang="ru-RU" dirty="0"/>
-                  <a:t>на множестве </a:t>
+                  <a:t> - подстановки на множестве </a:t>
                 </a:r>
                 <a14:m>
                   <m:oMath xmlns:m="http://schemas.openxmlformats.org/officeDocument/2006/math">
@@ -26302,7 +26175,7 @@
                   </m:oMath>
                 </a14:m>
                 <a:r>
-                  <a:rPr lang="ru-RU" dirty="0" smtClean="0"/>
+                  <a:rPr lang="ru-RU" dirty="0"/>
                   <a:t> </a:t>
                 </a:r>
                 <a14:m>
@@ -26386,11 +26259,11 @@
                   </m:oMath>
                 </a14:m>
                 <a:r>
-                  <a:rPr lang="en-US" dirty="0" smtClean="0"/>
+                  <a:rPr lang="en-US" dirty="0"/>
                   <a:t> </a:t>
                 </a:r>
                 <a:r>
-                  <a:rPr lang="ru-RU" dirty="0" smtClean="0"/>
+                  <a:rPr lang="ru-RU" dirty="0"/>
                   <a:t>где </a:t>
                 </a:r>
                 <a14:m>
@@ -26404,7 +26277,7 @@
                   </m:oMath>
                 </a14:m>
                 <a:r>
-                  <a:rPr lang="ru-RU" dirty="0" smtClean="0"/>
+                  <a:rPr lang="ru-RU" dirty="0"/>
                   <a:t> – тождественная подстановка на </a:t>
                 </a:r>
                 <a14:m>
@@ -26418,16 +26291,16 @@
                   </m:oMath>
                 </a14:m>
                 <a:r>
-                  <a:rPr lang="ru-RU" dirty="0" smtClean="0"/>
+                  <a:rPr lang="ru-RU" dirty="0"/>
                   <a:t>. </a:t>
                 </a:r>
-                <a:endParaRPr lang="en-US" dirty="0" smtClean="0"/>
+                <a:endParaRPr lang="en-US" dirty="0"/>
               </a:p>
               <a:p>
                 <a:pPr marL="0" indent="0">
                   <a:buNone/>
                 </a:pPr>
-                <a:endParaRPr lang="en-US" dirty="0" smtClean="0"/>
+                <a:endParaRPr lang="en-US" dirty="0"/>
               </a:p>
             </p:txBody>
           </p:sp>
@@ -26503,13 +26376,6 @@
   <p:clrMapOvr>
     <a:masterClrMapping/>
   </p:clrMapOvr>
-  <p:timing>
-    <p:tnLst>
-      <p:par>
-        <p:cTn id="1" dur="indefinite" restart="never" nodeType="tmRoot"/>
-      </p:par>
-    </p:tnLst>
-  </p:timing>
 </p:sld>
 </file>
 
@@ -26546,10 +26412,9 @@
           <a:lstStyle/>
           <a:p>
             <a:r>
-              <a:rPr lang="ru-RU" dirty="0" smtClean="0"/>
+              <a:rPr lang="ru-RU" dirty="0"/>
               <a:t>Стойкость против восстановления ключа</a:t>
             </a:r>
-            <a:endParaRPr lang="ru-RU" dirty="0"/>
           </a:p>
         </p:txBody>
       </p:sp>
@@ -26579,7 +26444,7 @@
                   <a:buNone/>
                 </a:pPr>
                 <a:r>
-                  <a:rPr lang="ru-RU" dirty="0" smtClean="0"/>
+                  <a:rPr lang="ru-RU" dirty="0"/>
                   <a:t>Рассмотрим игру. Пусть </a:t>
                 </a:r>
                 <a14:m>
@@ -26780,19 +26645,7 @@
                 </a14:m>
                 <a:r>
                   <a:rPr lang="ru-RU" dirty="0"/>
-                  <a:t> и получает </a:t>
-                </a:r>
-                <a:r>
-                  <a:rPr lang="ru-RU" dirty="0" smtClean="0"/>
-                  <a:t>шиф</a:t>
-                </a:r>
-                <a:r>
-                  <a:rPr lang="ru-RU" dirty="0"/>
-                  <a:t>р</a:t>
-                </a:r>
-                <a:r>
-                  <a:rPr lang="ru-RU" dirty="0" smtClean="0"/>
-                  <a:t>тексты </a:t>
+                  <a:t> и получает шифртексты </a:t>
                 </a:r>
                 <a14:m>
                   <m:oMath xmlns:m="http://schemas.openxmlformats.org/officeDocument/2006/math">
@@ -27491,7 +27344,7 @@
                     </m:oMath>
                   </m:oMathPara>
                 </a14:m>
-                <a:endParaRPr lang="en-US" b="0" dirty="0" smtClean="0"/>
+                <a:endParaRPr lang="en-US" b="0" dirty="0"/>
               </a:p>
               <a:p>
                 <a:endParaRPr lang="en-US" b="1" baseline="-25000" dirty="0">
@@ -27871,10 +27724,9 @@
                     </m:oMath>
                   </a14:m>
                   <a:r>
-                    <a:rPr lang="en-US" sz="2000" dirty="0" smtClean="0"/>
+                    <a:rPr lang="en-US" sz="2000" dirty="0"/>
                     <a:t>)</a:t>
                   </a:r>
-                  <a:endParaRPr lang="en-US" sz="2000" dirty="0"/>
                 </a:p>
               </p:txBody>
             </p:sp>
@@ -28256,10 +28108,9 @@
                     </m:oMath>
                   </a14:m>
                   <a:r>
-                    <a:rPr lang="en-US" sz="2000" dirty="0" smtClean="0"/>
+                    <a:rPr lang="en-US" sz="2000" dirty="0"/>
                     <a:t>)</a:t>
                   </a:r>
-                  <a:endParaRPr lang="en-US" sz="2000" dirty="0"/>
                 </a:p>
               </p:txBody>
             </p:sp>
@@ -28586,13 +28437,6 @@
   <p:clrMapOvr>
     <a:masterClrMapping/>
   </p:clrMapOvr>
-  <p:timing>
-    <p:tnLst>
-      <p:par>
-        <p:cTn id="1" dur="indefinite" restart="never" nodeType="tmRoot"/>
-      </p:par>
-    </p:tnLst>
-  </p:timing>
 </p:sld>
 </file>
 
@@ -28656,12 +28500,8 @@
                   <a:buNone/>
                 </a:pPr>
                 <a:r>
-                  <a:rPr lang="ru-RU" dirty="0" smtClean="0"/>
-                  <a:t>Блочный шифр называется стойким к восстановлению ключа </a:t>
-                </a:r>
-                <a:r>
                   <a:rPr lang="ru-RU" dirty="0"/>
-                  <a:t>блочным шифром, если для всех эффективных противников </a:t>
+                  <a:t>Блочный шифр называется стойким к восстановлению ключа блочным шифром, если для всех эффективных противников </a:t>
                 </a:r>
                 <a14:m>
                   <m:oMath xmlns:m="http://schemas.openxmlformats.org/officeDocument/2006/math">
@@ -29335,7 +29175,7 @@
                     </m:oMath>
                   </m:oMathPara>
                 </a14:m>
-                <a:endParaRPr lang="en-US" b="0" dirty="0" smtClean="0"/>
+                <a:endParaRPr lang="en-US" b="0" dirty="0"/>
               </a:p>
               <a:p>
                 <a:endParaRPr lang="en-US" b="1" baseline="-25000" dirty="0">
@@ -29715,10 +29555,9 @@
                     </m:oMath>
                   </a14:m>
                   <a:r>
-                    <a:rPr lang="en-US" sz="2000" dirty="0" smtClean="0"/>
+                    <a:rPr lang="en-US" sz="2000" dirty="0"/>
                     <a:t>)</a:t>
                   </a:r>
-                  <a:endParaRPr lang="en-US" sz="2000" dirty="0"/>
                 </a:p>
               </p:txBody>
             </p:sp>
@@ -30100,10 +29939,9 @@
                     </m:oMath>
                   </a14:m>
                   <a:r>
-                    <a:rPr lang="en-US" sz="2000" dirty="0" smtClean="0"/>
+                    <a:rPr lang="en-US" sz="2000" dirty="0"/>
                     <a:t>)</a:t>
                   </a:r>
-                  <a:endParaRPr lang="en-US" sz="2000" dirty="0"/>
                 </a:p>
               </p:txBody>
             </p:sp>
@@ -30430,13 +30268,6 @@
   <p:clrMapOvr>
     <a:masterClrMapping/>
   </p:clrMapOvr>
-  <p:timing>
-    <p:tnLst>
-      <p:par>
-        <p:cTn id="1" dur="indefinite" restart="never" nodeType="tmRoot"/>
-      </p:par>
-    </p:tnLst>
-  </p:timing>
 </p:sld>
 </file>
 
@@ -30539,11 +30370,7 @@
                 </a:pPr>
                 <a:r>
                   <a:rPr lang="ru-RU" b="1" dirty="0"/>
-                  <a:t>Теорема </a:t>
-                </a:r>
-                <a:r>
-                  <a:rPr lang="ru-RU" b="1" dirty="0" smtClean="0"/>
-                  <a:t>4.2. </a:t>
+                  <a:t>Теорема 4.2. </a:t>
                 </a:r>
                 <a:r>
                   <a:rPr lang="ru-RU" dirty="0"/>
@@ -30650,15 +30477,7 @@
                 </a14:m>
                 <a:r>
                   <a:rPr lang="ru-RU" dirty="0"/>
-                  <a:t> – </a:t>
-                </a:r>
-                <a:r>
-                  <a:rPr lang="ru-RU" dirty="0" smtClean="0"/>
-                  <a:t>непредсказуемый, </a:t>
-                </a:r>
-                <a:r>
-                  <a:rPr lang="ru-RU" dirty="0"/>
-                  <a:t>то </a:t>
+                  <a:t> – непредсказуемый, то </a:t>
                 </a:r>
                 <a14:m>
                   <m:oMath xmlns:m="http://schemas.openxmlformats.org/officeDocument/2006/math">
@@ -30672,13 +30491,8 @@
                 </a14:m>
                 <a:r>
                   <a:rPr lang="ru-RU" dirty="0"/>
-                  <a:t> – </a:t>
-                </a:r>
-                <a:r>
-                  <a:rPr lang="ru-RU" dirty="0" smtClean="0"/>
-                  <a:t>стойкий к восстановлению ключа.</a:t>
-                </a:r>
-                <a:endParaRPr lang="ru-RU" dirty="0"/>
+                  <a:t> – стойкий к восстановлению ключа.</a:t>
+                </a:r>
               </a:p>
               <a:p>
                 <a:pPr marL="0" indent="0">
@@ -30696,11 +30510,11 @@
                   </m:oMath>
                 </a14:m>
                 <a:r>
-                  <a:rPr lang="ru-RU" dirty="0" smtClean="0"/>
+                  <a:rPr lang="ru-RU" dirty="0"/>
                   <a:t>Доказательство аналогично теореме 4.1. Основная идея – если противник может восстановить ключ блочного шифра – то он может получить пару открытый текст – шифртекст, просто используя ключ.</a:t>
                 </a:r>
                 <a:r>
-                  <a:rPr lang="en-US" dirty="0" smtClean="0">
+                  <a:rPr lang="en-US" dirty="0">
                     <a:ea typeface="Cambria Math" panose="02040503050406030204" pitchFamily="18" charset="0"/>
                   </a:rPr>
                   <a:t> </a:t>
@@ -30788,13 +30602,6 @@
   <p:clrMapOvr>
     <a:masterClrMapping/>
   </p:clrMapOvr>
-  <p:timing>
-    <p:tnLst>
-      <p:par>
-        <p:cTn id="1" dur="indefinite" restart="never" nodeType="tmRoot"/>
-      </p:par>
-    </p:tnLst>
-  </p:timing>
 </p:sld>
 </file>
 
@@ -30869,10 +30676,9 @@
           <a:lstStyle/>
           <a:p>
             <a:r>
-              <a:rPr lang="ru-RU" dirty="0" smtClean="0"/>
+              <a:rPr lang="ru-RU" dirty="0"/>
               <a:t>Следствия стойкости</a:t>
             </a:r>
-            <a:endParaRPr lang="ru-RU" dirty="0"/>
           </a:p>
         </p:txBody>
       </p:sp>
@@ -30901,7 +30707,7 @@
               <a:lstStyle/>
               <a:p>
                 <a:r>
-                  <a:rPr lang="ru-RU" dirty="0" smtClean="0"/>
+                  <a:rPr lang="ru-RU" dirty="0"/>
                   <a:t>Если </a:t>
                 </a:r>
                 <a14:m>
@@ -30918,13 +30724,13 @@
                   </m:oMath>
                 </a14:m>
                 <a:r>
-                  <a:rPr lang="ru-RU" dirty="0" smtClean="0"/>
+                  <a:rPr lang="ru-RU" dirty="0"/>
                   <a:t> – стойкий блочный шифр, он должен быть стойким к восстановлению ключа.</a:t>
                 </a:r>
               </a:p>
               <a:p>
                 <a:r>
-                  <a:rPr lang="ru-RU" dirty="0" smtClean="0"/>
+                  <a:rPr lang="ru-RU" dirty="0"/>
                   <a:t>Если </a:t>
                 </a:r>
                 <a14:m>
@@ -30941,7 +30747,7 @@
                   </m:oMath>
                 </a14:m>
                 <a:r>
-                  <a:rPr lang="ru-RU" dirty="0" smtClean="0"/>
+                  <a:rPr lang="ru-RU" dirty="0"/>
                   <a:t> – стойкий к восстановлению ключа, то </a:t>
                 </a:r>
                 <a14:m>
@@ -30967,7 +30773,7 @@
                   </m:oMath>
                 </a14:m>
                 <a:r>
-                  <a:rPr lang="ru-RU" dirty="0" smtClean="0"/>
+                  <a:rPr lang="ru-RU" dirty="0"/>
                   <a:t> - сверх- полиномиальная</a:t>
                 </a:r>
               </a:p>
@@ -30987,7 +30793,7 @@
                   </m:oMath>
                 </a14:m>
                 <a:r>
-                  <a:rPr lang="ru-RU" dirty="0" smtClean="0"/>
+                  <a:rPr lang="ru-RU" dirty="0"/>
                   <a:t>Противник всегда может выиграть игру на восстановлению ключа с преимуществом </a:t>
                 </a:r>
                 <a14:m>
@@ -31078,7 +30884,7 @@
                   </m:oMath>
                 </a14:m>
                 <a:r>
-                  <a:rPr lang="ru-RU" dirty="0" smtClean="0"/>
+                  <a:rPr lang="ru-RU" dirty="0"/>
                   <a:t>, просто угадав ключ. Следовательно величина </a:t>
                 </a:r>
                 <a14:m>
@@ -31104,7 +30910,7 @@
                   </m:oMath>
                 </a14:m>
                 <a:r>
-                  <a:rPr lang="ru-RU" dirty="0" smtClean="0"/>
+                  <a:rPr lang="ru-RU" dirty="0"/>
                   <a:t> - должна быть пренебрежимо малой, </a:t>
                 </a:r>
                 <a14:m>
@@ -31134,11 +30940,11 @@
                   <a:t> - </a:t>
                 </a:r>
                 <a:r>
-                  <a:rPr lang="ru-RU" dirty="0" err="1" smtClean="0"/>
+                  <a:rPr lang="ru-RU" dirty="0" err="1"/>
                   <a:t>сверх-полиномиальной</a:t>
                 </a:r>
                 <a:r>
-                  <a:rPr lang="ru-RU" dirty="0" smtClean="0"/>
+                  <a:rPr lang="ru-RU" dirty="0"/>
                   <a:t>.</a:t>
                 </a:r>
                 <a:r>
@@ -31158,19 +30964,19 @@
                     </m:r>
                   </m:oMath>
                 </a14:m>
-                <a:endParaRPr lang="ru-RU" dirty="0" smtClean="0"/>
+                <a:endParaRPr lang="ru-RU" dirty="0"/>
               </a:p>
               <a:p>
                 <a:r>
-                  <a:rPr lang="ru-RU" dirty="0" smtClean="0"/>
+                  <a:rPr lang="ru-RU" dirty="0"/>
                   <a:t>Описанная выше атака на восстановление ключа называется </a:t>
                 </a:r>
                 <a:r>
-                  <a:rPr lang="en-US" dirty="0" smtClean="0"/>
+                  <a:rPr lang="en-US" dirty="0"/>
                   <a:t>exhaustive-search (</a:t>
                 </a:r>
                 <a:r>
-                  <a:rPr lang="ru-RU" dirty="0" smtClean="0"/>
+                  <a:rPr lang="ru-RU" dirty="0"/>
                   <a:t>полный перебор ключа, исчерпывающий поиск ключа, полная апробация). Если противник проверяет </a:t>
                 </a:r>
                 <a14:m>
@@ -31184,19 +30990,19 @@
                   </m:oMath>
                 </a14:m>
                 <a:r>
-                  <a:rPr lang="ru-RU" dirty="0" smtClean="0"/>
+                  <a:rPr lang="ru-RU" dirty="0"/>
                   <a:t> ключей за время</a:t>
                 </a:r>
                 <a:r>
-                  <a:rPr lang="en-US" dirty="0" smtClean="0"/>
+                  <a:rPr lang="en-US" dirty="0"/>
                   <a:t> </a:t>
                 </a:r>
                 <a:r>
-                  <a:rPr lang="ru-RU" dirty="0" err="1" smtClean="0"/>
+                  <a:rPr lang="ru-RU" dirty="0" err="1"/>
                   <a:t>полиномиально</a:t>
                 </a:r>
                 <a:r>
-                  <a:rPr lang="ru-RU" dirty="0" smtClean="0"/>
+                  <a:rPr lang="ru-RU" dirty="0"/>
                   <a:t> ограниченное от</a:t>
                 </a:r>
                 <a14:m>
@@ -31222,7 +31028,7 @@
                   </m:oMath>
                 </a14:m>
                 <a:r>
-                  <a:rPr lang="ru-RU" dirty="0" smtClean="0"/>
+                  <a:rPr lang="ru-RU" dirty="0"/>
                   <a:t>то вероятность совершить атаку составляет </a:t>
                 </a:r>
                 <a14:m>
@@ -31285,10 +31091,9 @@
                   </m:oMath>
                 </a14:m>
                 <a:r>
-                  <a:rPr lang="ru-RU" dirty="0" smtClean="0"/>
+                  <a:rPr lang="ru-RU" dirty="0"/>
                   <a:t> Является верхней границей стойкости.</a:t>
                 </a:r>
-                <a:endParaRPr lang="ru-RU" dirty="0"/>
               </a:p>
             </p:txBody>
           </p:sp>
@@ -31364,13 +31169,6 @@
   <p:clrMapOvr>
     <a:masterClrMapping/>
   </p:clrMapOvr>
-  <p:timing>
-    <p:tnLst>
-      <p:par>
-        <p:cTn id="1" dur="indefinite" restart="never" nodeType="tmRoot"/>
-      </p:par>
-    </p:tnLst>
-  </p:timing>
 </p:sld>
 </file>
 
@@ -31407,23 +31205,23 @@
           <a:lstStyle/>
           <a:p>
             <a:r>
-              <a:rPr lang="en-US" dirty="0" err="1" smtClean="0"/>
+              <a:rPr lang="en-US" dirty="0" err="1"/>
               <a:t>Использование</a:t>
             </a:r>
             <a:r>
-              <a:rPr lang="en-US" dirty="0" smtClean="0"/>
+              <a:rPr lang="en-US" dirty="0"/>
               <a:t> </a:t>
             </a:r>
             <a:r>
-              <a:rPr lang="en-US" dirty="0" err="1" smtClean="0"/>
+              <a:rPr lang="en-US" dirty="0" err="1"/>
               <a:t>блочных</a:t>
             </a:r>
             <a:r>
-              <a:rPr lang="en-US" dirty="0" smtClean="0"/>
+              <a:rPr lang="en-US" dirty="0"/>
               <a:t> </a:t>
             </a:r>
             <a:r>
-              <a:rPr lang="en-US" dirty="0" err="1" smtClean="0"/>
+              <a:rPr lang="en-US" dirty="0" err="1"/>
               <a:t>шифров</a:t>
             </a:r>
             <a:endParaRPr lang="ru-RU" dirty="0"/>
@@ -31451,7 +31249,7 @@
                   <a:buNone/>
                 </a:pPr>
                 <a:r>
-                  <a:rPr lang="en-US" dirty="0" smtClean="0"/>
+                  <a:rPr lang="en-US" dirty="0"/>
                   <a:t>Пусть </a:t>
                 </a:r>
                 <a14:m>
@@ -31498,31 +31296,31 @@
                   </m:oMath>
                 </a14:m>
                 <a:r>
-                  <a:rPr lang="en-US" dirty="0" smtClean="0"/>
+                  <a:rPr lang="en-US" dirty="0"/>
                   <a:t> – </a:t>
                 </a:r>
                 <a:r>
-                  <a:rPr lang="en-US" dirty="0" err="1" smtClean="0"/>
+                  <a:rPr lang="en-US" dirty="0" err="1"/>
                   <a:t>блочный</a:t>
                 </a:r>
                 <a:r>
-                  <a:rPr lang="en-US" dirty="0" smtClean="0"/>
+                  <a:rPr lang="en-US" dirty="0"/>
                   <a:t> </a:t>
                 </a:r>
                 <a:r>
-                  <a:rPr lang="en-US" dirty="0" err="1" smtClean="0"/>
+                  <a:rPr lang="en-US" dirty="0" err="1"/>
                   <a:t>шифр</a:t>
                 </a:r>
                 <a:r>
-                  <a:rPr lang="en-US" dirty="0" smtClean="0"/>
+                  <a:rPr lang="en-US" dirty="0"/>
                   <a:t> </a:t>
                 </a:r>
                 <a:r>
-                  <a:rPr lang="en-US" dirty="0" err="1" smtClean="0"/>
+                  <a:rPr lang="en-US" dirty="0" err="1"/>
                   <a:t>на</a:t>
                 </a:r>
                 <a:r>
-                  <a:rPr lang="en-US" dirty="0" smtClean="0"/>
+                  <a:rPr lang="en-US" dirty="0"/>
                   <a:t> </a:t>
                 </a:r>
                 <a14:m>
@@ -31560,7 +31358,7 @@
                   </m:oMath>
                 </a14:m>
                 <a:r>
-                  <a:rPr lang="en-US" dirty="0" smtClean="0"/>
+                  <a:rPr lang="en-US" dirty="0"/>
                   <a:t>.</a:t>
                 </a:r>
               </a:p>
@@ -31569,7 +31367,7 @@
                   <a:buNone/>
                 </a:pPr>
                 <a:r>
-                  <a:rPr lang="ru-RU" dirty="0" smtClean="0"/>
+                  <a:rPr lang="ru-RU" dirty="0"/>
                   <a:t>Можем ли мы использовать блочный шифр для построения семантически стойких шифров для сообщений произвольной длины?</a:t>
                 </a:r>
               </a:p>
@@ -31643,13 +31441,6 @@
   <p:clrMapOvr>
     <a:masterClrMapping/>
   </p:clrMapOvr>
-  <p:timing>
-    <p:tnLst>
-      <p:par>
-        <p:cTn id="1" dur="indefinite" restart="never" nodeType="tmRoot"/>
-      </p:par>
-    </p:tnLst>
-  </p:timing>
 </p:sld>
 </file>
 
@@ -31686,7 +31477,7 @@
           <a:lstStyle/>
           <a:p>
             <a:r>
-              <a:rPr lang="en-US" dirty="0" smtClean="0"/>
+              <a:rPr lang="en-US" dirty="0"/>
               <a:t>ECB</a:t>
             </a:r>
             <a:endParaRPr lang="ru-RU" dirty="0"/>
@@ -31714,7 +31505,7 @@
                   <a:buNone/>
                 </a:pPr>
                 <a:r>
-                  <a:rPr lang="en-US" dirty="0" smtClean="0"/>
+                  <a:rPr lang="en-US" dirty="0"/>
                   <a:t>Пусть </a:t>
                 </a:r>
                 <a14:m>
@@ -31823,23 +31614,19 @@
                   </m:oMath>
                 </a14:m>
                 <a:r>
-                  <a:rPr lang="en-US" dirty="0" smtClean="0"/>
+                  <a:rPr lang="en-US" dirty="0"/>
                   <a:t>.</a:t>
                 </a:r>
                 <a:r>
                   <a:rPr lang="ru-RU" dirty="0"/>
-                  <a:t> </a:t>
-                </a:r>
-                <a:r>
-                  <a:rPr lang="ru-RU" dirty="0" smtClean="0"/>
-                  <a:t>Для </a:t>
-                </a:r>
-                <a:r>
-                  <a:rPr lang="ru-RU" dirty="0" err="1" smtClean="0"/>
+                  <a:t> Для </a:t>
+                </a:r>
+                <a:r>
+                  <a:rPr lang="ru-RU" dirty="0" err="1"/>
                   <a:t>полиномиально</a:t>
                 </a:r>
                 <a:r>
-                  <a:rPr lang="ru-RU" dirty="0" smtClean="0"/>
+                  <a:rPr lang="ru-RU" dirty="0"/>
                   <a:t> ограниченной величины </a:t>
                 </a:r>
                 <a14:m>
@@ -31865,11 +31652,11 @@
                   </m:oMath>
                 </a14:m>
                 <a:r>
-                  <a:rPr lang="en-US" dirty="0" smtClean="0"/>
+                  <a:rPr lang="en-US" dirty="0"/>
                   <a:t> </a:t>
                 </a:r>
                 <a:r>
-                  <a:rPr lang="ru-RU" dirty="0" smtClean="0"/>
+                  <a:rPr lang="ru-RU" dirty="0"/>
                   <a:t>определим шифр </a:t>
                 </a:r>
                 <a14:m>
@@ -31973,11 +31760,11 @@
                   </m:oMath>
                 </a14:m>
                 <a:r>
-                  <a:rPr lang="en-US" dirty="0" smtClean="0"/>
+                  <a:rPr lang="en-US" dirty="0"/>
                   <a:t> </a:t>
                 </a:r>
                 <a:r>
-                  <a:rPr lang="ru-RU" dirty="0" smtClean="0"/>
+                  <a:rPr lang="ru-RU" dirty="0"/>
                   <a:t>на </a:t>
                 </a:r>
                 <a14:m>
@@ -32071,22 +31858,22 @@
                   </m:oMath>
                 </a14:m>
                 <a:r>
-                  <a:rPr lang="en-US" dirty="0" smtClean="0"/>
+                  <a:rPr lang="en-US" dirty="0"/>
                   <a:t>)</a:t>
                 </a:r>
                 <a:r>
-                  <a:rPr lang="ru-RU" dirty="0" smtClean="0"/>
+                  <a:rPr lang="ru-RU" dirty="0"/>
                   <a:t> следующим образом</a:t>
                 </a:r>
                 <a:r>
-                  <a:rPr lang="en-US" dirty="0" smtClean="0"/>
+                  <a:rPr lang="en-US" dirty="0"/>
                   <a:t>:</a:t>
                 </a:r>
-                <a:endParaRPr lang="ru-RU" dirty="0" smtClean="0"/>
+                <a:endParaRPr lang="ru-RU" dirty="0"/>
               </a:p>
               <a:p>
                 <a:r>
-                  <a:rPr lang="ru-RU" dirty="0" smtClean="0"/>
+                  <a:rPr lang="ru-RU" dirty="0"/>
                   <a:t>Для </a:t>
                 </a:r>
                 <a14:m>
@@ -32191,14 +31978,14 @@
                   </m:oMath>
                 </a14:m>
                 <a:r>
-                  <a:rPr lang="en-US" dirty="0" smtClean="0"/>
+                  <a:rPr lang="en-US" dirty="0"/>
                   <a:t> </a:t>
                 </a:r>
                 <a:r>
-                  <a:rPr lang="ru-RU" dirty="0" smtClean="0"/>
+                  <a:rPr lang="ru-RU" dirty="0"/>
                   <a:t>определим </a:t>
                 </a:r>
-                <a:endParaRPr lang="en-US" dirty="0" smtClean="0"/>
+                <a:endParaRPr lang="en-US" dirty="0"/>
               </a:p>
               <a:p>
                 <a:pPr marL="0" indent="0">
@@ -32410,7 +32197,7 @@
                     </m:oMath>
                   </m:oMathPara>
                 </a14:m>
-                <a:endParaRPr lang="en-US" dirty="0" smtClean="0"/>
+                <a:endParaRPr lang="en-US" dirty="0"/>
               </a:p>
               <a:p>
                 <a:r>
@@ -32804,13 +32591,6 @@
   <p:clrMapOvr>
     <a:masterClrMapping/>
   </p:clrMapOvr>
-  <p:timing>
-    <p:tnLst>
-      <p:par>
-        <p:cTn id="1" dur="indefinite" restart="never" nodeType="tmRoot"/>
-      </p:par>
-    </p:tnLst>
-  </p:timing>
 </p:sld>
 </file>
 
@@ -32847,10 +32627,9 @@
           <a:lstStyle/>
           <a:p>
             <a:r>
-              <a:rPr lang="ru-RU" dirty="0" smtClean="0"/>
+              <a:rPr lang="ru-RU" dirty="0"/>
               <a:t>ECB</a:t>
             </a:r>
-            <a:endParaRPr lang="ru-RU" dirty="0"/>
           </a:p>
         </p:txBody>
       </p:sp>
@@ -32948,7 +32727,7 @@
           <a:lstStyle/>
           <a:p>
             <a:r>
-              <a:rPr lang="en-US" dirty="0" err="1" smtClean="0"/>
+              <a:rPr lang="en-US" dirty="0" err="1"/>
               <a:t>Зашифрование</a:t>
             </a:r>
             <a:endParaRPr lang="ru-RU" dirty="0"/>
@@ -32978,7 +32757,7 @@
           <a:lstStyle/>
           <a:p>
             <a:r>
-              <a:rPr lang="en-US" dirty="0" err="1" smtClean="0"/>
+              <a:rPr lang="en-US" dirty="0" err="1"/>
               <a:t>Расшифрование</a:t>
             </a:r>
             <a:endParaRPr lang="ru-RU" dirty="0"/>
@@ -32995,13 +32774,6 @@
   <p:clrMapOvr>
     <a:masterClrMapping/>
   </p:clrMapOvr>
-  <p:timing>
-    <p:tnLst>
-      <p:par>
-        <p:cTn id="1" dur="indefinite" restart="never" nodeType="tmRoot"/>
-      </p:par>
-    </p:tnLst>
-  </p:timing>
 </p:sld>
 </file>
 
@@ -33076,18 +32848,17 @@
           <a:lstStyle/>
           <a:p>
             <a:r>
-              <a:rPr lang="en-US" dirty="0" err="1" smtClean="0"/>
+              <a:rPr lang="en-US" dirty="0" err="1"/>
               <a:t>Стойкость</a:t>
             </a:r>
             <a:r>
-              <a:rPr lang="en-US" dirty="0" smtClean="0"/>
+              <a:rPr lang="en-US" dirty="0"/>
               <a:t> </a:t>
             </a:r>
             <a:r>
-              <a:rPr lang="ru-RU" dirty="0" smtClean="0"/>
+              <a:rPr lang="ru-RU" dirty="0"/>
               <a:t> ECB</a:t>
             </a:r>
-            <a:endParaRPr lang="ru-RU" dirty="0"/>
           </a:p>
         </p:txBody>
       </p:sp>
@@ -33112,11 +32883,11 @@
                   <a:buNone/>
                 </a:pPr>
                 <a:r>
-                  <a:rPr lang="ru-RU" b="1" dirty="0" smtClean="0"/>
+                  <a:rPr lang="ru-RU" b="1" dirty="0"/>
                   <a:t>Теорема 4.3. </a:t>
                 </a:r>
                 <a:r>
-                  <a:rPr lang="ru-RU" dirty="0" smtClean="0"/>
+                  <a:rPr lang="ru-RU" dirty="0"/>
                   <a:t>Пусть </a:t>
                 </a:r>
                 <a14:m>
@@ -33267,20 +33038,16 @@
                   <a:t> </a:t>
                 </a:r>
                 <a:r>
-                  <a:rPr lang="ru-RU" dirty="0" smtClean="0"/>
+                  <a:rPr lang="ru-RU" dirty="0"/>
                   <a:t>определим </a:t>
                 </a:r>
                 <a:r>
-                  <a:rPr lang="en-US" dirty="0" smtClean="0"/>
+                  <a:rPr lang="en-US" dirty="0"/>
                   <a:t>ECB</a:t>
                 </a:r>
                 <a:r>
-                  <a:rPr lang="ru-RU" dirty="0" smtClean="0"/>
-                  <a:t> </a:t>
-                </a:r>
-                <a:r>
                   <a:rPr lang="ru-RU" dirty="0"/>
-                  <a:t>шифр </a:t>
+                  <a:t> шифр </a:t>
                 </a:r>
                 <a14:m>
                   <m:oMath xmlns:m="http://schemas.openxmlformats.org/officeDocument/2006/math">
@@ -33493,11 +33260,11 @@
                   </m:oMath>
                 </a14:m>
                 <a:r>
-                  <a:rPr lang="en-US" dirty="0" smtClean="0"/>
+                  <a:rPr lang="en-US" dirty="0"/>
                   <a:t>)</a:t>
                 </a:r>
                 <a:r>
-                  <a:rPr lang="ru-RU" dirty="0" smtClean="0"/>
+                  <a:rPr lang="ru-RU" dirty="0"/>
                   <a:t>, где </a:t>
                 </a:r>
                 <a14:m>
@@ -33536,7 +33303,7 @@
                   </m:oMath>
                 </a14:m>
                 <a:r>
-                  <a:rPr lang="ru-RU" dirty="0" smtClean="0"/>
+                  <a:rPr lang="ru-RU" dirty="0"/>
                   <a:t> - сообщения, длины не более  чем из </a:t>
                 </a:r>
                 <a14:m>
@@ -33550,15 +33317,15 @@
                   </m:oMath>
                 </a14:m>
                 <a:r>
-                  <a:rPr lang="ru-RU" dirty="0" smtClean="0"/>
+                  <a:rPr lang="ru-RU" dirty="0"/>
                   <a:t> </a:t>
                 </a:r>
                 <a:r>
-                  <a:rPr lang="ru-RU" b="1" dirty="0" smtClean="0"/>
+                  <a:rPr lang="ru-RU" b="1" dirty="0"/>
                   <a:t>попарно различных блоков</a:t>
                 </a:r>
                 <a:r>
-                  <a:rPr lang="ru-RU" dirty="0" smtClean="0"/>
+                  <a:rPr lang="ru-RU" dirty="0"/>
                   <a:t>. Тогда если </a:t>
                 </a:r>
                 <a14:m>
@@ -33575,7 +33342,7 @@
                   </m:oMath>
                 </a14:m>
                 <a:r>
-                  <a:rPr lang="ru-RU" dirty="0" smtClean="0"/>
+                  <a:rPr lang="ru-RU" dirty="0"/>
                   <a:t> – стойкий блочный шифр, то </a:t>
                 </a:r>
                 <a14:m>
@@ -33598,7 +33365,7 @@
                   </m:oMath>
                 </a14:m>
                 <a:r>
-                  <a:rPr lang="ru-RU" dirty="0" smtClean="0"/>
+                  <a:rPr lang="ru-RU" dirty="0"/>
                   <a:t> - семантически стойкий. В частности </a:t>
                 </a:r>
                 <a14:m>
@@ -33618,7 +33385,7 @@
                   </m:oMath>
                 </a14:m>
                 <a:r>
-                  <a:rPr lang="ru-RU" dirty="0" smtClean="0"/>
+                  <a:rPr lang="ru-RU" dirty="0"/>
                   <a:t> в игре на семантическую стойкость против </a:t>
                 </a:r>
                 <a14:m>
@@ -33666,7 +33433,7 @@
                   </m:oMath>
                 </a14:m>
                 <a:r>
-                  <a:rPr lang="ru-RU" dirty="0" smtClean="0"/>
+                  <a:rPr lang="ru-RU" dirty="0"/>
                   <a:t> в игре на стойкость блочного шифра, такой что</a:t>
                 </a:r>
               </a:p>
@@ -33837,7 +33604,7 @@
                     </m:oMath>
                   </m:oMathPara>
                 </a14:m>
-                <a:endParaRPr lang="en-US" dirty="0" smtClean="0"/>
+                <a:endParaRPr lang="en-US" dirty="0"/>
               </a:p>
               <a:p>
                 <a:pPr marL="0" indent="0">
@@ -33855,23 +33622,23 @@
                   </m:oMath>
                 </a14:m>
                 <a:r>
-                  <a:rPr lang="ru-RU" dirty="0" smtClean="0"/>
+                  <a:rPr lang="ru-RU" dirty="0"/>
                   <a:t>Без доказательства, основная идея – для псевдослучайной подстановки противник не может отличить </a:t>
                 </a:r>
                 <a:r>
-                  <a:rPr lang="ru-RU" dirty="0" err="1" smtClean="0"/>
+                  <a:rPr lang="ru-RU" dirty="0" err="1"/>
                   <a:t>зашифрование</a:t>
                 </a:r>
                 <a:r>
-                  <a:rPr lang="ru-RU" dirty="0" smtClean="0"/>
+                  <a:rPr lang="ru-RU" dirty="0"/>
                   <a:t> уникальных блоков от случайных блоков, а значит не может отличить 2 различных </a:t>
                 </a:r>
                 <a:r>
-                  <a:rPr lang="ru-RU" dirty="0" err="1" smtClean="0"/>
+                  <a:rPr lang="ru-RU" dirty="0" err="1"/>
                   <a:t>зашифрования</a:t>
                 </a:r>
                 <a:r>
-                  <a:rPr lang="ru-RU" dirty="0" smtClean="0"/>
+                  <a:rPr lang="ru-RU" dirty="0"/>
                   <a:t>.</a:t>
                 </a:r>
                 <a:r>
@@ -33969,13 +33736,6 @@
   <p:clrMapOvr>
     <a:masterClrMapping/>
   </p:clrMapOvr>
-  <p:timing>
-    <p:tnLst>
-      <p:par>
-        <p:cTn id="1" dur="indefinite" restart="never" nodeType="tmRoot"/>
-      </p:par>
-    </p:tnLst>
-  </p:timing>
 </p:sld>
 </file>
 
@@ -34020,10 +33780,9 @@
               <a:t> </a:t>
             </a:r>
             <a:r>
-              <a:rPr lang="ru-RU" dirty="0" smtClean="0"/>
+              <a:rPr lang="ru-RU" dirty="0"/>
               <a:t>ECB</a:t>
             </a:r>
-            <a:endParaRPr lang="ru-RU" dirty="0"/>
           </a:p>
         </p:txBody>
       </p:sp>
@@ -34043,59 +33802,51 @@
           <a:lstStyle/>
           <a:p>
             <a:r>
-              <a:rPr lang="ru-RU" dirty="0" smtClean="0"/>
+              <a:rPr lang="ru-RU" dirty="0"/>
               <a:t>Стойкий блочный шифр в режиме </a:t>
             </a:r>
             <a:r>
-              <a:rPr lang="en-US" dirty="0" smtClean="0"/>
+              <a:rPr lang="en-US" dirty="0"/>
               <a:t>ECB </a:t>
             </a:r>
             <a:r>
-              <a:rPr lang="ru-RU" dirty="0" smtClean="0"/>
+              <a:rPr lang="ru-RU" dirty="0"/>
               <a:t>– семантически стойкий для</a:t>
             </a:r>
           </a:p>
           <a:p>
             <a:pPr lvl="1"/>
             <a:r>
-              <a:rPr lang="ru-RU" dirty="0" smtClean="0"/>
+              <a:rPr lang="ru-RU" dirty="0"/>
               <a:t>Сообщений, состоящих из уникальных, </a:t>
             </a:r>
             <a:r>
-              <a:rPr lang="ru-RU" b="1" dirty="0" smtClean="0"/>
+              <a:rPr lang="ru-RU" b="1" dirty="0"/>
               <a:t>попарно различных блоков </a:t>
             </a:r>
             <a:r>
-              <a:rPr lang="ru-RU" dirty="0" smtClean="0"/>
+              <a:rPr lang="ru-RU" dirty="0"/>
               <a:t>(например есть открытый текст – случайных ключ), не повторяющихся во время жизни ключа</a:t>
             </a:r>
           </a:p>
           <a:p>
             <a:pPr lvl="1"/>
             <a:r>
-              <a:rPr lang="ru-RU" dirty="0" smtClean="0"/>
+              <a:rPr lang="ru-RU" dirty="0"/>
               <a:t>Любых коротких, уникальных сообщений, длинной в один блок, не повторяющихся во время жизни ключа</a:t>
             </a:r>
           </a:p>
           <a:p>
             <a:r>
-              <a:rPr lang="ru-RU" dirty="0" smtClean="0"/>
-              <a:t>Что </a:t>
-            </a:r>
-            <a:r>
               <a:rPr lang="ru-RU" dirty="0"/>
-              <a:t>для произвольных сообщений произвольной </a:t>
-            </a:r>
-            <a:r>
-              <a:rPr lang="ru-RU" dirty="0" smtClean="0"/>
-              <a:t>длины?</a:t>
+              <a:t>Что для произвольных сообщений произвольной длины?</a:t>
             </a:r>
           </a:p>
           <a:p>
-            <a:endParaRPr lang="ru-RU" dirty="0" smtClean="0"/>
+            <a:endParaRPr lang="ru-RU" dirty="0"/>
           </a:p>
           <a:p>
-            <a:endParaRPr lang="ru-RU" dirty="0" smtClean="0"/>
+            <a:endParaRPr lang="ru-RU" dirty="0"/>
           </a:p>
           <a:p>
             <a:endParaRPr lang="ru-RU" dirty="0"/>
@@ -34138,13 +33889,6 @@
   <p:clrMapOvr>
     <a:masterClrMapping/>
   </p:clrMapOvr>
-  <p:timing>
-    <p:tnLst>
-      <p:par>
-        <p:cTn id="1" dur="indefinite" restart="never" nodeType="tmRoot"/>
-      </p:par>
-    </p:tnLst>
-  </p:timing>
 </p:sld>
 </file>
 
@@ -34181,11 +33925,11 @@
           <a:lstStyle/>
           <a:p>
             <a:r>
-              <a:rPr lang="ru-RU" dirty="0" smtClean="0"/>
+              <a:rPr lang="ru-RU" dirty="0"/>
               <a:t>Стойкость </a:t>
             </a:r>
             <a:r>
-              <a:rPr lang="en-US" dirty="0" smtClean="0"/>
+              <a:rPr lang="en-US" dirty="0"/>
               <a:t>ECB</a:t>
             </a:r>
             <a:endParaRPr lang="ru-RU" dirty="0"/>
@@ -34218,46 +33962,45 @@
               <a:buNone/>
             </a:pPr>
             <a:r>
-              <a:rPr lang="ru-RU" dirty="0" err="1" smtClean="0"/>
+              <a:rPr lang="ru-RU" dirty="0" err="1"/>
               <a:t>Зашифрование</a:t>
             </a:r>
             <a:r>
-              <a:rPr lang="ru-RU" dirty="0" smtClean="0"/>
+              <a:rPr lang="ru-RU" dirty="0"/>
               <a:t> в режиме </a:t>
             </a:r>
             <a:r>
-              <a:rPr lang="en-US" dirty="0" smtClean="0"/>
+              <a:rPr lang="en-US" dirty="0"/>
               <a:t>ECB</a:t>
             </a:r>
             <a:r>
-              <a:rPr lang="ru-RU" dirty="0" smtClean="0"/>
+              <a:rPr lang="ru-RU" dirty="0"/>
               <a:t> происходит </a:t>
             </a:r>
             <a:r>
-              <a:rPr lang="ru-RU" dirty="0" err="1" smtClean="0"/>
+              <a:rPr lang="ru-RU" dirty="0" err="1"/>
               <a:t>детерминированно</a:t>
             </a:r>
             <a:r>
-              <a:rPr lang="ru-RU" dirty="0" smtClean="0"/>
+              <a:rPr lang="ru-RU" dirty="0"/>
               <a:t> и </a:t>
             </a:r>
             <a:r>
-              <a:rPr lang="ru-RU" dirty="0" err="1" smtClean="0"/>
+              <a:rPr lang="ru-RU" dirty="0" err="1"/>
               <a:t>поблочно</a:t>
             </a:r>
             <a:r>
-              <a:rPr lang="ru-RU" dirty="0" smtClean="0"/>
+              <a:rPr lang="ru-RU" dirty="0"/>
               <a:t>, как следствие одинаковые блоки имеют одинаковый </a:t>
             </a:r>
             <a:r>
-              <a:rPr lang="ru-RU" dirty="0" err="1" smtClean="0"/>
+              <a:rPr lang="ru-RU" dirty="0" err="1"/>
               <a:t>шифртекст</a:t>
             </a:r>
             <a:r>
-              <a:rPr lang="ru-RU" dirty="0" smtClean="0"/>
+              <a:rPr lang="ru-RU" dirty="0"/>
               <a:t>.</a:t>
             </a:r>
-            <a:endParaRPr lang="ru-RU" dirty="0"/>
           </a:p>
         </p:txBody>
       </p:sp>
@@ -35605,13 +35348,6 @@
   <p:clrMapOvr>
     <a:masterClrMapping/>
   </p:clrMapOvr>
-  <p:timing>
-    <p:tnLst>
-      <p:par>
-        <p:cTn id="1" dur="indefinite" restart="never" nodeType="tmRoot"/>
-      </p:par>
-    </p:tnLst>
-  </p:timing>
 </p:sld>
 </file>
 
@@ -35648,10 +35384,9 @@
           <a:lstStyle/>
           <a:p>
             <a:r>
-              <a:rPr lang="ru-RU" dirty="0" smtClean="0"/>
+              <a:rPr lang="ru-RU" dirty="0"/>
               <a:t>Блочный шифр</a:t>
             </a:r>
-            <a:endParaRPr lang="ru-RU" dirty="0"/>
           </a:p>
         </p:txBody>
       </p:sp>
@@ -35671,16 +35406,15 @@
           <a:lstStyle/>
           <a:p>
             <a:r>
-              <a:rPr lang="ru-RU" dirty="0" smtClean="0"/>
+              <a:rPr lang="ru-RU" dirty="0"/>
               <a:t>Блочные шифры является основным криптографическим примитивом для построения симметричных криптосистем.</a:t>
             </a:r>
           </a:p>
           <a:p>
             <a:r>
-              <a:rPr lang="ru-RU" dirty="0" smtClean="0"/>
+              <a:rPr lang="ru-RU" dirty="0"/>
               <a:t>Могут быть использованы для как схем шифрования (в схемах шифрования), так и для обеспечения аутентичности (в кодах аутентичности сообщений.</a:t>
             </a:r>
-            <a:endParaRPr lang="ru-RU" dirty="0"/>
           </a:p>
         </p:txBody>
       </p:sp>
@@ -35915,13 +35649,13 @@
               <a:t>n</a:t>
             </a:r>
             <a:r>
-              <a:rPr lang="en-US" sz="1800" dirty="0" smtClean="0">
+              <a:rPr lang="en-US" sz="1800" dirty="0">
                 <a:latin typeface="Tahoma" pitchFamily="34" charset="0"/>
               </a:rPr>
               <a:t> </a:t>
             </a:r>
             <a:r>
-              <a:rPr lang="ru-RU" sz="1800" dirty="0" smtClean="0">
+              <a:rPr lang="ru-RU" sz="1800" dirty="0">
                 <a:latin typeface="Tahoma" pitchFamily="34" charset="0"/>
               </a:rPr>
               <a:t>бит</a:t>
@@ -36017,16 +35751,10 @@
               <a:rPr lang="en-US" sz="2000" dirty="0">
                 <a:latin typeface="Tahoma" pitchFamily="34" charset="0"/>
               </a:rPr>
-              <a:t>n</a:t>
+              <a:t>n </a:t>
             </a:r>
             <a:r>
-              <a:rPr lang="en-US" sz="2000" dirty="0" smtClean="0">
-                <a:latin typeface="Tahoma" pitchFamily="34" charset="0"/>
-              </a:rPr>
-              <a:t> </a:t>
-            </a:r>
-            <a:r>
-              <a:rPr lang="ru-RU" sz="2000" dirty="0" smtClean="0">
+              <a:rPr lang="ru-RU" sz="2000" dirty="0">
                 <a:latin typeface="Tahoma" pitchFamily="34" charset="0"/>
               </a:rPr>
               <a:t>бит</a:t>
@@ -36125,7 +35853,7 @@
               <a:t>k </a:t>
             </a:r>
             <a:r>
-              <a:rPr lang="ru-RU" sz="1800" dirty="0" smtClean="0">
+              <a:rPr lang="ru-RU" sz="1800" dirty="0">
                 <a:latin typeface="Tahoma" pitchFamily="34" charset="0"/>
               </a:rPr>
               <a:t>бит</a:t>
@@ -36180,13 +35908,6 @@
   <p:clrMapOvr>
     <a:masterClrMapping/>
   </p:clrMapOvr>
-  <p:timing>
-    <p:tnLst>
-      <p:par>
-        <p:cTn id="1" dur="indefinite" restart="never" nodeType="tmRoot"/>
-      </p:par>
-    </p:tnLst>
-  </p:timing>
 </p:sld>
 </file>
 
@@ -36291,13 +36012,6 @@
   <p:clrMapOvr>
     <a:masterClrMapping/>
   </p:clrMapOvr>
-  <p:timing>
-    <p:tnLst>
-      <p:par>
-        <p:cTn id="1" dur="indefinite" restart="never" nodeType="tmRoot"/>
-      </p:par>
-    </p:tnLst>
-  </p:timing>
 </p:sld>
 </file>
 
@@ -36481,7 +36195,7 @@
           <a:lstStyle/>
           <a:p>
             <a:r>
-              <a:rPr lang="en-US" dirty="0" smtClean="0"/>
+              <a:rPr lang="en-US" dirty="0"/>
               <a:t>PT</a:t>
             </a:r>
             <a:endParaRPr lang="ru-RU" dirty="0"/>
@@ -36511,7 +36225,7 @@
           <a:lstStyle/>
           <a:p>
             <a:r>
-              <a:rPr lang="en-US" dirty="0" smtClean="0"/>
+              <a:rPr lang="en-US" dirty="0"/>
               <a:t>ECB</a:t>
             </a:r>
             <a:endParaRPr lang="ru-RU" dirty="0"/>
@@ -36541,7 +36255,7 @@
           <a:lstStyle/>
           <a:p>
             <a:r>
-              <a:rPr lang="en-US" dirty="0" smtClean="0"/>
+              <a:rPr lang="en-US" dirty="0"/>
               <a:t>CBC</a:t>
             </a:r>
             <a:endParaRPr lang="ru-RU" dirty="0"/>
@@ -36588,13 +36302,6 @@
   <p:clrMapOvr>
     <a:masterClrMapping/>
   </p:clrMapOvr>
-  <p:timing>
-    <p:tnLst>
-      <p:par>
-        <p:cTn id="1" dur="indefinite" restart="never" nodeType="tmRoot"/>
-      </p:par>
-    </p:tnLst>
-  </p:timing>
 </p:sld>
 </file>
 
@@ -36669,11 +36376,11 @@
           <a:lstStyle/>
           <a:p>
             <a:r>
-              <a:rPr lang="ru-RU" dirty="0" smtClean="0"/>
+              <a:rPr lang="ru-RU" dirty="0"/>
               <a:t>Стойкость </a:t>
             </a:r>
             <a:r>
-              <a:rPr lang="en-US" dirty="0" smtClean="0"/>
+              <a:rPr lang="en-US" dirty="0"/>
               <a:t>ECB</a:t>
             </a:r>
             <a:endParaRPr lang="ru-RU" dirty="0"/>
@@ -36703,11 +36410,11 @@
                   <a:buNone/>
                 </a:pPr>
                 <a:r>
-                  <a:rPr lang="ru-RU" b="1" dirty="0" smtClean="0"/>
+                  <a:rPr lang="ru-RU" b="1" dirty="0"/>
                   <a:t>Теорема 4.4. </a:t>
                 </a:r>
                 <a:r>
-                  <a:rPr lang="ru-RU" dirty="0" smtClean="0"/>
+                  <a:rPr lang="ru-RU" dirty="0"/>
                   <a:t>Пусть </a:t>
                 </a:r>
                 <a14:m>
@@ -36754,15 +36461,15 @@
                   </m:oMath>
                 </a14:m>
                 <a:r>
-                  <a:rPr lang="ru-RU" dirty="0" smtClean="0"/>
+                  <a:rPr lang="ru-RU" dirty="0"/>
                   <a:t> –</a:t>
                 </a:r>
                 <a:r>
-                  <a:rPr lang="en-US" dirty="0" smtClean="0"/>
+                  <a:rPr lang="en-US" dirty="0"/>
                   <a:t> </a:t>
                 </a:r>
                 <a:r>
-                  <a:rPr lang="ru-RU" dirty="0" smtClean="0"/>
+                  <a:rPr lang="ru-RU" dirty="0"/>
                   <a:t> на </a:t>
                 </a:r>
                 <a14:m>
@@ -36819,23 +36526,23 @@
                   </m:oMath>
                 </a14:m>
                 <a:r>
-                  <a:rPr lang="ru-RU" dirty="0" smtClean="0"/>
+                  <a:rPr lang="ru-RU" dirty="0"/>
                   <a:t> блочных шифр в режиме </a:t>
                 </a:r>
                 <a:r>
-                  <a:rPr lang="en-US" dirty="0" smtClean="0"/>
+                  <a:rPr lang="en-US" dirty="0"/>
                   <a:t>ECB </a:t>
                 </a:r>
                 <a:r>
-                  <a:rPr lang="ru-RU" dirty="0" smtClean="0"/>
+                  <a:rPr lang="ru-RU" dirty="0"/>
                   <a:t>для произвольных сообщений</a:t>
                 </a:r>
                 <a:r>
-                  <a:rPr lang="en-US" dirty="0" smtClean="0"/>
+                  <a:rPr lang="en-US" dirty="0"/>
                   <a:t> </a:t>
                 </a:r>
                 <a:r>
-                  <a:rPr lang="ru-RU" dirty="0" smtClean="0"/>
+                  <a:rPr lang="ru-RU" dirty="0"/>
                   <a:t>из </a:t>
                 </a:r>
                 <a14:m>
@@ -36849,7 +36556,7 @@
                   </m:oMath>
                 </a14:m>
                 <a:r>
-                  <a:rPr lang="ru-RU" dirty="0" smtClean="0"/>
+                  <a:rPr lang="ru-RU" dirty="0"/>
                   <a:t> блоков, </a:t>
                 </a:r>
                 <a14:m>
@@ -36903,7 +36610,7 @@
                   </m:oMath>
                 </a14:m>
                 <a:r>
-                  <a:rPr lang="ru-RU" dirty="0" smtClean="0"/>
+                  <a:rPr lang="ru-RU" dirty="0"/>
                   <a:t> </a:t>
                 </a:r>
                 <a14:m>
@@ -36920,11 +36627,11 @@
                   </m:oMath>
                 </a14:m>
                 <a:r>
-                  <a:rPr lang="en-US" dirty="0" smtClean="0"/>
+                  <a:rPr lang="en-US" dirty="0"/>
                   <a:t> – </a:t>
                 </a:r>
                 <a:r>
-                  <a:rPr lang="ru-RU" dirty="0" smtClean="0"/>
+                  <a:rPr lang="ru-RU" dirty="0"/>
                   <a:t>не семантически стойкий.</a:t>
                 </a:r>
               </a:p>
@@ -36944,7 +36651,7 @@
                   </m:oMath>
                 </a14:m>
                 <a:r>
-                  <a:rPr lang="ru-RU" dirty="0" smtClean="0"/>
+                  <a:rPr lang="ru-RU" dirty="0"/>
                   <a:t>Построим противника </a:t>
                 </a:r>
                 <a14:m>
@@ -36959,11 +36666,11 @@
                   </m:oMath>
                 </a14:m>
                 <a:r>
-                  <a:rPr lang="ru-RU" dirty="0" smtClean="0"/>
+                  <a:rPr lang="ru-RU" dirty="0"/>
                   <a:t>. </a:t>
                 </a:r>
                 <a:r>
-                  <a:rPr lang="en-US" dirty="0" smtClean="0"/>
+                  <a:rPr lang="en-US" dirty="0"/>
                   <a:t> </a:t>
                 </a:r>
                 <a14:m>
@@ -36977,11 +36684,11 @@
                   </m:oMath>
                 </a14:m>
                 <a:r>
-                  <a:rPr lang="en-US" dirty="0" smtClean="0"/>
+                  <a:rPr lang="en-US" dirty="0"/>
                   <a:t> </a:t>
                 </a:r>
                 <a:r>
-                  <a:rPr lang="ru-RU" dirty="0" smtClean="0"/>
+                  <a:rPr lang="ru-RU" dirty="0"/>
                   <a:t>генерирует 2 сообщения </a:t>
                 </a:r>
                 <a14:m>
@@ -37244,26 +36951,26 @@
                   </m:oMath>
                 </a14:m>
                 <a:r>
-                  <a:rPr lang="ru-RU" b="0" i="0" dirty="0" smtClean="0">
+                  <a:rPr lang="ru-RU" b="0" i="0" dirty="0">
                     <a:latin typeface="+mj-lt"/>
                     <a:ea typeface="Cambria Math" panose="02040503050406030204" pitchFamily="18" charset="0"/>
                   </a:rPr>
                   <a:t>. </a:t>
                 </a:r>
                 <a:r>
-                  <a:rPr lang="ru-RU" b="0" i="0" dirty="0" smtClean="0">
+                  <a:rPr lang="ru-RU" b="0" i="0" dirty="0">
                     <a:ea typeface="Cambria Math" panose="02040503050406030204" pitchFamily="18" charset="0"/>
                   </a:rPr>
                   <a:t>От претендента он получает </a:t>
                 </a:r>
                 <a:r>
-                  <a:rPr lang="ru-RU" b="0" i="0" dirty="0" err="1" smtClean="0">
+                  <a:rPr lang="ru-RU" b="0" i="0" dirty="0" err="1">
                     <a:ea typeface="Cambria Math" panose="02040503050406030204" pitchFamily="18" charset="0"/>
                   </a:rPr>
                   <a:t>шифртекст</a:t>
                 </a:r>
                 <a:r>
-                  <a:rPr lang="ru-RU" b="0" i="0" dirty="0" smtClean="0">
+                  <a:rPr lang="ru-RU" b="0" i="0" dirty="0">
                     <a:ea typeface="Cambria Math" panose="02040503050406030204" pitchFamily="18" charset="0"/>
                   </a:rPr>
                   <a:t> </a:t>
@@ -37343,25 +37050,25 @@
                   </m:oMath>
                 </a14:m>
                 <a:r>
-                  <a:rPr lang="en-US" b="0" i="0" dirty="0" smtClean="0">
+                  <a:rPr lang="en-US" b="0" i="0" dirty="0">
                     <a:ea typeface="Cambria Math" panose="02040503050406030204" pitchFamily="18" charset="0"/>
                   </a:rPr>
                   <a:t>).</a:t>
                 </a:r>
                 <a:r>
-                  <a:rPr lang="ru-RU" b="0" i="0" dirty="0" smtClean="0">
+                  <a:rPr lang="ru-RU" b="0" i="0" dirty="0">
                     <a:ea typeface="Cambria Math" panose="02040503050406030204" pitchFamily="18" charset="0"/>
                   </a:rPr>
                   <a:t> </a:t>
                 </a:r>
                 <a:r>
-                  <a:rPr lang="en-US" b="0" i="0" dirty="0" smtClean="0">
+                  <a:rPr lang="en-US" b="0" i="0" dirty="0">
                     <a:ea typeface="Cambria Math" panose="02040503050406030204" pitchFamily="18" charset="0"/>
                   </a:rPr>
                   <a:t> </a:t>
                 </a:r>
                 <a:r>
-                  <a:rPr lang="ru-RU" b="0" i="0" dirty="0" smtClean="0">
+                  <a:rPr lang="ru-RU" b="0" i="0" dirty="0">
                     <a:ea typeface="Cambria Math" panose="02040503050406030204" pitchFamily="18" charset="0"/>
                   </a:rPr>
                   <a:t>Тогда если </a:t>
@@ -37455,11 +37162,11 @@
                   </m:oMath>
                 </a14:m>
                 <a:r>
-                  <a:rPr lang="ru-RU" dirty="0" smtClean="0"/>
+                  <a:rPr lang="ru-RU" dirty="0"/>
                   <a:t> противник возвращает</a:t>
                 </a:r>
                 <a:r>
-                  <a:rPr lang="en-US" dirty="0" smtClean="0"/>
+                  <a:rPr lang="en-US" dirty="0"/>
                   <a:t> </a:t>
                 </a:r>
                 <a14:m>
@@ -37498,7 +37205,7 @@
                   </m:oMath>
                 </a14:m>
                 <a:r>
-                  <a:rPr lang="ru-RU" dirty="0" smtClean="0"/>
+                  <a:rPr lang="ru-RU" dirty="0"/>
                   <a:t>, иначе 1.</a:t>
                 </a:r>
               </a:p>
@@ -37507,15 +37214,15 @@
                   <a:buNone/>
                 </a:pPr>
                 <a:r>
-                  <a:rPr lang="ru-RU" dirty="0" smtClean="0"/>
+                  <a:rPr lang="ru-RU" dirty="0"/>
                   <a:t>Преимущество противника равно 1, т.к. одинаковые блоки открытого текста переходят в одинаковые блоки </a:t>
                 </a:r>
                 <a:r>
-                  <a:rPr lang="ru-RU" dirty="0" err="1" smtClean="0"/>
+                  <a:rPr lang="ru-RU" dirty="0" err="1"/>
                   <a:t>шифртекста</a:t>
                 </a:r>
                 <a:r>
-                  <a:rPr lang="ru-RU" dirty="0" smtClean="0"/>
+                  <a:rPr lang="ru-RU" dirty="0"/>
                   <a:t> </a:t>
                 </a:r>
                 <a14:m>
@@ -37541,7 +37248,7 @@
                 <a:pPr marL="0" indent="0">
                   <a:buNone/>
                 </a:pPr>
-                <a:endParaRPr lang="ru-RU" dirty="0" smtClean="0"/>
+                <a:endParaRPr lang="ru-RU" dirty="0"/>
               </a:p>
               <a:p>
                 <a:endParaRPr lang="ru-RU" dirty="0"/>
@@ -37616,13 +37323,6 @@
   <p:clrMapOvr>
     <a:masterClrMapping/>
   </p:clrMapOvr>
-  <p:timing>
-    <p:tnLst>
-      <p:par>
-        <p:cTn id="1" dur="indefinite" restart="never" nodeType="tmRoot"/>
-      </p:par>
-    </p:tnLst>
-  </p:timing>
 </p:sld>
 </file>
 
@@ -37659,10 +37359,9 @@
           <a:lstStyle/>
           <a:p>
             <a:r>
-              <a:rPr lang="ru-RU" dirty="0" smtClean="0"/>
+              <a:rPr lang="ru-RU" dirty="0"/>
               <a:t>Построение блочных шифров</a:t>
             </a:r>
-            <a:endParaRPr lang="ru-RU" dirty="0"/>
           </a:p>
         </p:txBody>
       </p:sp>
@@ -37684,22 +37383,14 @@
               <a:lstStyle/>
               <a:p>
                 <a:r>
-                  <a:rPr lang="ru-RU" dirty="0" smtClean="0"/>
+                  <a:rPr lang="ru-RU" dirty="0"/>
                   <a:t>Обычно блочные шифры строятся с использованием итеративных конструкций – несколько раз подряд используется некоторая функция (наз. итеративной или раундовой).</a:t>
                 </a:r>
               </a:p>
               <a:p>
                 <a:r>
-                  <a:rPr lang="ru-RU" dirty="0" smtClean="0"/>
-                  <a:t>В качестве итеративной функции выбирается простой (с точки зрения реализации) блочны</a:t>
-                </a:r>
-                <a:r>
                   <a:rPr lang="ru-RU" dirty="0"/>
-                  <a:t>й</a:t>
-                </a:r>
-                <a:r>
-                  <a:rPr lang="ru-RU" dirty="0" smtClean="0"/>
-                  <a:t> шифр </a:t>
+                  <a:t>В качестве итеративной функции выбирается простой (с точки зрения реализации) блочный шифр </a:t>
                 </a:r>
                 <a14:m>
                   <m:oMath xmlns:m="http://schemas.openxmlformats.org/officeDocument/2006/math">
@@ -37802,17 +37493,17 @@
                   </m:oMath>
                 </a14:m>
                 <a:r>
-                  <a:rPr lang="ru-RU" dirty="0" smtClean="0"/>
+                  <a:rPr lang="ru-RU" dirty="0"/>
                   <a:t>, в общем случае может быть не стойкой.</a:t>
                 </a:r>
               </a:p>
               <a:p>
                 <a:r>
-                  <a:rPr lang="ru-RU" dirty="0" smtClean="0"/>
+                  <a:rPr lang="ru-RU" dirty="0"/>
                   <a:t>Выбирается простой (с точки зрения реализации) </a:t>
                 </a:r>
                 <a:r>
-                  <a:rPr lang="en-US" dirty="0" smtClean="0"/>
+                  <a:rPr lang="en-US" dirty="0"/>
                   <a:t>PRG </a:t>
                 </a:r>
                 <a14:m>
@@ -37826,7 +37517,7 @@
                   </m:oMath>
                 </a14:m>
                 <a:r>
-                  <a:rPr lang="ru-RU" dirty="0" smtClean="0"/>
+                  <a:rPr lang="ru-RU" dirty="0"/>
                   <a:t>, используемый для расширения ключа </a:t>
                 </a:r>
                 <a14:m>
@@ -37840,11 +37531,11 @@
                   </m:oMath>
                 </a14:m>
                 <a:r>
-                  <a:rPr lang="en-US" dirty="0" smtClean="0"/>
+                  <a:rPr lang="en-US" dirty="0"/>
                   <a:t> </a:t>
                 </a:r>
                 <a:r>
-                  <a:rPr lang="ru-RU" dirty="0" smtClean="0"/>
+                  <a:rPr lang="ru-RU" dirty="0"/>
                   <a:t>в </a:t>
                 </a:r>
                 <a14:m>
@@ -37858,7 +37549,7 @@
                   </m:oMath>
                 </a14:m>
                 <a:r>
-                  <a:rPr lang="ru-RU" dirty="0" smtClean="0"/>
+                  <a:rPr lang="ru-RU" dirty="0"/>
                   <a:t> раундовых ключей </a:t>
                 </a:r>
                 <a14:m>
@@ -37922,7 +37613,7 @@
                   </m:oMath>
                 </a14:m>
                 <a:r>
-                  <a:rPr lang="ru-RU" dirty="0" smtClean="0"/>
+                  <a:rPr lang="ru-RU" dirty="0"/>
                   <a:t>. </a:t>
                 </a:r>
                 <a14:m>
@@ -37936,10 +37627,9 @@
                   </m:oMath>
                 </a14:m>
                 <a:r>
-                  <a:rPr lang="ru-RU" dirty="0" smtClean="0"/>
+                  <a:rPr lang="ru-RU" dirty="0"/>
                   <a:t> называется функцией выработки раундовых ключей или функцией расширения ключа.</a:t>
                 </a:r>
-                <a:endParaRPr lang="ru-RU" dirty="0"/>
               </a:p>
             </p:txBody>
           </p:sp>
@@ -38011,13 +37701,6 @@
   <p:clrMapOvr>
     <a:masterClrMapping/>
   </p:clrMapOvr>
-  <p:timing>
-    <p:tnLst>
-      <p:par>
-        <p:cTn id="1" dur="indefinite" restart="never" nodeType="tmRoot"/>
-      </p:par>
-    </p:tnLst>
-  </p:timing>
 </p:sld>
 </file>
 
@@ -38119,7 +37802,7 @@
                   <a:buNone/>
                 </a:pPr>
                 <a:r>
-                  <a:rPr lang="ru-RU" dirty="0" smtClean="0"/>
+                  <a:rPr lang="ru-RU" dirty="0"/>
                   <a:t>Алгоритм </a:t>
                 </a:r>
                 <a14:m>
@@ -38167,11 +37850,11 @@
                     </m:r>
                   </m:oMath>
                 </a14:m>
-                <a:endParaRPr lang="en-US" b="0" dirty="0" smtClean="0"/>
+                <a:endParaRPr lang="en-US" b="0" dirty="0"/>
               </a:p>
               <a:p>
                 <a:r>
-                  <a:rPr lang="ru-RU" dirty="0" smtClean="0"/>
+                  <a:rPr lang="ru-RU" dirty="0"/>
                   <a:t>Используя функцию </a:t>
                 </a:r>
                 <a14:m>
@@ -38185,11 +37868,11 @@
                   </m:oMath>
                 </a14:m>
                 <a:r>
-                  <a:rPr lang="ru-RU" dirty="0" smtClean="0"/>
+                  <a:rPr lang="ru-RU" dirty="0"/>
                   <a:t> получить раундовые ключи</a:t>
                 </a:r>
                 <a:r>
-                  <a:rPr lang="en-US" dirty="0" smtClean="0"/>
+                  <a:rPr lang="en-US" dirty="0"/>
                   <a:t>: </a:t>
                 </a:r>
                 <a14:m>
@@ -38293,11 +37976,11 @@
                     </m:r>
                   </m:oMath>
                 </a14:m>
-                <a:endParaRPr lang="en-US" dirty="0" smtClean="0"/>
+                <a:endParaRPr lang="en-US" dirty="0"/>
               </a:p>
               <a:p>
                 <a:r>
-                  <a:rPr lang="ru-RU" dirty="0" smtClean="0"/>
+                  <a:rPr lang="ru-RU" dirty="0"/>
                   <a:t>Для </a:t>
                 </a:r>
                 <a14:m>
@@ -38698,13 +38381,6 @@
   <p:clrMapOvr>
     <a:masterClrMapping/>
   </p:clrMapOvr>
-  <p:timing>
-    <p:tnLst>
-      <p:par>
-        <p:cTn id="1" dur="indefinite" restart="never" nodeType="tmRoot"/>
-      </p:par>
-    </p:tnLst>
-  </p:timing>
 </p:sld>
 </file>
 
@@ -38770,19 +38446,19 @@
               <a:lstStyle/>
               <a:p>
                 <a:r>
-                  <a:rPr lang="ru-RU" dirty="0" err="1" smtClean="0"/>
+                  <a:rPr lang="ru-RU" dirty="0" err="1"/>
                   <a:t>Расшифрование</a:t>
                 </a:r>
                 <a:r>
-                  <a:rPr lang="ru-RU" dirty="0" smtClean="0"/>
+                  <a:rPr lang="ru-RU" dirty="0"/>
                   <a:t> происходит аналогично </a:t>
                 </a:r>
                 <a:r>
-                  <a:rPr lang="ru-RU" dirty="0" err="1" smtClean="0"/>
+                  <a:rPr lang="ru-RU" dirty="0" err="1"/>
                   <a:t>зашифрованию</a:t>
                 </a:r>
                 <a:r>
-                  <a:rPr lang="ru-RU" dirty="0" smtClean="0"/>
+                  <a:rPr lang="ru-RU" dirty="0"/>
                   <a:t>, но с использованием обратной раундовой функции </a:t>
                 </a:r>
                 <a14:m>
@@ -38826,24 +38502,23 @@
                   </m:oMath>
                 </a14:m>
                 <a:r>
-                  <a:rPr lang="ru-RU" dirty="0" smtClean="0"/>
+                  <a:rPr lang="ru-RU" dirty="0"/>
                   <a:t>, и обратным порядком следования ключей.</a:t>
                 </a:r>
               </a:p>
               <a:p>
                 <a:r>
-                  <a:rPr lang="ru-RU" dirty="0" smtClean="0"/>
+                  <a:rPr lang="ru-RU" dirty="0"/>
                   <a:t>Иногда также могут использоваться входные и выходные преобразования </a:t>
                 </a:r>
                 <a:r>
-                  <a:rPr lang="en-US" dirty="0" smtClean="0"/>
+                  <a:rPr lang="en-US" dirty="0"/>
                   <a:t>: </a:t>
                 </a:r>
                 <a:r>
-                  <a:rPr lang="ru-RU" dirty="0" smtClean="0"/>
+                  <a:rPr lang="ru-RU" dirty="0"/>
                   <a:t>перед шифрованием используется некоторое входное преобразование над открытым текстов, после процедуры шифрования – некоторое выходное преобразование</a:t>
                 </a:r>
-                <a:endParaRPr lang="ru-RU" dirty="0"/>
               </a:p>
             </p:txBody>
           </p:sp>
@@ -38942,14 +38617,11 @@
           <a:p>
             <a:pPr algn="ctr"/>
             <a:r>
-              <a:rPr lang="en-US" dirty="0" smtClean="0">
+              <a:rPr lang="en-US" dirty="0">
                 <a:latin typeface="+mn-lt"/>
               </a:rPr>
               <a:t>key  k</a:t>
             </a:r>
-            <a:endParaRPr lang="en-US" dirty="0">
-              <a:latin typeface="+mn-lt"/>
-            </a:endParaRPr>
           </a:p>
         </p:txBody>
       </p:sp>
@@ -39016,7 +38688,7 @@
           <a:lstStyle/>
           <a:p>
             <a:r>
-              <a:rPr lang="en-US" dirty="0" smtClean="0">
+              <a:rPr lang="en-US" dirty="0">
                 <a:latin typeface="+mn-lt"/>
               </a:rPr>
               <a:t>key expansion</a:t>
@@ -39057,13 +38729,13 @@
           <a:p>
             <a:pPr algn="ctr"/>
             <a:r>
-              <a:rPr lang="en-US" sz="2000" dirty="0" smtClean="0">
+              <a:rPr lang="en-US" sz="2000" dirty="0">
                 <a:latin typeface="+mn-lt"/>
               </a:rPr>
               <a:t>k</a:t>
             </a:r>
             <a:r>
-              <a:rPr lang="en-US" sz="2000" baseline="-25000" dirty="0" smtClean="0">
+              <a:rPr lang="en-US" sz="2000" baseline="-25000" dirty="0">
                 <a:latin typeface="+mn-lt"/>
               </a:rPr>
               <a:t>1</a:t>
@@ -39107,13 +38779,13 @@
           <a:p>
             <a:pPr algn="ctr"/>
             <a:r>
-              <a:rPr lang="en-US" sz="2000" dirty="0" smtClean="0">
+              <a:rPr lang="en-US" sz="2000" dirty="0">
                 <a:latin typeface="+mn-lt"/>
               </a:rPr>
               <a:t>k</a:t>
             </a:r>
             <a:r>
-              <a:rPr lang="en-US" sz="2000" baseline="-25000" dirty="0" smtClean="0">
+              <a:rPr lang="en-US" sz="2000" baseline="-25000" dirty="0">
                 <a:latin typeface="+mn-lt"/>
               </a:rPr>
               <a:t>2</a:t>
@@ -39157,13 +38829,13 @@
           <a:p>
             <a:pPr algn="ctr"/>
             <a:r>
-              <a:rPr lang="en-US" sz="2000" dirty="0" smtClean="0">
+              <a:rPr lang="en-US" sz="2000" dirty="0">
                 <a:latin typeface="+mn-lt"/>
               </a:rPr>
               <a:t>k</a:t>
             </a:r>
             <a:r>
-              <a:rPr lang="en-US" sz="2000" baseline="-25000" dirty="0" smtClean="0">
+              <a:rPr lang="en-US" sz="2000" baseline="-25000" dirty="0">
                 <a:latin typeface="+mn-lt"/>
               </a:rPr>
               <a:t>3</a:t>
@@ -39207,13 +38879,13 @@
           <a:p>
             <a:pPr algn="ctr"/>
             <a:r>
-              <a:rPr lang="en-US" sz="2000" dirty="0" err="1" smtClean="0">
+              <a:rPr lang="en-US" sz="2000" dirty="0" err="1">
                 <a:latin typeface="+mn-lt"/>
               </a:rPr>
               <a:t>k</a:t>
             </a:r>
             <a:r>
-              <a:rPr lang="en-US" sz="2000" baseline="-25000" dirty="0" err="1" smtClean="0">
+              <a:rPr lang="en-US" sz="2000" baseline="-25000" dirty="0" err="1">
                 <a:latin typeface="+mn-lt"/>
               </a:rPr>
               <a:t>n</a:t>
@@ -39257,25 +38929,25 @@
           <a:p>
             <a:pPr algn="ctr"/>
             <a:r>
-              <a:rPr lang="en-US" dirty="0" smtClean="0">
+              <a:rPr lang="en-US" dirty="0">
                 <a:latin typeface="+mn-lt"/>
               </a:rPr>
               <a:t>R(k</a:t>
             </a:r>
             <a:r>
-              <a:rPr lang="en-US" baseline="-25000" dirty="0" smtClean="0">
+              <a:rPr lang="en-US" baseline="-25000" dirty="0">
                 <a:latin typeface="+mn-lt"/>
               </a:rPr>
               <a:t>1</a:t>
             </a:r>
             <a:r>
-              <a:rPr lang="en-US" dirty="0" smtClean="0">
+              <a:rPr lang="en-US" dirty="0">
                 <a:latin typeface="+mn-lt"/>
               </a:rPr>
               <a:t>, </a:t>
             </a:r>
             <a:r>
-              <a:rPr lang="en-US" dirty="0" smtClean="0">
+              <a:rPr lang="en-US" dirty="0">
                 <a:latin typeface="+mn-lt"/>
                 <a:sym typeface="Symbol"/>
               </a:rPr>
@@ -39320,25 +38992,25 @@
           <a:p>
             <a:pPr algn="ctr"/>
             <a:r>
-              <a:rPr lang="en-US" dirty="0" smtClean="0">
+              <a:rPr lang="en-US" dirty="0">
                 <a:latin typeface="+mn-lt"/>
               </a:rPr>
               <a:t>R(k</a:t>
             </a:r>
             <a:r>
-              <a:rPr lang="en-US" baseline="-25000" dirty="0" smtClean="0">
+              <a:rPr lang="en-US" baseline="-25000" dirty="0">
                 <a:latin typeface="+mn-lt"/>
               </a:rPr>
               <a:t>2</a:t>
             </a:r>
             <a:r>
-              <a:rPr lang="en-US" dirty="0" smtClean="0">
+              <a:rPr lang="en-US" dirty="0">
                 <a:latin typeface="+mn-lt"/>
               </a:rPr>
               <a:t>, </a:t>
             </a:r>
             <a:r>
-              <a:rPr lang="en-US" dirty="0" smtClean="0">
+              <a:rPr lang="en-US" dirty="0">
                 <a:latin typeface="+mn-lt"/>
                 <a:sym typeface="Symbol"/>
               </a:rPr>
@@ -39383,25 +39055,25 @@
           <a:p>
             <a:pPr algn="ctr"/>
             <a:r>
-              <a:rPr lang="en-US" dirty="0" smtClean="0">
+              <a:rPr lang="en-US" dirty="0">
                 <a:latin typeface="+mn-lt"/>
               </a:rPr>
               <a:t>R(k</a:t>
             </a:r>
             <a:r>
-              <a:rPr lang="en-US" baseline="-25000" dirty="0" smtClean="0">
+              <a:rPr lang="en-US" baseline="-25000" dirty="0">
                 <a:latin typeface="+mn-lt"/>
               </a:rPr>
               <a:t>3</a:t>
             </a:r>
             <a:r>
-              <a:rPr lang="en-US" dirty="0" smtClean="0">
+              <a:rPr lang="en-US" dirty="0">
                 <a:latin typeface="+mn-lt"/>
               </a:rPr>
               <a:t>, </a:t>
             </a:r>
             <a:r>
-              <a:rPr lang="en-US" dirty="0" smtClean="0">
+              <a:rPr lang="en-US" dirty="0">
                 <a:latin typeface="+mn-lt"/>
                 <a:sym typeface="Symbol"/>
               </a:rPr>
@@ -39446,31 +39118,31 @@
           <a:p>
             <a:pPr algn="ctr"/>
             <a:r>
-              <a:rPr lang="en-US" dirty="0" smtClean="0">
+              <a:rPr lang="en-US" dirty="0">
                 <a:latin typeface="+mn-lt"/>
               </a:rPr>
               <a:t>R(</a:t>
             </a:r>
             <a:r>
-              <a:rPr lang="en-US" dirty="0" err="1" smtClean="0">
+              <a:rPr lang="en-US" dirty="0" err="1">
                 <a:latin typeface="+mn-lt"/>
               </a:rPr>
               <a:t>k</a:t>
             </a:r>
             <a:r>
-              <a:rPr lang="en-US" baseline="-25000" dirty="0" err="1" smtClean="0">
+              <a:rPr lang="en-US" baseline="-25000" dirty="0" err="1">
                 <a:latin typeface="+mn-lt"/>
               </a:rPr>
               <a:t>n</a:t>
             </a:r>
             <a:r>
-              <a:rPr lang="en-US" dirty="0" smtClean="0">
+              <a:rPr lang="en-US" dirty="0">
                 <a:latin typeface="+mn-lt"/>
               </a:rPr>
               <a:t>, </a:t>
             </a:r>
             <a:r>
-              <a:rPr lang="en-US" dirty="0" smtClean="0">
+              <a:rPr lang="en-US" dirty="0">
                 <a:latin typeface="+mn-lt"/>
                 <a:sym typeface="Symbol"/>
               </a:rPr>
@@ -39824,12 +39496,12 @@
           <a:lstStyle/>
           <a:p>
             <a:r>
-              <a:rPr lang="en-US" sz="2800" dirty="0" smtClean="0">
+              <a:rPr lang="en-US" sz="2800" dirty="0">
                 <a:latin typeface="+mn-lt"/>
               </a:rPr>
               <a:t>m</a:t>
             </a:r>
-            <a:endParaRPr lang="en-US" dirty="0" smtClean="0">
+            <a:endParaRPr lang="en-US" dirty="0">
               <a:latin typeface="+mn-lt"/>
             </a:endParaRPr>
           </a:p>
@@ -39858,12 +39530,12 @@
           <a:lstStyle/>
           <a:p>
             <a:r>
-              <a:rPr lang="en-US" sz="2800" dirty="0" smtClean="0">
+              <a:rPr lang="en-US" sz="2800" dirty="0">
                 <a:latin typeface="+mn-lt"/>
               </a:rPr>
               <a:t>c</a:t>
             </a:r>
-            <a:endParaRPr lang="en-US" dirty="0" smtClean="0">
+            <a:endParaRPr lang="en-US" dirty="0">
               <a:latin typeface="+mn-lt"/>
             </a:endParaRPr>
           </a:p>
@@ -39902,7 +39574,7 @@
           <a:p>
             <a:pPr algn="ctr"/>
             <a:r>
-              <a:rPr lang="en-US" dirty="0" smtClean="0"/>
+              <a:rPr lang="en-US" dirty="0"/>
               <a:t>Input(.)</a:t>
             </a:r>
             <a:endParaRPr lang="en-US" dirty="0">
@@ -39944,7 +39616,7 @@
           <a:p>
             <a:pPr algn="ctr"/>
             <a:r>
-              <a:rPr lang="en-US" dirty="0" smtClean="0"/>
+              <a:rPr lang="en-US" dirty="0"/>
               <a:t>Output(.)</a:t>
             </a:r>
             <a:endParaRPr lang="en-US" dirty="0">
@@ -40021,13 +39693,6 @@
   <p:clrMapOvr>
     <a:masterClrMapping/>
   </p:clrMapOvr>
-  <p:timing>
-    <p:tnLst>
-      <p:par>
-        <p:cTn id="1" dur="indefinite" restart="never" nodeType="tmRoot"/>
-      </p:par>
-    </p:tnLst>
-  </p:timing>
 </p:sld>
 </file>
 
@@ -40064,10 +39729,9 @@
           <a:lstStyle/>
           <a:p>
             <a:r>
-              <a:rPr lang="ru-RU" dirty="0" smtClean="0"/>
+              <a:rPr lang="ru-RU" dirty="0"/>
               <a:t>Построение раундовых функций</a:t>
             </a:r>
-            <a:endParaRPr lang="ru-RU" dirty="0"/>
           </a:p>
         </p:txBody>
       </p:sp>
@@ -40089,13 +39753,13 @@
               <a:lstStyle/>
               <a:p>
                 <a:r>
-                  <a:rPr lang="ru-RU" dirty="0" smtClean="0"/>
+                  <a:rPr lang="ru-RU" dirty="0"/>
                   <a:t>Как строить хорошие раундовые функции? Как определить стойкость раундовой функции? Никто не знает.</a:t>
                 </a:r>
               </a:p>
               <a:p>
                 <a:r>
-                  <a:rPr lang="ru-RU" dirty="0" smtClean="0"/>
+                  <a:rPr lang="ru-RU" dirty="0"/>
                   <a:t>Раундовая функция должна быть сильно нелинейной от ключа, т.к. использование линейной функции (или близкой к линейной) даёт линейный блочный шифр. Пример плохой раундовой функции - </a:t>
                 </a:r>
                 <a14:m>
@@ -40196,23 +39860,22 @@
                   </m:oMath>
                 </a14:m>
                 <a:r>
-                  <a:rPr lang="en-US" dirty="0" smtClean="0"/>
+                  <a:rPr lang="en-US" dirty="0"/>
                   <a:t>. </a:t>
                 </a:r>
-                <a:endParaRPr lang="ru-RU" dirty="0" smtClean="0"/>
+                <a:endParaRPr lang="ru-RU" dirty="0"/>
               </a:p>
               <a:p>
                 <a:r>
-                  <a:rPr lang="ru-RU" dirty="0" smtClean="0"/>
+                  <a:rPr lang="ru-RU" dirty="0"/>
                   <a:t>Качество раундовой функции определяется возможностью практических атак на полученный шифр.</a:t>
                 </a:r>
               </a:p>
               <a:p>
                 <a:r>
-                  <a:rPr lang="ru-RU" dirty="0" smtClean="0"/>
+                  <a:rPr lang="ru-RU" dirty="0"/>
                   <a:t>Сколько нужно использовать раундов для фиксированной раундовой функции? Никто не знает.</a:t>
                 </a:r>
-                <a:endParaRPr lang="ru-RU" dirty="0"/>
               </a:p>
             </p:txBody>
           </p:sp>
@@ -40284,13 +39947,6 @@
   <p:clrMapOvr>
     <a:masterClrMapping/>
   </p:clrMapOvr>
-  <p:timing>
-    <p:tnLst>
-      <p:par>
-        <p:cTn id="1" dur="indefinite" restart="never" nodeType="tmRoot"/>
-      </p:par>
-    </p:tnLst>
-  </p:timing>
 </p:sld>
 </file>
 
@@ -40327,10 +39983,9 @@
           <a:lstStyle/>
           <a:p>
             <a:r>
-              <a:rPr lang="ru-RU" dirty="0" smtClean="0"/>
+              <a:rPr lang="ru-RU" dirty="0"/>
               <a:t>Использование блочных шифров</a:t>
             </a:r>
-            <a:endParaRPr lang="ru-RU" dirty="0"/>
           </a:p>
         </p:txBody>
       </p:sp>
@@ -40350,56 +40005,55 @@
           <a:lstStyle/>
           <a:p>
             <a:r>
-              <a:rPr lang="ru-RU" dirty="0" smtClean="0"/>
+              <a:rPr lang="ru-RU" dirty="0"/>
               <a:t>Никогда не строить собственных блочных шифров</a:t>
             </a:r>
           </a:p>
           <a:p>
             <a:r>
-              <a:rPr lang="ru-RU" dirty="0" smtClean="0"/>
+              <a:rPr lang="ru-RU" dirty="0"/>
               <a:t>Использовать </a:t>
             </a:r>
             <a:r>
-              <a:rPr lang="en-US" dirty="0" smtClean="0"/>
+              <a:rPr lang="en-US" dirty="0"/>
               <a:t>AES, </a:t>
             </a:r>
             <a:r>
-              <a:rPr lang="ru-RU" dirty="0" smtClean="0"/>
+              <a:rPr lang="ru-RU" dirty="0"/>
               <a:t>ГОСТ</a:t>
             </a:r>
             <a:r>
-              <a:rPr lang="en-US" dirty="0" smtClean="0"/>
+              <a:rPr lang="en-US" dirty="0"/>
               <a:t> </a:t>
             </a:r>
             <a:r>
-              <a:rPr lang="ru-RU" dirty="0" smtClean="0"/>
+              <a:rPr lang="ru-RU" dirty="0"/>
               <a:t>Р 34</a:t>
             </a:r>
             <a:r>
-              <a:rPr lang="en-US" dirty="0" smtClean="0"/>
+              <a:rPr lang="en-US" dirty="0"/>
               <a:t>.12-2015</a:t>
             </a:r>
             <a:r>
-              <a:rPr lang="ru-RU" dirty="0" smtClean="0"/>
+              <a:rPr lang="ru-RU" dirty="0"/>
               <a:t> (Магма (</a:t>
             </a:r>
             <a:r>
-              <a:rPr lang="en-US" dirty="0" smtClean="0"/>
+              <a:rPr lang="en-US" dirty="0"/>
               <a:t>ex </a:t>
             </a:r>
             <a:r>
-              <a:rPr lang="ru-RU" dirty="0" smtClean="0"/>
+              <a:rPr lang="ru-RU" dirty="0"/>
               <a:t>ГОСТ 28147-89)</a:t>
             </a:r>
             <a:r>
-              <a:rPr lang="en-US" dirty="0" smtClean="0"/>
+              <a:rPr lang="en-US" dirty="0"/>
               <a:t>, </a:t>
             </a:r>
             <a:r>
-              <a:rPr lang="ru-RU" dirty="0" smtClean="0"/>
+              <a:rPr lang="ru-RU" dirty="0"/>
               <a:t>Кузнечик)</a:t>
             </a:r>
-            <a:endParaRPr lang="ru-RU" dirty="0"/>
           </a:p>
         </p:txBody>
       </p:sp>
@@ -40436,13 +40090,6 @@
   <p:clrMapOvr>
     <a:masterClrMapping/>
   </p:clrMapOvr>
-  <p:timing>
-    <p:tnLst>
-      <p:par>
-        <p:cTn id="1" dur="indefinite" restart="never" nodeType="tmRoot"/>
-      </p:par>
-    </p:tnLst>
-  </p:timing>
 </p:sld>
 </file>
 
@@ -40479,18 +40126,17 @@
           <a:lstStyle/>
           <a:p>
             <a:r>
-              <a:rPr lang="ru-RU" dirty="0" smtClean="0"/>
+              <a:rPr lang="ru-RU" dirty="0"/>
               <a:t>Вопросы для достижения </a:t>
             </a:r>
             <a:r>
-              <a:rPr lang="ru-RU" dirty="0" err="1" smtClean="0"/>
+              <a:rPr lang="ru-RU" dirty="0" err="1"/>
               <a:t>дзена</a:t>
             </a:r>
             <a:r>
-              <a:rPr lang="ru-RU" dirty="0" smtClean="0"/>
+              <a:rPr lang="ru-RU" dirty="0"/>
               <a:t> в режимах шифрования</a:t>
             </a:r>
-            <a:endParaRPr lang="ru-RU" dirty="0"/>
           </a:p>
         </p:txBody>
       </p:sp>
@@ -40513,32 +40159,32 @@
               <a:buNone/>
             </a:pPr>
             <a:r>
-              <a:rPr lang="ru-RU" dirty="0" smtClean="0"/>
+              <a:rPr lang="ru-RU" dirty="0"/>
               <a:t>На сколько битов, в каких блоках и каким образов влияет </a:t>
             </a:r>
           </a:p>
           <a:p>
             <a:r>
-              <a:rPr lang="ru-RU" dirty="0" smtClean="0"/>
+              <a:rPr lang="ru-RU" dirty="0"/>
               <a:t>Изменение одного бита открытого текста на </a:t>
             </a:r>
             <a:r>
-              <a:rPr lang="ru-RU" dirty="0" err="1" smtClean="0"/>
+              <a:rPr lang="ru-RU" dirty="0" err="1"/>
               <a:t>шифртекст</a:t>
             </a:r>
-            <a:endParaRPr lang="ru-RU" dirty="0" smtClean="0"/>
+            <a:endParaRPr lang="ru-RU" dirty="0"/>
           </a:p>
           <a:p>
             <a:r>
-              <a:rPr lang="ru-RU" dirty="0" smtClean="0"/>
+              <a:rPr lang="ru-RU" dirty="0"/>
               <a:t>Изменение одного бита </a:t>
             </a:r>
             <a:r>
-              <a:rPr lang="ru-RU" dirty="0" err="1" smtClean="0"/>
+              <a:rPr lang="ru-RU" dirty="0" err="1"/>
               <a:t>шифртекста</a:t>
             </a:r>
             <a:r>
-              <a:rPr lang="ru-RU" dirty="0" smtClean="0"/>
+              <a:rPr lang="ru-RU" dirty="0"/>
               <a:t> на расшифрованный открытый текст</a:t>
             </a:r>
           </a:p>
@@ -40546,25 +40192,24 @@
             <a:pPr marL="0" indent="0">
               <a:buNone/>
             </a:pPr>
-            <a:endParaRPr lang="ru-RU" dirty="0" smtClean="0"/>
+            <a:endParaRPr lang="ru-RU" dirty="0"/>
           </a:p>
           <a:p>
             <a:pPr marL="0" indent="0">
               <a:buNone/>
             </a:pPr>
             <a:r>
-              <a:rPr lang="ru-RU" dirty="0" smtClean="0"/>
+              <a:rPr lang="ru-RU" dirty="0"/>
               <a:t>Можно ли контролируемо изменить определённый бит расшифрованного открытого текста, изменив биты </a:t>
             </a:r>
             <a:r>
-              <a:rPr lang="ru-RU" dirty="0" err="1" smtClean="0"/>
+              <a:rPr lang="ru-RU" dirty="0" err="1"/>
               <a:t>шифртекста</a:t>
             </a:r>
             <a:r>
-              <a:rPr lang="ru-RU" dirty="0" smtClean="0"/>
+              <a:rPr lang="ru-RU" dirty="0"/>
               <a:t>, как?</a:t>
             </a:r>
-            <a:endParaRPr lang="ru-RU" dirty="0"/>
           </a:p>
         </p:txBody>
       </p:sp>
@@ -40601,13 +40246,6 @@
   <p:clrMapOvr>
     <a:masterClrMapping/>
   </p:clrMapOvr>
-  <p:timing>
-    <p:tnLst>
-      <p:par>
-        <p:cTn id="1" dur="indefinite" restart="never" nodeType="tmRoot"/>
-      </p:par>
-    </p:tnLst>
-  </p:timing>
 </p:sld>
 </file>
 
@@ -40644,7 +40282,7 @@
           <a:lstStyle/>
           <a:p>
             <a:r>
-              <a:rPr lang="en-US" dirty="0" smtClean="0"/>
+              <a:rPr lang="en-US" dirty="0"/>
               <a:t>ECB</a:t>
             </a:r>
             <a:endParaRPr lang="ru-RU" dirty="0"/>
@@ -40743,13 +40381,6 @@
   <p:clrMapOvr>
     <a:masterClrMapping/>
   </p:clrMapOvr>
-  <p:timing>
-    <p:tnLst>
-      <p:par>
-        <p:cTn id="1" dur="indefinite" restart="never" nodeType="tmRoot"/>
-      </p:par>
-    </p:tnLst>
-  </p:timing>
 </p:sld>
 </file>
 
@@ -40786,10 +40417,9 @@
           <a:lstStyle/>
           <a:p>
             <a:r>
-              <a:rPr lang="ru-RU" dirty="0" smtClean="0"/>
+              <a:rPr lang="ru-RU" dirty="0"/>
               <a:t>Понятие стойкости блочного шифры</a:t>
             </a:r>
-            <a:endParaRPr lang="ru-RU" dirty="0"/>
           </a:p>
         </p:txBody>
       </p:sp>
@@ -40814,15 +40444,15 @@
                   <a:buNone/>
                 </a:pPr>
                 <a:r>
-                  <a:rPr lang="ru-RU" dirty="0" smtClean="0"/>
+                  <a:rPr lang="ru-RU" dirty="0"/>
                   <a:t>Для блочных шифров требуют более строгое требование, чем семантическая стойкость</a:t>
                 </a:r>
                 <a:r>
-                  <a:rPr lang="en-US" dirty="0" smtClean="0"/>
+                  <a:rPr lang="en-US" dirty="0"/>
                   <a:t>:</a:t>
                 </a:r>
                 <a:r>
-                  <a:rPr lang="ru-RU" dirty="0" smtClean="0"/>
+                  <a:rPr lang="ru-RU" dirty="0"/>
                   <a:t> для случайно выбранного ключа </a:t>
                 </a:r>
                 <a14:m>
@@ -40867,7 +40497,7 @@
                   </m:oMath>
                 </a14:m>
                 <a:r>
-                  <a:rPr lang="ru-RU" dirty="0" smtClean="0"/>
+                  <a:rPr lang="ru-RU" dirty="0"/>
                   <a:t> перестановка </a:t>
                 </a:r>
                 <a14:m>
@@ -40948,7 +40578,7 @@
                   </m:oMath>
                 </a14:m>
                 <a:r>
-                  <a:rPr lang="ru-RU" dirty="0" smtClean="0"/>
+                  <a:rPr lang="ru-RU" dirty="0"/>
                   <a:t> должна быть псевдослучайной, т.е. выглядеть вычислительно неотличимой от случайной подстановки из </a:t>
                 </a:r>
                 <a14:m>
@@ -40980,7 +40610,7 @@
                   </m:oMath>
                 </a14:m>
                 <a:r>
-                  <a:rPr lang="ru-RU" dirty="0" smtClean="0"/>
+                  <a:rPr lang="ru-RU" dirty="0"/>
                   <a:t>.</a:t>
                 </a:r>
               </a:p>
@@ -40995,7 +40625,7 @@
                   <a:buNone/>
                 </a:pPr>
                 <a:r>
-                  <a:rPr lang="ru-RU" dirty="0" smtClean="0"/>
+                  <a:rPr lang="ru-RU" dirty="0"/>
                   <a:t>Идея игры – противник эффективный противник имеет доступ к оракулу, который выбирает функцию </a:t>
                 </a:r>
                 <a14:m>
@@ -41009,7 +40639,7 @@
                   </m:oMath>
                 </a14:m>
                 <a:r>
-                  <a:rPr lang="ru-RU" dirty="0" smtClean="0"/>
+                  <a:rPr lang="ru-RU" dirty="0"/>
                   <a:t> либо случайно, либо использует псевдослучайную функцию на случайном ключе. Противник может получить произвольное число образов функции </a:t>
                 </a:r>
                 <a14:m>
@@ -41023,10 +40653,9 @@
                   </m:oMath>
                 </a14:m>
                 <a:r>
-                  <a:rPr lang="ru-RU" dirty="0" smtClean="0"/>
+                  <a:rPr lang="ru-RU" dirty="0"/>
                   <a:t> на указанных им входах. Задача – различить эксперименты описанной игры.</a:t>
                 </a:r>
-                <a:endParaRPr lang="ru-RU" dirty="0"/>
               </a:p>
             </p:txBody>
           </p:sp>
@@ -41098,13 +40727,6 @@
   <p:clrMapOvr>
     <a:masterClrMapping/>
   </p:clrMapOvr>
-  <p:timing>
-    <p:tnLst>
-      <p:par>
-        <p:cTn id="1" dur="indefinite" restart="never" nodeType="tmRoot"/>
-      </p:par>
-    </p:tnLst>
-  </p:timing>
 </p:sld>
 </file>
 
@@ -41141,7 +40763,7 @@
           <a:lstStyle/>
           <a:p>
             <a:r>
-              <a:rPr lang="en-US" dirty="0" smtClean="0"/>
+              <a:rPr lang="en-US" dirty="0"/>
               <a:t>CBC</a:t>
             </a:r>
             <a:endParaRPr lang="ru-RU" dirty="0"/>
@@ -41240,13 +40862,6 @@
   <p:clrMapOvr>
     <a:masterClrMapping/>
   </p:clrMapOvr>
-  <p:timing>
-    <p:tnLst>
-      <p:par>
-        <p:cTn id="1" dur="indefinite" restart="never" nodeType="tmRoot"/>
-      </p:par>
-    </p:tnLst>
-  </p:timing>
 </p:sld>
 </file>
 
@@ -41283,7 +40898,7 @@
           <a:lstStyle/>
           <a:p>
             <a:r>
-              <a:rPr lang="en-US" dirty="0" smtClean="0"/>
+              <a:rPr lang="en-US" dirty="0"/>
               <a:t>CFB</a:t>
             </a:r>
             <a:endParaRPr lang="ru-RU" dirty="0"/>
@@ -41382,13 +40997,6 @@
   <p:clrMapOvr>
     <a:masterClrMapping/>
   </p:clrMapOvr>
-  <p:timing>
-    <p:tnLst>
-      <p:par>
-        <p:cTn id="1" dur="indefinite" restart="never" nodeType="tmRoot"/>
-      </p:par>
-    </p:tnLst>
-  </p:timing>
 </p:sld>
 </file>
 
@@ -41425,7 +41033,7 @@
           <a:lstStyle/>
           <a:p>
             <a:r>
-              <a:rPr lang="en-US" dirty="0" smtClean="0"/>
+              <a:rPr lang="en-US" dirty="0"/>
               <a:t>OFB</a:t>
             </a:r>
             <a:endParaRPr lang="ru-RU" dirty="0"/>
@@ -41524,13 +41132,6 @@
   <p:clrMapOvr>
     <a:masterClrMapping/>
   </p:clrMapOvr>
-  <p:timing>
-    <p:tnLst>
-      <p:par>
-        <p:cTn id="1" dur="indefinite" restart="never" nodeType="tmRoot"/>
-      </p:par>
-    </p:tnLst>
-  </p:timing>
 </p:sld>
 </file>
 
@@ -41567,7 +41168,7 @@
           <a:lstStyle/>
           <a:p>
             <a:r>
-              <a:rPr lang="en-US" dirty="0" smtClean="0"/>
+              <a:rPr lang="en-US" dirty="0"/>
               <a:t>CTR</a:t>
             </a:r>
             <a:endParaRPr lang="ru-RU" dirty="0"/>
@@ -41666,13 +41267,6 @@
   <p:clrMapOvr>
     <a:masterClrMapping/>
   </p:clrMapOvr>
-  <p:timing>
-    <p:tnLst>
-      <p:par>
-        <p:cTn id="1" dur="indefinite" restart="never" nodeType="tmRoot"/>
-      </p:par>
-    </p:tnLst>
-  </p:timing>
 </p:sld>
 </file>
 
@@ -41764,13 +41358,6 @@
   <p:clrMapOvr>
     <a:masterClrMapping/>
   </p:clrMapOvr>
-  <p:timing>
-    <p:tnLst>
-      <p:par>
-        <p:cTn id="1" dur="indefinite" restart="never" nodeType="tmRoot"/>
-      </p:par>
-    </p:tnLst>
-  </p:timing>
 </p:sld>
 </file>
 
@@ -41807,15 +41394,15 @@
           <a:lstStyle/>
           <a:p>
             <a:r>
-              <a:rPr lang="en-US" dirty="0" smtClean="0"/>
+              <a:rPr lang="en-US" dirty="0"/>
               <a:t>PRP </a:t>
             </a:r>
             <a:r>
-              <a:rPr lang="ru-RU" dirty="0" smtClean="0"/>
+              <a:rPr lang="ru-RU" dirty="0"/>
               <a:t>и </a:t>
             </a:r>
             <a:r>
-              <a:rPr lang="en-US" dirty="0" smtClean="0"/>
+              <a:rPr lang="en-US" dirty="0"/>
               <a:t>PRF</a:t>
             </a:r>
             <a:endParaRPr lang="ru-RU" dirty="0"/>
@@ -41876,7 +41463,7 @@
                   <a:buNone/>
                 </a:pPr>
                 <a:r>
-                  <a:rPr lang="ru-RU" dirty="0" smtClean="0">
+                  <a:rPr lang="ru-RU" dirty="0">
                     <a:sym typeface="Symbol" pitchFamily="18" charset="2"/>
                   </a:rPr>
                   <a:t>Пусть функция </a:t>
@@ -41935,13 +41522,13 @@
                   </m:oMath>
                 </a14:m>
                 <a:r>
-                  <a:rPr lang="en-US" dirty="0" smtClean="0">
+                  <a:rPr lang="en-US" dirty="0">
                     <a:sym typeface="Symbol" pitchFamily="18" charset="2"/>
                   </a:rPr>
                   <a:t> </a:t>
                 </a:r>
                 <a:r>
-                  <a:rPr lang="ru-RU" dirty="0" smtClean="0">
+                  <a:rPr lang="ru-RU" dirty="0">
                     <a:sym typeface="Symbol" pitchFamily="18" charset="2"/>
                   </a:rPr>
                   <a:t>определена на </a:t>
@@ -42000,7 +41587,7 @@
                   </m:oMath>
                 </a14:m>
                 <a:r>
-                  <a:rPr lang="ru-RU" dirty="0" smtClean="0">
+                  <a:rPr lang="ru-RU" dirty="0">
                     <a:sym typeface="Symbol" pitchFamily="18" charset="2"/>
                   </a:rPr>
                   <a:t>. </a:t>
@@ -42014,7 +41601,7 @@
                   <a:buNone/>
                 </a:pPr>
                 <a:r>
-                  <a:rPr lang="ru-RU" dirty="0" smtClean="0">
+                  <a:rPr lang="ru-RU" dirty="0">
                     <a:sym typeface="Symbol" pitchFamily="18" charset="2"/>
                   </a:rPr>
                   <a:t>Тогда </a:t>
@@ -42031,25 +41618,25 @@
                   </m:oMath>
                 </a14:m>
                 <a:r>
-                  <a:rPr lang="ru-RU" dirty="0" smtClean="0">
+                  <a:rPr lang="ru-RU" dirty="0">
                     <a:sym typeface="Symbol" pitchFamily="18" charset="2"/>
                   </a:rPr>
                   <a:t> – </a:t>
                 </a:r>
                 <a:r>
-                  <a:rPr lang="ru-RU" b="1" dirty="0" smtClean="0">
+                  <a:rPr lang="ru-RU" b="1" dirty="0">
                     <a:sym typeface="Symbol" pitchFamily="18" charset="2"/>
                   </a:rPr>
                   <a:t>псевдослучайная функция (</a:t>
                 </a:r>
                 <a:r>
-                  <a:rPr lang="en-US" b="1" dirty="0" smtClean="0">
+                  <a:rPr lang="en-US" b="1" dirty="0">
                     <a:sym typeface="Symbol" pitchFamily="18" charset="2"/>
                   </a:rPr>
                   <a:t>PRF)</a:t>
                 </a:r>
                 <a:r>
-                  <a:rPr lang="ru-RU" dirty="0" smtClean="0">
+                  <a:rPr lang="ru-RU" dirty="0">
                     <a:sym typeface="Symbol" pitchFamily="18" charset="2"/>
                   </a:rPr>
                   <a:t>, если существует эффективный алгоритм, вычисляющий </a:t>
@@ -42155,7 +41742,7 @@
                   </m:oMath>
                 </a14:m>
                 <a:r>
-                  <a:rPr lang="ru-RU" dirty="0" smtClean="0">
+                  <a:rPr lang="ru-RU" dirty="0">
                     <a:sym typeface="Symbol" pitchFamily="18" charset="2"/>
                   </a:rPr>
                   <a:t>.</a:t>
@@ -42180,7 +41767,7 @@
                   <a:buNone/>
                 </a:pPr>
                 <a:r>
-                  <a:rPr lang="ru-RU" dirty="0" smtClean="0">
+                  <a:rPr lang="ru-RU" dirty="0">
                     <a:sym typeface="Symbol" pitchFamily="18" charset="2"/>
                   </a:rPr>
                   <a:t>Пусть функция </a:t>
@@ -42239,13 +41826,13 @@
                   </m:oMath>
                 </a14:m>
                 <a:r>
-                  <a:rPr lang="en-US" dirty="0" smtClean="0">
+                  <a:rPr lang="en-US" dirty="0">
                     <a:sym typeface="Symbol" pitchFamily="18" charset="2"/>
                   </a:rPr>
                   <a:t> </a:t>
                 </a:r>
                 <a:r>
-                  <a:rPr lang="ru-RU" dirty="0" smtClean="0">
+                  <a:rPr lang="ru-RU" dirty="0">
                     <a:sym typeface="Symbol" pitchFamily="18" charset="2"/>
                   </a:rPr>
                   <a:t>определена на </a:t>
@@ -42295,7 +41882,7 @@
                   </a:rPr>
                   <a:t>. </a:t>
                 </a:r>
-                <a:endParaRPr lang="en-US" dirty="0" smtClean="0">
+                <a:endParaRPr lang="en-US" dirty="0">
                   <a:sym typeface="Symbol" pitchFamily="18" charset="2"/>
                 </a:endParaRPr>
               </a:p>
@@ -42307,7 +41894,7 @@
                   <a:buNone/>
                 </a:pPr>
                 <a:r>
-                  <a:rPr lang="ru-RU" dirty="0" smtClean="0">
+                  <a:rPr lang="ru-RU" dirty="0">
                     <a:sym typeface="Symbol" pitchFamily="18" charset="2"/>
                   </a:rPr>
                   <a:t>Тогда </a:t>
@@ -42324,37 +41911,25 @@
                   </m:oMath>
                 </a14:m>
                 <a:r>
-                  <a:rPr lang="ru-RU" dirty="0" smtClean="0">
+                  <a:rPr lang="ru-RU" dirty="0">
                     <a:sym typeface="Symbol" pitchFamily="18" charset="2"/>
                   </a:rPr>
                   <a:t> – </a:t>
                 </a:r>
                 <a:r>
-                  <a:rPr lang="ru-RU" b="1" dirty="0" smtClean="0">
+                  <a:rPr lang="ru-RU" b="1" dirty="0">
                     <a:sym typeface="Symbol" pitchFamily="18" charset="2"/>
                   </a:rPr>
                   <a:t>псевдослучайная подстановка (</a:t>
                 </a:r>
                 <a:r>
-                  <a:rPr lang="en-US" b="1" dirty="0" smtClean="0">
-                    <a:sym typeface="Symbol" pitchFamily="18" charset="2"/>
-                  </a:rPr>
-                  <a:t>PR</a:t>
-                </a:r>
-                <a:r>
                   <a:rPr lang="en-US" b="1" dirty="0">
                     <a:sym typeface="Symbol" pitchFamily="18" charset="2"/>
                   </a:rPr>
-                  <a:t>P</a:t>
-                </a:r>
-                <a:r>
-                  <a:rPr lang="en-US" b="1" dirty="0" smtClean="0">
-                    <a:sym typeface="Symbol" pitchFamily="18" charset="2"/>
-                  </a:rPr>
-                  <a:t>)</a:t>
-                </a:r>
-                <a:r>
-                  <a:rPr lang="ru-RU" dirty="0" smtClean="0">
+                  <a:t>PRP)</a:t>
+                </a:r>
+                <a:r>
+                  <a:rPr lang="ru-RU" dirty="0">
                     <a:sym typeface="Symbol" pitchFamily="18" charset="2"/>
                   </a:rPr>
                   <a:t>, если</a:t>
@@ -42367,7 +41942,7 @@
                   </a:lnSpc>
                 </a:pPr>
                 <a:r>
-                  <a:rPr lang="ru-RU" dirty="0" smtClean="0">
+                  <a:rPr lang="ru-RU" dirty="0">
                     <a:sym typeface="Symbol" pitchFamily="18" charset="2"/>
                   </a:rPr>
                   <a:t>Существует эффективный алгоритм вычисляющий </a:t>
@@ -42472,7 +42047,7 @@
                     </m:r>
                   </m:oMath>
                 </a14:m>
-                <a:endParaRPr lang="en-US" dirty="0" smtClean="0">
+                <a:endParaRPr lang="en-US" dirty="0">
                   <a:sym typeface="Symbol" pitchFamily="18" charset="2"/>
                 </a:endParaRPr>
               </a:p>
@@ -42483,7 +42058,7 @@
                   </a:lnSpc>
                 </a:pPr>
                 <a:r>
-                  <a:rPr lang="ru-RU" dirty="0" smtClean="0">
+                  <a:rPr lang="ru-RU" dirty="0">
                     <a:sym typeface="Symbol" pitchFamily="18" charset="2"/>
                   </a:rPr>
                   <a:t>Функция </a:t>
@@ -42556,14 +42131,11 @@
                   </m:oMath>
                 </a14:m>
                 <a:r>
-                  <a:rPr lang="ru-RU" dirty="0" smtClean="0">
+                  <a:rPr lang="ru-RU" dirty="0">
                     <a:sym typeface="Symbol" pitchFamily="18" charset="2"/>
                   </a:rPr>
                   <a:t> – подстановка.</a:t>
                 </a:r>
-                <a:endParaRPr lang="ru-RU" dirty="0">
-                  <a:sym typeface="Symbol" pitchFamily="18" charset="2"/>
-                </a:endParaRPr>
               </a:p>
             </p:txBody>
           </p:sp>
@@ -42616,13 +42188,6 @@
   <p:clrMapOvr>
     <a:masterClrMapping/>
   </p:clrMapOvr>
-  <p:timing>
-    <p:tnLst>
-      <p:par>
-        <p:cTn id="1" dur="indefinite" restart="never" nodeType="tmRoot"/>
-      </p:par>
-    </p:tnLst>
-  </p:timing>
 </p:sld>
 </file>
 
@@ -42659,16 +42224,12 @@
           <a:lstStyle/>
           <a:p>
             <a:r>
-              <a:rPr lang="ru-RU" dirty="0" smtClean="0"/>
+              <a:rPr lang="ru-RU" dirty="0"/>
               <a:t>Игра на стойкость</a:t>
             </a:r>
             <a:r>
               <a:rPr lang="en-US" dirty="0"/>
-              <a:t> </a:t>
-            </a:r>
-            <a:r>
-              <a:rPr lang="en-US" dirty="0" smtClean="0"/>
-              <a:t>PRF</a:t>
+              <a:t> PRF</a:t>
             </a:r>
             <a:endParaRPr lang="ru-RU" dirty="0"/>
           </a:p>
@@ -42700,7 +42261,7 @@
                   <a:buNone/>
                 </a:pPr>
                 <a:r>
-                  <a:rPr lang="ru-RU" dirty="0" smtClean="0"/>
+                  <a:rPr lang="ru-RU" dirty="0"/>
                   <a:t>Для </a:t>
                 </a:r>
                 <a14:m>
@@ -42720,11 +42281,11 @@
                   </m:oMath>
                 </a14:m>
                 <a:r>
-                  <a:rPr lang="en-US" dirty="0" smtClean="0"/>
+                  <a:rPr lang="en-US" dirty="0"/>
                   <a:t> </a:t>
                 </a:r>
                 <a:r>
-                  <a:rPr lang="ru-RU" dirty="0" smtClean="0"/>
+                  <a:rPr lang="ru-RU" dirty="0"/>
                   <a:t>пусть </a:t>
                 </a:r>
                 <a14:m>
@@ -42757,7 +42318,7 @@
                   </m:oMath>
                 </a14:m>
                 <a:r>
-                  <a:rPr lang="ru-RU" dirty="0" smtClean="0"/>
+                  <a:rPr lang="ru-RU" dirty="0"/>
                   <a:t> событие того, что </a:t>
                 </a:r>
                 <a14:m>
@@ -42777,11 +42338,11 @@
                   </m:oMath>
                 </a14:m>
                 <a:r>
-                  <a:rPr lang="en-US" dirty="0" smtClean="0"/>
+                  <a:rPr lang="en-US" dirty="0"/>
                   <a:t>=1</a:t>
                 </a:r>
                 <a:r>
-                  <a:rPr lang="ru-RU" dirty="0" smtClean="0"/>
+                  <a:rPr lang="ru-RU" dirty="0"/>
                   <a:t> в эксперименте </a:t>
                 </a:r>
                 <a14:m>
@@ -42795,7 +42356,7 @@
                   </m:oMath>
                 </a14:m>
                 <a:r>
-                  <a:rPr lang="ru-RU" dirty="0" smtClean="0"/>
+                  <a:rPr lang="ru-RU" dirty="0"/>
                   <a:t>.</a:t>
                 </a:r>
               </a:p>
@@ -42804,7 +42365,7 @@
                   <a:buNone/>
                 </a:pPr>
                 <a:r>
-                  <a:rPr lang="ru-RU" dirty="0" smtClean="0"/>
+                  <a:rPr lang="ru-RU" dirty="0"/>
                   <a:t>Тогда преимуществом алгоритма </a:t>
                 </a:r>
                 <a14:m>
@@ -42818,7 +42379,7 @@
                   </m:oMath>
                 </a14:m>
                 <a:r>
-                  <a:rPr lang="ru-RU" dirty="0" smtClean="0"/>
+                  <a:rPr lang="ru-RU" dirty="0"/>
                   <a:t> против псевдослучайной функции </a:t>
                 </a:r>
                 <a14:m>
@@ -42832,7 +42393,7 @@
                   </m:oMath>
                 </a14:m>
                 <a:r>
-                  <a:rPr lang="ru-RU" dirty="0" smtClean="0"/>
+                  <a:rPr lang="ru-RU" dirty="0"/>
                   <a:t> называется величина </a:t>
                 </a:r>
                 <a14:m>
@@ -43020,7 +42581,7 @@
                   </m:oMath>
                 </a14:m>
                 <a:r>
-                  <a:rPr lang="ru-RU" dirty="0" smtClean="0"/>
+                  <a:rPr lang="ru-RU" dirty="0"/>
                   <a:t>.</a:t>
                 </a:r>
               </a:p>
@@ -43494,7 +43055,7 @@
               <a:lstStyle/>
               <a:p>
                 <a:r>
-                  <a:rPr lang="en-US" b="0" dirty="0" smtClean="0"/>
+                  <a:rPr lang="en-US" b="0" dirty="0"/>
                   <a:t>If: </a:t>
                 </a:r>
                 <a14:m>
@@ -43589,19 +43150,19 @@
                     </m:r>
                   </m:oMath>
                 </a14:m>
-                <a:endParaRPr lang="en-US" b="0" dirty="0" smtClean="0"/>
+                <a:endParaRPr lang="en-US" b="0" dirty="0"/>
               </a:p>
               <a:p>
                 <a:r>
-                  <a:rPr lang="en-US" dirty="0" smtClean="0"/>
+                  <a:rPr lang="en-US" dirty="0"/>
                   <a:t>Else: </a:t>
                 </a:r>
                 <a:r>
-                  <a:rPr lang="ru-RU" dirty="0" smtClean="0"/>
+                  <a:rPr lang="ru-RU" dirty="0"/>
                   <a:t> </a:t>
                 </a:r>
                 <a:r>
-                  <a:rPr lang="en-US" dirty="0" smtClean="0"/>
+                  <a:rPr lang="en-US" dirty="0"/>
                   <a:t>       </a:t>
                 </a:r>
                 <a14:m>
@@ -44155,10 +43716,9 @@
                     </m:oMath>
                   </a14:m>
                   <a:r>
-                    <a:rPr lang="en-US" sz="2000" dirty="0" smtClean="0"/>
+                    <a:rPr lang="en-US" sz="2000" dirty="0"/>
                     <a:t>)</a:t>
                   </a:r>
-                  <a:endParaRPr lang="en-US" sz="2000" dirty="0"/>
                 </a:p>
               </p:txBody>
             </p:sp>
@@ -44546,10 +44106,9 @@
                     </m:oMath>
                   </a14:m>
                   <a:r>
-                    <a:rPr lang="en-US" sz="2000" dirty="0" smtClean="0"/>
+                    <a:rPr lang="en-US" sz="2000" dirty="0"/>
                     <a:t>)</a:t>
                   </a:r>
-                  <a:endParaRPr lang="en-US" sz="2000" dirty="0"/>
                 </a:p>
               </p:txBody>
             </p:sp>
@@ -45218,11 +44777,11 @@
           <a:lstStyle/>
           <a:p>
             <a:r>
-              <a:rPr lang="ru-RU" dirty="0" smtClean="0"/>
+              <a:rPr lang="ru-RU" dirty="0"/>
               <a:t>Стойкая </a:t>
             </a:r>
             <a:r>
-              <a:rPr lang="en-US" dirty="0" smtClean="0"/>
+              <a:rPr lang="en-US" dirty="0"/>
               <a:t>PRF</a:t>
             </a:r>
             <a:endParaRPr lang="ru-RU" dirty="0"/>
@@ -45255,7 +44814,7 @@
                   <a:buNone/>
                 </a:pPr>
                 <a:r>
-                  <a:rPr lang="en-US" dirty="0" smtClean="0"/>
+                  <a:rPr lang="en-US" dirty="0"/>
                   <a:t>PRF </a:t>
                 </a:r>
                 <a14:m>
@@ -45269,7 +44828,7 @@
                   </m:oMath>
                 </a14:m>
                 <a:r>
-                  <a:rPr lang="ru-RU" dirty="0" smtClean="0"/>
+                  <a:rPr lang="ru-RU" dirty="0"/>
                   <a:t>, определённая на </a:t>
                 </a:r>
                 <a14:m>
@@ -45319,15 +44878,15 @@
                   </m:oMath>
                 </a14:m>
                 <a:r>
-                  <a:rPr lang="ru-RU" dirty="0" smtClean="0"/>
+                  <a:rPr lang="ru-RU" dirty="0"/>
                   <a:t>, называется стойкой </a:t>
                 </a:r>
                 <a:r>
-                  <a:rPr lang="en-US" dirty="0" smtClean="0"/>
+                  <a:rPr lang="en-US" dirty="0"/>
                   <a:t>PRF</a:t>
                 </a:r>
                 <a:r>
-                  <a:rPr lang="ru-RU" dirty="0" smtClean="0"/>
+                  <a:rPr lang="ru-RU" dirty="0"/>
                   <a:t>, если </a:t>
                 </a:r>
                 <a14:m>
@@ -45359,15 +44918,15 @@
                   </m:oMath>
                 </a14:m>
                 <a:r>
-                  <a:rPr lang="ru-RU" dirty="0" smtClean="0"/>
+                  <a:rPr lang="ru-RU" dirty="0"/>
                   <a:t> – эффективный алгоритм в игре на стойкость </a:t>
                 </a:r>
                 <a:r>
-                  <a:rPr lang="en-US" dirty="0" smtClean="0"/>
+                  <a:rPr lang="en-US" dirty="0"/>
                   <a:t>PRF</a:t>
                 </a:r>
                 <a:r>
-                  <a:rPr lang="ru-RU" dirty="0" smtClean="0"/>
+                  <a:rPr lang="ru-RU" dirty="0"/>
                   <a:t> величина </a:t>
                 </a:r>
                 <a14:m>
@@ -45443,7 +45002,7 @@
                   </m:oMath>
                 </a14:m>
                 <a:r>
-                  <a:rPr lang="ru-RU" dirty="0" smtClean="0"/>
+                  <a:rPr lang="ru-RU" dirty="0"/>
                   <a:t>, где </a:t>
                 </a:r>
                 <a14:m>
@@ -45457,14 +45016,14 @@
                   </m:oMath>
                 </a14:m>
                 <a:r>
-                  <a:rPr lang="ru-RU" i="1" dirty="0" smtClean="0"/>
+                  <a:rPr lang="ru-RU" i="1" dirty="0"/>
                   <a:t> </a:t>
                 </a:r>
                 <a:r>
-                  <a:rPr lang="ru-RU" dirty="0" smtClean="0"/>
+                  <a:rPr lang="ru-RU" dirty="0"/>
                   <a:t>– пренебрежимо малая величина.</a:t>
                 </a:r>
-                <a:endParaRPr lang="ru-RU" i="1" dirty="0" smtClean="0"/>
+                <a:endParaRPr lang="ru-RU" i="1" dirty="0"/>
               </a:p>
             </p:txBody>
           </p:sp>
@@ -45936,7 +45495,7 @@
               <a:lstStyle/>
               <a:p>
                 <a:r>
-                  <a:rPr lang="en-US" b="0" dirty="0" smtClean="0"/>
+                  <a:rPr lang="en-US" b="0" dirty="0"/>
                   <a:t>If: </a:t>
                 </a:r>
                 <a14:m>
@@ -46031,19 +45590,19 @@
                     </m:r>
                   </m:oMath>
                 </a14:m>
-                <a:endParaRPr lang="en-US" b="0" dirty="0" smtClean="0"/>
+                <a:endParaRPr lang="en-US" b="0" dirty="0"/>
               </a:p>
               <a:p>
                 <a:r>
-                  <a:rPr lang="en-US" dirty="0" smtClean="0"/>
+                  <a:rPr lang="en-US" dirty="0"/>
                   <a:t>Else: </a:t>
                 </a:r>
                 <a:r>
-                  <a:rPr lang="ru-RU" dirty="0" smtClean="0"/>
+                  <a:rPr lang="ru-RU" dirty="0"/>
                   <a:t> </a:t>
                 </a:r>
                 <a:r>
-                  <a:rPr lang="en-US" dirty="0" smtClean="0"/>
+                  <a:rPr lang="en-US" dirty="0"/>
                   <a:t>       </a:t>
                 </a:r>
                 <a14:m>
@@ -46597,10 +46156,9 @@
                     </m:oMath>
                   </a14:m>
                   <a:r>
-                    <a:rPr lang="en-US" sz="2000" dirty="0" smtClean="0"/>
+                    <a:rPr lang="en-US" sz="2000" dirty="0"/>
                     <a:t>)</a:t>
                   </a:r>
-                  <a:endParaRPr lang="en-US" sz="2000" dirty="0"/>
                 </a:p>
               </p:txBody>
             </p:sp>
@@ -46988,10 +46546,9 @@
                     </m:oMath>
                   </a14:m>
                   <a:r>
-                    <a:rPr lang="en-US" sz="2000" dirty="0" smtClean="0"/>
+                    <a:rPr lang="en-US" sz="2000" dirty="0"/>
                     <a:t>)</a:t>
                   </a:r>
-                  <a:endParaRPr lang="en-US" sz="2000" dirty="0"/>
                 </a:p>
               </p:txBody>
             </p:sp>
@@ -47388,13 +46945,6 @@
   <p:clrMapOvr>
     <a:masterClrMapping/>
   </p:clrMapOvr>
-  <p:timing>
-    <p:tnLst>
-      <p:par>
-        <p:cTn id="1" dur="indefinite" restart="never" nodeType="tmRoot"/>
-      </p:par>
-    </p:tnLst>
-  </p:timing>
 </p:sld>
 </file>
 
@@ -47431,16 +46981,12 @@
           <a:lstStyle/>
           <a:p>
             <a:r>
-              <a:rPr lang="ru-RU" dirty="0" smtClean="0"/>
+              <a:rPr lang="ru-RU" dirty="0"/>
               <a:t>Игра на стойкость</a:t>
             </a:r>
             <a:r>
               <a:rPr lang="en-US" dirty="0"/>
-              <a:t> </a:t>
-            </a:r>
-            <a:r>
-              <a:rPr lang="en-US" dirty="0" smtClean="0"/>
-              <a:t>PRF</a:t>
+              <a:t> PRF</a:t>
             </a:r>
             <a:endParaRPr lang="ru-RU" dirty="0"/>
           </a:p>
@@ -47472,59 +47018,51 @@
                   <a:buNone/>
                 </a:pPr>
                 <a:r>
-                  <a:rPr lang="ru-RU" dirty="0" smtClean="0"/>
+                  <a:rPr lang="ru-RU" dirty="0"/>
                   <a:t>Альтернативное определение</a:t>
                 </a:r>
                 <a:r>
-                  <a:rPr lang="en-US" dirty="0" smtClean="0"/>
+                  <a:rPr lang="en-US" dirty="0"/>
                   <a:t>:</a:t>
                 </a:r>
                 <a:r>
-                  <a:rPr lang="ru-RU" dirty="0" smtClean="0"/>
-                  <a:t> рассмотри игру на угадывание бита (см лекцию 1)</a:t>
+                  <a:rPr lang="ru-RU" dirty="0"/>
+                  <a:t> рассмотри игру на угадывание бита (см лекцию 1) для противника </a:t>
+                </a:r>
+                <a14:m>
+                  <m:oMath xmlns:m="http://schemas.openxmlformats.org/officeDocument/2006/math">
+                    <m:r>
+                      <a:rPr lang="en-US" b="0" i="1" smtClean="0">
+                        <a:latin typeface="Cambria Math" panose="02040503050406030204" pitchFamily="18" charset="0"/>
+                      </a:rPr>
+                      <m:t>𝐴</m:t>
+                    </m:r>
+                  </m:oMath>
+                </a14:m>
+                <a:r>
+                  <a:rPr lang="ru-RU" dirty="0"/>
+                  <a:t> против</a:t>
+                </a:r>
+                <a:r>
+                  <a:rPr lang="en-US" dirty="0"/>
+                  <a:t> PRF</a:t>
                 </a:r>
                 <a:r>
                   <a:rPr lang="ru-RU" dirty="0"/>
                   <a:t> </a:t>
                 </a:r>
-                <a:r>
-                  <a:rPr lang="ru-RU" dirty="0" smtClean="0"/>
-                  <a:t>для противника </a:t>
-                </a:r>
                 <a14:m>
                   <m:oMath xmlns:m="http://schemas.openxmlformats.org/officeDocument/2006/math">
                     <m:r>
                       <a:rPr lang="en-US" b="0" i="1" smtClean="0">
                         <a:latin typeface="Cambria Math" panose="02040503050406030204" pitchFamily="18" charset="0"/>
                       </a:rPr>
-                      <m:t>𝐴</m:t>
+                      <m:t>𝐹</m:t>
                     </m:r>
                   </m:oMath>
                 </a14:m>
                 <a:r>
-                  <a:rPr lang="ru-RU" dirty="0" smtClean="0"/>
-                  <a:t> против</a:t>
-                </a:r>
-                <a:r>
-                  <a:rPr lang="en-US" dirty="0" smtClean="0"/>
-                  <a:t> PRF</a:t>
-                </a:r>
-                <a:r>
-                  <a:rPr lang="ru-RU" dirty="0" smtClean="0"/>
-                  <a:t> </a:t>
-                </a:r>
-                <a14:m>
-                  <m:oMath xmlns:m="http://schemas.openxmlformats.org/officeDocument/2006/math">
-                    <m:r>
-                      <a:rPr lang="en-US" b="0" i="1" smtClean="0">
-                        <a:latin typeface="Cambria Math" panose="02040503050406030204" pitchFamily="18" charset="0"/>
-                      </a:rPr>
-                      <m:t>𝐹</m:t>
-                    </m:r>
-                  </m:oMath>
-                </a14:m>
-                <a:r>
-                  <a:rPr lang="ru-RU" dirty="0" smtClean="0"/>
+                  <a:rPr lang="ru-RU" dirty="0"/>
                   <a:t>. Определим </a:t>
                 </a:r>
                 <a14:m>
@@ -47686,7 +47224,7 @@
                   </m:oMath>
                 </a14:m>
                 <a:r>
-                  <a:rPr lang="ru-RU" dirty="0" smtClean="0"/>
+                  <a:rPr lang="ru-RU" dirty="0"/>
                   <a:t>. Тогда </a:t>
                 </a:r>
                 <a14:m>
@@ -47700,15 +47238,15 @@
                   </m:oMath>
                 </a14:m>
                 <a:r>
-                  <a:rPr lang="ru-RU" dirty="0" smtClean="0"/>
+                  <a:rPr lang="ru-RU" dirty="0"/>
                   <a:t> – стойкая </a:t>
                 </a:r>
                 <a:r>
-                  <a:rPr lang="en-US" dirty="0" smtClean="0"/>
+                  <a:rPr lang="en-US" dirty="0"/>
                   <a:t>PRF</a:t>
                 </a:r>
                 <a:r>
-                  <a:rPr lang="ru-RU" dirty="0" smtClean="0"/>
+                  <a:rPr lang="ru-RU" dirty="0"/>
                   <a:t>, если </a:t>
                 </a:r>
                 <a14:m>
@@ -47741,15 +47279,7 @@
                 </a14:m>
                 <a:r>
                   <a:rPr lang="ru-RU" dirty="0"/>
-                  <a:t> – эффективный алгоритм в игре </a:t>
-                </a:r>
-                <a:r>
-                  <a:rPr lang="ru-RU" dirty="0" smtClean="0"/>
-                  <a:t>на угадывание бита в игре на </a:t>
-                </a:r>
-                <a:r>
-                  <a:rPr lang="ru-RU" dirty="0"/>
-                  <a:t>стойкость </a:t>
+                  <a:t> – эффективный алгоритм в игре на угадывание бита в игре на стойкость </a:t>
                 </a:r>
                 <a:r>
                   <a:rPr lang="en-US" dirty="0"/>
@@ -47859,13 +47389,9 @@
                 </a:r>
                 <a:r>
                   <a:rPr lang="ru-RU" dirty="0"/>
-                  <a:t>– пренебрежимо малая величина</a:t>
-                </a:r>
-                <a:r>
-                  <a:rPr lang="ru-RU" dirty="0" smtClean="0"/>
-                  <a:t>.</a:t>
-                </a:r>
-                <a:endParaRPr lang="en-US" dirty="0" smtClean="0"/>
+                  <a:t>– пренебрежимо малая величина.</a:t>
+                </a:r>
+                <a:endParaRPr lang="en-US" dirty="0"/>
               </a:p>
               <a:p>
                 <a:pPr marL="0" indent="0">
@@ -48003,7 +47529,7 @@
                   </m:oMath>
                 </a14:m>
                 <a:r>
-                  <a:rPr lang="ru-RU" i="1" dirty="0" smtClean="0"/>
+                  <a:rPr lang="ru-RU" i="1" dirty="0"/>
                   <a:t>. </a:t>
                 </a:r>
                 <a:r>
@@ -48016,7 +47542,7 @@
                 <a:pPr marL="0" indent="0">
                   <a:buNone/>
                 </a:pPr>
-                <a:endParaRPr lang="ru-RU" dirty="0" smtClean="0"/>
+                <a:endParaRPr lang="ru-RU" dirty="0"/>
               </a:p>
             </p:txBody>
           </p:sp>
@@ -48488,7 +48014,7 @@
               <a:lstStyle/>
               <a:p>
                 <a:r>
-                  <a:rPr lang="en-US" b="0" dirty="0" smtClean="0"/>
+                  <a:rPr lang="en-US" b="0" dirty="0"/>
                   <a:t>If: </a:t>
                 </a:r>
                 <a14:m>
@@ -48583,19 +48109,19 @@
                     </m:r>
                   </m:oMath>
                 </a14:m>
-                <a:endParaRPr lang="en-US" b="0" dirty="0" smtClean="0"/>
+                <a:endParaRPr lang="en-US" b="0" dirty="0"/>
               </a:p>
               <a:p>
                 <a:r>
-                  <a:rPr lang="en-US" dirty="0" smtClean="0"/>
+                  <a:rPr lang="en-US" dirty="0"/>
                   <a:t>Else: </a:t>
                 </a:r>
                 <a:r>
-                  <a:rPr lang="ru-RU" dirty="0" smtClean="0"/>
+                  <a:rPr lang="ru-RU" dirty="0"/>
                   <a:t> </a:t>
                 </a:r>
                 <a:r>
-                  <a:rPr lang="en-US" dirty="0" smtClean="0"/>
+                  <a:rPr lang="en-US" dirty="0"/>
                   <a:t>       </a:t>
                 </a:r>
                 <a14:m>
@@ -49149,10 +48675,9 @@
                     </m:oMath>
                   </a14:m>
                   <a:r>
-                    <a:rPr lang="en-US" sz="2000" dirty="0" smtClean="0"/>
+                    <a:rPr lang="en-US" sz="2000" dirty="0"/>
                     <a:t>)</a:t>
                   </a:r>
-                  <a:endParaRPr lang="en-US" sz="2000" dirty="0"/>
                 </a:p>
               </p:txBody>
             </p:sp>
@@ -49540,10 +49065,9 @@
                     </m:oMath>
                   </a14:m>
                   <a:r>
-                    <a:rPr lang="en-US" sz="2000" dirty="0" smtClean="0"/>
+                    <a:rPr lang="en-US" sz="2000" dirty="0"/>
                     <a:t>)</a:t>
                   </a:r>
-                  <a:endParaRPr lang="en-US" sz="2000" dirty="0"/>
                 </a:p>
               </p:txBody>
             </p:sp>
@@ -49689,13 +49213,6 @@
   <p:clrMapOvr>
     <a:masterClrMapping/>
   </p:clrMapOvr>
-  <p:timing>
-    <p:tnLst>
-      <p:par>
-        <p:cTn id="1" dur="indefinite" restart="never" nodeType="tmRoot"/>
-      </p:par>
-    </p:tnLst>
-  </p:timing>
 </p:sld>
 </file>
 
@@ -49732,10 +49249,9 @@
           <a:lstStyle/>
           <a:p>
             <a:r>
-              <a:rPr lang="ru-RU" dirty="0" smtClean="0"/>
+              <a:rPr lang="ru-RU" dirty="0"/>
               <a:t>Вычислительная неразличимость</a:t>
             </a:r>
-            <a:endParaRPr lang="ru-RU" dirty="0"/>
           </a:p>
         </p:txBody>
       </p:sp>
@@ -49765,7 +49281,7 @@
                   <a:buNone/>
                 </a:pPr>
                 <a:r>
-                  <a:rPr lang="ru-RU" dirty="0" smtClean="0"/>
+                  <a:rPr lang="ru-RU" dirty="0"/>
                   <a:t>Пусть </a:t>
                 </a:r>
                 <a14:m>
@@ -49779,11 +49295,11 @@
                   </m:oMath>
                 </a14:m>
                 <a:r>
-                  <a:rPr lang="en-US" dirty="0" smtClean="0"/>
+                  <a:rPr lang="en-US" dirty="0"/>
                   <a:t> – PRF </a:t>
                 </a:r>
                 <a:r>
-                  <a:rPr lang="ru-RU" dirty="0" smtClean="0"/>
+                  <a:rPr lang="ru-RU" dirty="0"/>
                   <a:t>на </a:t>
                 </a:r>
                 <a14:m>
@@ -49832,20 +49348,20 @@
                     </m:r>
                   </m:oMath>
                 </a14:m>
-                <a:endParaRPr lang="ru-RU" dirty="0" smtClean="0"/>
+                <a:endParaRPr lang="ru-RU" dirty="0"/>
               </a:p>
               <a:p>
                 <a:pPr marL="0" indent="0">
                   <a:buNone/>
                 </a:pPr>
-                <a:endParaRPr lang="en-US" dirty="0" smtClean="0"/>
+                <a:endParaRPr lang="en-US" dirty="0"/>
               </a:p>
               <a:p>
                 <a:pPr marL="0" indent="0">
                   <a:buNone/>
                 </a:pPr>
                 <a:r>
-                  <a:rPr lang="ru-RU" dirty="0" smtClean="0"/>
+                  <a:rPr lang="ru-RU" dirty="0"/>
                   <a:t>Рассмотрим множество возможных значений </a:t>
                 </a:r>
                 <a14:m>
@@ -49983,7 +49499,7 @@
                   <a:buNone/>
                 </a:pPr>
                 <a:r>
-                  <a:rPr lang="ru-RU" dirty="0" smtClean="0"/>
+                  <a:rPr lang="ru-RU" dirty="0"/>
                   <a:t>Тогда если </a:t>
                 </a:r>
                 <a14:m>
@@ -49997,23 +49513,23 @@
                   </m:oMath>
                 </a14:m>
                 <a:r>
-                  <a:rPr lang="ru-RU" dirty="0" smtClean="0"/>
+                  <a:rPr lang="ru-RU" dirty="0"/>
                   <a:t> – стойкая </a:t>
                 </a:r>
                 <a:r>
-                  <a:rPr lang="en-US" dirty="0" smtClean="0"/>
+                  <a:rPr lang="en-US" dirty="0"/>
                   <a:t>PRF</a:t>
                 </a:r>
                 <a:r>
-                  <a:rPr lang="ru-RU" dirty="0" smtClean="0"/>
+                  <a:rPr lang="ru-RU" dirty="0"/>
                   <a:t>, то эффективный Противник не может</a:t>
                 </a:r>
                 <a:r>
-                  <a:rPr lang="en-US" dirty="0" smtClean="0"/>
+                  <a:rPr lang="en-US" dirty="0"/>
                   <a:t> </a:t>
                 </a:r>
                 <a:r>
-                  <a:rPr lang="ru-RU" dirty="0" smtClean="0"/>
+                  <a:rPr lang="ru-RU" dirty="0"/>
                   <a:t>имея доступ к оракулу отличить </a:t>
                 </a:r>
                 <a14:m>
@@ -50058,11 +49574,11 @@
                   </m:oMath>
                 </a14:m>
                 <a:r>
-                  <a:rPr lang="en-US" dirty="0" smtClean="0"/>
+                  <a:rPr lang="en-US" dirty="0"/>
                   <a:t> </a:t>
                 </a:r>
                 <a:r>
-                  <a:rPr lang="ru-RU" dirty="0" smtClean="0"/>
+                  <a:rPr lang="ru-RU" dirty="0"/>
                   <a:t>от </a:t>
                 </a:r>
                 <a14:m>
@@ -50079,10 +49595,10 @@
                   </m:oMath>
                 </a14:m>
                 <a:r>
-                  <a:rPr lang="ru-RU" dirty="0" smtClean="0"/>
+                  <a:rPr lang="ru-RU" dirty="0"/>
                   <a:t>.</a:t>
                 </a:r>
-                <a:endParaRPr lang="en-US" dirty="0" smtClean="0"/>
+                <a:endParaRPr lang="en-US" dirty="0"/>
               </a:p>
               <a:p>
                 <a:pPr marL="0" indent="0">
@@ -50175,7 +49691,7 @@
                   </m:oMath>
                 </a14:m>
                 <a:r>
-                  <a:rPr lang="en-US" dirty="0" smtClean="0"/>
+                  <a:rPr lang="en-US" dirty="0"/>
                   <a:t>, </a:t>
                 </a:r>
                 <a14:m>
@@ -50562,13 +50078,6 @@
   <p:clrMapOvr>
     <a:masterClrMapping/>
   </p:clrMapOvr>
-  <p:timing>
-    <p:tnLst>
-      <p:par>
-        <p:cTn id="1" dur="indefinite" restart="never" nodeType="tmRoot"/>
-      </p:par>
-    </p:tnLst>
-  </p:timing>
 </p:sld>
 </file>
 
